--- a/Slides/Workshop6 - App Themes.pptx
+++ b/Slides/Workshop6 - App Themes.pptx
@@ -5,39 +5,41 @@
     <p:sldMasterId id="2147483660" r:id="rId1"/>
   </p:sldMasterIdLst>
   <p:notesMasterIdLst>
-    <p:notesMasterId r:id="rId32"/>
+    <p:notesMasterId r:id="rId34"/>
   </p:notesMasterIdLst>
   <p:sldIdLst>
     <p:sldId id="10325" r:id="rId2"/>
-    <p:sldId id="10330" r:id="rId3"/>
-    <p:sldId id="261" r:id="rId4"/>
-    <p:sldId id="263" r:id="rId5"/>
-    <p:sldId id="264" r:id="rId6"/>
-    <p:sldId id="265" r:id="rId7"/>
-    <p:sldId id="266" r:id="rId8"/>
-    <p:sldId id="267" r:id="rId9"/>
-    <p:sldId id="268" r:id="rId10"/>
-    <p:sldId id="269" r:id="rId11"/>
-    <p:sldId id="273" r:id="rId12"/>
-    <p:sldId id="274" r:id="rId13"/>
-    <p:sldId id="276" r:id="rId14"/>
-    <p:sldId id="10337" r:id="rId15"/>
-    <p:sldId id="281" r:id="rId16"/>
-    <p:sldId id="282" r:id="rId17"/>
-    <p:sldId id="283" r:id="rId18"/>
-    <p:sldId id="284" r:id="rId19"/>
-    <p:sldId id="285" r:id="rId20"/>
-    <p:sldId id="286" r:id="rId21"/>
-    <p:sldId id="287" r:id="rId22"/>
-    <p:sldId id="288" r:id="rId23"/>
-    <p:sldId id="289" r:id="rId24"/>
-    <p:sldId id="290" r:id="rId25"/>
-    <p:sldId id="327" r:id="rId26"/>
-    <p:sldId id="10338" r:id="rId27"/>
-    <p:sldId id="10339" r:id="rId28"/>
-    <p:sldId id="10340" r:id="rId29"/>
-    <p:sldId id="10341" r:id="rId30"/>
-    <p:sldId id="10336" r:id="rId31"/>
+    <p:sldId id="10343" r:id="rId3"/>
+    <p:sldId id="10330" r:id="rId4"/>
+    <p:sldId id="261" r:id="rId5"/>
+    <p:sldId id="263" r:id="rId6"/>
+    <p:sldId id="264" r:id="rId7"/>
+    <p:sldId id="265" r:id="rId8"/>
+    <p:sldId id="266" r:id="rId9"/>
+    <p:sldId id="267" r:id="rId10"/>
+    <p:sldId id="268" r:id="rId11"/>
+    <p:sldId id="269" r:id="rId12"/>
+    <p:sldId id="273" r:id="rId13"/>
+    <p:sldId id="274" r:id="rId14"/>
+    <p:sldId id="276" r:id="rId15"/>
+    <p:sldId id="10337" r:id="rId16"/>
+    <p:sldId id="281" r:id="rId17"/>
+    <p:sldId id="282" r:id="rId18"/>
+    <p:sldId id="283" r:id="rId19"/>
+    <p:sldId id="284" r:id="rId20"/>
+    <p:sldId id="285" r:id="rId21"/>
+    <p:sldId id="286" r:id="rId22"/>
+    <p:sldId id="287" r:id="rId23"/>
+    <p:sldId id="288" r:id="rId24"/>
+    <p:sldId id="289" r:id="rId25"/>
+    <p:sldId id="290" r:id="rId26"/>
+    <p:sldId id="327" r:id="rId27"/>
+    <p:sldId id="10338" r:id="rId28"/>
+    <p:sldId id="10339" r:id="rId29"/>
+    <p:sldId id="10340" r:id="rId30"/>
+    <p:sldId id="10341" r:id="rId31"/>
+    <p:sldId id="10342" r:id="rId32"/>
+    <p:sldId id="10336" r:id="rId33"/>
   </p:sldIdLst>
   <p:sldSz cx="12192000" cy="6858000"/>
   <p:notesSz cx="6858000" cy="9144000"/>
@@ -252,7 +254,7 @@
           <a:p>
             <a:fld id="{A334C884-B1D7-A043-A4AA-521744755A4B}" type="datetimeFigureOut">
               <a:rPr lang="en-US" smtClean="0"/>
-              <a:t>3/29/2022</a:t>
+              <a:t>6/10/24</a:t>
             </a:fld>
             <a:endParaRPr lang="en-US"/>
           </a:p>
@@ -595,7 +597,7 @@
               <a:pPr>
                 <a:defRPr/>
               </a:pPr>
-              <a:t>3</a:t>
+              <a:t>4</a:t>
             </a:fld>
             <a:endParaRPr lang="en-US" dirty="0"/>
           </a:p>
@@ -690,7 +692,7 @@
               <a:pPr>
                 <a:defRPr/>
               </a:pPr>
-              <a:t>12</a:t>
+              <a:t>13</a:t>
             </a:fld>
             <a:endParaRPr lang="en-US" dirty="0"/>
           </a:p>
@@ -785,7 +787,7 @@
               <a:pPr>
                 <a:defRPr/>
               </a:pPr>
-              <a:t>13</a:t>
+              <a:t>14</a:t>
             </a:fld>
             <a:endParaRPr lang="en-US" dirty="0"/>
           </a:p>
@@ -880,7 +882,7 @@
               <a:pPr>
                 <a:defRPr/>
               </a:pPr>
-              <a:t>15</a:t>
+              <a:t>16</a:t>
             </a:fld>
             <a:endParaRPr lang="en-US" dirty="0"/>
           </a:p>
@@ -975,7 +977,7 @@
               <a:pPr>
                 <a:defRPr/>
               </a:pPr>
-              <a:t>16</a:t>
+              <a:t>17</a:t>
             </a:fld>
             <a:endParaRPr lang="en-US" dirty="0"/>
           </a:p>
@@ -1070,7 +1072,7 @@
               <a:pPr>
                 <a:defRPr/>
               </a:pPr>
-              <a:t>17</a:t>
+              <a:t>18</a:t>
             </a:fld>
             <a:endParaRPr lang="en-US" dirty="0"/>
           </a:p>
@@ -1165,7 +1167,7 @@
               <a:pPr>
                 <a:defRPr/>
               </a:pPr>
-              <a:t>18</a:t>
+              <a:t>19</a:t>
             </a:fld>
             <a:endParaRPr lang="en-US" dirty="0"/>
           </a:p>
@@ -1260,7 +1262,7 @@
               <a:pPr>
                 <a:defRPr/>
               </a:pPr>
-              <a:t>19</a:t>
+              <a:t>20</a:t>
             </a:fld>
             <a:endParaRPr lang="en-US" dirty="0"/>
           </a:p>
@@ -1355,7 +1357,7 @@
               <a:pPr>
                 <a:defRPr/>
               </a:pPr>
-              <a:t>20</a:t>
+              <a:t>21</a:t>
             </a:fld>
             <a:endParaRPr lang="en-US" dirty="0"/>
           </a:p>
@@ -1450,7 +1452,7 @@
               <a:pPr>
                 <a:defRPr/>
               </a:pPr>
-              <a:t>21</a:t>
+              <a:t>22</a:t>
             </a:fld>
             <a:endParaRPr lang="en-US" dirty="0"/>
           </a:p>
@@ -1545,7 +1547,7 @@
               <a:pPr>
                 <a:defRPr/>
               </a:pPr>
-              <a:t>22</a:t>
+              <a:t>23</a:t>
             </a:fld>
             <a:endParaRPr lang="en-US" dirty="0"/>
           </a:p>
@@ -1640,7 +1642,7 @@
               <a:pPr>
                 <a:defRPr/>
               </a:pPr>
-              <a:t>4</a:t>
+              <a:t>5</a:t>
             </a:fld>
             <a:endParaRPr lang="en-US" dirty="0"/>
           </a:p>
@@ -1735,7 +1737,7 @@
               <a:pPr>
                 <a:defRPr/>
               </a:pPr>
-              <a:t>23</a:t>
+              <a:t>24</a:t>
             </a:fld>
             <a:endParaRPr lang="en-US" dirty="0"/>
           </a:p>
@@ -1830,7 +1832,7 @@
               <a:pPr>
                 <a:defRPr/>
               </a:pPr>
-              <a:t>24</a:t>
+              <a:t>25</a:t>
             </a:fld>
             <a:endParaRPr lang="en-US" dirty="0"/>
           </a:p>
@@ -1925,7 +1927,7 @@
               <a:pPr>
                 <a:defRPr/>
               </a:pPr>
-              <a:t>25</a:t>
+              <a:t>26</a:t>
             </a:fld>
             <a:endParaRPr lang="en-US" dirty="0"/>
           </a:p>
@@ -2020,7 +2022,7 @@
               <a:pPr>
                 <a:defRPr/>
               </a:pPr>
-              <a:t>27</a:t>
+              <a:t>28</a:t>
             </a:fld>
             <a:endParaRPr lang="en-US" dirty="0"/>
           </a:p>
@@ -2115,7 +2117,7 @@
               <a:pPr>
                 <a:defRPr/>
               </a:pPr>
-              <a:t>28</a:t>
+              <a:t>29</a:t>
             </a:fld>
             <a:endParaRPr lang="en-US" dirty="0"/>
           </a:p>
@@ -2210,7 +2212,7 @@
               <a:pPr>
                 <a:defRPr/>
               </a:pPr>
-              <a:t>29</a:t>
+              <a:t>30</a:t>
             </a:fld>
             <a:endParaRPr lang="en-US" dirty="0"/>
           </a:p>
@@ -2348,7 +2350,7 @@
           <a:p>
             <a:fld id="{E74353ED-ACB2-44BF-A903-985B0AF962B7}" type="datetime1">
               <a:rPr lang="en-US" smtClean="0"/>
-              <a:t>3/29/2022</a:t>
+              <a:t>6/10/24</a:t>
             </a:fld>
             <a:endParaRPr lang="en-US" dirty="0"/>
           </a:p>
@@ -2372,7 +2374,169 @@
             <a:fld id="{B4008EB6-D09E-4580-8CD6-DDB14511944F}" type="slidenum">
               <a:rPr lang="en-US" smtClean="0"/>
               <a:pPr/>
-              <a:t>30</a:t>
+              <a:t>31</a:t>
+            </a:fld>
+            <a:endParaRPr lang="en-US" dirty="0"/>
+          </a:p>
+        </p:txBody>
+      </p:sp>
+    </p:spTree>
+    <p:extLst>
+      <p:ext uri="{BB962C8B-B14F-4D97-AF65-F5344CB8AC3E}">
+        <p14:creationId xmlns:p14="http://schemas.microsoft.com/office/powerpoint/2010/main" val="317097467"/>
+      </p:ext>
+    </p:extLst>
+  </p:cSld>
+  <p:clrMapOvr>
+    <a:masterClrMapping/>
+  </p:clrMapOvr>
+</p:notes>
+</file>
+
+<file path=ppt/notesSlides/notesSlide27.xml><?xml version="1.0" encoding="utf-8"?>
+<p:notes xmlns:a="http://schemas.openxmlformats.org/drawingml/2006/main" xmlns:r="http://schemas.openxmlformats.org/officeDocument/2006/relationships" xmlns:p="http://schemas.openxmlformats.org/presentationml/2006/main">
+  <p:cSld>
+    <p:spTree>
+      <p:nvGrpSpPr>
+        <p:cNvPr id="1" name=""/>
+        <p:cNvGrpSpPr/>
+        <p:nvPr/>
+      </p:nvGrpSpPr>
+      <p:grpSpPr>
+        <a:xfrm>
+          <a:off x="0" y="0"/>
+          <a:ext cx="0" cy="0"/>
+          <a:chOff x="0" y="0"/>
+          <a:chExt cx="0" cy="0"/>
+        </a:xfrm>
+      </p:grpSpPr>
+      <p:sp>
+        <p:nvSpPr>
+          <p:cNvPr id="2" name="Slide Image Placeholder 1"/>
+          <p:cNvSpPr>
+            <a:spLocks noGrp="1" noRot="1" noChangeAspect="1"/>
+          </p:cNvSpPr>
+          <p:nvPr>
+            <p:ph type="sldImg"/>
+          </p:nvPr>
+        </p:nvSpPr>
+        <p:spPr/>
+      </p:sp>
+      <p:sp>
+        <p:nvSpPr>
+          <p:cNvPr id="3" name="Notes Placeholder 2"/>
+          <p:cNvSpPr>
+            <a:spLocks noGrp="1"/>
+          </p:cNvSpPr>
+          <p:nvPr>
+            <p:ph type="body" idx="1"/>
+          </p:nvPr>
+        </p:nvSpPr>
+        <p:spPr/>
+        <p:txBody>
+          <a:bodyPr/>
+          <a:lstStyle/>
+          <a:p>
+            <a:endParaRPr lang="en-US" dirty="0"/>
+          </a:p>
+        </p:txBody>
+      </p:sp>
+      <p:sp>
+        <p:nvSpPr>
+          <p:cNvPr id="4" name="Footer Placeholder 3"/>
+          <p:cNvSpPr>
+            <a:spLocks noGrp="1"/>
+          </p:cNvSpPr>
+          <p:nvPr>
+            <p:ph type="ftr" sz="quarter" idx="10"/>
+          </p:nvPr>
+        </p:nvSpPr>
+        <p:spPr/>
+        <p:txBody>
+          <a:bodyPr/>
+          <a:lstStyle/>
+          <a:p>
+            <a:pPr defTabSz="914099" eaLnBrk="0" hangingPunct="0"/>
+            <a:r>
+              <a:rPr lang="en-US" sz="400">
+                <a:gradFill>
+                  <a:gsLst>
+                    <a:gs pos="0">
+                      <a:prstClr val="black"/>
+                    </a:gs>
+                    <a:gs pos="100000">
+                      <a:prstClr val="black"/>
+                    </a:gs>
+                  </a:gsLst>
+                  <a:lin ang="5400000" scaled="0"/>
+                </a:gradFill>
+                <a:latin typeface="Segoe UI" pitchFamily="34" charset="0"/>
+                <a:ea typeface="Segoe UI" pitchFamily="34" charset="0"/>
+                <a:cs typeface="Segoe UI" pitchFamily="34" charset="0"/>
+              </a:rPr>
+              <a:t>© 2014 Microsoft Corporation. All rights reserved. Microsoft, Windows, and other product names are or may be registered trademarks and/or trademarks in the U.S. and/or other countries. The information herein is for informational purposes only and represents the current view of Microsoft Corporation as of the date of this presentation.  Because Microsoft must respond to changing market conditions, it should not be interpreted to be a commitment on the part of Microsoft, and Microsoft cannot guarantee the accuracy of any information provided after the date of this presentation.  MICROSOFT MAKES NO WARRANTIES, EXPRESS, IMPLIED OR STATUTORY, AS TO THE INFORMATION IN THIS PRESENTATION.</a:t>
+            </a:r>
+            <a:endParaRPr lang="en-US" sz="400" dirty="0">
+              <a:gradFill>
+                <a:gsLst>
+                  <a:gs pos="0">
+                    <a:prstClr val="black"/>
+                  </a:gs>
+                  <a:gs pos="100000">
+                    <a:prstClr val="black"/>
+                  </a:gs>
+                </a:gsLst>
+                <a:lin ang="5400000" scaled="0"/>
+              </a:gradFill>
+              <a:latin typeface="Segoe UI" pitchFamily="34" charset="0"/>
+              <a:ea typeface="Segoe UI" pitchFamily="34" charset="0"/>
+              <a:cs typeface="Segoe UI" pitchFamily="34" charset="0"/>
+            </a:endParaRPr>
+          </a:p>
+        </p:txBody>
+      </p:sp>
+      <p:sp>
+        <p:nvSpPr>
+          <p:cNvPr id="5" name="Date Placeholder 4"/>
+          <p:cNvSpPr>
+            <a:spLocks noGrp="1"/>
+          </p:cNvSpPr>
+          <p:nvPr>
+            <p:ph type="dt" idx="11"/>
+          </p:nvPr>
+        </p:nvSpPr>
+        <p:spPr/>
+        <p:txBody>
+          <a:bodyPr/>
+          <a:lstStyle/>
+          <a:p>
+            <a:fld id="{E74353ED-ACB2-44BF-A903-985B0AF962B7}" type="datetime1">
+              <a:rPr lang="en-US" smtClean="0"/>
+              <a:t>6/10/24</a:t>
+            </a:fld>
+            <a:endParaRPr lang="en-US" dirty="0"/>
+          </a:p>
+        </p:txBody>
+      </p:sp>
+      <p:sp>
+        <p:nvSpPr>
+          <p:cNvPr id="6" name="Slide Number Placeholder 5"/>
+          <p:cNvSpPr>
+            <a:spLocks noGrp="1"/>
+          </p:cNvSpPr>
+          <p:nvPr>
+            <p:ph type="sldNum" sz="quarter" idx="12"/>
+          </p:nvPr>
+        </p:nvSpPr>
+        <p:spPr/>
+        <p:txBody>
+          <a:bodyPr/>
+          <a:lstStyle/>
+          <a:p>
+            <a:fld id="{B4008EB6-D09E-4580-8CD6-DDB14511944F}" type="slidenum">
+              <a:rPr lang="en-US" smtClean="0"/>
+              <a:pPr/>
+              <a:t>32</a:t>
             </a:fld>
             <a:endParaRPr lang="en-US" dirty="0"/>
           </a:p>
@@ -2469,7 +2633,7 @@
               <a:pPr>
                 <a:defRPr/>
               </a:pPr>
-              <a:t>5</a:t>
+              <a:t>6</a:t>
             </a:fld>
             <a:endParaRPr lang="en-US" dirty="0"/>
           </a:p>
@@ -2564,7 +2728,7 @@
               <a:pPr>
                 <a:defRPr/>
               </a:pPr>
-              <a:t>6</a:t>
+              <a:t>7</a:t>
             </a:fld>
             <a:endParaRPr lang="en-US" dirty="0"/>
           </a:p>
@@ -2659,7 +2823,7 @@
               <a:pPr>
                 <a:defRPr/>
               </a:pPr>
-              <a:t>7</a:t>
+              <a:t>8</a:t>
             </a:fld>
             <a:endParaRPr lang="en-US" dirty="0"/>
           </a:p>
@@ -2754,7 +2918,7 @@
               <a:pPr>
                 <a:defRPr/>
               </a:pPr>
-              <a:t>8</a:t>
+              <a:t>9</a:t>
             </a:fld>
             <a:endParaRPr lang="en-US" dirty="0"/>
           </a:p>
@@ -2849,7 +3013,7 @@
               <a:pPr>
                 <a:defRPr/>
               </a:pPr>
-              <a:t>9</a:t>
+              <a:t>10</a:t>
             </a:fld>
             <a:endParaRPr lang="en-US" dirty="0"/>
           </a:p>
@@ -2944,7 +3108,7 @@
               <a:pPr>
                 <a:defRPr/>
               </a:pPr>
-              <a:t>10</a:t>
+              <a:t>11</a:t>
             </a:fld>
             <a:endParaRPr lang="en-US" dirty="0"/>
           </a:p>
@@ -3039,7 +3203,7 @@
               <a:pPr>
                 <a:defRPr/>
               </a:pPr>
-              <a:t>11</a:t>
+              <a:t>12</a:t>
             </a:fld>
             <a:endParaRPr lang="en-US" dirty="0"/>
           </a:p>
@@ -8907,7 +9071,7 @@
 </file>
 
 <file path=ppt/slides/slide1.xml><?xml version="1.0" encoding="utf-8"?>
-<p:sld xmlns:a="http://schemas.openxmlformats.org/drawingml/2006/main" xmlns:r="http://schemas.openxmlformats.org/officeDocument/2006/relationships" xmlns:p="http://schemas.openxmlformats.org/presentationml/2006/main">
+<p:sld xmlns:a="http://schemas.openxmlformats.org/drawingml/2006/main" xmlns:r="http://schemas.openxmlformats.org/officeDocument/2006/relationships" xmlns:p="http://schemas.openxmlformats.org/presentationml/2006/main" show="0">
   <p:cSld>
     <p:spTree>
       <p:nvGrpSpPr>
@@ -8947,7 +9111,7 @@
             </a:br>
             <a:r>
               <a:rPr lang="en-US" sz="5400" b="1" dirty="0"/>
-              <a:t>App Themes &amp; Resources</a:t>
+              <a:t>Part 6: App Themes &amp; Resources</a:t>
             </a:r>
           </a:p>
         </p:txBody>
@@ -9242,13 +9406,13 @@
   <p:clrMapOvr>
     <a:masterClrMapping/>
   </p:clrMapOvr>
-  <mc:AlternateContent xmlns:mc="http://schemas.openxmlformats.org/markup-compatibility/2006" xmlns:p14="http://schemas.microsoft.com/office/powerpoint/2010/main">
-    <mc:Choice Requires="p14">
+  <mc:AlternateContent xmlns:mc="http://schemas.openxmlformats.org/markup-compatibility/2006">
+    <mc:Choice xmlns:p14="http://schemas.microsoft.com/office/powerpoint/2010/main" Requires="p14">
       <p:transition spd="slow" p14:dur="3400">
         <p14:reveal/>
       </p:transition>
     </mc:Choice>
-    <mc:Fallback xmlns="">
+    <mc:Fallback>
       <p:transition spd="slow">
         <p:fade/>
       </p:transition>
@@ -9258,6 +9422,1679 @@
 </file>
 
 <file path=ppt/slides/slide10.xml><?xml version="1.0" encoding="utf-8"?>
+<p:sld xmlns:a="http://schemas.openxmlformats.org/drawingml/2006/main" xmlns:r="http://schemas.openxmlformats.org/officeDocument/2006/relationships" xmlns:p="http://schemas.openxmlformats.org/presentationml/2006/main">
+  <p:cSld>
+    <p:spTree>
+      <p:nvGrpSpPr>
+        <p:cNvPr id="1" name=""/>
+        <p:cNvGrpSpPr/>
+        <p:nvPr/>
+      </p:nvGrpSpPr>
+      <p:grpSpPr>
+        <a:xfrm>
+          <a:off x="0" y="0"/>
+          <a:ext cx="0" cy="0"/>
+          <a:chOff x="0" y="0"/>
+          <a:chExt cx="0" cy="0"/>
+        </a:xfrm>
+      </p:grpSpPr>
+      <p:sp>
+        <p:nvSpPr>
+          <p:cNvPr id="2" name="Content Placeholder 1"/>
+          <p:cNvSpPr>
+            <a:spLocks noGrp="1"/>
+          </p:cNvSpPr>
+          <p:nvPr>
+            <p:ph sz="quarter" idx="10"/>
+          </p:nvPr>
+        </p:nvSpPr>
+        <p:spPr>
+          <a:xfrm>
+            <a:off x="609600" y="1613054"/>
+            <a:ext cx="10972800" cy="1270732"/>
+          </a:xfrm>
+        </p:spPr>
+        <p:txBody>
+          <a:bodyPr/>
+          <a:lstStyle/>
+          <a:p>
+            <a:r>
+              <a:rPr lang="en-US" dirty="0"/>
+              <a:t>The XAML spec defines many types you can use for XAML Resources</a:t>
+            </a:r>
+          </a:p>
+        </p:txBody>
+      </p:sp>
+      <p:sp>
+        <p:nvSpPr>
+          <p:cNvPr id="3" name="Title 2"/>
+          <p:cNvSpPr>
+            <a:spLocks noGrp="1"/>
+          </p:cNvSpPr>
+          <p:nvPr>
+            <p:ph type="title"/>
+          </p:nvPr>
+        </p:nvSpPr>
+        <p:spPr/>
+        <p:txBody>
+          <a:bodyPr/>
+          <a:lstStyle/>
+          <a:p>
+            <a:r>
+              <a:rPr lang="en-US" dirty="0"/>
+              <a:t>XAML intrinsic types</a:t>
+            </a:r>
+          </a:p>
+        </p:txBody>
+      </p:sp>
+      <p:sp>
+        <p:nvSpPr>
+          <p:cNvPr id="4" name="Rectangle 3"/>
+          <p:cNvSpPr/>
+          <p:nvPr/>
+        </p:nvSpPr>
+        <p:spPr>
+          <a:xfrm>
+            <a:off x="3230681" y="2867912"/>
+            <a:ext cx="6494085" cy="3827523"/>
+          </a:xfrm>
+          <a:prstGeom prst="rect">
+            <a:avLst/>
+          </a:prstGeom>
+          <a:solidFill>
+            <a:srgbClr val="FFFFFF"/>
+          </a:solidFill>
+          <a:ln>
+            <a:solidFill>
+              <a:srgbClr val="606E6F"/>
+            </a:solidFill>
+          </a:ln>
+        </p:spPr>
+        <p:txBody>
+          <a:bodyPr wrap="none">
+            <a:spAutoFit/>
+          </a:bodyPr>
+          <a:lstStyle/>
+          <a:p>
+            <a:r>
+              <a:rPr lang="en-US" sz="1867" dirty="0">
+                <a:solidFill>
+                  <a:srgbClr val="0000FF"/>
+                </a:solidFill>
+                <a:latin typeface="Consolas" panose="020B0609020204030204" pitchFamily="49" charset="0"/>
+              </a:rPr>
+              <a:t>&lt;</a:t>
+            </a:r>
+            <a:r>
+              <a:rPr lang="en-US" sz="1867" dirty="0" err="1">
+                <a:solidFill>
+                  <a:srgbClr val="A31515"/>
+                </a:solidFill>
+                <a:latin typeface="Consolas" panose="020B0609020204030204" pitchFamily="49" charset="0"/>
+              </a:rPr>
+              <a:t>ResourceDictionary</a:t>
+            </a:r>
+            <a:r>
+              <a:rPr lang="en-US" sz="1867" dirty="0">
+                <a:solidFill>
+                  <a:srgbClr val="0000FF"/>
+                </a:solidFill>
+                <a:latin typeface="Consolas" panose="020B0609020204030204" pitchFamily="49" charset="0"/>
+              </a:rPr>
+              <a:t>&gt;</a:t>
+            </a:r>
+            <a:br>
+              <a:rPr lang="en-US" sz="1867" dirty="0">
+                <a:solidFill>
+                  <a:srgbClr val="0000FF"/>
+                </a:solidFill>
+                <a:latin typeface="Consolas" panose="020B0609020204030204" pitchFamily="49" charset="0"/>
+              </a:rPr>
+            </a:br>
+            <a:r>
+              <a:rPr lang="en-US" sz="1867" dirty="0">
+                <a:solidFill>
+                  <a:srgbClr val="0000FF"/>
+                </a:solidFill>
+                <a:latin typeface="Consolas" panose="020B0609020204030204" pitchFamily="49" charset="0"/>
+              </a:rPr>
+              <a:t>  &lt;</a:t>
+            </a:r>
+            <a:r>
+              <a:rPr lang="en-US" sz="1867" dirty="0" err="1">
+                <a:solidFill>
+                  <a:srgbClr val="A31515"/>
+                </a:solidFill>
+                <a:latin typeface="Consolas" panose="020B0609020204030204" pitchFamily="49" charset="0"/>
+              </a:rPr>
+              <a:t>x:String</a:t>
+            </a:r>
+            <a:r>
+              <a:rPr lang="en-US" sz="1867" dirty="0">
+                <a:solidFill>
+                  <a:srgbClr val="A31515"/>
+                </a:solidFill>
+                <a:latin typeface="Consolas" panose="020B0609020204030204" pitchFamily="49" charset="0"/>
+              </a:rPr>
+              <a:t>   </a:t>
+            </a:r>
+            <a:r>
+              <a:rPr lang="en-US" sz="1867" dirty="0">
+                <a:solidFill>
+                  <a:srgbClr val="FF0000"/>
+                </a:solidFill>
+                <a:latin typeface="Consolas" panose="020B0609020204030204" pitchFamily="49" charset="0"/>
+              </a:rPr>
+              <a:t>x:Key</a:t>
+            </a:r>
+            <a:r>
+              <a:rPr lang="en-US" sz="1867" dirty="0">
+                <a:solidFill>
+                  <a:srgbClr val="0000FF"/>
+                </a:solidFill>
+                <a:latin typeface="Consolas" panose="020B0609020204030204" pitchFamily="49" charset="0"/>
+              </a:rPr>
+              <a:t>=</a:t>
+            </a:r>
+            <a:r>
+              <a:rPr lang="en-US" sz="1867" dirty="0">
+                <a:solidFill>
+                  <a:srgbClr val="000000"/>
+                </a:solidFill>
+                <a:latin typeface="Consolas" panose="020B0609020204030204" pitchFamily="49" charset="0"/>
+              </a:rPr>
+              <a:t>"</a:t>
+            </a:r>
+            <a:r>
+              <a:rPr lang="en-US" sz="1867" dirty="0">
+                <a:latin typeface="Consolas" panose="020B0609020204030204" pitchFamily="49" charset="0"/>
+              </a:rPr>
+              <a:t>...</a:t>
+            </a:r>
+            <a:r>
+              <a:rPr lang="en-US" sz="1867" dirty="0">
+                <a:solidFill>
+                  <a:srgbClr val="000000"/>
+                </a:solidFill>
+                <a:latin typeface="Consolas" panose="020B0609020204030204" pitchFamily="49" charset="0"/>
+              </a:rPr>
+              <a:t>"</a:t>
+            </a:r>
+            <a:r>
+              <a:rPr lang="en-US" sz="1867" dirty="0">
+                <a:solidFill>
+                  <a:srgbClr val="0000FF"/>
+                </a:solidFill>
+                <a:latin typeface="Consolas" panose="020B0609020204030204" pitchFamily="49" charset="0"/>
+              </a:rPr>
+              <a:t>&gt;</a:t>
+            </a:r>
+            <a:r>
+              <a:rPr lang="en-US" sz="1867" dirty="0">
+                <a:solidFill>
+                  <a:srgbClr val="000000"/>
+                </a:solidFill>
+                <a:latin typeface="Consolas" panose="020B0609020204030204" pitchFamily="49" charset="0"/>
+              </a:rPr>
+              <a:t>Hello</a:t>
+            </a:r>
+            <a:r>
+              <a:rPr lang="en-US" sz="1867" dirty="0">
+                <a:solidFill>
+                  <a:srgbClr val="0000FF"/>
+                </a:solidFill>
+                <a:latin typeface="Consolas" panose="020B0609020204030204" pitchFamily="49" charset="0"/>
+              </a:rPr>
+              <a:t>&lt;/</a:t>
+            </a:r>
+            <a:r>
+              <a:rPr lang="en-US" sz="1867" dirty="0">
+                <a:solidFill>
+                  <a:srgbClr val="A31515"/>
+                </a:solidFill>
+                <a:latin typeface="Consolas" panose="020B0609020204030204" pitchFamily="49" charset="0"/>
+              </a:rPr>
+              <a:t>x:String</a:t>
+            </a:r>
+            <a:r>
+              <a:rPr lang="en-US" sz="1867" dirty="0">
+                <a:solidFill>
+                  <a:srgbClr val="0000FF"/>
+                </a:solidFill>
+                <a:latin typeface="Consolas" panose="020B0609020204030204" pitchFamily="49" charset="0"/>
+              </a:rPr>
+              <a:t>&gt;</a:t>
+            </a:r>
+            <a:br>
+              <a:rPr lang="en-US" sz="1867" dirty="0">
+                <a:solidFill>
+                  <a:srgbClr val="0000FF"/>
+                </a:solidFill>
+                <a:latin typeface="Consolas" panose="020B0609020204030204" pitchFamily="49" charset="0"/>
+              </a:rPr>
+            </a:br>
+            <a:r>
+              <a:rPr lang="en-US" sz="1867" dirty="0">
+                <a:solidFill>
+                  <a:srgbClr val="0000FF"/>
+                </a:solidFill>
+                <a:latin typeface="Consolas" panose="020B0609020204030204" pitchFamily="49" charset="0"/>
+              </a:rPr>
+              <a:t>  &lt;</a:t>
+            </a:r>
+            <a:r>
+              <a:rPr lang="en-US" sz="1867" dirty="0" err="1">
+                <a:solidFill>
+                  <a:srgbClr val="A31515"/>
+                </a:solidFill>
+                <a:latin typeface="Consolas" panose="020B0609020204030204" pitchFamily="49" charset="0"/>
+              </a:rPr>
+              <a:t>x:Char</a:t>
+            </a:r>
+            <a:r>
+              <a:rPr lang="en-US" sz="1867" dirty="0">
+                <a:solidFill>
+                  <a:srgbClr val="A31515"/>
+                </a:solidFill>
+                <a:latin typeface="Consolas" panose="020B0609020204030204" pitchFamily="49" charset="0"/>
+              </a:rPr>
+              <a:t>     </a:t>
+            </a:r>
+            <a:r>
+              <a:rPr lang="en-US" sz="1867" dirty="0">
+                <a:solidFill>
+                  <a:srgbClr val="FF0000"/>
+                </a:solidFill>
+                <a:latin typeface="Consolas" panose="020B0609020204030204" pitchFamily="49" charset="0"/>
+              </a:rPr>
+              <a:t>x:Key</a:t>
+            </a:r>
+            <a:r>
+              <a:rPr lang="en-US" sz="1867" dirty="0">
+                <a:solidFill>
+                  <a:srgbClr val="0000FF"/>
+                </a:solidFill>
+                <a:latin typeface="Consolas" panose="020B0609020204030204" pitchFamily="49" charset="0"/>
+              </a:rPr>
+              <a:t>=</a:t>
+            </a:r>
+            <a:r>
+              <a:rPr lang="en-US" sz="1867" dirty="0">
+                <a:solidFill>
+                  <a:srgbClr val="000000"/>
+                </a:solidFill>
+                <a:latin typeface="Consolas" panose="020B0609020204030204" pitchFamily="49" charset="0"/>
+              </a:rPr>
+              <a:t>"</a:t>
+            </a:r>
+            <a:r>
+              <a:rPr lang="en-US" sz="1867" dirty="0">
+                <a:latin typeface="Consolas" panose="020B0609020204030204" pitchFamily="49" charset="0"/>
+              </a:rPr>
+              <a:t>...</a:t>
+            </a:r>
+            <a:r>
+              <a:rPr lang="en-US" sz="1867" dirty="0">
+                <a:solidFill>
+                  <a:srgbClr val="000000"/>
+                </a:solidFill>
+                <a:latin typeface="Consolas" panose="020B0609020204030204" pitchFamily="49" charset="0"/>
+              </a:rPr>
+              <a:t>"</a:t>
+            </a:r>
+            <a:r>
+              <a:rPr lang="en-US" sz="1867" dirty="0">
+                <a:solidFill>
+                  <a:srgbClr val="0000FF"/>
+                </a:solidFill>
+                <a:latin typeface="Consolas" panose="020B0609020204030204" pitchFamily="49" charset="0"/>
+              </a:rPr>
+              <a:t>&gt;</a:t>
+            </a:r>
+            <a:r>
+              <a:rPr lang="en-US" sz="1867" dirty="0">
+                <a:solidFill>
+                  <a:srgbClr val="000000"/>
+                </a:solidFill>
+                <a:latin typeface="Consolas" panose="020B0609020204030204" pitchFamily="49" charset="0"/>
+              </a:rPr>
+              <a:t>X</a:t>
+            </a:r>
+            <a:r>
+              <a:rPr lang="en-US" sz="1867" dirty="0">
+                <a:solidFill>
+                  <a:srgbClr val="0000FF"/>
+                </a:solidFill>
+                <a:latin typeface="Consolas" panose="020B0609020204030204" pitchFamily="49" charset="0"/>
+              </a:rPr>
+              <a:t>&lt;/</a:t>
+            </a:r>
+            <a:r>
+              <a:rPr lang="en-US" sz="1867" dirty="0">
+                <a:solidFill>
+                  <a:srgbClr val="A31515"/>
+                </a:solidFill>
+                <a:latin typeface="Consolas" panose="020B0609020204030204" pitchFamily="49" charset="0"/>
+              </a:rPr>
+              <a:t>x:Char</a:t>
+            </a:r>
+            <a:r>
+              <a:rPr lang="en-US" sz="1867" dirty="0">
+                <a:solidFill>
+                  <a:srgbClr val="0000FF"/>
+                </a:solidFill>
+                <a:latin typeface="Consolas" panose="020B0609020204030204" pitchFamily="49" charset="0"/>
+              </a:rPr>
+              <a:t>&gt;</a:t>
+            </a:r>
+            <a:br>
+              <a:rPr lang="en-US" sz="1867" dirty="0">
+                <a:solidFill>
+                  <a:srgbClr val="0000FF"/>
+                </a:solidFill>
+                <a:latin typeface="Consolas" panose="020B0609020204030204" pitchFamily="49" charset="0"/>
+              </a:rPr>
+            </a:br>
+            <a:r>
+              <a:rPr lang="en-US" sz="1867" dirty="0">
+                <a:solidFill>
+                  <a:srgbClr val="0000FF"/>
+                </a:solidFill>
+                <a:latin typeface="Consolas" panose="020B0609020204030204" pitchFamily="49" charset="0"/>
+              </a:rPr>
+              <a:t>  &lt;</a:t>
+            </a:r>
+            <a:r>
+              <a:rPr lang="en-US" sz="1867" dirty="0" err="1">
+                <a:solidFill>
+                  <a:srgbClr val="A31515"/>
+                </a:solidFill>
+                <a:latin typeface="Consolas" panose="020B0609020204030204" pitchFamily="49" charset="0"/>
+              </a:rPr>
+              <a:t>x:Single</a:t>
+            </a:r>
+            <a:r>
+              <a:rPr lang="en-US" sz="1867" dirty="0">
+                <a:solidFill>
+                  <a:srgbClr val="A31515"/>
+                </a:solidFill>
+                <a:latin typeface="Consolas" panose="020B0609020204030204" pitchFamily="49" charset="0"/>
+              </a:rPr>
+              <a:t>   </a:t>
+            </a:r>
+            <a:r>
+              <a:rPr lang="en-US" sz="1867" dirty="0">
+                <a:solidFill>
+                  <a:srgbClr val="FF0000"/>
+                </a:solidFill>
+                <a:latin typeface="Consolas" panose="020B0609020204030204" pitchFamily="49" charset="0"/>
+              </a:rPr>
+              <a:t>x:Key</a:t>
+            </a:r>
+            <a:r>
+              <a:rPr lang="en-US" sz="1867" dirty="0">
+                <a:solidFill>
+                  <a:srgbClr val="0000FF"/>
+                </a:solidFill>
+                <a:latin typeface="Consolas" panose="020B0609020204030204" pitchFamily="49" charset="0"/>
+              </a:rPr>
+              <a:t>=</a:t>
+            </a:r>
+            <a:r>
+              <a:rPr lang="en-US" sz="1867" dirty="0">
+                <a:solidFill>
+                  <a:srgbClr val="000000"/>
+                </a:solidFill>
+                <a:latin typeface="Consolas" panose="020B0609020204030204" pitchFamily="49" charset="0"/>
+              </a:rPr>
+              <a:t>"</a:t>
+            </a:r>
+            <a:r>
+              <a:rPr lang="en-US" sz="1867" dirty="0">
+                <a:latin typeface="Consolas" panose="020B0609020204030204" pitchFamily="49" charset="0"/>
+              </a:rPr>
+              <a:t>...</a:t>
+            </a:r>
+            <a:r>
+              <a:rPr lang="en-US" sz="1867" dirty="0">
+                <a:solidFill>
+                  <a:srgbClr val="000000"/>
+                </a:solidFill>
+                <a:latin typeface="Consolas" panose="020B0609020204030204" pitchFamily="49" charset="0"/>
+              </a:rPr>
+              <a:t>"</a:t>
+            </a:r>
+            <a:r>
+              <a:rPr lang="en-US" sz="1867" dirty="0">
+                <a:solidFill>
+                  <a:srgbClr val="0000FF"/>
+                </a:solidFill>
+                <a:latin typeface="Consolas" panose="020B0609020204030204" pitchFamily="49" charset="0"/>
+              </a:rPr>
+              <a:t>&gt;</a:t>
+            </a:r>
+            <a:r>
+              <a:rPr lang="en-US" sz="1867" dirty="0">
+                <a:solidFill>
+                  <a:srgbClr val="000000"/>
+                </a:solidFill>
+                <a:latin typeface="Consolas" panose="020B0609020204030204" pitchFamily="49" charset="0"/>
+              </a:rPr>
+              <a:t>31.4</a:t>
+            </a:r>
+            <a:r>
+              <a:rPr lang="en-US" sz="1867" dirty="0">
+                <a:solidFill>
+                  <a:srgbClr val="0000FF"/>
+                </a:solidFill>
+                <a:latin typeface="Consolas" panose="020B0609020204030204" pitchFamily="49" charset="0"/>
+              </a:rPr>
+              <a:t>&lt;/</a:t>
+            </a:r>
+            <a:r>
+              <a:rPr lang="en-US" sz="1867" dirty="0">
+                <a:solidFill>
+                  <a:srgbClr val="A31515"/>
+                </a:solidFill>
+                <a:latin typeface="Consolas" panose="020B0609020204030204" pitchFamily="49" charset="0"/>
+              </a:rPr>
+              <a:t>x:Single</a:t>
+            </a:r>
+            <a:r>
+              <a:rPr lang="en-US" sz="1867" dirty="0">
+                <a:solidFill>
+                  <a:srgbClr val="0000FF"/>
+                </a:solidFill>
+                <a:latin typeface="Consolas" panose="020B0609020204030204" pitchFamily="49" charset="0"/>
+              </a:rPr>
+              <a:t>&gt;</a:t>
+            </a:r>
+            <a:br>
+              <a:rPr lang="en-US" sz="1867" dirty="0">
+                <a:solidFill>
+                  <a:srgbClr val="0000FF"/>
+                </a:solidFill>
+                <a:latin typeface="Consolas" panose="020B0609020204030204" pitchFamily="49" charset="0"/>
+              </a:rPr>
+            </a:br>
+            <a:r>
+              <a:rPr lang="en-US" sz="1867" dirty="0">
+                <a:solidFill>
+                  <a:srgbClr val="0000FF"/>
+                </a:solidFill>
+                <a:latin typeface="Consolas" panose="020B0609020204030204" pitchFamily="49" charset="0"/>
+              </a:rPr>
+              <a:t>  &lt;</a:t>
+            </a:r>
+            <a:r>
+              <a:rPr lang="en-US" sz="1867" dirty="0" err="1">
+                <a:solidFill>
+                  <a:srgbClr val="A31515"/>
+                </a:solidFill>
+                <a:latin typeface="Consolas" panose="020B0609020204030204" pitchFamily="49" charset="0"/>
+              </a:rPr>
+              <a:t>x:Double</a:t>
+            </a:r>
+            <a:r>
+              <a:rPr lang="en-US" sz="1867" dirty="0">
+                <a:solidFill>
+                  <a:srgbClr val="A31515"/>
+                </a:solidFill>
+                <a:latin typeface="Consolas" panose="020B0609020204030204" pitchFamily="49" charset="0"/>
+              </a:rPr>
+              <a:t>   </a:t>
+            </a:r>
+            <a:r>
+              <a:rPr lang="en-US" sz="1867" dirty="0">
+                <a:solidFill>
+                  <a:srgbClr val="FF0000"/>
+                </a:solidFill>
+                <a:latin typeface="Consolas" panose="020B0609020204030204" pitchFamily="49" charset="0"/>
+              </a:rPr>
+              <a:t>x:Key</a:t>
+            </a:r>
+            <a:r>
+              <a:rPr lang="en-US" sz="1867" dirty="0">
+                <a:solidFill>
+                  <a:srgbClr val="0000FF"/>
+                </a:solidFill>
+                <a:latin typeface="Consolas" panose="020B0609020204030204" pitchFamily="49" charset="0"/>
+              </a:rPr>
+              <a:t>=</a:t>
+            </a:r>
+            <a:r>
+              <a:rPr lang="en-US" sz="1867" dirty="0">
+                <a:solidFill>
+                  <a:srgbClr val="000000"/>
+                </a:solidFill>
+                <a:latin typeface="Consolas" panose="020B0609020204030204" pitchFamily="49" charset="0"/>
+              </a:rPr>
+              <a:t>"</a:t>
+            </a:r>
+            <a:r>
+              <a:rPr lang="en-US" sz="1867" dirty="0">
+                <a:latin typeface="Consolas" panose="020B0609020204030204" pitchFamily="49" charset="0"/>
+              </a:rPr>
+              <a:t>...</a:t>
+            </a:r>
+            <a:r>
+              <a:rPr lang="en-US" sz="1867" dirty="0">
+                <a:solidFill>
+                  <a:srgbClr val="000000"/>
+                </a:solidFill>
+                <a:latin typeface="Consolas" panose="020B0609020204030204" pitchFamily="49" charset="0"/>
+              </a:rPr>
+              <a:t>"</a:t>
+            </a:r>
+            <a:r>
+              <a:rPr lang="en-US" sz="1867" dirty="0">
+                <a:solidFill>
+                  <a:srgbClr val="0000FF"/>
+                </a:solidFill>
+                <a:latin typeface="Consolas" panose="020B0609020204030204" pitchFamily="49" charset="0"/>
+              </a:rPr>
+              <a:t>&gt;</a:t>
+            </a:r>
+            <a:r>
+              <a:rPr lang="en-US" sz="1867" dirty="0">
+                <a:solidFill>
+                  <a:srgbClr val="000000"/>
+                </a:solidFill>
+                <a:latin typeface="Consolas" panose="020B0609020204030204" pitchFamily="49" charset="0"/>
+              </a:rPr>
+              <a:t>27.1</a:t>
+            </a:r>
+            <a:r>
+              <a:rPr lang="en-US" sz="1867" dirty="0">
+                <a:solidFill>
+                  <a:srgbClr val="0000FF"/>
+                </a:solidFill>
+                <a:latin typeface="Consolas" panose="020B0609020204030204" pitchFamily="49" charset="0"/>
+              </a:rPr>
+              <a:t>&lt;/</a:t>
+            </a:r>
+            <a:r>
+              <a:rPr lang="en-US" sz="1867" dirty="0">
+                <a:solidFill>
+                  <a:srgbClr val="A31515"/>
+                </a:solidFill>
+                <a:latin typeface="Consolas" panose="020B0609020204030204" pitchFamily="49" charset="0"/>
+              </a:rPr>
+              <a:t>x:Double</a:t>
+            </a:r>
+            <a:r>
+              <a:rPr lang="en-US" sz="1867" dirty="0">
+                <a:solidFill>
+                  <a:srgbClr val="0000FF"/>
+                </a:solidFill>
+                <a:latin typeface="Consolas" panose="020B0609020204030204" pitchFamily="49" charset="0"/>
+              </a:rPr>
+              <a:t>&gt;</a:t>
+            </a:r>
+            <a:br>
+              <a:rPr lang="en-US" sz="1867" dirty="0">
+                <a:solidFill>
+                  <a:srgbClr val="0000FF"/>
+                </a:solidFill>
+                <a:latin typeface="Consolas" panose="020B0609020204030204" pitchFamily="49" charset="0"/>
+              </a:rPr>
+            </a:br>
+            <a:r>
+              <a:rPr lang="en-US" sz="1867" dirty="0">
+                <a:solidFill>
+                  <a:srgbClr val="0000FF"/>
+                </a:solidFill>
+                <a:latin typeface="Consolas" panose="020B0609020204030204" pitchFamily="49" charset="0"/>
+              </a:rPr>
+              <a:t>  &lt;</a:t>
+            </a:r>
+            <a:r>
+              <a:rPr lang="en-US" sz="1867" dirty="0" err="1">
+                <a:solidFill>
+                  <a:srgbClr val="A31515"/>
+                </a:solidFill>
+                <a:latin typeface="Consolas" panose="020B0609020204030204" pitchFamily="49" charset="0"/>
+              </a:rPr>
+              <a:t>x:Byte</a:t>
+            </a:r>
+            <a:r>
+              <a:rPr lang="en-US" sz="1867" dirty="0">
+                <a:solidFill>
+                  <a:srgbClr val="A31515"/>
+                </a:solidFill>
+                <a:latin typeface="Consolas" panose="020B0609020204030204" pitchFamily="49" charset="0"/>
+              </a:rPr>
+              <a:t>     </a:t>
+            </a:r>
+            <a:r>
+              <a:rPr lang="en-US" sz="1867" dirty="0">
+                <a:solidFill>
+                  <a:srgbClr val="FF0000"/>
+                </a:solidFill>
+                <a:latin typeface="Consolas" panose="020B0609020204030204" pitchFamily="49" charset="0"/>
+              </a:rPr>
+              <a:t>x:Key</a:t>
+            </a:r>
+            <a:r>
+              <a:rPr lang="en-US" sz="1867" dirty="0">
+                <a:solidFill>
+                  <a:srgbClr val="0000FF"/>
+                </a:solidFill>
+                <a:latin typeface="Consolas" panose="020B0609020204030204" pitchFamily="49" charset="0"/>
+              </a:rPr>
+              <a:t>=</a:t>
+            </a:r>
+            <a:r>
+              <a:rPr lang="en-US" sz="1867" dirty="0">
+                <a:solidFill>
+                  <a:srgbClr val="000000"/>
+                </a:solidFill>
+                <a:latin typeface="Consolas" panose="020B0609020204030204" pitchFamily="49" charset="0"/>
+              </a:rPr>
+              <a:t>"</a:t>
+            </a:r>
+            <a:r>
+              <a:rPr lang="en-US" sz="1867" dirty="0">
+                <a:latin typeface="Consolas" panose="020B0609020204030204" pitchFamily="49" charset="0"/>
+              </a:rPr>
+              <a:t>...</a:t>
+            </a:r>
+            <a:r>
+              <a:rPr lang="en-US" sz="1867" dirty="0">
+                <a:solidFill>
+                  <a:srgbClr val="000000"/>
+                </a:solidFill>
+                <a:latin typeface="Consolas" panose="020B0609020204030204" pitchFamily="49" charset="0"/>
+              </a:rPr>
+              <a:t>"</a:t>
+            </a:r>
+            <a:r>
+              <a:rPr lang="en-US" sz="1867" dirty="0">
+                <a:solidFill>
+                  <a:srgbClr val="0000FF"/>
+                </a:solidFill>
+                <a:latin typeface="Consolas" panose="020B0609020204030204" pitchFamily="49" charset="0"/>
+              </a:rPr>
+              <a:t>&gt;</a:t>
+            </a:r>
+            <a:r>
+              <a:rPr lang="en-US" sz="1867" dirty="0">
+                <a:solidFill>
+                  <a:srgbClr val="000000"/>
+                </a:solidFill>
+                <a:latin typeface="Consolas" panose="020B0609020204030204" pitchFamily="49" charset="0"/>
+              </a:rPr>
+              <a:t>8</a:t>
+            </a:r>
+            <a:r>
+              <a:rPr lang="en-US" sz="1867" dirty="0">
+                <a:solidFill>
+                  <a:srgbClr val="0000FF"/>
+                </a:solidFill>
+                <a:latin typeface="Consolas" panose="020B0609020204030204" pitchFamily="49" charset="0"/>
+              </a:rPr>
+              <a:t>&lt;/</a:t>
+            </a:r>
+            <a:r>
+              <a:rPr lang="en-US" sz="1867" dirty="0">
+                <a:solidFill>
+                  <a:srgbClr val="A31515"/>
+                </a:solidFill>
+                <a:latin typeface="Consolas" panose="020B0609020204030204" pitchFamily="49" charset="0"/>
+              </a:rPr>
+              <a:t>x:Byte</a:t>
+            </a:r>
+            <a:r>
+              <a:rPr lang="en-US" sz="1867" dirty="0">
+                <a:solidFill>
+                  <a:srgbClr val="0000FF"/>
+                </a:solidFill>
+                <a:latin typeface="Consolas" panose="020B0609020204030204" pitchFamily="49" charset="0"/>
+              </a:rPr>
+              <a:t>&gt;</a:t>
+            </a:r>
+            <a:br>
+              <a:rPr lang="en-US" sz="1867" dirty="0">
+                <a:solidFill>
+                  <a:srgbClr val="0000FF"/>
+                </a:solidFill>
+                <a:latin typeface="Consolas" panose="020B0609020204030204" pitchFamily="49" charset="0"/>
+              </a:rPr>
+            </a:br>
+            <a:r>
+              <a:rPr lang="en-US" sz="1867" dirty="0">
+                <a:solidFill>
+                  <a:srgbClr val="0000FF"/>
+                </a:solidFill>
+                <a:latin typeface="Consolas" panose="020B0609020204030204" pitchFamily="49" charset="0"/>
+              </a:rPr>
+              <a:t>  &lt;</a:t>
+            </a:r>
+            <a:r>
+              <a:rPr lang="en-US" sz="1867" dirty="0">
+                <a:solidFill>
+                  <a:srgbClr val="A31515"/>
+                </a:solidFill>
+                <a:latin typeface="Consolas" panose="020B0609020204030204" pitchFamily="49" charset="0"/>
+              </a:rPr>
+              <a:t>x:Int16    </a:t>
+            </a:r>
+            <a:r>
+              <a:rPr lang="en-US" sz="1867" dirty="0">
+                <a:solidFill>
+                  <a:srgbClr val="FF0000"/>
+                </a:solidFill>
+                <a:latin typeface="Consolas" panose="020B0609020204030204" pitchFamily="49" charset="0"/>
+              </a:rPr>
+              <a:t>x:Key</a:t>
+            </a:r>
+            <a:r>
+              <a:rPr lang="en-US" sz="1867" dirty="0">
+                <a:solidFill>
+                  <a:srgbClr val="0000FF"/>
+                </a:solidFill>
+                <a:latin typeface="Consolas" panose="020B0609020204030204" pitchFamily="49" charset="0"/>
+              </a:rPr>
+              <a:t>=</a:t>
+            </a:r>
+            <a:r>
+              <a:rPr lang="en-US" sz="1867" dirty="0">
+                <a:solidFill>
+                  <a:srgbClr val="000000"/>
+                </a:solidFill>
+                <a:latin typeface="Consolas" panose="020B0609020204030204" pitchFamily="49" charset="0"/>
+              </a:rPr>
+              <a:t>"</a:t>
+            </a:r>
+            <a:r>
+              <a:rPr lang="en-US" sz="1867" dirty="0">
+                <a:latin typeface="Consolas" panose="020B0609020204030204" pitchFamily="49" charset="0"/>
+              </a:rPr>
+              <a:t>...</a:t>
+            </a:r>
+            <a:r>
+              <a:rPr lang="en-US" sz="1867" dirty="0">
+                <a:solidFill>
+                  <a:srgbClr val="000000"/>
+                </a:solidFill>
+                <a:latin typeface="Consolas" panose="020B0609020204030204" pitchFamily="49" charset="0"/>
+              </a:rPr>
+              <a:t>"</a:t>
+            </a:r>
+            <a:r>
+              <a:rPr lang="en-US" sz="1867" dirty="0">
+                <a:solidFill>
+                  <a:srgbClr val="0000FF"/>
+                </a:solidFill>
+                <a:latin typeface="Consolas" panose="020B0609020204030204" pitchFamily="49" charset="0"/>
+              </a:rPr>
+              <a:t>&gt;</a:t>
+            </a:r>
+            <a:r>
+              <a:rPr lang="en-US" sz="1867" dirty="0">
+                <a:solidFill>
+                  <a:srgbClr val="000000"/>
+                </a:solidFill>
+                <a:latin typeface="Consolas" panose="020B0609020204030204" pitchFamily="49" charset="0"/>
+              </a:rPr>
+              <a:t>16</a:t>
+            </a:r>
+            <a:r>
+              <a:rPr lang="en-US" sz="1867" dirty="0">
+                <a:solidFill>
+                  <a:srgbClr val="0000FF"/>
+                </a:solidFill>
+                <a:latin typeface="Consolas" panose="020B0609020204030204" pitchFamily="49" charset="0"/>
+              </a:rPr>
+              <a:t>&lt;/</a:t>
+            </a:r>
+            <a:r>
+              <a:rPr lang="en-US" sz="1867" dirty="0">
+                <a:solidFill>
+                  <a:srgbClr val="A31515"/>
+                </a:solidFill>
+                <a:latin typeface="Consolas" panose="020B0609020204030204" pitchFamily="49" charset="0"/>
+              </a:rPr>
+              <a:t>x:Int16</a:t>
+            </a:r>
+            <a:r>
+              <a:rPr lang="en-US" sz="1867" dirty="0">
+                <a:solidFill>
+                  <a:srgbClr val="0000FF"/>
+                </a:solidFill>
+                <a:latin typeface="Consolas" panose="020B0609020204030204" pitchFamily="49" charset="0"/>
+              </a:rPr>
+              <a:t>&gt;</a:t>
+            </a:r>
+            <a:br>
+              <a:rPr lang="en-US" sz="1867" dirty="0">
+                <a:solidFill>
+                  <a:srgbClr val="0000FF"/>
+                </a:solidFill>
+                <a:latin typeface="Consolas" panose="020B0609020204030204" pitchFamily="49" charset="0"/>
+              </a:rPr>
+            </a:br>
+            <a:r>
+              <a:rPr lang="en-US" sz="1867" dirty="0">
+                <a:solidFill>
+                  <a:srgbClr val="0000FF"/>
+                </a:solidFill>
+                <a:latin typeface="Consolas" panose="020B0609020204030204" pitchFamily="49" charset="0"/>
+              </a:rPr>
+              <a:t>  &lt;</a:t>
+            </a:r>
+            <a:r>
+              <a:rPr lang="en-US" sz="1867" dirty="0">
+                <a:solidFill>
+                  <a:srgbClr val="A31515"/>
+                </a:solidFill>
+                <a:latin typeface="Consolas" panose="020B0609020204030204" pitchFamily="49" charset="0"/>
+              </a:rPr>
+              <a:t>x:Int32    </a:t>
+            </a:r>
+            <a:r>
+              <a:rPr lang="en-US" sz="1867" dirty="0">
+                <a:solidFill>
+                  <a:srgbClr val="FF0000"/>
+                </a:solidFill>
+                <a:latin typeface="Consolas" panose="020B0609020204030204" pitchFamily="49" charset="0"/>
+              </a:rPr>
+              <a:t>x:Key</a:t>
+            </a:r>
+            <a:r>
+              <a:rPr lang="en-US" sz="1867" dirty="0">
+                <a:solidFill>
+                  <a:srgbClr val="0000FF"/>
+                </a:solidFill>
+                <a:latin typeface="Consolas" panose="020B0609020204030204" pitchFamily="49" charset="0"/>
+              </a:rPr>
+              <a:t>=</a:t>
+            </a:r>
+            <a:r>
+              <a:rPr lang="en-US" sz="1867" dirty="0">
+                <a:solidFill>
+                  <a:srgbClr val="000000"/>
+                </a:solidFill>
+                <a:latin typeface="Consolas" panose="020B0609020204030204" pitchFamily="49" charset="0"/>
+              </a:rPr>
+              <a:t>"</a:t>
+            </a:r>
+            <a:r>
+              <a:rPr lang="en-US" sz="1867" dirty="0">
+                <a:latin typeface="Consolas" panose="020B0609020204030204" pitchFamily="49" charset="0"/>
+              </a:rPr>
+              <a:t>...</a:t>
+            </a:r>
+            <a:r>
+              <a:rPr lang="en-US" sz="1867" dirty="0">
+                <a:solidFill>
+                  <a:srgbClr val="000000"/>
+                </a:solidFill>
+                <a:latin typeface="Consolas" panose="020B0609020204030204" pitchFamily="49" charset="0"/>
+              </a:rPr>
+              <a:t>"</a:t>
+            </a:r>
+            <a:r>
+              <a:rPr lang="en-US" sz="1867" dirty="0">
+                <a:solidFill>
+                  <a:srgbClr val="0000FF"/>
+                </a:solidFill>
+                <a:latin typeface="Consolas" panose="020B0609020204030204" pitchFamily="49" charset="0"/>
+              </a:rPr>
+              <a:t>&gt;</a:t>
+            </a:r>
+            <a:r>
+              <a:rPr lang="en-US" sz="1867" dirty="0">
+                <a:solidFill>
+                  <a:srgbClr val="000000"/>
+                </a:solidFill>
+                <a:latin typeface="Consolas" panose="020B0609020204030204" pitchFamily="49" charset="0"/>
+              </a:rPr>
+              <a:t>32</a:t>
+            </a:r>
+            <a:r>
+              <a:rPr lang="en-US" sz="1867" dirty="0">
+                <a:solidFill>
+                  <a:srgbClr val="0000FF"/>
+                </a:solidFill>
+                <a:latin typeface="Consolas" panose="020B0609020204030204" pitchFamily="49" charset="0"/>
+              </a:rPr>
+              <a:t>&lt;/</a:t>
+            </a:r>
+            <a:r>
+              <a:rPr lang="en-US" sz="1867" dirty="0">
+                <a:solidFill>
+                  <a:srgbClr val="A31515"/>
+                </a:solidFill>
+                <a:latin typeface="Consolas" panose="020B0609020204030204" pitchFamily="49" charset="0"/>
+              </a:rPr>
+              <a:t>x:Int32</a:t>
+            </a:r>
+            <a:r>
+              <a:rPr lang="en-US" sz="1867" dirty="0">
+                <a:solidFill>
+                  <a:srgbClr val="0000FF"/>
+                </a:solidFill>
+                <a:latin typeface="Consolas" panose="020B0609020204030204" pitchFamily="49" charset="0"/>
+              </a:rPr>
+              <a:t>&gt;</a:t>
+            </a:r>
+            <a:br>
+              <a:rPr lang="en-US" sz="1867" dirty="0">
+                <a:solidFill>
+                  <a:srgbClr val="0000FF"/>
+                </a:solidFill>
+                <a:latin typeface="Consolas" panose="020B0609020204030204" pitchFamily="49" charset="0"/>
+              </a:rPr>
+            </a:br>
+            <a:r>
+              <a:rPr lang="en-US" sz="1867" dirty="0">
+                <a:solidFill>
+                  <a:srgbClr val="0000FF"/>
+                </a:solidFill>
+                <a:latin typeface="Consolas" panose="020B0609020204030204" pitchFamily="49" charset="0"/>
+              </a:rPr>
+              <a:t>  &lt;</a:t>
+            </a:r>
+            <a:r>
+              <a:rPr lang="en-US" sz="1867" dirty="0">
+                <a:solidFill>
+                  <a:srgbClr val="A31515"/>
+                </a:solidFill>
+                <a:latin typeface="Consolas" panose="020B0609020204030204" pitchFamily="49" charset="0"/>
+              </a:rPr>
+              <a:t>x:Int64    </a:t>
+            </a:r>
+            <a:r>
+              <a:rPr lang="en-US" sz="1867" dirty="0">
+                <a:solidFill>
+                  <a:srgbClr val="FF0000"/>
+                </a:solidFill>
+                <a:latin typeface="Consolas" panose="020B0609020204030204" pitchFamily="49" charset="0"/>
+              </a:rPr>
+              <a:t>x:Key</a:t>
+            </a:r>
+            <a:r>
+              <a:rPr lang="en-US" sz="1867" dirty="0">
+                <a:solidFill>
+                  <a:srgbClr val="0000FF"/>
+                </a:solidFill>
+                <a:latin typeface="Consolas" panose="020B0609020204030204" pitchFamily="49" charset="0"/>
+              </a:rPr>
+              <a:t>=</a:t>
+            </a:r>
+            <a:r>
+              <a:rPr lang="en-US" sz="1867" dirty="0">
+                <a:solidFill>
+                  <a:srgbClr val="000000"/>
+                </a:solidFill>
+                <a:latin typeface="Consolas" panose="020B0609020204030204" pitchFamily="49" charset="0"/>
+              </a:rPr>
+              <a:t>"</a:t>
+            </a:r>
+            <a:r>
+              <a:rPr lang="en-US" sz="1867" dirty="0">
+                <a:latin typeface="Consolas" panose="020B0609020204030204" pitchFamily="49" charset="0"/>
+              </a:rPr>
+              <a:t>...</a:t>
+            </a:r>
+            <a:r>
+              <a:rPr lang="en-US" sz="1867" dirty="0">
+                <a:solidFill>
+                  <a:srgbClr val="000000"/>
+                </a:solidFill>
+                <a:latin typeface="Consolas" panose="020B0609020204030204" pitchFamily="49" charset="0"/>
+              </a:rPr>
+              <a:t>"</a:t>
+            </a:r>
+            <a:r>
+              <a:rPr lang="en-US" sz="1867" dirty="0">
+                <a:solidFill>
+                  <a:srgbClr val="0000FF"/>
+                </a:solidFill>
+                <a:latin typeface="Consolas" panose="020B0609020204030204" pitchFamily="49" charset="0"/>
+              </a:rPr>
+              <a:t>&gt;</a:t>
+            </a:r>
+            <a:r>
+              <a:rPr lang="en-US" sz="1867" dirty="0">
+                <a:solidFill>
+                  <a:srgbClr val="000000"/>
+                </a:solidFill>
+                <a:latin typeface="Consolas" panose="020B0609020204030204" pitchFamily="49" charset="0"/>
+              </a:rPr>
+              <a:t>64</a:t>
+            </a:r>
+            <a:r>
+              <a:rPr lang="en-US" sz="1867" dirty="0">
+                <a:solidFill>
+                  <a:srgbClr val="0000FF"/>
+                </a:solidFill>
+                <a:latin typeface="Consolas" panose="020B0609020204030204" pitchFamily="49" charset="0"/>
+              </a:rPr>
+              <a:t>&lt;/</a:t>
+            </a:r>
+            <a:r>
+              <a:rPr lang="en-US" sz="1867" dirty="0">
+                <a:solidFill>
+                  <a:srgbClr val="A31515"/>
+                </a:solidFill>
+                <a:latin typeface="Consolas" panose="020B0609020204030204" pitchFamily="49" charset="0"/>
+              </a:rPr>
+              <a:t>x:Int64</a:t>
+            </a:r>
+            <a:r>
+              <a:rPr lang="en-US" sz="1867" dirty="0">
+                <a:solidFill>
+                  <a:srgbClr val="0000FF"/>
+                </a:solidFill>
+                <a:latin typeface="Consolas" panose="020B0609020204030204" pitchFamily="49" charset="0"/>
+              </a:rPr>
+              <a:t>&gt;</a:t>
+            </a:r>
+            <a:br>
+              <a:rPr lang="en-US" sz="1867" dirty="0">
+                <a:solidFill>
+                  <a:srgbClr val="0000FF"/>
+                </a:solidFill>
+                <a:latin typeface="Consolas" panose="020B0609020204030204" pitchFamily="49" charset="0"/>
+              </a:rPr>
+            </a:br>
+            <a:r>
+              <a:rPr lang="en-US" sz="1867" dirty="0">
+                <a:solidFill>
+                  <a:srgbClr val="0000FF"/>
+                </a:solidFill>
+                <a:latin typeface="Consolas" panose="020B0609020204030204" pitchFamily="49" charset="0"/>
+              </a:rPr>
+              <a:t>  &lt;</a:t>
+            </a:r>
+            <a:r>
+              <a:rPr lang="en-US" sz="1867" dirty="0" err="1">
+                <a:solidFill>
+                  <a:srgbClr val="A31515"/>
+                </a:solidFill>
+                <a:latin typeface="Consolas" panose="020B0609020204030204" pitchFamily="49" charset="0"/>
+              </a:rPr>
+              <a:t>x:Decimal</a:t>
+            </a:r>
+            <a:r>
+              <a:rPr lang="en-US" sz="1867" dirty="0">
+                <a:solidFill>
+                  <a:srgbClr val="A31515"/>
+                </a:solidFill>
+                <a:latin typeface="Consolas" panose="020B0609020204030204" pitchFamily="49" charset="0"/>
+              </a:rPr>
+              <a:t>  </a:t>
+            </a:r>
+            <a:r>
+              <a:rPr lang="en-US" sz="1867" dirty="0">
+                <a:solidFill>
+                  <a:srgbClr val="FF0000"/>
+                </a:solidFill>
+                <a:latin typeface="Consolas" panose="020B0609020204030204" pitchFamily="49" charset="0"/>
+              </a:rPr>
+              <a:t>x:Key</a:t>
+            </a:r>
+            <a:r>
+              <a:rPr lang="en-US" sz="1867" dirty="0">
+                <a:solidFill>
+                  <a:srgbClr val="0000FF"/>
+                </a:solidFill>
+                <a:latin typeface="Consolas" panose="020B0609020204030204" pitchFamily="49" charset="0"/>
+              </a:rPr>
+              <a:t>=</a:t>
+            </a:r>
+            <a:r>
+              <a:rPr lang="en-US" sz="1867" dirty="0">
+                <a:solidFill>
+                  <a:srgbClr val="000000"/>
+                </a:solidFill>
+                <a:latin typeface="Consolas" panose="020B0609020204030204" pitchFamily="49" charset="0"/>
+              </a:rPr>
+              <a:t>"</a:t>
+            </a:r>
+            <a:r>
+              <a:rPr lang="en-US" sz="1867" dirty="0">
+                <a:latin typeface="Consolas" panose="020B0609020204030204" pitchFamily="49" charset="0"/>
+              </a:rPr>
+              <a:t>...</a:t>
+            </a:r>
+            <a:r>
+              <a:rPr lang="en-US" sz="1867" dirty="0">
+                <a:solidFill>
+                  <a:srgbClr val="000000"/>
+                </a:solidFill>
+                <a:latin typeface="Consolas" panose="020B0609020204030204" pitchFamily="49" charset="0"/>
+              </a:rPr>
+              <a:t>"</a:t>
+            </a:r>
+            <a:r>
+              <a:rPr lang="en-US" sz="1867" dirty="0">
+                <a:solidFill>
+                  <a:srgbClr val="0000FF"/>
+                </a:solidFill>
+                <a:latin typeface="Consolas" panose="020B0609020204030204" pitchFamily="49" charset="0"/>
+              </a:rPr>
+              <a:t>&gt;</a:t>
+            </a:r>
+            <a:r>
+              <a:rPr lang="en-US" sz="1867" dirty="0">
+                <a:solidFill>
+                  <a:srgbClr val="000000"/>
+                </a:solidFill>
+                <a:latin typeface="Consolas" panose="020B0609020204030204" pitchFamily="49" charset="0"/>
+              </a:rPr>
+              <a:t>12345</a:t>
+            </a:r>
+            <a:r>
+              <a:rPr lang="en-US" sz="1867" dirty="0">
+                <a:solidFill>
+                  <a:srgbClr val="0000FF"/>
+                </a:solidFill>
+                <a:latin typeface="Consolas" panose="020B0609020204030204" pitchFamily="49" charset="0"/>
+              </a:rPr>
+              <a:t>&lt;/</a:t>
+            </a:r>
+            <a:r>
+              <a:rPr lang="en-US" sz="1867" dirty="0">
+                <a:solidFill>
+                  <a:srgbClr val="A31515"/>
+                </a:solidFill>
+                <a:latin typeface="Consolas" panose="020B0609020204030204" pitchFamily="49" charset="0"/>
+              </a:rPr>
+              <a:t>x:Decimal</a:t>
+            </a:r>
+            <a:r>
+              <a:rPr lang="en-US" sz="1867" dirty="0">
+                <a:solidFill>
+                  <a:srgbClr val="0000FF"/>
+                </a:solidFill>
+                <a:latin typeface="Consolas" panose="020B0609020204030204" pitchFamily="49" charset="0"/>
+              </a:rPr>
+              <a:t>&gt;</a:t>
+            </a:r>
+            <a:br>
+              <a:rPr lang="en-US" sz="1867" dirty="0">
+                <a:solidFill>
+                  <a:srgbClr val="0000FF"/>
+                </a:solidFill>
+                <a:latin typeface="Consolas" panose="020B0609020204030204" pitchFamily="49" charset="0"/>
+              </a:rPr>
+            </a:br>
+            <a:r>
+              <a:rPr lang="en-US" sz="1867" dirty="0">
+                <a:solidFill>
+                  <a:srgbClr val="0000FF"/>
+                </a:solidFill>
+                <a:latin typeface="Consolas" panose="020B0609020204030204" pitchFamily="49" charset="0"/>
+              </a:rPr>
+              <a:t>  &lt;</a:t>
+            </a:r>
+            <a:r>
+              <a:rPr lang="en-US" sz="1867" dirty="0" err="1">
+                <a:solidFill>
+                  <a:srgbClr val="A31515"/>
+                </a:solidFill>
+                <a:latin typeface="Consolas" panose="020B0609020204030204" pitchFamily="49" charset="0"/>
+              </a:rPr>
+              <a:t>x:TimeSpan</a:t>
+            </a:r>
+            <a:r>
+              <a:rPr lang="en-US" sz="1867" dirty="0">
+                <a:solidFill>
+                  <a:srgbClr val="A31515"/>
+                </a:solidFill>
+                <a:latin typeface="Consolas" panose="020B0609020204030204" pitchFamily="49" charset="0"/>
+              </a:rPr>
+              <a:t> </a:t>
+            </a:r>
+            <a:r>
+              <a:rPr lang="en-US" sz="1867" dirty="0">
+                <a:solidFill>
+                  <a:srgbClr val="FF0000"/>
+                </a:solidFill>
+                <a:latin typeface="Consolas" panose="020B0609020204030204" pitchFamily="49" charset="0"/>
+              </a:rPr>
+              <a:t>x:Key</a:t>
+            </a:r>
+            <a:r>
+              <a:rPr lang="en-US" sz="1867" dirty="0">
+                <a:solidFill>
+                  <a:srgbClr val="0000FF"/>
+                </a:solidFill>
+                <a:latin typeface="Consolas" panose="020B0609020204030204" pitchFamily="49" charset="0"/>
+              </a:rPr>
+              <a:t>=</a:t>
+            </a:r>
+            <a:r>
+              <a:rPr lang="en-US" sz="1867" dirty="0">
+                <a:solidFill>
+                  <a:srgbClr val="000000"/>
+                </a:solidFill>
+                <a:latin typeface="Consolas" panose="020B0609020204030204" pitchFamily="49" charset="0"/>
+              </a:rPr>
+              <a:t>"</a:t>
+            </a:r>
+            <a:r>
+              <a:rPr lang="en-US" sz="1867" dirty="0">
+                <a:latin typeface="Consolas" panose="020B0609020204030204" pitchFamily="49" charset="0"/>
+              </a:rPr>
+              <a:t>...</a:t>
+            </a:r>
+            <a:r>
+              <a:rPr lang="en-US" sz="1867" dirty="0">
+                <a:solidFill>
+                  <a:srgbClr val="000000"/>
+                </a:solidFill>
+                <a:latin typeface="Consolas" panose="020B0609020204030204" pitchFamily="49" charset="0"/>
+              </a:rPr>
+              <a:t>"</a:t>
+            </a:r>
+            <a:r>
+              <a:rPr lang="en-US" sz="1867" dirty="0">
+                <a:solidFill>
+                  <a:srgbClr val="0000FF"/>
+                </a:solidFill>
+                <a:latin typeface="Consolas" panose="020B0609020204030204" pitchFamily="49" charset="0"/>
+              </a:rPr>
+              <a:t>&gt;</a:t>
+            </a:r>
+            <a:r>
+              <a:rPr lang="en-US" sz="1867" dirty="0">
+                <a:solidFill>
+                  <a:srgbClr val="000000"/>
+                </a:solidFill>
+                <a:latin typeface="Consolas" panose="020B0609020204030204" pitchFamily="49" charset="0"/>
+              </a:rPr>
+              <a:t>1.23:5959</a:t>
+            </a:r>
+            <a:r>
+              <a:rPr lang="en-US" sz="1867" dirty="0">
+                <a:solidFill>
+                  <a:srgbClr val="0000FF"/>
+                </a:solidFill>
+                <a:latin typeface="Consolas" panose="020B0609020204030204" pitchFamily="49" charset="0"/>
+              </a:rPr>
+              <a:t>&lt;/</a:t>
+            </a:r>
+            <a:r>
+              <a:rPr lang="en-US" sz="1867" dirty="0">
+                <a:solidFill>
+                  <a:srgbClr val="A31515"/>
+                </a:solidFill>
+                <a:latin typeface="Consolas" panose="020B0609020204030204" pitchFamily="49" charset="0"/>
+              </a:rPr>
+              <a:t>x:TimeSpan</a:t>
+            </a:r>
+            <a:r>
+              <a:rPr lang="en-US" sz="1867" dirty="0">
+                <a:solidFill>
+                  <a:srgbClr val="0000FF"/>
+                </a:solidFill>
+                <a:latin typeface="Consolas" panose="020B0609020204030204" pitchFamily="49" charset="0"/>
+              </a:rPr>
+              <a:t>&gt;</a:t>
+            </a:r>
+            <a:br>
+              <a:rPr lang="en-US" sz="1867" dirty="0">
+                <a:solidFill>
+                  <a:srgbClr val="0000FF"/>
+                </a:solidFill>
+                <a:latin typeface="Consolas" panose="020B0609020204030204" pitchFamily="49" charset="0"/>
+              </a:rPr>
+            </a:br>
+            <a:r>
+              <a:rPr lang="en-US" sz="1867" dirty="0">
+                <a:solidFill>
+                  <a:srgbClr val="0000FF"/>
+                </a:solidFill>
+                <a:latin typeface="Consolas" panose="020B0609020204030204" pitchFamily="49" charset="0"/>
+              </a:rPr>
+              <a:t>  &lt;</a:t>
+            </a:r>
+            <a:r>
+              <a:rPr lang="en-US" sz="1867" dirty="0" err="1">
+                <a:solidFill>
+                  <a:srgbClr val="A31515"/>
+                </a:solidFill>
+                <a:latin typeface="Consolas" panose="020B0609020204030204" pitchFamily="49" charset="0"/>
+              </a:rPr>
+              <a:t>x:Boolean</a:t>
+            </a:r>
+            <a:r>
+              <a:rPr lang="en-US" sz="1867" dirty="0">
+                <a:solidFill>
+                  <a:srgbClr val="A31515"/>
+                </a:solidFill>
+                <a:latin typeface="Consolas" panose="020B0609020204030204" pitchFamily="49" charset="0"/>
+              </a:rPr>
+              <a:t>  </a:t>
+            </a:r>
+            <a:r>
+              <a:rPr lang="en-US" sz="1867" dirty="0">
+                <a:solidFill>
+                  <a:srgbClr val="FF0000"/>
+                </a:solidFill>
+                <a:latin typeface="Consolas" panose="020B0609020204030204" pitchFamily="49" charset="0"/>
+              </a:rPr>
+              <a:t>x:Key</a:t>
+            </a:r>
+            <a:r>
+              <a:rPr lang="en-US" sz="1867" dirty="0">
+                <a:solidFill>
+                  <a:srgbClr val="0000FF"/>
+                </a:solidFill>
+                <a:latin typeface="Consolas" panose="020B0609020204030204" pitchFamily="49" charset="0"/>
+              </a:rPr>
+              <a:t>=</a:t>
+            </a:r>
+            <a:r>
+              <a:rPr lang="en-US" sz="1867" dirty="0">
+                <a:solidFill>
+                  <a:srgbClr val="000000"/>
+                </a:solidFill>
+                <a:latin typeface="Consolas" panose="020B0609020204030204" pitchFamily="49" charset="0"/>
+              </a:rPr>
+              <a:t>"</a:t>
+            </a:r>
+            <a:r>
+              <a:rPr lang="en-US" sz="1867" dirty="0">
+                <a:latin typeface="Consolas" panose="020B0609020204030204" pitchFamily="49" charset="0"/>
+              </a:rPr>
+              <a:t>...</a:t>
+            </a:r>
+            <a:r>
+              <a:rPr lang="en-US" sz="1867" dirty="0">
+                <a:solidFill>
+                  <a:srgbClr val="000000"/>
+                </a:solidFill>
+                <a:latin typeface="Consolas" panose="020B0609020204030204" pitchFamily="49" charset="0"/>
+              </a:rPr>
+              <a:t>"</a:t>
+            </a:r>
+            <a:r>
+              <a:rPr lang="en-US" sz="1867" dirty="0">
+                <a:solidFill>
+                  <a:srgbClr val="0000FF"/>
+                </a:solidFill>
+                <a:latin typeface="Consolas" panose="020B0609020204030204" pitchFamily="49" charset="0"/>
+              </a:rPr>
+              <a:t>&gt;</a:t>
+            </a:r>
+            <a:r>
+              <a:rPr lang="en-US" sz="1867" dirty="0">
+                <a:solidFill>
+                  <a:srgbClr val="000000"/>
+                </a:solidFill>
+                <a:latin typeface="Consolas" panose="020B0609020204030204" pitchFamily="49" charset="0"/>
+              </a:rPr>
+              <a:t>True</a:t>
+            </a:r>
+            <a:r>
+              <a:rPr lang="en-US" sz="1867" dirty="0">
+                <a:solidFill>
+                  <a:srgbClr val="0000FF"/>
+                </a:solidFill>
+                <a:latin typeface="Consolas" panose="020B0609020204030204" pitchFamily="49" charset="0"/>
+              </a:rPr>
+              <a:t>&lt;/</a:t>
+            </a:r>
+            <a:r>
+              <a:rPr lang="en-US" sz="1867" dirty="0">
+                <a:solidFill>
+                  <a:srgbClr val="A31515"/>
+                </a:solidFill>
+                <a:latin typeface="Consolas" panose="020B0609020204030204" pitchFamily="49" charset="0"/>
+              </a:rPr>
+              <a:t>x:Boolean</a:t>
+            </a:r>
+            <a:r>
+              <a:rPr lang="en-US" sz="1867" dirty="0">
+                <a:solidFill>
+                  <a:srgbClr val="0000FF"/>
+                </a:solidFill>
+                <a:latin typeface="Consolas" panose="020B0609020204030204" pitchFamily="49" charset="0"/>
+              </a:rPr>
+              <a:t>&gt;</a:t>
+            </a:r>
+          </a:p>
+          <a:p>
+            <a:r>
+              <a:rPr lang="en-US" sz="1867" dirty="0">
+                <a:solidFill>
+                  <a:srgbClr val="0000FF"/>
+                </a:solidFill>
+                <a:latin typeface="Consolas" panose="020B0609020204030204" pitchFamily="49" charset="0"/>
+              </a:rPr>
+              <a:t>&lt;/</a:t>
+            </a:r>
+            <a:r>
+              <a:rPr lang="en-US" sz="1867" dirty="0" err="1">
+                <a:solidFill>
+                  <a:srgbClr val="A31515"/>
+                </a:solidFill>
+                <a:latin typeface="Consolas" panose="020B0609020204030204" pitchFamily="49" charset="0"/>
+              </a:rPr>
+              <a:t>ResourceDictionary</a:t>
+            </a:r>
+            <a:r>
+              <a:rPr lang="en-US" sz="1867" dirty="0">
+                <a:solidFill>
+                  <a:srgbClr val="0000FF"/>
+                </a:solidFill>
+                <a:latin typeface="Consolas" panose="020B0609020204030204" pitchFamily="49" charset="0"/>
+              </a:rPr>
+              <a:t>&gt;</a:t>
+            </a:r>
+            <a:endParaRPr lang="en-US" sz="1867" dirty="0">
+              <a:latin typeface="Consolas" panose="020B0609020204030204" pitchFamily="49" charset="0"/>
+              <a:cs typeface="Consolas" panose="020B0609020204030204" pitchFamily="49" charset="0"/>
+            </a:endParaRPr>
+          </a:p>
+        </p:txBody>
+      </p:sp>
+      <p:sp>
+        <p:nvSpPr>
+          <p:cNvPr id="7" name="TextBox 6"/>
+          <p:cNvSpPr txBox="1"/>
+          <p:nvPr/>
+        </p:nvSpPr>
+        <p:spPr>
+          <a:xfrm>
+            <a:off x="638810" y="3029865"/>
+            <a:ext cx="2235201" cy="2308324"/>
+          </a:xfrm>
+          <a:prstGeom prst="rect">
+            <a:avLst/>
+          </a:prstGeom>
+          <a:noFill/>
+        </p:spPr>
+        <p:txBody>
+          <a:bodyPr wrap="square" rtlCol="0">
+            <a:spAutoFit/>
+          </a:bodyPr>
+          <a:lstStyle/>
+          <a:p>
+            <a:r>
+              <a:rPr lang="en-US" sz="2400" dirty="0">
+                <a:latin typeface="Consolas" panose="020B0609020204030204" pitchFamily="49" charset="0"/>
+                <a:cs typeface="Consolas" panose="020B0609020204030204" pitchFamily="49" charset="0"/>
+              </a:rPr>
+              <a:t>String</a:t>
+            </a:r>
+            <a:r>
+              <a:rPr lang="en-US" sz="2400" dirty="0">
+                <a:cs typeface="Segoe UI Light"/>
+              </a:rPr>
+              <a:t> </a:t>
+            </a:r>
+            <a:r>
+              <a:rPr lang="en-US" sz="2400" dirty="0">
+                <a:cs typeface="Segoe UI Light"/>
+                <a:sym typeface="Wingdings" panose="05000000000000000000" pitchFamily="2" charset="2"/>
+              </a:rPr>
+              <a:t>and</a:t>
+            </a:r>
+          </a:p>
+          <a:p>
+            <a:r>
+              <a:rPr lang="en-US" sz="2400" dirty="0">
+                <a:latin typeface="Consolas" panose="020B0609020204030204" pitchFamily="49" charset="0"/>
+                <a:cs typeface="Consolas" panose="020B0609020204030204" pitchFamily="49" charset="0"/>
+                <a:sym typeface="Wingdings" panose="05000000000000000000" pitchFamily="2" charset="2"/>
+              </a:rPr>
+              <a:t>Double</a:t>
+            </a:r>
+            <a:r>
+              <a:rPr lang="en-US" sz="2400" dirty="0">
+                <a:solidFill>
+                  <a:prstClr val="black"/>
+                </a:solidFill>
+                <a:cs typeface="Segoe UI Light"/>
+              </a:rPr>
+              <a:t> are</a:t>
+            </a:r>
+          </a:p>
+          <a:p>
+            <a:r>
+              <a:rPr lang="en-US" sz="2400" dirty="0">
+                <a:solidFill>
+                  <a:prstClr val="black"/>
+                </a:solidFill>
+                <a:cs typeface="Segoe UI Light"/>
+              </a:rPr>
+              <a:t>useful since</a:t>
+            </a:r>
+          </a:p>
+          <a:p>
+            <a:r>
+              <a:rPr lang="en-US" sz="2400" dirty="0">
+                <a:solidFill>
+                  <a:prstClr val="black"/>
+                </a:solidFill>
+                <a:cs typeface="Segoe UI Light"/>
+              </a:rPr>
+              <a:t>many UI</a:t>
+            </a:r>
+          </a:p>
+          <a:p>
+            <a:pPr lvl="0"/>
+            <a:r>
+              <a:rPr lang="en-US" sz="2400" dirty="0">
+                <a:solidFill>
+                  <a:prstClr val="black"/>
+                </a:solidFill>
+                <a:cs typeface="Segoe UI Light"/>
+              </a:rPr>
+              <a:t>properties use</a:t>
+            </a:r>
+          </a:p>
+          <a:p>
+            <a:pPr lvl="0"/>
+            <a:r>
+              <a:rPr lang="en-US" sz="2400" dirty="0">
+                <a:solidFill>
+                  <a:prstClr val="black"/>
+                </a:solidFill>
+                <a:cs typeface="Segoe UI Light"/>
+              </a:rPr>
+              <a:t>those types</a:t>
+            </a:r>
+            <a:endParaRPr lang="en-US" sz="2400" dirty="0">
+              <a:cs typeface="Segoe UI Light"/>
+            </a:endParaRPr>
+          </a:p>
+        </p:txBody>
+      </p:sp>
+      <p:cxnSp>
+        <p:nvCxnSpPr>
+          <p:cNvPr id="8" name="Straight Arrow Connector 7"/>
+          <p:cNvCxnSpPr/>
+          <p:nvPr/>
+        </p:nvCxnSpPr>
+        <p:spPr>
+          <a:xfrm rot="5400000" flipV="1">
+            <a:off x="2916497" y="3066523"/>
+            <a:ext cx="0" cy="548640"/>
+          </a:xfrm>
+          <a:prstGeom prst="straightConnector1">
+            <a:avLst/>
+          </a:prstGeom>
+          <a:ln w="28575" cmpd="sng">
+            <a:solidFill>
+              <a:schemeClr val="accent4"/>
+            </a:solidFill>
+            <a:tailEnd type="arrow"/>
+          </a:ln>
+          <a:effectLst/>
+        </p:spPr>
+        <p:style>
+          <a:lnRef idx="2">
+            <a:schemeClr val="accent1"/>
+          </a:lnRef>
+          <a:fillRef idx="0">
+            <a:schemeClr val="accent1"/>
+          </a:fillRef>
+          <a:effectRef idx="1">
+            <a:schemeClr val="accent1"/>
+          </a:effectRef>
+          <a:fontRef idx="minor">
+            <a:schemeClr val="tx1"/>
+          </a:fontRef>
+        </p:style>
+      </p:cxnSp>
+      <p:cxnSp>
+        <p:nvCxnSpPr>
+          <p:cNvPr id="9" name="Straight Arrow Connector 8"/>
+          <p:cNvCxnSpPr/>
+          <p:nvPr/>
+        </p:nvCxnSpPr>
+        <p:spPr>
+          <a:xfrm rot="5400000" flipV="1">
+            <a:off x="2916497" y="3925096"/>
+            <a:ext cx="0" cy="548640"/>
+          </a:xfrm>
+          <a:prstGeom prst="straightConnector1">
+            <a:avLst/>
+          </a:prstGeom>
+          <a:ln w="28575" cmpd="sng">
+            <a:solidFill>
+              <a:schemeClr val="accent4"/>
+            </a:solidFill>
+            <a:tailEnd type="arrow"/>
+          </a:ln>
+          <a:effectLst/>
+        </p:spPr>
+        <p:style>
+          <a:lnRef idx="2">
+            <a:schemeClr val="accent1"/>
+          </a:lnRef>
+          <a:fillRef idx="0">
+            <a:schemeClr val="accent1"/>
+          </a:fillRef>
+          <a:effectRef idx="1">
+            <a:schemeClr val="accent1"/>
+          </a:effectRef>
+          <a:fontRef idx="minor">
+            <a:schemeClr val="tx1"/>
+          </a:fontRef>
+        </p:style>
+      </p:cxnSp>
+    </p:spTree>
+    <p:extLst>
+      <p:ext uri="{BB962C8B-B14F-4D97-AF65-F5344CB8AC3E}">
+        <p14:creationId xmlns:p14="http://schemas.microsoft.com/office/powerpoint/2010/main" val="2232763932"/>
+      </p:ext>
+    </p:extLst>
+  </p:cSld>
+  <p:clrMapOvr>
+    <a:masterClrMapping/>
+  </p:clrMapOvr>
+</p:sld>
+</file>
+
+<file path=ppt/slides/slide11.xml><?xml version="1.0" encoding="utf-8"?>
 <p:sld xmlns:a="http://schemas.openxmlformats.org/drawingml/2006/main" xmlns:r="http://schemas.openxmlformats.org/officeDocument/2006/relationships" xmlns:p="http://schemas.openxmlformats.org/presentationml/2006/main">
   <p:cSld>
     <p:spTree>
@@ -9979,7 +11816,7 @@
 </p:sld>
 </file>
 
-<file path=ppt/slides/slide11.xml><?xml version="1.0" encoding="utf-8"?>
+<file path=ppt/slides/slide12.xml><?xml version="1.0" encoding="utf-8"?>
 <p:sld xmlns:a="http://schemas.openxmlformats.org/drawingml/2006/main" xmlns:r="http://schemas.openxmlformats.org/officeDocument/2006/relationships" xmlns:p="http://schemas.openxmlformats.org/presentationml/2006/main">
   <p:cSld>
     <p:spTree>
@@ -10714,7 +12551,7 @@
 </p:sld>
 </file>
 
-<file path=ppt/slides/slide12.xml><?xml version="1.0" encoding="utf-8"?>
+<file path=ppt/slides/slide13.xml><?xml version="1.0" encoding="utf-8"?>
 <p:sld xmlns:a="http://schemas.openxmlformats.org/drawingml/2006/main" xmlns:r="http://schemas.openxmlformats.org/officeDocument/2006/relationships" xmlns:p="http://schemas.openxmlformats.org/presentationml/2006/main">
   <p:cSld>
     <p:spTree>
@@ -11629,7 +13466,7 @@
 </p:sld>
 </file>
 
-<file path=ppt/slides/slide13.xml><?xml version="1.0" encoding="utf-8"?>
+<file path=ppt/slides/slide14.xml><?xml version="1.0" encoding="utf-8"?>
 <p:sld xmlns:a="http://schemas.openxmlformats.org/drawingml/2006/main" xmlns:r="http://schemas.openxmlformats.org/officeDocument/2006/relationships" xmlns:p="http://schemas.openxmlformats.org/presentationml/2006/main">
   <p:cSld>
     <p:spTree>
@@ -12106,7 +13943,7 @@
 </p:sld>
 </file>
 
-<file path=ppt/slides/slide14.xml><?xml version="1.0" encoding="utf-8"?>
+<file path=ppt/slides/slide15.xml><?xml version="1.0" encoding="utf-8"?>
 <p:sld xmlns:a="http://schemas.openxmlformats.org/drawingml/2006/main" xmlns:r="http://schemas.openxmlformats.org/officeDocument/2006/relationships" xmlns:p="http://schemas.openxmlformats.org/presentationml/2006/main">
   <p:cSld>
     <p:spTree>
@@ -12167,7 +14004,7 @@
 </p:sld>
 </file>
 
-<file path=ppt/slides/slide15.xml><?xml version="1.0" encoding="utf-8"?>
+<file path=ppt/slides/slide16.xml><?xml version="1.0" encoding="utf-8"?>
 <p:sld xmlns:a="http://schemas.openxmlformats.org/drawingml/2006/main" xmlns:r="http://schemas.openxmlformats.org/officeDocument/2006/relationships" xmlns:p="http://schemas.openxmlformats.org/presentationml/2006/main">
   <p:cSld>
     <p:spTree>
@@ -14256,7 +16093,7 @@
 </p:sld>
 </file>
 
-<file path=ppt/slides/slide16.xml><?xml version="1.0" encoding="utf-8"?>
+<file path=ppt/slides/slide17.xml><?xml version="1.0" encoding="utf-8"?>
 <p:sld xmlns:a="http://schemas.openxmlformats.org/drawingml/2006/main" xmlns:r="http://schemas.openxmlformats.org/officeDocument/2006/relationships" xmlns:p="http://schemas.openxmlformats.org/presentationml/2006/main">
   <p:cSld>
     <p:spTree>
@@ -14816,7 +16653,7 @@
 </p:sld>
 </file>
 
-<file path=ppt/slides/slide17.xml><?xml version="1.0" encoding="utf-8"?>
+<file path=ppt/slides/slide18.xml><?xml version="1.0" encoding="utf-8"?>
 <p:sld xmlns:a="http://schemas.openxmlformats.org/drawingml/2006/main" xmlns:r="http://schemas.openxmlformats.org/officeDocument/2006/relationships" xmlns:p="http://schemas.openxmlformats.org/presentationml/2006/main">
   <p:cSld>
     <p:spTree>
@@ -15442,7 +17279,7 @@
 </p:sld>
 </file>
 
-<file path=ppt/slides/slide18.xml><?xml version="1.0" encoding="utf-8"?>
+<file path=ppt/slides/slide19.xml><?xml version="1.0" encoding="utf-8"?>
 <p:sld xmlns:a="http://schemas.openxmlformats.org/drawingml/2006/main" xmlns:r="http://schemas.openxmlformats.org/officeDocument/2006/relationships" xmlns:p="http://schemas.openxmlformats.org/presentationml/2006/main">
   <p:cSld>
     <p:spTree>
@@ -16861,7 +18698,311 @@
 </p:sld>
 </file>
 
-<file path=ppt/slides/slide19.xml><?xml version="1.0" encoding="utf-8"?>
+<file path=ppt/slides/slide2.xml><?xml version="1.0" encoding="utf-8"?>
+<p:sld xmlns:a="http://schemas.openxmlformats.org/drawingml/2006/main" xmlns:r="http://schemas.openxmlformats.org/officeDocument/2006/relationships" xmlns:p="http://schemas.openxmlformats.org/presentationml/2006/main">
+  <p:cSld>
+    <p:spTree>
+      <p:nvGrpSpPr>
+        <p:cNvPr id="1" name=""/>
+        <p:cNvGrpSpPr/>
+        <p:nvPr/>
+      </p:nvGrpSpPr>
+      <p:grpSpPr>
+        <a:xfrm>
+          <a:off x="0" y="0"/>
+          <a:ext cx="0" cy="0"/>
+          <a:chOff x="0" y="0"/>
+          <a:chExt cx="0" cy="0"/>
+        </a:xfrm>
+      </p:grpSpPr>
+      <p:sp>
+        <p:nvSpPr>
+          <p:cNvPr id="3" name="Title 2"/>
+          <p:cNvSpPr>
+            <a:spLocks noGrp="1"/>
+          </p:cNvSpPr>
+          <p:nvPr>
+            <p:ph type="title"/>
+          </p:nvPr>
+        </p:nvSpPr>
+        <p:spPr/>
+        <p:txBody>
+          <a:bodyPr/>
+          <a:lstStyle/>
+          <a:p>
+            <a:r>
+              <a:rPr lang="en-US" sz="5400" b="1" dirty="0"/>
+              <a:t>.NET MAUI</a:t>
+            </a:r>
+            <a:br>
+              <a:rPr lang="en-US" sz="5400" b="1" dirty="0"/>
+            </a:br>
+            <a:r>
+              <a:rPr lang="en-US" sz="5400" b="1" dirty="0"/>
+              <a:t>Part 6: App Themes &amp; Resources</a:t>
+            </a:r>
+          </a:p>
+        </p:txBody>
+      </p:sp>
+      <p:sp>
+        <p:nvSpPr>
+          <p:cNvPr id="4" name="Text Placeholder 3"/>
+          <p:cNvSpPr>
+            <a:spLocks noGrp="1"/>
+          </p:cNvSpPr>
+          <p:nvPr>
+            <p:ph type="body" sz="quarter" idx="13"/>
+          </p:nvPr>
+        </p:nvSpPr>
+        <p:spPr/>
+        <p:txBody>
+          <a:bodyPr/>
+          <a:lstStyle/>
+          <a:p>
+            <a:endParaRPr lang="en-US"/>
+          </a:p>
+        </p:txBody>
+      </p:sp>
+      <p:sp>
+        <p:nvSpPr>
+          <p:cNvPr id="15" name="TextBox 14">
+            <a:extLst>
+              <a:ext uri="{FF2B5EF4-FFF2-40B4-BE49-F238E27FC236}">
+                <a16:creationId xmlns:a16="http://schemas.microsoft.com/office/drawing/2014/main" id="{F8514073-356B-4236-B7C6-F289E6500D45}"/>
+              </a:ext>
+            </a:extLst>
+          </p:cNvPr>
+          <p:cNvSpPr txBox="1"/>
+          <p:nvPr/>
+        </p:nvSpPr>
+        <p:spPr>
+          <a:xfrm>
+            <a:off x="545772" y="5062410"/>
+            <a:ext cx="5966529" cy="641215"/>
+          </a:xfrm>
+          <a:prstGeom prst="rect">
+            <a:avLst/>
+          </a:prstGeom>
+          <a:noFill/>
+          <a:ln w="12700" cap="flat">
+            <a:noFill/>
+            <a:miter lim="400000"/>
+          </a:ln>
+          <a:effectLst/>
+        </p:spPr>
+        <p:style>
+          <a:lnRef idx="0">
+            <a:scrgbClr r="0" g="0" b="0"/>
+          </a:lnRef>
+          <a:fillRef idx="0">
+            <a:scrgbClr r="0" g="0" b="0"/>
+          </a:fillRef>
+          <a:effectRef idx="0">
+            <a:scrgbClr r="0" g="0" b="0"/>
+          </a:effectRef>
+          <a:fontRef idx="none"/>
+        </p:style>
+        <p:txBody>
+          <a:bodyPr rot="0" spcFirstLastPara="1" vertOverflow="overflow" horzOverflow="overflow" vert="horz" wrap="square" lIns="18676" tIns="18676" rIns="18676" bIns="18676" numCol="1" spcCol="14288" rtlCol="0" anchor="ctr">
+            <a:spAutoFit/>
+          </a:bodyPr>
+          <a:lstStyle/>
+          <a:p>
+            <a:r>
+              <a:rPr lang="en-US" sz="1961" dirty="0">
+                <a:cs typeface="Arial"/>
+              </a:rPr>
+              <a:t>&lt;Name&gt;</a:t>
+            </a:r>
+          </a:p>
+          <a:p>
+            <a:r>
+              <a:rPr lang="en-US" sz="1961" dirty="0">
+                <a:latin typeface="+mj-lt"/>
+                <a:cs typeface="Arial"/>
+              </a:rPr>
+              <a:t>&lt;Role&gt;</a:t>
+            </a:r>
+          </a:p>
+        </p:txBody>
+      </p:sp>
+      <p:sp>
+        <p:nvSpPr>
+          <p:cNvPr id="20" name="TextBox 19">
+            <a:extLst>
+              <a:ext uri="{FF2B5EF4-FFF2-40B4-BE49-F238E27FC236}">
+                <a16:creationId xmlns:a16="http://schemas.microsoft.com/office/drawing/2014/main" id="{B47DCC38-5755-4C7D-9BDE-AB2A494EA160}"/>
+              </a:ext>
+            </a:extLst>
+          </p:cNvPr>
+          <p:cNvSpPr txBox="1"/>
+          <p:nvPr/>
+        </p:nvSpPr>
+        <p:spPr>
+          <a:xfrm>
+            <a:off x="719514" y="5736125"/>
+            <a:ext cx="2440268" cy="761555"/>
+          </a:xfrm>
+          <a:prstGeom prst="rect">
+            <a:avLst/>
+          </a:prstGeom>
+          <a:noFill/>
+        </p:spPr>
+        <p:txBody>
+          <a:bodyPr wrap="square" rtlCol="0">
+            <a:spAutoFit/>
+          </a:bodyPr>
+          <a:lstStyle/>
+          <a:p>
+            <a:pPr algn="r">
+              <a:lnSpc>
+                <a:spcPct val="130000"/>
+              </a:lnSpc>
+            </a:pPr>
+            <a:r>
+              <a:rPr lang="en-US" sz="1765" dirty="0">
+                <a:latin typeface="+mj-lt"/>
+                <a:cs typeface="Arial"/>
+              </a:rPr>
+              <a:t>@&lt;Twitter&gt;</a:t>
+            </a:r>
+          </a:p>
+          <a:p>
+            <a:pPr algn="r">
+              <a:lnSpc>
+                <a:spcPct val="130000"/>
+              </a:lnSpc>
+            </a:pPr>
+            <a:r>
+              <a:rPr lang="en-US" sz="1765" dirty="0">
+                <a:latin typeface="+mj-lt"/>
+                <a:cs typeface="Arial"/>
+              </a:rPr>
+              <a:t>/&lt;YouTube&gt;</a:t>
+            </a:r>
+          </a:p>
+        </p:txBody>
+      </p:sp>
+      <p:pic>
+        <p:nvPicPr>
+          <p:cNvPr id="21" name="Picture 2" descr="See the source image">
+            <a:extLst>
+              <a:ext uri="{FF2B5EF4-FFF2-40B4-BE49-F238E27FC236}">
+                <a16:creationId xmlns:a16="http://schemas.microsoft.com/office/drawing/2014/main" id="{5085402D-4D72-42FE-AEE3-940D913854DD}"/>
+              </a:ext>
+            </a:extLst>
+          </p:cNvPr>
+          <p:cNvPicPr>
+            <a:picLocks noChangeAspect="1" noChangeArrowheads="1"/>
+          </p:cNvPicPr>
+          <p:nvPr/>
+        </p:nvPicPr>
+        <p:blipFill>
+          <a:blip r:embed="rId2">
+            <a:extLst>
+              <a:ext uri="{28A0092B-C50C-407E-A947-70E740481C1C}">
+                <a14:useLocalDpi xmlns:a14="http://schemas.microsoft.com/office/drawing/2010/main" val="0"/>
+              </a:ext>
+            </a:extLst>
+          </a:blip>
+          <a:srcRect/>
+          <a:stretch>
+            <a:fillRect/>
+          </a:stretch>
+        </p:blipFill>
+        <p:spPr bwMode="auto">
+          <a:xfrm>
+            <a:off x="598110" y="5818062"/>
+            <a:ext cx="326511" cy="326511"/>
+          </a:xfrm>
+          <a:prstGeom prst="rect">
+            <a:avLst/>
+          </a:prstGeom>
+          <a:noFill/>
+          <a:extLst>
+            <a:ext uri="{909E8E84-426E-40DD-AFC4-6F175D3DCCD1}">
+              <a14:hiddenFill xmlns:a14="http://schemas.microsoft.com/office/drawing/2010/main">
+                <a:solidFill>
+                  <a:srgbClr val="FFFFFF"/>
+                </a:solidFill>
+              </a14:hiddenFill>
+            </a:ext>
+          </a:extLst>
+        </p:spPr>
+      </p:pic>
+      <p:pic>
+        <p:nvPicPr>
+          <p:cNvPr id="22" name="Picture 4" descr="See the source image">
+            <a:extLst>
+              <a:ext uri="{FF2B5EF4-FFF2-40B4-BE49-F238E27FC236}">
+                <a16:creationId xmlns:a16="http://schemas.microsoft.com/office/drawing/2014/main" id="{29903BF8-06F8-4657-993C-F74F21394EBB}"/>
+              </a:ext>
+            </a:extLst>
+          </p:cNvPr>
+          <p:cNvPicPr>
+            <a:picLocks noChangeAspect="1" noChangeArrowheads="1"/>
+          </p:cNvPicPr>
+          <p:nvPr/>
+        </p:nvPicPr>
+        <p:blipFill>
+          <a:blip r:embed="rId3">
+            <a:extLst>
+              <a:ext uri="{28A0092B-C50C-407E-A947-70E740481C1C}">
+                <a14:useLocalDpi xmlns:a14="http://schemas.microsoft.com/office/drawing/2010/main" val="0"/>
+              </a:ext>
+            </a:extLst>
+          </a:blip>
+          <a:srcRect/>
+          <a:stretch>
+            <a:fillRect/>
+          </a:stretch>
+        </p:blipFill>
+        <p:spPr bwMode="auto">
+          <a:xfrm>
+            <a:off x="545772" y="6125198"/>
+            <a:ext cx="431185" cy="431185"/>
+          </a:xfrm>
+          <a:prstGeom prst="rect">
+            <a:avLst/>
+          </a:prstGeom>
+          <a:noFill/>
+          <a:extLst>
+            <a:ext uri="{909E8E84-426E-40DD-AFC4-6F175D3DCCD1}">
+              <a14:hiddenFill xmlns:a14="http://schemas.microsoft.com/office/drawing/2010/main">
+                <a:solidFill>
+                  <a:srgbClr val="FFFFFF"/>
+                </a:solidFill>
+              </a14:hiddenFill>
+            </a:ext>
+          </a:extLst>
+        </p:spPr>
+      </p:pic>
+    </p:spTree>
+    <p:extLst>
+      <p:ext uri="{BB962C8B-B14F-4D97-AF65-F5344CB8AC3E}">
+        <p14:creationId xmlns:p14="http://schemas.microsoft.com/office/powerpoint/2010/main" val="1272231778"/>
+      </p:ext>
+    </p:extLst>
+  </p:cSld>
+  <p:clrMapOvr>
+    <a:masterClrMapping/>
+  </p:clrMapOvr>
+  <mc:AlternateContent xmlns:mc="http://schemas.openxmlformats.org/markup-compatibility/2006" xmlns:p14="http://schemas.microsoft.com/office/powerpoint/2010/main">
+    <mc:Choice Requires="p14">
+      <p:transition spd="slow" p14:dur="3400">
+        <p14:reveal/>
+      </p:transition>
+    </mc:Choice>
+    <mc:Fallback xmlns="">
+      <p:transition spd="slow">
+        <p:fade/>
+      </p:transition>
+    </mc:Fallback>
+  </mc:AlternateContent>
+</p:sld>
+</file>
+
+<file path=ppt/slides/slide20.xml><?xml version="1.0" encoding="utf-8"?>
 <p:sld xmlns:a="http://schemas.openxmlformats.org/drawingml/2006/main" xmlns:r="http://schemas.openxmlformats.org/officeDocument/2006/relationships" xmlns:p="http://schemas.openxmlformats.org/presentationml/2006/main">
   <p:cSld>
     <p:spTree>
@@ -17410,119 +19551,7 @@
 </p:sld>
 </file>
 
-<file path=ppt/slides/slide2.xml><?xml version="1.0" encoding="utf-8"?>
-<p:sld xmlns:a="http://schemas.openxmlformats.org/drawingml/2006/main" xmlns:r="http://schemas.openxmlformats.org/officeDocument/2006/relationships" xmlns:p="http://schemas.openxmlformats.org/presentationml/2006/main">
-  <p:cSld>
-    <p:spTree>
-      <p:nvGrpSpPr>
-        <p:cNvPr id="1" name=""/>
-        <p:cNvGrpSpPr/>
-        <p:nvPr/>
-      </p:nvGrpSpPr>
-      <p:grpSpPr>
-        <a:xfrm>
-          <a:off x="0" y="0"/>
-          <a:ext cx="0" cy="0"/>
-          <a:chOff x="0" y="0"/>
-          <a:chExt cx="0" cy="0"/>
-        </a:xfrm>
-      </p:grpSpPr>
-      <p:sp>
-        <p:nvSpPr>
-          <p:cNvPr id="3" name="Text Placeholder 2">
-            <a:extLst>
-              <a:ext uri="{FF2B5EF4-FFF2-40B4-BE49-F238E27FC236}">
-                <a16:creationId xmlns:a16="http://schemas.microsoft.com/office/drawing/2014/main" id="{C3C28386-BC98-41B0-935B-7E4418CAA4F9}"/>
-              </a:ext>
-            </a:extLst>
-          </p:cNvPr>
-          <p:cNvSpPr>
-            <a:spLocks noGrp="1"/>
-          </p:cNvSpPr>
-          <p:nvPr>
-            <p:ph type="body" sz="quarter" idx="10"/>
-          </p:nvPr>
-        </p:nvSpPr>
-        <p:spPr>
-          <a:xfrm>
-            <a:off x="269239" y="1189177"/>
-            <a:ext cx="11653523" cy="2718821"/>
-          </a:xfrm>
-        </p:spPr>
-        <p:txBody>
-          <a:bodyPr/>
-          <a:lstStyle/>
-          <a:p>
-            <a:r>
-              <a:rPr lang="en-US" dirty="0"/>
-              <a:t>Avoid duplicate XAML with Resources</a:t>
-            </a:r>
-          </a:p>
-          <a:p>
-            <a:r>
-              <a:rPr lang="en-US" dirty="0"/>
-              <a:t>Create consistent UI with Styles</a:t>
-            </a:r>
-          </a:p>
-          <a:p>
-            <a:r>
-              <a:rPr lang="en-US" dirty="0"/>
-              <a:t>Makes Resources &amp; Styles available across app</a:t>
-            </a:r>
-          </a:p>
-          <a:p>
-            <a:r>
-              <a:rPr lang="en-US" dirty="0"/>
-              <a:t>Enable Light &amp; Dark Theme modes</a:t>
-            </a:r>
-          </a:p>
-        </p:txBody>
-      </p:sp>
-      <p:sp>
-        <p:nvSpPr>
-          <p:cNvPr id="2" name="Title 1">
-            <a:extLst>
-              <a:ext uri="{FF2B5EF4-FFF2-40B4-BE49-F238E27FC236}">
-                <a16:creationId xmlns:a16="http://schemas.microsoft.com/office/drawing/2014/main" id="{E95B4CEE-4732-4E67-9878-6EB70E8B124A}"/>
-              </a:ext>
-            </a:extLst>
-          </p:cNvPr>
-          <p:cNvSpPr>
-            <a:spLocks noGrp="1"/>
-          </p:cNvSpPr>
-          <p:nvPr>
-            <p:ph type="title"/>
-          </p:nvPr>
-        </p:nvSpPr>
-        <p:spPr/>
-        <p:txBody>
-          <a:bodyPr/>
-          <a:lstStyle/>
-          <a:p>
-            <a:r>
-              <a:rPr lang="en-US" dirty="0"/>
-              <a:t>Objectives</a:t>
-            </a:r>
-          </a:p>
-        </p:txBody>
-      </p:sp>
-    </p:spTree>
-    <p:extLst>
-      <p:ext uri="{BB962C8B-B14F-4D97-AF65-F5344CB8AC3E}">
-        <p14:creationId xmlns:p14="http://schemas.microsoft.com/office/powerpoint/2010/main" val="424419612"/>
-      </p:ext>
-    </p:extLst>
-  </p:cSld>
-  <p:clrMapOvr>
-    <a:masterClrMapping/>
-  </p:clrMapOvr>
-  <p:transition>
-    <p:fade/>
-  </p:transition>
-</p:sld>
-</file>
-
-<file path=ppt/slides/slide20.xml><?xml version="1.0" encoding="utf-8"?>
+<file path=ppt/slides/slide21.xml><?xml version="1.0" encoding="utf-8"?>
 <p:sld xmlns:a="http://schemas.openxmlformats.org/drawingml/2006/main" xmlns:r="http://schemas.openxmlformats.org/officeDocument/2006/relationships" xmlns:p="http://schemas.openxmlformats.org/presentationml/2006/main">
   <p:cSld>
     <p:spTree>
@@ -18299,7 +20328,7 @@
 </p:sld>
 </file>
 
-<file path=ppt/slides/slide21.xml><?xml version="1.0" encoding="utf-8"?>
+<file path=ppt/slides/slide22.xml><?xml version="1.0" encoding="utf-8"?>
 <p:sld xmlns:a="http://schemas.openxmlformats.org/drawingml/2006/main" xmlns:r="http://schemas.openxmlformats.org/officeDocument/2006/relationships" xmlns:p="http://schemas.openxmlformats.org/presentationml/2006/main">
   <p:cSld>
     <p:spTree>
@@ -19546,7 +21575,7 @@
 </p:sld>
 </file>
 
-<file path=ppt/slides/slide22.xml><?xml version="1.0" encoding="utf-8"?>
+<file path=ppt/slides/slide23.xml><?xml version="1.0" encoding="utf-8"?>
 <p:sld xmlns:a="http://schemas.openxmlformats.org/drawingml/2006/main" xmlns:r="http://schemas.openxmlformats.org/officeDocument/2006/relationships" xmlns:p="http://schemas.openxmlformats.org/presentationml/2006/main">
   <p:cSld>
     <p:spTree>
@@ -20501,7 +22530,7 @@
 </p:sld>
 </file>
 
-<file path=ppt/slides/slide23.xml><?xml version="1.0" encoding="utf-8"?>
+<file path=ppt/slides/slide24.xml><?xml version="1.0" encoding="utf-8"?>
 <p:sld xmlns:a="http://schemas.openxmlformats.org/drawingml/2006/main" xmlns:r="http://schemas.openxmlformats.org/officeDocument/2006/relationships" xmlns:p="http://schemas.openxmlformats.org/presentationml/2006/main">
   <p:cSld>
     <p:spTree>
@@ -22368,7 +24397,7 @@
 </p:sld>
 </file>
 
-<file path=ppt/slides/slide24.xml><?xml version="1.0" encoding="utf-8"?>
+<file path=ppt/slides/slide25.xml><?xml version="1.0" encoding="utf-8"?>
 <p:sld xmlns:a="http://schemas.openxmlformats.org/drawingml/2006/main" xmlns:r="http://schemas.openxmlformats.org/officeDocument/2006/relationships" xmlns:p="http://schemas.openxmlformats.org/presentationml/2006/main">
   <p:cSld>
     <p:spTree>
@@ -23294,7 +25323,7 @@
 </p:sld>
 </file>
 
-<file path=ppt/slides/slide25.xml><?xml version="1.0" encoding="utf-8"?>
+<file path=ppt/slides/slide26.xml><?xml version="1.0" encoding="utf-8"?>
 <p:sld xmlns:a="http://schemas.openxmlformats.org/drawingml/2006/main" xmlns:r="http://schemas.openxmlformats.org/officeDocument/2006/relationships" xmlns:p="http://schemas.openxmlformats.org/presentationml/2006/main">
   <p:cSld>
     <p:spTree>
@@ -23974,7 +26003,7 @@
 </p:sld>
 </file>
 
-<file path=ppt/slides/slide26.xml><?xml version="1.0" encoding="utf-8"?>
+<file path=ppt/slides/slide27.xml><?xml version="1.0" encoding="utf-8"?>
 <p:sld xmlns:a="http://schemas.openxmlformats.org/drawingml/2006/main" xmlns:r="http://schemas.openxmlformats.org/officeDocument/2006/relationships" xmlns:p="http://schemas.openxmlformats.org/presentationml/2006/main">
   <p:cSld>
     <p:spTree>
@@ -24077,7 +26106,7 @@
 </p:sld>
 </file>
 
-<file path=ppt/slides/slide27.xml><?xml version="1.0" encoding="utf-8"?>
+<file path=ppt/slides/slide28.xml><?xml version="1.0" encoding="utf-8"?>
 <p:sld xmlns:a="http://schemas.openxmlformats.org/drawingml/2006/main" xmlns:r="http://schemas.openxmlformats.org/officeDocument/2006/relationships" xmlns:p="http://schemas.openxmlformats.org/presentationml/2006/main">
   <p:cSld>
     <p:spTree>
@@ -24850,7 +26879,7 @@
 </p:sld>
 </file>
 
-<file path=ppt/slides/slide28.xml><?xml version="1.0" encoding="utf-8"?>
+<file path=ppt/slides/slide29.xml><?xml version="1.0" encoding="utf-8"?>
 <p:sld xmlns:a="http://schemas.openxmlformats.org/drawingml/2006/main" xmlns:r="http://schemas.openxmlformats.org/officeDocument/2006/relationships" xmlns:p="http://schemas.openxmlformats.org/presentationml/2006/main">
   <p:cSld>
     <p:spTree>
@@ -25961,7 +27990,119 @@
 </p:sld>
 </file>
 
-<file path=ppt/slides/slide29.xml><?xml version="1.0" encoding="utf-8"?>
+<file path=ppt/slides/slide3.xml><?xml version="1.0" encoding="utf-8"?>
+<p:sld xmlns:a="http://schemas.openxmlformats.org/drawingml/2006/main" xmlns:r="http://schemas.openxmlformats.org/officeDocument/2006/relationships" xmlns:p="http://schemas.openxmlformats.org/presentationml/2006/main">
+  <p:cSld>
+    <p:spTree>
+      <p:nvGrpSpPr>
+        <p:cNvPr id="1" name=""/>
+        <p:cNvGrpSpPr/>
+        <p:nvPr/>
+      </p:nvGrpSpPr>
+      <p:grpSpPr>
+        <a:xfrm>
+          <a:off x="0" y="0"/>
+          <a:ext cx="0" cy="0"/>
+          <a:chOff x="0" y="0"/>
+          <a:chExt cx="0" cy="0"/>
+        </a:xfrm>
+      </p:grpSpPr>
+      <p:sp>
+        <p:nvSpPr>
+          <p:cNvPr id="3" name="Text Placeholder 2">
+            <a:extLst>
+              <a:ext uri="{FF2B5EF4-FFF2-40B4-BE49-F238E27FC236}">
+                <a16:creationId xmlns:a16="http://schemas.microsoft.com/office/drawing/2014/main" id="{C3C28386-BC98-41B0-935B-7E4418CAA4F9}"/>
+              </a:ext>
+            </a:extLst>
+          </p:cNvPr>
+          <p:cNvSpPr>
+            <a:spLocks noGrp="1"/>
+          </p:cNvSpPr>
+          <p:nvPr>
+            <p:ph type="body" sz="quarter" idx="10"/>
+          </p:nvPr>
+        </p:nvSpPr>
+        <p:spPr>
+          <a:xfrm>
+            <a:off x="269239" y="1189177"/>
+            <a:ext cx="11653523" cy="2718821"/>
+          </a:xfrm>
+        </p:spPr>
+        <p:txBody>
+          <a:bodyPr/>
+          <a:lstStyle/>
+          <a:p>
+            <a:r>
+              <a:rPr lang="en-US" dirty="0"/>
+              <a:t>Avoid duplicate XAML with Resources</a:t>
+            </a:r>
+          </a:p>
+          <a:p>
+            <a:r>
+              <a:rPr lang="en-US" dirty="0"/>
+              <a:t>Create consistent UI with Styles</a:t>
+            </a:r>
+          </a:p>
+          <a:p>
+            <a:r>
+              <a:rPr lang="en-US" dirty="0"/>
+              <a:t>Makes Resources &amp; Styles available across app</a:t>
+            </a:r>
+          </a:p>
+          <a:p>
+            <a:r>
+              <a:rPr lang="en-US" dirty="0"/>
+              <a:t>Enable Light &amp; Dark Theme modes</a:t>
+            </a:r>
+          </a:p>
+        </p:txBody>
+      </p:sp>
+      <p:sp>
+        <p:nvSpPr>
+          <p:cNvPr id="2" name="Title 1">
+            <a:extLst>
+              <a:ext uri="{FF2B5EF4-FFF2-40B4-BE49-F238E27FC236}">
+                <a16:creationId xmlns:a16="http://schemas.microsoft.com/office/drawing/2014/main" id="{E95B4CEE-4732-4E67-9878-6EB70E8B124A}"/>
+              </a:ext>
+            </a:extLst>
+          </p:cNvPr>
+          <p:cNvSpPr>
+            <a:spLocks noGrp="1"/>
+          </p:cNvSpPr>
+          <p:nvPr>
+            <p:ph type="title"/>
+          </p:nvPr>
+        </p:nvSpPr>
+        <p:spPr/>
+        <p:txBody>
+          <a:bodyPr/>
+          <a:lstStyle/>
+          <a:p>
+            <a:r>
+              <a:rPr lang="en-US" dirty="0"/>
+              <a:t>Objectives</a:t>
+            </a:r>
+          </a:p>
+        </p:txBody>
+      </p:sp>
+    </p:spTree>
+    <p:extLst>
+      <p:ext uri="{BB962C8B-B14F-4D97-AF65-F5344CB8AC3E}">
+        <p14:creationId xmlns:p14="http://schemas.microsoft.com/office/powerpoint/2010/main" val="424419612"/>
+      </p:ext>
+    </p:extLst>
+  </p:cSld>
+  <p:clrMapOvr>
+    <a:masterClrMapping/>
+  </p:clrMapOvr>
+  <p:transition>
+    <p:fade/>
+  </p:transition>
+</p:sld>
+</file>
+
+<file path=ppt/slides/slide30.xml><?xml version="1.0" encoding="utf-8"?>
 <p:sld xmlns:a="http://schemas.openxmlformats.org/drawingml/2006/main" xmlns:r="http://schemas.openxmlformats.org/officeDocument/2006/relationships" xmlns:p="http://schemas.openxmlformats.org/presentationml/2006/main">
   <p:cSld>
     <p:spTree>
@@ -26106,7 +28247,7 @@
 </p:sld>
 </file>
 
-<file path=ppt/slides/slide3.xml><?xml version="1.0" encoding="utf-8"?>
+<file path=ppt/slides/slide31.xml><?xml version="1.0" encoding="utf-8"?>
 <p:sld xmlns:a="http://schemas.openxmlformats.org/drawingml/2006/main" xmlns:r="http://schemas.openxmlformats.org/officeDocument/2006/relationships" xmlns:p="http://schemas.openxmlformats.org/presentationml/2006/main">
   <p:cSld>
     <p:spTree>
@@ -26125,901 +28266,239 @@
       </p:grpSpPr>
       <p:sp>
         <p:nvSpPr>
-          <p:cNvPr id="8" name="Rectangle 7"/>
-          <p:cNvSpPr/>
+          <p:cNvPr id="27" name="Text Placeholder 25"/>
+          <p:cNvSpPr txBox="1">
+            <a:spLocks/>
+          </p:cNvSpPr>
           <p:nvPr/>
         </p:nvSpPr>
-        <p:spPr>
+        <p:spPr bwMode="invGray">
           <a:xfrm>
-            <a:off x="5758808" y="3149424"/>
-            <a:ext cx="1341120" cy="1584960"/>
+            <a:off x="657703" y="1535076"/>
+            <a:ext cx="10321336" cy="821723"/>
           </a:xfrm>
           <a:prstGeom prst="rect">
             <a:avLst/>
           </a:prstGeom>
-          <a:solidFill>
-            <a:srgbClr val="FFFF00">
-              <a:alpha val="23000"/>
-            </a:srgbClr>
-          </a:solidFill>
-          <a:ln>
-            <a:noFill/>
-          </a:ln>
         </p:spPr>
-        <p:style>
-          <a:lnRef idx="2">
-            <a:schemeClr val="accent1">
-              <a:shade val="50000"/>
-            </a:schemeClr>
-          </a:lnRef>
-          <a:fillRef idx="1">
-            <a:schemeClr val="accent1"/>
-          </a:fillRef>
-          <a:effectRef idx="0">
-            <a:schemeClr val="accent1"/>
-          </a:effectRef>
-          <a:fontRef idx="minor">
-            <a:schemeClr val="lt1"/>
-          </a:fontRef>
-        </p:style>
         <p:txBody>
-          <a:bodyPr rtlCol="0" anchor="ctr"/>
-          <a:lstStyle/>
-          <a:p>
-            <a:pPr algn="ctr"/>
-            <a:endParaRPr lang="en-US" sz="2400"/>
+          <a:bodyPr vert="horz" wrap="square" lIns="179285" tIns="143428" rIns="179285" bIns="143428" rtlCol="0" anchor="t">
+            <a:noAutofit/>
+          </a:bodyPr>
+          <a:lstStyle>
+            <a:lvl1pPr marL="0" indent="0" algn="l" defTabSz="914166" rtl="0" eaLnBrk="1" latinLnBrk="0" hangingPunct="1">
+              <a:spcBef>
+                <a:spcPct val="20000"/>
+              </a:spcBef>
+              <a:buFont typeface="Arial" pitchFamily="34" charset="0"/>
+              <a:buNone/>
+              <a:defRPr sz="6700" kern="1200" spc="-153">
+                <a:gradFill>
+                  <a:gsLst>
+                    <a:gs pos="0">
+                      <a:schemeClr val="tx1"/>
+                    </a:gs>
+                    <a:gs pos="100000">
+                      <a:schemeClr val="tx1"/>
+                    </a:gs>
+                  </a:gsLst>
+                  <a:lin ang="5400000" scaled="0"/>
+                </a:gradFill>
+                <a:latin typeface="+mj-lt"/>
+                <a:ea typeface="+mn-ea"/>
+                <a:cs typeface="+mn-cs"/>
+              </a:defRPr>
+            </a:lvl1pPr>
+            <a:lvl2pPr marL="0" indent="0" algn="l" defTabSz="914166" rtl="0" eaLnBrk="1" latinLnBrk="0" hangingPunct="1">
+              <a:spcBef>
+                <a:spcPct val="20000"/>
+              </a:spcBef>
+              <a:buFont typeface="Arial" pitchFamily="34" charset="0"/>
+              <a:buNone/>
+              <a:defRPr sz="2800" kern="1200">
+                <a:gradFill>
+                  <a:gsLst>
+                    <a:gs pos="0">
+                      <a:schemeClr val="tx1"/>
+                    </a:gs>
+                    <a:gs pos="100000">
+                      <a:schemeClr val="tx1"/>
+                    </a:gs>
+                  </a:gsLst>
+                  <a:lin ang="5400000" scaled="0"/>
+                </a:gradFill>
+                <a:latin typeface="+mn-lt"/>
+                <a:ea typeface="+mn-ea"/>
+                <a:cs typeface="+mn-cs"/>
+              </a:defRPr>
+            </a:lvl2pPr>
+            <a:lvl3pPr marL="457082" indent="-228541" algn="l" defTabSz="914166" rtl="0" eaLnBrk="1" latinLnBrk="0" hangingPunct="1">
+              <a:spcBef>
+                <a:spcPct val="20000"/>
+              </a:spcBef>
+              <a:buFont typeface="Arial" pitchFamily="34" charset="0"/>
+              <a:buChar char="•"/>
+              <a:defRPr sz="2400" kern="1200">
+                <a:gradFill>
+                  <a:gsLst>
+                    <a:gs pos="0">
+                      <a:schemeClr val="tx1"/>
+                    </a:gs>
+                    <a:gs pos="100000">
+                      <a:schemeClr val="tx1"/>
+                    </a:gs>
+                  </a:gsLst>
+                  <a:lin ang="5400000" scaled="0"/>
+                </a:gradFill>
+                <a:latin typeface="+mn-lt"/>
+                <a:ea typeface="+mn-ea"/>
+                <a:cs typeface="+mn-cs"/>
+              </a:defRPr>
+            </a:lvl3pPr>
+            <a:lvl4pPr marL="739586" indent="-282503" algn="l" defTabSz="914166" rtl="0" eaLnBrk="1" latinLnBrk="0" hangingPunct="1">
+              <a:spcBef>
+                <a:spcPct val="20000"/>
+              </a:spcBef>
+              <a:buFont typeface="Arial" pitchFamily="34" charset="0"/>
+              <a:buChar char="–"/>
+              <a:defRPr sz="2000" kern="1200">
+                <a:gradFill>
+                  <a:gsLst>
+                    <a:gs pos="0">
+                      <a:schemeClr val="tx1"/>
+                    </a:gs>
+                    <a:gs pos="100000">
+                      <a:schemeClr val="tx1"/>
+                    </a:gs>
+                  </a:gsLst>
+                  <a:lin ang="5400000" scaled="0"/>
+                </a:gradFill>
+                <a:latin typeface="+mn-lt"/>
+                <a:ea typeface="+mn-ea"/>
+                <a:cs typeface="+mn-cs"/>
+              </a:defRPr>
+            </a:lvl4pPr>
+            <a:lvl5pPr marL="1033199" indent="-293612" algn="l" defTabSz="914166" rtl="0" eaLnBrk="1" latinLnBrk="0" hangingPunct="1">
+              <a:spcBef>
+                <a:spcPct val="20000"/>
+              </a:spcBef>
+              <a:buFont typeface="Arial" pitchFamily="34" charset="0"/>
+              <a:buChar char="»"/>
+              <a:defRPr sz="1800" kern="1200">
+                <a:gradFill>
+                  <a:gsLst>
+                    <a:gs pos="0">
+                      <a:schemeClr val="tx1"/>
+                    </a:gs>
+                    <a:gs pos="100000">
+                      <a:schemeClr val="tx1"/>
+                    </a:gs>
+                  </a:gsLst>
+                  <a:lin ang="5400000" scaled="0"/>
+                </a:gradFill>
+                <a:latin typeface="+mn-lt"/>
+                <a:ea typeface="+mn-ea"/>
+                <a:cs typeface="+mn-cs"/>
+              </a:defRPr>
+            </a:lvl5pPr>
+            <a:lvl6pPr marL="2513956" indent="-228541" algn="l" defTabSz="914166" rtl="0" eaLnBrk="1" latinLnBrk="0" hangingPunct="1">
+              <a:spcBef>
+                <a:spcPct val="20000"/>
+              </a:spcBef>
+              <a:buFont typeface="Arial" pitchFamily="34" charset="0"/>
+              <a:buChar char="•"/>
+              <a:defRPr sz="2000" kern="1200">
+                <a:solidFill>
+                  <a:schemeClr val="tx1"/>
+                </a:solidFill>
+                <a:latin typeface="+mn-lt"/>
+                <a:ea typeface="+mn-ea"/>
+                <a:cs typeface="+mn-cs"/>
+              </a:defRPr>
+            </a:lvl6pPr>
+            <a:lvl7pPr marL="2971038" indent="-228541" algn="l" defTabSz="914166" rtl="0" eaLnBrk="1" latinLnBrk="0" hangingPunct="1">
+              <a:spcBef>
+                <a:spcPct val="20000"/>
+              </a:spcBef>
+              <a:buFont typeface="Arial" pitchFamily="34" charset="0"/>
+              <a:buChar char="•"/>
+              <a:defRPr sz="2000" kern="1200">
+                <a:solidFill>
+                  <a:schemeClr val="tx1"/>
+                </a:solidFill>
+                <a:latin typeface="+mn-lt"/>
+                <a:ea typeface="+mn-ea"/>
+                <a:cs typeface="+mn-cs"/>
+              </a:defRPr>
+            </a:lvl7pPr>
+            <a:lvl8pPr marL="3428122" indent="-228541" algn="l" defTabSz="914166" rtl="0" eaLnBrk="1" latinLnBrk="0" hangingPunct="1">
+              <a:spcBef>
+                <a:spcPct val="20000"/>
+              </a:spcBef>
+              <a:buFont typeface="Arial" pitchFamily="34" charset="0"/>
+              <a:buChar char="•"/>
+              <a:defRPr sz="2000" kern="1200">
+                <a:solidFill>
+                  <a:schemeClr val="tx1"/>
+                </a:solidFill>
+                <a:latin typeface="+mn-lt"/>
+                <a:ea typeface="+mn-ea"/>
+                <a:cs typeface="+mn-cs"/>
+              </a:defRPr>
+            </a:lvl8pPr>
+            <a:lvl9pPr marL="3885204" indent="-228541" algn="l" defTabSz="914166" rtl="0" eaLnBrk="1" latinLnBrk="0" hangingPunct="1">
+              <a:spcBef>
+                <a:spcPct val="20000"/>
+              </a:spcBef>
+              <a:buFont typeface="Arial" pitchFamily="34" charset="0"/>
+              <a:buChar char="•"/>
+              <a:defRPr sz="2000" kern="1200">
+                <a:solidFill>
+                  <a:schemeClr val="tx1"/>
+                </a:solidFill>
+                <a:latin typeface="+mn-lt"/>
+                <a:ea typeface="+mn-ea"/>
+                <a:cs typeface="+mn-cs"/>
+              </a:defRPr>
+            </a:lvl9pPr>
+          </a:lstStyle>
+          <a:p>
+            <a:pPr defTabSz="914367">
+              <a:lnSpc>
+                <a:spcPct val="60000"/>
+              </a:lnSpc>
+              <a:buClr>
+                <a:srgbClr val="FFFFFF"/>
+              </a:buClr>
+              <a:buSzPct val="90000"/>
+            </a:pPr>
+            <a:r>
+              <a:rPr lang="en-US" sz="7646" spc="0" dirty="0">
+                <a:solidFill>
+                  <a:schemeClr val="tx1"/>
+                </a:solidFill>
+              </a:rPr>
+              <a:t>Let’s Make App Themes</a:t>
+            </a:r>
+            <a:endParaRPr lang="en-US" sz="7646" spc="0" dirty="0">
+              <a:solidFill>
+                <a:schemeClr val="tx1"/>
+              </a:solidFill>
+              <a:latin typeface="+mn-lt"/>
+            </a:endParaRPr>
           </a:p>
         </p:txBody>
       </p:sp>
       <p:sp>
         <p:nvSpPr>
-          <p:cNvPr id="11" name="Rectangle 10"/>
-          <p:cNvSpPr/>
-          <p:nvPr/>
-        </p:nvSpPr>
-        <p:spPr>
-          <a:xfrm>
-            <a:off x="8589732" y="3454224"/>
-            <a:ext cx="853440" cy="1280160"/>
-          </a:xfrm>
-          <a:prstGeom prst="rect">
-            <a:avLst/>
-          </a:prstGeom>
-          <a:solidFill>
-            <a:srgbClr val="FFFF00">
-              <a:alpha val="23000"/>
-            </a:srgbClr>
-          </a:solidFill>
-          <a:ln>
-            <a:noFill/>
-          </a:ln>
-        </p:spPr>
-        <p:style>
-          <a:lnRef idx="2">
-            <a:schemeClr val="accent1">
-              <a:shade val="50000"/>
-            </a:schemeClr>
-          </a:lnRef>
-          <a:fillRef idx="1">
-            <a:schemeClr val="accent1"/>
-          </a:fillRef>
-          <a:effectRef idx="0">
-            <a:schemeClr val="accent1"/>
-          </a:effectRef>
-          <a:fontRef idx="minor">
-            <a:schemeClr val="lt1"/>
-          </a:fontRef>
-        </p:style>
-        <p:txBody>
-          <a:bodyPr rtlCol="0" anchor="ctr"/>
-          <a:lstStyle/>
-          <a:p>
-            <a:pPr algn="ctr"/>
-            <a:endParaRPr lang="en-US" sz="2400"/>
-          </a:p>
-        </p:txBody>
-      </p:sp>
-      <p:sp>
-        <p:nvSpPr>
-          <p:cNvPr id="6" name="Content Placeholder 5"/>
-          <p:cNvSpPr>
-            <a:spLocks noGrp="1"/>
-          </p:cNvSpPr>
-          <p:nvPr>
-            <p:ph sz="quarter" idx="10"/>
-          </p:nvPr>
-        </p:nvSpPr>
-        <p:spPr>
-          <a:xfrm>
-            <a:off x="609600" y="1613054"/>
-            <a:ext cx="10972800" cy="1270732"/>
-          </a:xfrm>
-        </p:spPr>
-        <p:txBody>
-          <a:bodyPr/>
-          <a:lstStyle/>
-          <a:p>
-            <a:r>
-              <a:rPr lang="en-US" dirty="0"/>
-              <a:t>Duplicate XAML values are error prone and difficult to maintain</a:t>
-            </a:r>
-          </a:p>
-        </p:txBody>
-      </p:sp>
-      <p:sp>
-        <p:nvSpPr>
-          <p:cNvPr id="5" name="Title 4"/>
-          <p:cNvSpPr>
-            <a:spLocks noGrp="1"/>
-          </p:cNvSpPr>
-          <p:nvPr>
-            <p:ph type="title"/>
-          </p:nvPr>
-        </p:nvSpPr>
-        <p:spPr/>
-        <p:txBody>
-          <a:bodyPr/>
-          <a:lstStyle/>
-          <a:p>
-            <a:r>
-              <a:rPr lang="en-US" dirty="0"/>
-              <a:t>Motivation</a:t>
-            </a:r>
-          </a:p>
-        </p:txBody>
-      </p:sp>
-      <p:sp>
-        <p:nvSpPr>
-          <p:cNvPr id="7" name="TextBox 6"/>
+          <p:cNvPr id="8" name="TextBox 7"/>
           <p:cNvSpPr txBox="1"/>
           <p:nvPr/>
         </p:nvSpPr>
         <p:spPr>
           <a:xfrm>
-            <a:off x="1334869" y="3063320"/>
-            <a:ext cx="9526967" cy="2061718"/>
-          </a:xfrm>
-          <a:prstGeom prst="rect">
-            <a:avLst/>
-          </a:prstGeom>
-          <a:noFill/>
-          <a:ln>
-            <a:solidFill>
-              <a:schemeClr val="accent5"/>
-            </a:solidFill>
-          </a:ln>
-        </p:spPr>
-        <p:txBody>
-          <a:bodyPr wrap="none" rtlCol="0">
-            <a:spAutoFit/>
-          </a:bodyPr>
-          <a:lstStyle/>
-          <a:p>
-            <a:r>
-              <a:rPr lang="en-US" sz="2133" dirty="0">
-                <a:solidFill>
-                  <a:srgbClr val="0000FF"/>
-                </a:solidFill>
-                <a:latin typeface="Consolas" panose="020B0609020204030204" pitchFamily="49" charset="0"/>
-                <a:cs typeface="Consolas" panose="020B0609020204030204" pitchFamily="49" charset="0"/>
-              </a:rPr>
-              <a:t>&lt;</a:t>
-            </a:r>
-            <a:r>
-              <a:rPr lang="en-US" sz="2133" dirty="0" err="1">
-                <a:solidFill>
-                  <a:srgbClr val="A31515"/>
-                </a:solidFill>
-                <a:latin typeface="Consolas" panose="020B0609020204030204" pitchFamily="49" charset="0"/>
-                <a:cs typeface="Consolas" panose="020B0609020204030204" pitchFamily="49" charset="0"/>
-              </a:rPr>
-              <a:t>StackLayout</a:t>
-            </a:r>
-            <a:r>
-              <a:rPr lang="en-US" sz="2133" dirty="0">
-                <a:solidFill>
-                  <a:srgbClr val="A31515"/>
-                </a:solidFill>
-                <a:latin typeface="Consolas" panose="020B0609020204030204" pitchFamily="49" charset="0"/>
-                <a:cs typeface="Consolas" panose="020B0609020204030204" pitchFamily="49" charset="0"/>
-              </a:rPr>
-              <a:t> </a:t>
-            </a:r>
-            <a:r>
-              <a:rPr lang="en-US" sz="2133" dirty="0" err="1">
-                <a:solidFill>
-                  <a:srgbClr val="FF0000"/>
-                </a:solidFill>
-                <a:latin typeface="Consolas" panose="020B0609020204030204" pitchFamily="49" charset="0"/>
-                <a:cs typeface="Consolas" panose="020B0609020204030204" pitchFamily="49" charset="0"/>
-              </a:rPr>
-              <a:t>BackgroundColor</a:t>
-            </a:r>
-            <a:r>
-              <a:rPr lang="en-US" sz="2133" dirty="0">
-                <a:solidFill>
-                  <a:srgbClr val="0000FF"/>
-                </a:solidFill>
-                <a:latin typeface="Consolas" panose="020B0609020204030204" pitchFamily="49" charset="0"/>
-                <a:cs typeface="Consolas" panose="020B0609020204030204" pitchFamily="49" charset="0"/>
-              </a:rPr>
-              <a:t>=</a:t>
-            </a:r>
-            <a:r>
-              <a:rPr lang="en-US" sz="2133" dirty="0">
-                <a:solidFill>
-                  <a:srgbClr val="000000"/>
-                </a:solidFill>
-                <a:latin typeface="Consolas" panose="020B0609020204030204" pitchFamily="49" charset="0"/>
-                <a:cs typeface="Consolas" panose="020B0609020204030204" pitchFamily="49" charset="0"/>
-              </a:rPr>
-              <a:t>"</a:t>
-            </a:r>
-            <a:r>
-              <a:rPr lang="en-US" sz="2133" dirty="0">
-                <a:solidFill>
-                  <a:srgbClr val="0000FF"/>
-                </a:solidFill>
-                <a:latin typeface="Consolas" panose="020B0609020204030204" pitchFamily="49" charset="0"/>
-                <a:cs typeface="Consolas" panose="020B0609020204030204" pitchFamily="49" charset="0"/>
-              </a:rPr>
-              <a:t>#FFFFFF</a:t>
-            </a:r>
-            <a:r>
-              <a:rPr lang="en-US" sz="2133" dirty="0">
-                <a:solidFill>
-                  <a:srgbClr val="000000"/>
-                </a:solidFill>
-                <a:latin typeface="Consolas" panose="020B0609020204030204" pitchFamily="49" charset="0"/>
-                <a:cs typeface="Consolas" panose="020B0609020204030204" pitchFamily="49" charset="0"/>
-              </a:rPr>
-              <a:t>"</a:t>
-            </a:r>
-            <a:r>
-              <a:rPr lang="en-US" sz="2133" dirty="0">
-                <a:solidFill>
-                  <a:srgbClr val="0000FF"/>
-                </a:solidFill>
-                <a:latin typeface="Consolas" panose="020B0609020204030204" pitchFamily="49" charset="0"/>
-                <a:cs typeface="Consolas" panose="020B0609020204030204" pitchFamily="49" charset="0"/>
-              </a:rPr>
-              <a:t>&gt;</a:t>
-            </a:r>
-            <a:br>
-              <a:rPr lang="en-US" sz="2133" dirty="0">
-                <a:solidFill>
-                  <a:srgbClr val="000000"/>
-                </a:solidFill>
-                <a:latin typeface="Consolas" panose="020B0609020204030204" pitchFamily="49" charset="0"/>
-                <a:cs typeface="Consolas" panose="020B0609020204030204" pitchFamily="49" charset="0"/>
-              </a:rPr>
-            </a:br>
-            <a:r>
-              <a:rPr lang="en-US" sz="2133" dirty="0">
-                <a:solidFill>
-                  <a:srgbClr val="000000"/>
-                </a:solidFill>
-                <a:latin typeface="Consolas" panose="020B0609020204030204" pitchFamily="49" charset="0"/>
-                <a:cs typeface="Consolas" panose="020B0609020204030204" pitchFamily="49" charset="0"/>
-              </a:rPr>
-              <a:t>  </a:t>
-            </a:r>
-            <a:r>
-              <a:rPr lang="en-US" sz="2133" dirty="0">
-                <a:solidFill>
-                  <a:srgbClr val="0000FF"/>
-                </a:solidFill>
-                <a:latin typeface="Consolas" panose="020B0609020204030204" pitchFamily="49" charset="0"/>
-                <a:cs typeface="Consolas" panose="020B0609020204030204" pitchFamily="49" charset="0"/>
-              </a:rPr>
-              <a:t>&lt;</a:t>
-            </a:r>
-            <a:r>
-              <a:rPr lang="en-US" sz="2133" dirty="0">
-                <a:solidFill>
-                  <a:srgbClr val="A31515"/>
-                </a:solidFill>
-                <a:latin typeface="Consolas" panose="020B0609020204030204" pitchFamily="49" charset="0"/>
-                <a:cs typeface="Consolas" panose="020B0609020204030204" pitchFamily="49" charset="0"/>
-              </a:rPr>
-              <a:t>Label           </a:t>
-            </a:r>
-            <a:r>
-              <a:rPr lang="en-US" sz="2133" dirty="0" err="1">
-                <a:solidFill>
-                  <a:srgbClr val="FF0000"/>
-                </a:solidFill>
-                <a:latin typeface="Consolas" panose="020B0609020204030204" pitchFamily="49" charset="0"/>
-                <a:cs typeface="Consolas" panose="020B0609020204030204" pitchFamily="49" charset="0"/>
-              </a:rPr>
-              <a:t>TextColor</a:t>
-            </a:r>
-            <a:r>
-              <a:rPr lang="en-US" sz="2133" dirty="0">
-                <a:solidFill>
-                  <a:srgbClr val="0000FF"/>
-                </a:solidFill>
-                <a:latin typeface="Consolas" panose="020B0609020204030204" pitchFamily="49" charset="0"/>
-                <a:cs typeface="Consolas" panose="020B0609020204030204" pitchFamily="49" charset="0"/>
-              </a:rPr>
-              <a:t>=</a:t>
-            </a:r>
-            <a:r>
-              <a:rPr lang="en-US" sz="2133" dirty="0">
-                <a:solidFill>
-                  <a:srgbClr val="000000"/>
-                </a:solidFill>
-                <a:latin typeface="Consolas" panose="020B0609020204030204" pitchFamily="49" charset="0"/>
-                <a:cs typeface="Consolas" panose="020B0609020204030204" pitchFamily="49" charset="0"/>
-              </a:rPr>
-              <a:t>"</a:t>
-            </a:r>
-            <a:r>
-              <a:rPr lang="en-US" sz="2133" dirty="0">
-                <a:solidFill>
-                  <a:srgbClr val="0000FF"/>
-                </a:solidFill>
-                <a:latin typeface="Consolas" panose="020B0609020204030204" pitchFamily="49" charset="0"/>
-                <a:cs typeface="Consolas" panose="020B0609020204030204" pitchFamily="49" charset="0"/>
-              </a:rPr>
-              <a:t>#00FF00</a:t>
-            </a:r>
-            <a:r>
-              <a:rPr lang="en-US" sz="2133" dirty="0">
-                <a:solidFill>
-                  <a:srgbClr val="000000"/>
-                </a:solidFill>
-                <a:latin typeface="Consolas" panose="020B0609020204030204" pitchFamily="49" charset="0"/>
-                <a:cs typeface="Consolas" panose="020B0609020204030204" pitchFamily="49" charset="0"/>
-              </a:rPr>
-              <a:t>" </a:t>
-            </a:r>
-            <a:r>
-              <a:rPr lang="en-US" sz="2133" dirty="0" err="1">
-                <a:solidFill>
-                  <a:srgbClr val="FF0000"/>
-                </a:solidFill>
-                <a:latin typeface="Consolas" panose="020B0609020204030204" pitchFamily="49" charset="0"/>
-              </a:rPr>
-              <a:t>FontSize</a:t>
-            </a:r>
-            <a:r>
-              <a:rPr lang="en-US" sz="2133" dirty="0">
-                <a:solidFill>
-                  <a:srgbClr val="0000FF"/>
-                </a:solidFill>
-                <a:latin typeface="Consolas" panose="020B0609020204030204" pitchFamily="49" charset="0"/>
-              </a:rPr>
-              <a:t>=</a:t>
-            </a:r>
-            <a:r>
-              <a:rPr lang="en-US" sz="2133" dirty="0">
-                <a:solidFill>
-                  <a:srgbClr val="000000"/>
-                </a:solidFill>
-                <a:latin typeface="Consolas" panose="020B0609020204030204" pitchFamily="49" charset="0"/>
-              </a:rPr>
-              <a:t>"</a:t>
-            </a:r>
-            <a:r>
-              <a:rPr lang="en-US" sz="2133" dirty="0">
-                <a:solidFill>
-                  <a:srgbClr val="0000FF"/>
-                </a:solidFill>
-                <a:latin typeface="Consolas" panose="020B0609020204030204" pitchFamily="49" charset="0"/>
-              </a:rPr>
-              <a:t>16.5</a:t>
-            </a:r>
-            <a:r>
-              <a:rPr lang="en-US" sz="2133" dirty="0">
-                <a:solidFill>
-                  <a:srgbClr val="000000"/>
-                </a:solidFill>
-                <a:latin typeface="Consolas" panose="020B0609020204030204" pitchFamily="49" charset="0"/>
-              </a:rPr>
-              <a:t>" </a:t>
-            </a:r>
-            <a:r>
-              <a:rPr lang="en-US" sz="2133" dirty="0">
-                <a:solidFill>
-                  <a:srgbClr val="000000"/>
-                </a:solidFill>
-                <a:latin typeface="Consolas" panose="020B0609020204030204" pitchFamily="49" charset="0"/>
-                <a:cs typeface="Consolas" panose="020B0609020204030204" pitchFamily="49" charset="0"/>
-              </a:rPr>
-              <a:t>...</a:t>
-            </a:r>
-            <a:r>
-              <a:rPr lang="en-US" sz="2133" dirty="0">
-                <a:solidFill>
-                  <a:srgbClr val="A31515"/>
-                </a:solidFill>
-                <a:latin typeface="Consolas" panose="020B0609020204030204" pitchFamily="49" charset="0"/>
-                <a:cs typeface="Consolas" panose="020B0609020204030204" pitchFamily="49" charset="0"/>
-              </a:rPr>
-              <a:t> </a:t>
-            </a:r>
-            <a:r>
-              <a:rPr lang="en-US" sz="2133" dirty="0">
-                <a:solidFill>
-                  <a:srgbClr val="0000FF"/>
-                </a:solidFill>
-                <a:latin typeface="Consolas" panose="020B0609020204030204" pitchFamily="49" charset="0"/>
-                <a:cs typeface="Consolas" panose="020B0609020204030204" pitchFamily="49" charset="0"/>
-              </a:rPr>
-              <a:t>/&gt;</a:t>
-            </a:r>
-            <a:br>
-              <a:rPr lang="en-US" sz="2133" dirty="0">
-                <a:solidFill>
-                  <a:srgbClr val="000000"/>
-                </a:solidFill>
-                <a:latin typeface="Consolas" panose="020B0609020204030204" pitchFamily="49" charset="0"/>
-                <a:cs typeface="Consolas" panose="020B0609020204030204" pitchFamily="49" charset="0"/>
-              </a:rPr>
-            </a:br>
-            <a:r>
-              <a:rPr lang="en-US" sz="2133" dirty="0">
-                <a:solidFill>
-                  <a:srgbClr val="000000"/>
-                </a:solidFill>
-                <a:latin typeface="Consolas" panose="020B0609020204030204" pitchFamily="49" charset="0"/>
-                <a:cs typeface="Consolas" panose="020B0609020204030204" pitchFamily="49" charset="0"/>
-              </a:rPr>
-              <a:t>  </a:t>
-            </a:r>
-            <a:r>
-              <a:rPr lang="en-US" sz="2133" dirty="0">
-                <a:solidFill>
-                  <a:srgbClr val="0000FF"/>
-                </a:solidFill>
-                <a:latin typeface="Consolas" panose="020B0609020204030204" pitchFamily="49" charset="0"/>
-                <a:cs typeface="Consolas" panose="020B0609020204030204" pitchFamily="49" charset="0"/>
-              </a:rPr>
-              <a:t>&lt;</a:t>
-            </a:r>
-            <a:r>
-              <a:rPr lang="en-US" sz="2133" dirty="0">
-                <a:solidFill>
-                  <a:srgbClr val="A31515"/>
-                </a:solidFill>
-                <a:latin typeface="Consolas" panose="020B0609020204030204" pitchFamily="49" charset="0"/>
-                <a:cs typeface="Consolas" panose="020B0609020204030204" pitchFamily="49" charset="0"/>
-              </a:rPr>
-              <a:t>Entry     </a:t>
-            </a:r>
-            <a:r>
-              <a:rPr lang="en-US" sz="2133" dirty="0" err="1">
-                <a:solidFill>
-                  <a:srgbClr val="FF0000"/>
-                </a:solidFill>
-                <a:latin typeface="Consolas" panose="020B0609020204030204" pitchFamily="49" charset="0"/>
-                <a:cs typeface="Consolas" panose="020B0609020204030204" pitchFamily="49" charset="0"/>
-              </a:rPr>
-              <a:t>BackgroundColor</a:t>
-            </a:r>
-            <a:r>
-              <a:rPr lang="en-US" sz="2133" dirty="0">
-                <a:solidFill>
-                  <a:srgbClr val="0000FF"/>
-                </a:solidFill>
-                <a:latin typeface="Consolas" panose="020B0609020204030204" pitchFamily="49" charset="0"/>
-                <a:cs typeface="Consolas" panose="020B0609020204030204" pitchFamily="49" charset="0"/>
-              </a:rPr>
-              <a:t>=</a:t>
-            </a:r>
-            <a:r>
-              <a:rPr lang="en-US" sz="2133" dirty="0">
-                <a:solidFill>
-                  <a:srgbClr val="000000"/>
-                </a:solidFill>
-                <a:latin typeface="Consolas" panose="020B0609020204030204" pitchFamily="49" charset="0"/>
-                <a:cs typeface="Consolas" panose="020B0609020204030204" pitchFamily="49" charset="0"/>
-              </a:rPr>
-              <a:t>"</a:t>
-            </a:r>
-            <a:r>
-              <a:rPr lang="en-US" sz="2133" dirty="0">
-                <a:solidFill>
-                  <a:srgbClr val="0000FF"/>
-                </a:solidFill>
-                <a:latin typeface="Consolas" panose="020B0609020204030204" pitchFamily="49" charset="0"/>
-                <a:cs typeface="Consolas" panose="020B0609020204030204" pitchFamily="49" charset="0"/>
-              </a:rPr>
-              <a:t>#FFFFFF</a:t>
-            </a:r>
-            <a:r>
-              <a:rPr lang="en-US" sz="2133" dirty="0">
-                <a:solidFill>
-                  <a:srgbClr val="000000"/>
-                </a:solidFill>
-                <a:latin typeface="Consolas" panose="020B0609020204030204" pitchFamily="49" charset="0"/>
-                <a:cs typeface="Consolas" panose="020B0609020204030204" pitchFamily="49" charset="0"/>
-              </a:rPr>
-              <a:t>"</a:t>
-            </a:r>
-            <a:r>
-              <a:rPr lang="en-US" sz="2133" dirty="0">
-                <a:solidFill>
-                  <a:srgbClr val="A31515"/>
-                </a:solidFill>
-                <a:latin typeface="Consolas" panose="020B0609020204030204" pitchFamily="49" charset="0"/>
-                <a:cs typeface="Consolas" panose="020B0609020204030204" pitchFamily="49" charset="0"/>
-              </a:rPr>
-              <a:t> </a:t>
-            </a:r>
-            <a:r>
-              <a:rPr lang="en-US" sz="2133" dirty="0">
-                <a:solidFill>
-                  <a:srgbClr val="000000"/>
-                </a:solidFill>
-                <a:latin typeface="Consolas" panose="020B0609020204030204" pitchFamily="49" charset="0"/>
-                <a:cs typeface="Consolas" panose="020B0609020204030204" pitchFamily="49" charset="0"/>
-              </a:rPr>
-              <a:t>                ... </a:t>
-            </a:r>
-            <a:r>
-              <a:rPr lang="en-US" sz="2133" dirty="0">
-                <a:solidFill>
-                  <a:srgbClr val="0000FF"/>
-                </a:solidFill>
-                <a:latin typeface="Consolas" panose="020B0609020204030204" pitchFamily="49" charset="0"/>
-                <a:cs typeface="Consolas" panose="020B0609020204030204" pitchFamily="49" charset="0"/>
-              </a:rPr>
-              <a:t>/&gt;</a:t>
-            </a:r>
-            <a:r>
-              <a:rPr lang="en-US" sz="2133" dirty="0">
-                <a:solidFill>
-                  <a:srgbClr val="000000"/>
-                </a:solidFill>
-                <a:latin typeface="Consolas" panose="020B0609020204030204" pitchFamily="49" charset="0"/>
-                <a:cs typeface="Consolas" panose="020B0609020204030204" pitchFamily="49" charset="0"/>
-              </a:rPr>
-              <a:t> </a:t>
-            </a:r>
-            <a:br>
-              <a:rPr lang="en-US" sz="2133" dirty="0">
-                <a:solidFill>
-                  <a:srgbClr val="000000"/>
-                </a:solidFill>
-                <a:latin typeface="Consolas" panose="020B0609020204030204" pitchFamily="49" charset="0"/>
-                <a:cs typeface="Consolas" panose="020B0609020204030204" pitchFamily="49" charset="0"/>
-              </a:rPr>
-            </a:br>
-            <a:r>
-              <a:rPr lang="en-US" sz="2133" dirty="0">
-                <a:solidFill>
-                  <a:srgbClr val="000000"/>
-                </a:solidFill>
-                <a:latin typeface="Consolas" panose="020B0609020204030204" pitchFamily="49" charset="0"/>
-                <a:cs typeface="Consolas" panose="020B0609020204030204" pitchFamily="49" charset="0"/>
-              </a:rPr>
-              <a:t>  </a:t>
-            </a:r>
-            <a:r>
-              <a:rPr lang="en-US" sz="2133" dirty="0">
-                <a:solidFill>
-                  <a:srgbClr val="0000FF"/>
-                </a:solidFill>
-                <a:latin typeface="Consolas" panose="020B0609020204030204" pitchFamily="49" charset="0"/>
-                <a:cs typeface="Consolas" panose="020B0609020204030204" pitchFamily="49" charset="0"/>
-              </a:rPr>
-              <a:t>&lt;</a:t>
-            </a:r>
-            <a:r>
-              <a:rPr lang="en-US" sz="2133" dirty="0" err="1">
-                <a:solidFill>
-                  <a:srgbClr val="A31515"/>
-                </a:solidFill>
-                <a:latin typeface="Consolas" panose="020B0609020204030204" pitchFamily="49" charset="0"/>
-                <a:cs typeface="Consolas" panose="020B0609020204030204" pitchFamily="49" charset="0"/>
-              </a:rPr>
-              <a:t>BoxView</a:t>
-            </a:r>
-            <a:r>
-              <a:rPr lang="en-US" sz="2133" dirty="0">
-                <a:solidFill>
-                  <a:srgbClr val="A31515"/>
-                </a:solidFill>
-                <a:latin typeface="Consolas" panose="020B0609020204030204" pitchFamily="49" charset="0"/>
-                <a:cs typeface="Consolas" panose="020B0609020204030204" pitchFamily="49" charset="0"/>
-              </a:rPr>
-              <a:t>   </a:t>
-            </a:r>
-            <a:r>
-              <a:rPr lang="en-US" sz="2133" dirty="0" err="1">
-                <a:solidFill>
-                  <a:srgbClr val="FF0000"/>
-                </a:solidFill>
-                <a:latin typeface="Consolas" panose="020B0609020204030204" pitchFamily="49" charset="0"/>
-                <a:cs typeface="Consolas" panose="020B0609020204030204" pitchFamily="49" charset="0"/>
-              </a:rPr>
-              <a:t>BackgroundColor</a:t>
-            </a:r>
-            <a:r>
-              <a:rPr lang="en-US" sz="2133" dirty="0">
-                <a:solidFill>
-                  <a:srgbClr val="0000FF"/>
-                </a:solidFill>
-                <a:latin typeface="Consolas" panose="020B0609020204030204" pitchFamily="49" charset="0"/>
-                <a:cs typeface="Consolas" panose="020B0609020204030204" pitchFamily="49" charset="0"/>
-              </a:rPr>
-              <a:t>=</a:t>
-            </a:r>
-            <a:r>
-              <a:rPr lang="en-US" sz="2133" dirty="0">
-                <a:solidFill>
-                  <a:srgbClr val="000000"/>
-                </a:solidFill>
-                <a:latin typeface="Consolas" panose="020B0609020204030204" pitchFamily="49" charset="0"/>
-                <a:cs typeface="Consolas" panose="020B0609020204030204" pitchFamily="49" charset="0"/>
-              </a:rPr>
-              <a:t>"</a:t>
-            </a:r>
-            <a:r>
-              <a:rPr lang="en-US" sz="2133" dirty="0">
-                <a:solidFill>
-                  <a:srgbClr val="0000FF"/>
-                </a:solidFill>
-                <a:latin typeface="Consolas" panose="020B0609020204030204" pitchFamily="49" charset="0"/>
-                <a:cs typeface="Consolas" panose="020B0609020204030204" pitchFamily="49" charset="0"/>
-              </a:rPr>
-              <a:t>#00FF00</a:t>
-            </a:r>
-            <a:r>
-              <a:rPr lang="en-US" sz="2133" dirty="0">
-                <a:solidFill>
-                  <a:srgbClr val="000000"/>
-                </a:solidFill>
-                <a:latin typeface="Consolas" panose="020B0609020204030204" pitchFamily="49" charset="0"/>
-                <a:cs typeface="Consolas" panose="020B0609020204030204" pitchFamily="49" charset="0"/>
-              </a:rPr>
-              <a:t>"</a:t>
-            </a:r>
-            <a:r>
-              <a:rPr lang="en-US" sz="2133" dirty="0">
-                <a:solidFill>
-                  <a:srgbClr val="A31515"/>
-                </a:solidFill>
-                <a:latin typeface="Consolas" panose="020B0609020204030204" pitchFamily="49" charset="0"/>
-                <a:cs typeface="Consolas" panose="020B0609020204030204" pitchFamily="49" charset="0"/>
-              </a:rPr>
-              <a:t> </a:t>
-            </a:r>
-            <a:r>
-              <a:rPr lang="en-US" sz="2133" dirty="0">
-                <a:solidFill>
-                  <a:srgbClr val="000000"/>
-                </a:solidFill>
-                <a:latin typeface="Consolas" panose="020B0609020204030204" pitchFamily="49" charset="0"/>
-                <a:cs typeface="Consolas" panose="020B0609020204030204" pitchFamily="49" charset="0"/>
-              </a:rPr>
-              <a:t>                ... </a:t>
-            </a:r>
-            <a:r>
-              <a:rPr lang="en-US" sz="2133" dirty="0">
-                <a:solidFill>
-                  <a:srgbClr val="0000FF"/>
-                </a:solidFill>
-                <a:latin typeface="Consolas" panose="020B0609020204030204" pitchFamily="49" charset="0"/>
-                <a:cs typeface="Consolas" panose="020B0609020204030204" pitchFamily="49" charset="0"/>
-              </a:rPr>
-              <a:t>/&gt;</a:t>
-            </a:r>
-            <a:br>
-              <a:rPr lang="en-US" sz="2133" dirty="0">
-                <a:solidFill>
-                  <a:srgbClr val="000000"/>
-                </a:solidFill>
-                <a:latin typeface="Consolas" panose="020B0609020204030204" pitchFamily="49" charset="0"/>
-                <a:cs typeface="Consolas" panose="020B0609020204030204" pitchFamily="49" charset="0"/>
-              </a:rPr>
-            </a:br>
-            <a:r>
-              <a:rPr lang="en-US" sz="2133" dirty="0">
-                <a:solidFill>
-                  <a:srgbClr val="000000"/>
-                </a:solidFill>
-                <a:latin typeface="Consolas" panose="020B0609020204030204" pitchFamily="49" charset="0"/>
-                <a:cs typeface="Consolas" panose="020B0609020204030204" pitchFamily="49" charset="0"/>
-              </a:rPr>
-              <a:t>  </a:t>
-            </a:r>
-            <a:r>
-              <a:rPr lang="en-US" sz="2133" dirty="0">
-                <a:solidFill>
-                  <a:srgbClr val="0000FF"/>
-                </a:solidFill>
-                <a:latin typeface="Consolas" panose="020B0609020204030204" pitchFamily="49" charset="0"/>
-                <a:cs typeface="Consolas" panose="020B0609020204030204" pitchFamily="49" charset="0"/>
-              </a:rPr>
-              <a:t>&lt;</a:t>
-            </a:r>
-            <a:r>
-              <a:rPr lang="en-US" sz="2133" dirty="0">
-                <a:solidFill>
-                  <a:srgbClr val="A31515"/>
-                </a:solidFill>
-                <a:latin typeface="Consolas" panose="020B0609020204030204" pitchFamily="49" charset="0"/>
-                <a:cs typeface="Consolas" panose="020B0609020204030204" pitchFamily="49" charset="0"/>
-              </a:rPr>
-              <a:t>Button    </a:t>
-            </a:r>
-            <a:r>
-              <a:rPr lang="en-US" sz="2133" dirty="0" err="1">
-                <a:solidFill>
-                  <a:srgbClr val="FF0000"/>
-                </a:solidFill>
-                <a:latin typeface="Consolas" panose="020B0609020204030204" pitchFamily="49" charset="0"/>
-                <a:cs typeface="Consolas" panose="020B0609020204030204" pitchFamily="49" charset="0"/>
-              </a:rPr>
-              <a:t>BackgroundColor</a:t>
-            </a:r>
-            <a:r>
-              <a:rPr lang="en-US" sz="2133" dirty="0">
-                <a:solidFill>
-                  <a:srgbClr val="0000FF"/>
-                </a:solidFill>
-                <a:latin typeface="Consolas" panose="020B0609020204030204" pitchFamily="49" charset="0"/>
-                <a:cs typeface="Consolas" panose="020B0609020204030204" pitchFamily="49" charset="0"/>
-              </a:rPr>
-              <a:t>=</a:t>
-            </a:r>
-            <a:r>
-              <a:rPr lang="en-US" sz="2133" dirty="0">
-                <a:solidFill>
-                  <a:srgbClr val="000000"/>
-                </a:solidFill>
-                <a:latin typeface="Consolas" panose="020B0609020204030204" pitchFamily="49" charset="0"/>
-                <a:cs typeface="Consolas" panose="020B0609020204030204" pitchFamily="49" charset="0"/>
-              </a:rPr>
-              <a:t>"</a:t>
-            </a:r>
-            <a:r>
-              <a:rPr lang="en-US" sz="2133" dirty="0">
-                <a:solidFill>
-                  <a:srgbClr val="0000FF"/>
-                </a:solidFill>
-                <a:latin typeface="Consolas" panose="020B0609020204030204" pitchFamily="49" charset="0"/>
-                <a:cs typeface="Consolas" panose="020B0609020204030204" pitchFamily="49" charset="0"/>
-              </a:rPr>
-              <a:t>#00FF00</a:t>
-            </a:r>
-            <a:r>
-              <a:rPr lang="en-US" sz="2133" dirty="0">
-                <a:solidFill>
-                  <a:srgbClr val="000000"/>
-                </a:solidFill>
-                <a:latin typeface="Consolas" panose="020B0609020204030204" pitchFamily="49" charset="0"/>
-                <a:cs typeface="Consolas" panose="020B0609020204030204" pitchFamily="49" charset="0"/>
-              </a:rPr>
-              <a:t>"</a:t>
-            </a:r>
-            <a:r>
-              <a:rPr lang="en-US" sz="2133" dirty="0">
-                <a:solidFill>
-                  <a:srgbClr val="A31515"/>
-                </a:solidFill>
-                <a:latin typeface="Consolas" panose="020B0609020204030204" pitchFamily="49" charset="0"/>
-                <a:cs typeface="Consolas" panose="020B0609020204030204" pitchFamily="49" charset="0"/>
-              </a:rPr>
-              <a:t> </a:t>
-            </a:r>
-            <a:r>
-              <a:rPr lang="en-US" sz="2133" dirty="0" err="1">
-                <a:solidFill>
-                  <a:srgbClr val="FF0000"/>
-                </a:solidFill>
-                <a:latin typeface="Consolas" panose="020B0609020204030204" pitchFamily="49" charset="0"/>
-              </a:rPr>
-              <a:t>FontSize</a:t>
-            </a:r>
-            <a:r>
-              <a:rPr lang="en-US" sz="2133" dirty="0">
-                <a:solidFill>
-                  <a:srgbClr val="0000FF"/>
-                </a:solidFill>
-                <a:latin typeface="Consolas" panose="020B0609020204030204" pitchFamily="49" charset="0"/>
-              </a:rPr>
-              <a:t>=</a:t>
-            </a:r>
-            <a:r>
-              <a:rPr lang="en-US" sz="2133" dirty="0">
-                <a:solidFill>
-                  <a:srgbClr val="000000"/>
-                </a:solidFill>
-                <a:latin typeface="Consolas" panose="020B0609020204030204" pitchFamily="49" charset="0"/>
-              </a:rPr>
-              <a:t>"</a:t>
-            </a:r>
-            <a:r>
-              <a:rPr lang="en-US" sz="2133" dirty="0">
-                <a:solidFill>
-                  <a:srgbClr val="0000FF"/>
-                </a:solidFill>
-                <a:latin typeface="Consolas" panose="020B0609020204030204" pitchFamily="49" charset="0"/>
-              </a:rPr>
-              <a:t>16.5</a:t>
-            </a:r>
-            <a:r>
-              <a:rPr lang="en-US" sz="2133" dirty="0">
-                <a:solidFill>
-                  <a:srgbClr val="000000"/>
-                </a:solidFill>
-                <a:latin typeface="Consolas" panose="020B0609020204030204" pitchFamily="49" charset="0"/>
-              </a:rPr>
-              <a:t>" </a:t>
-            </a:r>
-            <a:r>
-              <a:rPr lang="en-US" sz="2133" dirty="0">
-                <a:solidFill>
-                  <a:srgbClr val="000000"/>
-                </a:solidFill>
-                <a:latin typeface="Consolas" panose="020B0609020204030204" pitchFamily="49" charset="0"/>
-                <a:cs typeface="Consolas" panose="020B0609020204030204" pitchFamily="49" charset="0"/>
-              </a:rPr>
-              <a:t>... </a:t>
-            </a:r>
-            <a:r>
-              <a:rPr lang="en-US" sz="2133" dirty="0">
-                <a:solidFill>
-                  <a:srgbClr val="0000FF"/>
-                </a:solidFill>
-                <a:latin typeface="Consolas" panose="020B0609020204030204" pitchFamily="49" charset="0"/>
-                <a:cs typeface="Consolas" panose="020B0609020204030204" pitchFamily="49" charset="0"/>
-              </a:rPr>
-              <a:t>/&gt;</a:t>
-            </a:r>
-          </a:p>
-          <a:p>
-            <a:r>
-              <a:rPr lang="en-US" sz="2133" dirty="0">
-                <a:solidFill>
-                  <a:srgbClr val="0000FF"/>
-                </a:solidFill>
-                <a:latin typeface="Consolas" panose="020B0609020204030204" pitchFamily="49" charset="0"/>
-                <a:cs typeface="Consolas" panose="020B0609020204030204" pitchFamily="49" charset="0"/>
-              </a:rPr>
-              <a:t>&lt;/</a:t>
-            </a:r>
-            <a:r>
-              <a:rPr lang="en-US" sz="2133" dirty="0" err="1">
-                <a:solidFill>
-                  <a:srgbClr val="A31515"/>
-                </a:solidFill>
-                <a:latin typeface="Consolas" panose="020B0609020204030204" pitchFamily="49" charset="0"/>
-                <a:cs typeface="Consolas" panose="020B0609020204030204" pitchFamily="49" charset="0"/>
-              </a:rPr>
-              <a:t>StackLayout</a:t>
-            </a:r>
-            <a:r>
-              <a:rPr lang="en-US" sz="2133" dirty="0">
-                <a:solidFill>
-                  <a:srgbClr val="0000FF"/>
-                </a:solidFill>
-                <a:latin typeface="Consolas" panose="020B0609020204030204" pitchFamily="49" charset="0"/>
-                <a:cs typeface="Consolas" panose="020B0609020204030204" pitchFamily="49" charset="0"/>
-              </a:rPr>
-              <a:t>&gt;</a:t>
-            </a:r>
-            <a:endParaRPr lang="en-US" sz="2133" dirty="0">
-              <a:latin typeface="Consolas" panose="020B0609020204030204" pitchFamily="49" charset="0"/>
-              <a:cs typeface="Consolas" panose="020B0609020204030204" pitchFamily="49" charset="0"/>
-            </a:endParaRPr>
-          </a:p>
-        </p:txBody>
-      </p:sp>
-      <p:sp>
-        <p:nvSpPr>
-          <p:cNvPr id="9" name="TextBox 8"/>
-          <p:cNvSpPr txBox="1"/>
-          <p:nvPr/>
-        </p:nvSpPr>
-        <p:spPr>
-          <a:xfrm>
-            <a:off x="3454400" y="5273358"/>
-            <a:ext cx="7733656" cy="461665"/>
+            <a:off x="4145965" y="-846623"/>
+            <a:ext cx="362072" cy="621556"/>
           </a:xfrm>
           <a:prstGeom prst="rect">
             <a:avLst/>
@@ -27027,109 +28506,470 @@
           <a:noFill/>
         </p:spPr>
         <p:txBody>
-          <a:bodyPr wrap="none" rtlCol="0">
+          <a:bodyPr wrap="none" lIns="179285" tIns="143428" rIns="179285" bIns="143428" rtlCol="0">
             <a:spAutoFit/>
           </a:bodyPr>
           <a:lstStyle/>
           <a:p>
-            <a:r>
-              <a:rPr lang="en-US" sz="2400" dirty="0">
-                <a:cs typeface="Segoe UI Light"/>
-              </a:rPr>
-              <a:t>Common to use the same colors and sizes across the UI</a:t>
+            <a:pPr>
+              <a:lnSpc>
+                <a:spcPct val="90000"/>
+              </a:lnSpc>
+              <a:spcAft>
+                <a:spcPts val="588"/>
+              </a:spcAft>
+            </a:pPr>
+            <a:endParaRPr lang="en-US" sz="2353" dirty="0" err="1">
+              <a:gradFill>
+                <a:gsLst>
+                  <a:gs pos="2917">
+                    <a:schemeClr val="tx1"/>
+                  </a:gs>
+                  <a:gs pos="30000">
+                    <a:schemeClr val="tx1"/>
+                  </a:gs>
+                </a:gsLst>
+                <a:lin ang="5400000" scaled="0"/>
+              </a:gradFill>
+            </a:endParaRPr>
+          </a:p>
+        </p:txBody>
+      </p:sp>
+      <p:sp>
+        <p:nvSpPr>
+          <p:cNvPr id="12" name="TextBox 11"/>
+          <p:cNvSpPr txBox="1"/>
+          <p:nvPr/>
+        </p:nvSpPr>
+        <p:spPr>
+          <a:xfrm>
+            <a:off x="843978" y="4501201"/>
+            <a:ext cx="5966529" cy="641215"/>
+          </a:xfrm>
+          <a:prstGeom prst="rect">
+            <a:avLst/>
+          </a:prstGeom>
+          <a:noFill/>
+          <a:ln w="12700" cap="flat">
+            <a:noFill/>
+            <a:miter lim="400000"/>
+          </a:ln>
+          <a:effectLst/>
+        </p:spPr>
+        <p:style>
+          <a:lnRef idx="0">
+            <a:scrgbClr r="0" g="0" b="0"/>
+          </a:lnRef>
+          <a:fillRef idx="0">
+            <a:scrgbClr r="0" g="0" b="0"/>
+          </a:fillRef>
+          <a:effectRef idx="0">
+            <a:scrgbClr r="0" g="0" b="0"/>
+          </a:effectRef>
+          <a:fontRef idx="none"/>
+        </p:style>
+        <p:txBody>
+          <a:bodyPr rot="0" spcFirstLastPara="1" vertOverflow="overflow" horzOverflow="overflow" vert="horz" wrap="square" lIns="18676" tIns="18676" rIns="18676" bIns="18676" numCol="1" spcCol="14288" rtlCol="0" anchor="ctr">
+            <a:spAutoFit/>
+          </a:bodyPr>
+          <a:lstStyle/>
+          <a:p>
+            <a:r>
+              <a:rPr lang="en-US" sz="1961" dirty="0">
+                <a:cs typeface="Arial"/>
+              </a:rPr>
+              <a:t>&lt;Name&gt;</a:t>
+            </a:r>
+          </a:p>
+          <a:p>
+            <a:r>
+              <a:rPr lang="en-US" sz="1961" dirty="0">
+                <a:latin typeface="+mj-lt"/>
+                <a:cs typeface="Arial"/>
+              </a:rPr>
+              <a:t>&lt;Title&gt;</a:t>
             </a:r>
           </a:p>
         </p:txBody>
       </p:sp>
       <p:cxnSp>
         <p:nvCxnSpPr>
-          <p:cNvPr id="10" name="Straight Arrow Connector 9"/>
+          <p:cNvPr id="14" name="Straight Connector 13"/>
           <p:cNvCxnSpPr/>
           <p:nvPr/>
         </p:nvCxnSpPr>
         <p:spPr>
           <a:xfrm flipV="1">
-            <a:off x="6429368" y="4791529"/>
-            <a:ext cx="0" cy="609600"/>
+            <a:off x="883365" y="5615628"/>
+            <a:ext cx="9367329" cy="4668"/>
           </a:xfrm>
-          <a:prstGeom prst="straightConnector1">
+          <a:prstGeom prst="line">
             <a:avLst/>
           </a:prstGeom>
-          <a:ln w="28575" cmpd="sng">
+          <a:ln>
             <a:solidFill>
-              <a:schemeClr val="accent4"/>
+              <a:srgbClr val="16ACEE"/>
             </a:solidFill>
-            <a:tailEnd type="arrow"/>
+            <a:headEnd type="none"/>
+            <a:tailEnd type="none"/>
           </a:ln>
-          <a:effectLst/>
         </p:spPr>
         <p:style>
           <a:lnRef idx="2">
-            <a:schemeClr val="accent1"/>
+            <a:schemeClr val="accent6"/>
           </a:lnRef>
           <a:fillRef idx="0">
-            <a:schemeClr val="accent1"/>
+            <a:schemeClr val="accent6"/>
           </a:fillRef>
           <a:effectRef idx="1">
-            <a:schemeClr val="accent1"/>
+            <a:schemeClr val="accent6"/>
           </a:effectRef>
           <a:fontRef idx="minor">
             <a:schemeClr val="tx1"/>
           </a:fontRef>
         </p:style>
       </p:cxnSp>
-      <p:cxnSp>
-        <p:nvCxnSpPr>
-          <p:cNvPr id="12" name="Straight Arrow Connector 11"/>
-          <p:cNvCxnSpPr/>
+      <p:grpSp>
+        <p:nvGrpSpPr>
+          <p:cNvPr id="9" name="Group 8"/>
+          <p:cNvGrpSpPr/>
           <p:nvPr/>
-        </p:nvCxnSpPr>
-        <p:spPr>
-          <a:xfrm flipV="1">
-            <a:off x="9016452" y="4791529"/>
-            <a:ext cx="0" cy="609600"/>
+        </p:nvGrpSpPr>
+        <p:grpSpPr>
+          <a:xfrm>
+            <a:off x="808663" y="5844402"/>
+            <a:ext cx="9541633" cy="761555"/>
+            <a:chOff x="1735137" y="5935662"/>
+            <a:chExt cx="9732963" cy="776826"/>
           </a:xfrm>
-          <a:prstGeom prst="straightConnector1">
+        </p:grpSpPr>
+        <p:sp>
+          <p:nvSpPr>
+            <p:cNvPr id="10" name="TextBox 9"/>
+            <p:cNvSpPr txBox="1"/>
+            <p:nvPr/>
+          </p:nvSpPr>
+          <p:spPr>
+            <a:xfrm>
+              <a:off x="1735137" y="5935662"/>
+              <a:ext cx="2328863" cy="416635"/>
+            </a:xfrm>
+            <a:prstGeom prst="rect">
+              <a:avLst/>
+            </a:prstGeom>
+            <a:noFill/>
+          </p:spPr>
+          <p:txBody>
+            <a:bodyPr wrap="square" rtlCol="0">
+              <a:spAutoFit/>
+            </a:bodyPr>
+            <a:lstStyle/>
+            <a:p>
+              <a:pPr>
+                <a:lnSpc>
+                  <a:spcPct val="130000"/>
+                </a:lnSpc>
+              </a:pPr>
+              <a:r>
+                <a:rPr lang="en-US" sz="1765" dirty="0">
+                  <a:latin typeface="+mj-lt"/>
+                  <a:cs typeface="Arial"/>
+                </a:rPr>
+                <a:t>&lt;email&gt;</a:t>
+              </a:r>
+            </a:p>
+          </p:txBody>
+        </p:sp>
+        <p:sp>
+          <p:nvSpPr>
+            <p:cNvPr id="11" name="TextBox 10"/>
+            <p:cNvSpPr txBox="1"/>
+            <p:nvPr/>
+          </p:nvSpPr>
+          <p:spPr>
+            <a:xfrm>
+              <a:off x="5833269" y="5935662"/>
+              <a:ext cx="2024063" cy="416635"/>
+            </a:xfrm>
+            <a:prstGeom prst="rect">
+              <a:avLst/>
+            </a:prstGeom>
+            <a:noFill/>
+          </p:spPr>
+          <p:txBody>
+            <a:bodyPr wrap="square" rtlCol="0">
+              <a:spAutoFit/>
+            </a:bodyPr>
+            <a:lstStyle/>
+            <a:p>
+              <a:pPr algn="ctr">
+                <a:lnSpc>
+                  <a:spcPct val="130000"/>
+                </a:lnSpc>
+              </a:pPr>
+              <a:r>
+                <a:rPr lang="en-US" sz="1765" dirty="0">
+                  <a:latin typeface="+mj-lt"/>
+                  <a:cs typeface="Arial"/>
+                </a:rPr>
+                <a:t>&lt;website&gt;</a:t>
+              </a:r>
+            </a:p>
+          </p:txBody>
+        </p:sp>
+        <p:sp>
+          <p:nvSpPr>
+            <p:cNvPr id="15" name="TextBox 14"/>
+            <p:cNvSpPr txBox="1"/>
+            <p:nvPr/>
+          </p:nvSpPr>
+          <p:spPr>
+            <a:xfrm>
+              <a:off x="8978900" y="5935662"/>
+              <a:ext cx="2489200" cy="776826"/>
+            </a:xfrm>
+            <a:prstGeom prst="rect">
+              <a:avLst/>
+            </a:prstGeom>
+            <a:noFill/>
+          </p:spPr>
+          <p:txBody>
+            <a:bodyPr wrap="square" rtlCol="0">
+              <a:spAutoFit/>
+            </a:bodyPr>
+            <a:lstStyle/>
+            <a:p>
+              <a:pPr algn="r">
+                <a:lnSpc>
+                  <a:spcPct val="130000"/>
+                </a:lnSpc>
+              </a:pPr>
+              <a:r>
+                <a:rPr lang="en-US" sz="1765" dirty="0">
+                  <a:latin typeface="+mj-lt"/>
+                  <a:cs typeface="Arial"/>
+                </a:rPr>
+                <a:t>@&lt;twitter&gt;</a:t>
+              </a:r>
+            </a:p>
+            <a:p>
+              <a:pPr algn="r">
+                <a:lnSpc>
+                  <a:spcPct val="130000"/>
+                </a:lnSpc>
+              </a:pPr>
+              <a:r>
+                <a:rPr lang="en-US" sz="1765" dirty="0">
+                  <a:latin typeface="+mj-lt"/>
+                  <a:cs typeface="Arial"/>
+                </a:rPr>
+                <a:t>/&lt;YouTube&gt;</a:t>
+              </a:r>
+            </a:p>
+          </p:txBody>
+        </p:sp>
+      </p:grpSp>
+      <p:pic>
+        <p:nvPicPr>
+          <p:cNvPr id="1026" name="Picture 2" descr="See the source image">
+            <a:extLst>
+              <a:ext uri="{FF2B5EF4-FFF2-40B4-BE49-F238E27FC236}">
+                <a16:creationId xmlns:a16="http://schemas.microsoft.com/office/drawing/2014/main" id="{9B5CF540-6DA5-4412-A609-5262A53EA2F9}"/>
+              </a:ext>
+            </a:extLst>
+          </p:cNvPr>
+          <p:cNvPicPr>
+            <a:picLocks noChangeAspect="1" noChangeArrowheads="1"/>
+          </p:cNvPicPr>
+          <p:nvPr/>
+        </p:nvPicPr>
+        <p:blipFill>
+          <a:blip r:embed="rId3">
+            <a:extLst>
+              <a:ext uri="{28A0092B-C50C-407E-A947-70E740481C1C}">
+                <a14:useLocalDpi xmlns:a14="http://schemas.microsoft.com/office/drawing/2010/main" val="0"/>
+              </a:ext>
+            </a:extLst>
+          </a:blip>
+          <a:srcRect/>
+          <a:stretch>
+            <a:fillRect/>
+          </a:stretch>
+        </p:blipFill>
+        <p:spPr bwMode="auto">
+          <a:xfrm>
+            <a:off x="7788624" y="5926339"/>
+            <a:ext cx="326511" cy="326511"/>
+          </a:xfrm>
+          <a:prstGeom prst="rect">
             <a:avLst/>
           </a:prstGeom>
-          <a:ln w="28575" cmpd="sng">
-            <a:solidFill>
-              <a:schemeClr val="accent4"/>
-            </a:solidFill>
-            <a:tailEnd type="arrow"/>
-          </a:ln>
-          <a:effectLst/>
+          <a:noFill/>
+          <a:extLst>
+            <a:ext uri="{909E8E84-426E-40DD-AFC4-6F175D3DCCD1}">
+              <a14:hiddenFill xmlns:a14="http://schemas.microsoft.com/office/drawing/2010/main">
+                <a:solidFill>
+                  <a:srgbClr val="FFFFFF"/>
+                </a:solidFill>
+              </a14:hiddenFill>
+            </a:ext>
+          </a:extLst>
         </p:spPr>
-        <p:style>
-          <a:lnRef idx="2">
-            <a:schemeClr val="accent1"/>
-          </a:lnRef>
-          <a:fillRef idx="0">
-            <a:schemeClr val="accent1"/>
-          </a:fillRef>
-          <a:effectRef idx="1">
-            <a:schemeClr val="accent1"/>
-          </a:effectRef>
-          <a:fontRef idx="minor">
-            <a:schemeClr val="tx1"/>
-          </a:fontRef>
-        </p:style>
-      </p:cxnSp>
+      </p:pic>
+      <p:pic>
+        <p:nvPicPr>
+          <p:cNvPr id="1028" name="Picture 4" descr="See the source image">
+            <a:extLst>
+              <a:ext uri="{FF2B5EF4-FFF2-40B4-BE49-F238E27FC236}">
+                <a16:creationId xmlns:a16="http://schemas.microsoft.com/office/drawing/2014/main" id="{5010391C-E630-4CE0-AF40-750F7E85C5C9}"/>
+              </a:ext>
+            </a:extLst>
+          </p:cNvPr>
+          <p:cNvPicPr>
+            <a:picLocks noChangeAspect="1" noChangeArrowheads="1"/>
+          </p:cNvPicPr>
+          <p:nvPr/>
+        </p:nvPicPr>
+        <p:blipFill>
+          <a:blip r:embed="rId4">
+            <a:extLst>
+              <a:ext uri="{28A0092B-C50C-407E-A947-70E740481C1C}">
+                <a14:useLocalDpi xmlns:a14="http://schemas.microsoft.com/office/drawing/2010/main" val="0"/>
+              </a:ext>
+            </a:extLst>
+          </a:blip>
+          <a:srcRect/>
+          <a:stretch>
+            <a:fillRect/>
+          </a:stretch>
+        </p:blipFill>
+        <p:spPr bwMode="auto">
+          <a:xfrm>
+            <a:off x="7736286" y="6233475"/>
+            <a:ext cx="431185" cy="431185"/>
+          </a:xfrm>
+          <a:prstGeom prst="rect">
+            <a:avLst/>
+          </a:prstGeom>
+          <a:noFill/>
+          <a:extLst>
+            <a:ext uri="{909E8E84-426E-40DD-AFC4-6F175D3DCCD1}">
+              <a14:hiddenFill xmlns:a14="http://schemas.microsoft.com/office/drawing/2010/main">
+                <a:solidFill>
+                  <a:srgbClr val="FFFFFF"/>
+                </a:solidFill>
+              </a14:hiddenFill>
+            </a:ext>
+          </a:extLst>
+        </p:spPr>
+      </p:pic>
     </p:spTree>
     <p:extLst>
       <p:ext uri="{BB962C8B-B14F-4D97-AF65-F5344CB8AC3E}">
-        <p14:creationId xmlns:p14="http://schemas.microsoft.com/office/powerpoint/2010/main" val="553747559"/>
+        <p14:creationId xmlns:p14="http://schemas.microsoft.com/office/powerpoint/2010/main" val="1975960378"/>
       </p:ext>
     </p:extLst>
   </p:cSld>
   <p:clrMapOvr>
     <a:masterClrMapping/>
   </p:clrMapOvr>
+  <p:transition>
+    <p:fade/>
+  </p:transition>
+  <p:timing>
+    <p:tnLst>
+      <p:par>
+        <p:cTn id="1" dur="indefinite" restart="never" nodeType="tmRoot">
+          <p:childTnLst>
+            <p:seq concurrent="1" nextAc="seek">
+              <p:cTn id="2" dur="indefinite" nodeType="mainSeq">
+                <p:childTnLst>
+                  <p:par>
+                    <p:cTn id="3" fill="hold">
+                      <p:stCondLst>
+                        <p:cond delay="indefinite"/>
+                        <p:cond evt="onBegin" delay="0">
+                          <p:tn val="2"/>
+                        </p:cond>
+                      </p:stCondLst>
+                      <p:childTnLst>
+                        <p:par>
+                          <p:cTn id="4" fill="hold">
+                            <p:stCondLst>
+                              <p:cond delay="0"/>
+                            </p:stCondLst>
+                            <p:childTnLst>
+                              <p:par>
+                                <p:cTn id="5" presetID="10" presetClass="entr" presetSubtype="0" fill="hold" grpId="0" nodeType="afterEffect">
+                                  <p:stCondLst>
+                                    <p:cond delay="0"/>
+                                  </p:stCondLst>
+                                  <p:childTnLst>
+                                    <p:set>
+                                      <p:cBhvr>
+                                        <p:cTn id="6" dur="1" fill="hold">
+                                          <p:stCondLst>
+                                            <p:cond delay="0"/>
+                                          </p:stCondLst>
+                                        </p:cTn>
+                                        <p:tgtEl>
+                                          <p:spTgt spid="27"/>
+                                        </p:tgtEl>
+                                        <p:attrNameLst>
+                                          <p:attrName>style.visibility</p:attrName>
+                                        </p:attrNameLst>
+                                      </p:cBhvr>
+                                      <p:to>
+                                        <p:strVal val="visible"/>
+                                      </p:to>
+                                    </p:set>
+                                    <p:animEffect transition="in" filter="fade">
+                                      <p:cBhvr>
+                                        <p:cTn id="7" dur="500"/>
+                                        <p:tgtEl>
+                                          <p:spTgt spid="27"/>
+                                        </p:tgtEl>
+                                      </p:cBhvr>
+                                    </p:animEffect>
+                                  </p:childTnLst>
+                                </p:cTn>
+                              </p:par>
+                            </p:childTnLst>
+                          </p:cTn>
+                        </p:par>
+                      </p:childTnLst>
+                    </p:cTn>
+                  </p:par>
+                </p:childTnLst>
+              </p:cTn>
+              <p:prevCondLst>
+                <p:cond evt="onPrev" delay="0">
+                  <p:tgtEl>
+                    <p:sldTgt/>
+                  </p:tgtEl>
+                </p:cond>
+              </p:prevCondLst>
+              <p:nextCondLst>
+                <p:cond evt="onNext" delay="0">
+                  <p:tgtEl>
+                    <p:sldTgt/>
+                  </p:tgtEl>
+                </p:cond>
+              </p:nextCondLst>
+            </p:seq>
+          </p:childTnLst>
+        </p:cTn>
+      </p:par>
+    </p:tnLst>
+    <p:bldLst>
+      <p:bldP spid="27" grpId="0"/>
+    </p:bldLst>
+  </p:timing>
 </p:sld>
 </file>
 
-<file path=ppt/slides/slide30.xml><?xml version="1.0" encoding="utf-8"?>
-<p:sld xmlns:a="http://schemas.openxmlformats.org/drawingml/2006/main" xmlns:r="http://schemas.openxmlformats.org/officeDocument/2006/relationships" xmlns:p="http://schemas.openxmlformats.org/presentationml/2006/main">
+<file path=ppt/slides/slide32.xml><?xml version="1.0" encoding="utf-8"?>
+<p:sld xmlns:a="http://schemas.openxmlformats.org/drawingml/2006/main" xmlns:r="http://schemas.openxmlformats.org/officeDocument/2006/relationships" xmlns:p="http://schemas.openxmlformats.org/presentationml/2006/main" show="0">
   <p:cSld>
     <p:spTree>
       <p:nvGrpSpPr>
@@ -28070,6 +29910,1028 @@
       </p:grpSpPr>
       <p:sp>
         <p:nvSpPr>
+          <p:cNvPr id="8" name="Rectangle 7"/>
+          <p:cNvSpPr/>
+          <p:nvPr/>
+        </p:nvSpPr>
+        <p:spPr>
+          <a:xfrm>
+            <a:off x="5758808" y="3149424"/>
+            <a:ext cx="1341120" cy="1584960"/>
+          </a:xfrm>
+          <a:prstGeom prst="rect">
+            <a:avLst/>
+          </a:prstGeom>
+          <a:solidFill>
+            <a:srgbClr val="FFFF00">
+              <a:alpha val="23000"/>
+            </a:srgbClr>
+          </a:solidFill>
+          <a:ln>
+            <a:noFill/>
+          </a:ln>
+        </p:spPr>
+        <p:style>
+          <a:lnRef idx="2">
+            <a:schemeClr val="accent1">
+              <a:shade val="50000"/>
+            </a:schemeClr>
+          </a:lnRef>
+          <a:fillRef idx="1">
+            <a:schemeClr val="accent1"/>
+          </a:fillRef>
+          <a:effectRef idx="0">
+            <a:schemeClr val="accent1"/>
+          </a:effectRef>
+          <a:fontRef idx="minor">
+            <a:schemeClr val="lt1"/>
+          </a:fontRef>
+        </p:style>
+        <p:txBody>
+          <a:bodyPr rtlCol="0" anchor="ctr"/>
+          <a:lstStyle/>
+          <a:p>
+            <a:pPr algn="ctr"/>
+            <a:endParaRPr lang="en-US" sz="2400"/>
+          </a:p>
+        </p:txBody>
+      </p:sp>
+      <p:sp>
+        <p:nvSpPr>
+          <p:cNvPr id="11" name="Rectangle 10"/>
+          <p:cNvSpPr/>
+          <p:nvPr/>
+        </p:nvSpPr>
+        <p:spPr>
+          <a:xfrm>
+            <a:off x="8589732" y="3454224"/>
+            <a:ext cx="853440" cy="1280160"/>
+          </a:xfrm>
+          <a:prstGeom prst="rect">
+            <a:avLst/>
+          </a:prstGeom>
+          <a:solidFill>
+            <a:srgbClr val="FFFF00">
+              <a:alpha val="23000"/>
+            </a:srgbClr>
+          </a:solidFill>
+          <a:ln>
+            <a:noFill/>
+          </a:ln>
+        </p:spPr>
+        <p:style>
+          <a:lnRef idx="2">
+            <a:schemeClr val="accent1">
+              <a:shade val="50000"/>
+            </a:schemeClr>
+          </a:lnRef>
+          <a:fillRef idx="1">
+            <a:schemeClr val="accent1"/>
+          </a:fillRef>
+          <a:effectRef idx="0">
+            <a:schemeClr val="accent1"/>
+          </a:effectRef>
+          <a:fontRef idx="minor">
+            <a:schemeClr val="lt1"/>
+          </a:fontRef>
+        </p:style>
+        <p:txBody>
+          <a:bodyPr rtlCol="0" anchor="ctr"/>
+          <a:lstStyle/>
+          <a:p>
+            <a:pPr algn="ctr"/>
+            <a:endParaRPr lang="en-US" sz="2400"/>
+          </a:p>
+        </p:txBody>
+      </p:sp>
+      <p:sp>
+        <p:nvSpPr>
+          <p:cNvPr id="6" name="Content Placeholder 5"/>
+          <p:cNvSpPr>
+            <a:spLocks noGrp="1"/>
+          </p:cNvSpPr>
+          <p:nvPr>
+            <p:ph sz="quarter" idx="10"/>
+          </p:nvPr>
+        </p:nvSpPr>
+        <p:spPr>
+          <a:xfrm>
+            <a:off x="609600" y="1613054"/>
+            <a:ext cx="10972800" cy="1270732"/>
+          </a:xfrm>
+        </p:spPr>
+        <p:txBody>
+          <a:bodyPr/>
+          <a:lstStyle/>
+          <a:p>
+            <a:r>
+              <a:rPr lang="en-US" dirty="0"/>
+              <a:t>Duplicate XAML values are error prone and difficult to maintain</a:t>
+            </a:r>
+          </a:p>
+        </p:txBody>
+      </p:sp>
+      <p:sp>
+        <p:nvSpPr>
+          <p:cNvPr id="5" name="Title 4"/>
+          <p:cNvSpPr>
+            <a:spLocks noGrp="1"/>
+          </p:cNvSpPr>
+          <p:nvPr>
+            <p:ph type="title"/>
+          </p:nvPr>
+        </p:nvSpPr>
+        <p:spPr/>
+        <p:txBody>
+          <a:bodyPr/>
+          <a:lstStyle/>
+          <a:p>
+            <a:r>
+              <a:rPr lang="en-US" dirty="0"/>
+              <a:t>Motivation</a:t>
+            </a:r>
+          </a:p>
+        </p:txBody>
+      </p:sp>
+      <p:sp>
+        <p:nvSpPr>
+          <p:cNvPr id="7" name="TextBox 6"/>
+          <p:cNvSpPr txBox="1"/>
+          <p:nvPr/>
+        </p:nvSpPr>
+        <p:spPr>
+          <a:xfrm>
+            <a:off x="1334869" y="3063320"/>
+            <a:ext cx="9526967" cy="2061718"/>
+          </a:xfrm>
+          <a:prstGeom prst="rect">
+            <a:avLst/>
+          </a:prstGeom>
+          <a:noFill/>
+          <a:ln>
+            <a:solidFill>
+              <a:schemeClr val="accent5"/>
+            </a:solidFill>
+          </a:ln>
+        </p:spPr>
+        <p:txBody>
+          <a:bodyPr wrap="none" rtlCol="0">
+            <a:spAutoFit/>
+          </a:bodyPr>
+          <a:lstStyle/>
+          <a:p>
+            <a:r>
+              <a:rPr lang="en-US" sz="2133" dirty="0">
+                <a:solidFill>
+                  <a:srgbClr val="0000FF"/>
+                </a:solidFill>
+                <a:latin typeface="Consolas" panose="020B0609020204030204" pitchFamily="49" charset="0"/>
+                <a:cs typeface="Consolas" panose="020B0609020204030204" pitchFamily="49" charset="0"/>
+              </a:rPr>
+              <a:t>&lt;</a:t>
+            </a:r>
+            <a:r>
+              <a:rPr lang="en-US" sz="2133" dirty="0" err="1">
+                <a:solidFill>
+                  <a:srgbClr val="A31515"/>
+                </a:solidFill>
+                <a:latin typeface="Consolas" panose="020B0609020204030204" pitchFamily="49" charset="0"/>
+                <a:cs typeface="Consolas" panose="020B0609020204030204" pitchFamily="49" charset="0"/>
+              </a:rPr>
+              <a:t>StackLayout</a:t>
+            </a:r>
+            <a:r>
+              <a:rPr lang="en-US" sz="2133" dirty="0">
+                <a:solidFill>
+                  <a:srgbClr val="A31515"/>
+                </a:solidFill>
+                <a:latin typeface="Consolas" panose="020B0609020204030204" pitchFamily="49" charset="0"/>
+                <a:cs typeface="Consolas" panose="020B0609020204030204" pitchFamily="49" charset="0"/>
+              </a:rPr>
+              <a:t> </a:t>
+            </a:r>
+            <a:r>
+              <a:rPr lang="en-US" sz="2133" dirty="0" err="1">
+                <a:solidFill>
+                  <a:srgbClr val="FF0000"/>
+                </a:solidFill>
+                <a:latin typeface="Consolas" panose="020B0609020204030204" pitchFamily="49" charset="0"/>
+                <a:cs typeface="Consolas" panose="020B0609020204030204" pitchFamily="49" charset="0"/>
+              </a:rPr>
+              <a:t>BackgroundColor</a:t>
+            </a:r>
+            <a:r>
+              <a:rPr lang="en-US" sz="2133" dirty="0">
+                <a:solidFill>
+                  <a:srgbClr val="0000FF"/>
+                </a:solidFill>
+                <a:latin typeface="Consolas" panose="020B0609020204030204" pitchFamily="49" charset="0"/>
+                <a:cs typeface="Consolas" panose="020B0609020204030204" pitchFamily="49" charset="0"/>
+              </a:rPr>
+              <a:t>=</a:t>
+            </a:r>
+            <a:r>
+              <a:rPr lang="en-US" sz="2133" dirty="0">
+                <a:solidFill>
+                  <a:srgbClr val="000000"/>
+                </a:solidFill>
+                <a:latin typeface="Consolas" panose="020B0609020204030204" pitchFamily="49" charset="0"/>
+                <a:cs typeface="Consolas" panose="020B0609020204030204" pitchFamily="49" charset="0"/>
+              </a:rPr>
+              <a:t>"</a:t>
+            </a:r>
+            <a:r>
+              <a:rPr lang="en-US" sz="2133" dirty="0">
+                <a:solidFill>
+                  <a:srgbClr val="0000FF"/>
+                </a:solidFill>
+                <a:latin typeface="Consolas" panose="020B0609020204030204" pitchFamily="49" charset="0"/>
+                <a:cs typeface="Consolas" panose="020B0609020204030204" pitchFamily="49" charset="0"/>
+              </a:rPr>
+              <a:t>#FFFFFF</a:t>
+            </a:r>
+            <a:r>
+              <a:rPr lang="en-US" sz="2133" dirty="0">
+                <a:solidFill>
+                  <a:srgbClr val="000000"/>
+                </a:solidFill>
+                <a:latin typeface="Consolas" panose="020B0609020204030204" pitchFamily="49" charset="0"/>
+                <a:cs typeface="Consolas" panose="020B0609020204030204" pitchFamily="49" charset="0"/>
+              </a:rPr>
+              <a:t>"</a:t>
+            </a:r>
+            <a:r>
+              <a:rPr lang="en-US" sz="2133" dirty="0">
+                <a:solidFill>
+                  <a:srgbClr val="0000FF"/>
+                </a:solidFill>
+                <a:latin typeface="Consolas" panose="020B0609020204030204" pitchFamily="49" charset="0"/>
+                <a:cs typeface="Consolas" panose="020B0609020204030204" pitchFamily="49" charset="0"/>
+              </a:rPr>
+              <a:t>&gt;</a:t>
+            </a:r>
+            <a:br>
+              <a:rPr lang="en-US" sz="2133" dirty="0">
+                <a:solidFill>
+                  <a:srgbClr val="000000"/>
+                </a:solidFill>
+                <a:latin typeface="Consolas" panose="020B0609020204030204" pitchFamily="49" charset="0"/>
+                <a:cs typeface="Consolas" panose="020B0609020204030204" pitchFamily="49" charset="0"/>
+              </a:rPr>
+            </a:br>
+            <a:r>
+              <a:rPr lang="en-US" sz="2133" dirty="0">
+                <a:solidFill>
+                  <a:srgbClr val="000000"/>
+                </a:solidFill>
+                <a:latin typeface="Consolas" panose="020B0609020204030204" pitchFamily="49" charset="0"/>
+                <a:cs typeface="Consolas" panose="020B0609020204030204" pitchFamily="49" charset="0"/>
+              </a:rPr>
+              <a:t>  </a:t>
+            </a:r>
+            <a:r>
+              <a:rPr lang="en-US" sz="2133" dirty="0">
+                <a:solidFill>
+                  <a:srgbClr val="0000FF"/>
+                </a:solidFill>
+                <a:latin typeface="Consolas" panose="020B0609020204030204" pitchFamily="49" charset="0"/>
+                <a:cs typeface="Consolas" panose="020B0609020204030204" pitchFamily="49" charset="0"/>
+              </a:rPr>
+              <a:t>&lt;</a:t>
+            </a:r>
+            <a:r>
+              <a:rPr lang="en-US" sz="2133" dirty="0">
+                <a:solidFill>
+                  <a:srgbClr val="A31515"/>
+                </a:solidFill>
+                <a:latin typeface="Consolas" panose="020B0609020204030204" pitchFamily="49" charset="0"/>
+                <a:cs typeface="Consolas" panose="020B0609020204030204" pitchFamily="49" charset="0"/>
+              </a:rPr>
+              <a:t>Label           </a:t>
+            </a:r>
+            <a:r>
+              <a:rPr lang="en-US" sz="2133" dirty="0" err="1">
+                <a:solidFill>
+                  <a:srgbClr val="FF0000"/>
+                </a:solidFill>
+                <a:latin typeface="Consolas" panose="020B0609020204030204" pitchFamily="49" charset="0"/>
+                <a:cs typeface="Consolas" panose="020B0609020204030204" pitchFamily="49" charset="0"/>
+              </a:rPr>
+              <a:t>TextColor</a:t>
+            </a:r>
+            <a:r>
+              <a:rPr lang="en-US" sz="2133" dirty="0">
+                <a:solidFill>
+                  <a:srgbClr val="0000FF"/>
+                </a:solidFill>
+                <a:latin typeface="Consolas" panose="020B0609020204030204" pitchFamily="49" charset="0"/>
+                <a:cs typeface="Consolas" panose="020B0609020204030204" pitchFamily="49" charset="0"/>
+              </a:rPr>
+              <a:t>=</a:t>
+            </a:r>
+            <a:r>
+              <a:rPr lang="en-US" sz="2133" dirty="0">
+                <a:solidFill>
+                  <a:srgbClr val="000000"/>
+                </a:solidFill>
+                <a:latin typeface="Consolas" panose="020B0609020204030204" pitchFamily="49" charset="0"/>
+                <a:cs typeface="Consolas" panose="020B0609020204030204" pitchFamily="49" charset="0"/>
+              </a:rPr>
+              <a:t>"</a:t>
+            </a:r>
+            <a:r>
+              <a:rPr lang="en-US" sz="2133" dirty="0">
+                <a:solidFill>
+                  <a:srgbClr val="0000FF"/>
+                </a:solidFill>
+                <a:latin typeface="Consolas" panose="020B0609020204030204" pitchFamily="49" charset="0"/>
+                <a:cs typeface="Consolas" panose="020B0609020204030204" pitchFamily="49" charset="0"/>
+              </a:rPr>
+              <a:t>#00FF00</a:t>
+            </a:r>
+            <a:r>
+              <a:rPr lang="en-US" sz="2133" dirty="0">
+                <a:solidFill>
+                  <a:srgbClr val="000000"/>
+                </a:solidFill>
+                <a:latin typeface="Consolas" panose="020B0609020204030204" pitchFamily="49" charset="0"/>
+                <a:cs typeface="Consolas" panose="020B0609020204030204" pitchFamily="49" charset="0"/>
+              </a:rPr>
+              <a:t>" </a:t>
+            </a:r>
+            <a:r>
+              <a:rPr lang="en-US" sz="2133" dirty="0" err="1">
+                <a:solidFill>
+                  <a:srgbClr val="FF0000"/>
+                </a:solidFill>
+                <a:latin typeface="Consolas" panose="020B0609020204030204" pitchFamily="49" charset="0"/>
+              </a:rPr>
+              <a:t>FontSize</a:t>
+            </a:r>
+            <a:r>
+              <a:rPr lang="en-US" sz="2133" dirty="0">
+                <a:solidFill>
+                  <a:srgbClr val="0000FF"/>
+                </a:solidFill>
+                <a:latin typeface="Consolas" panose="020B0609020204030204" pitchFamily="49" charset="0"/>
+              </a:rPr>
+              <a:t>=</a:t>
+            </a:r>
+            <a:r>
+              <a:rPr lang="en-US" sz="2133" dirty="0">
+                <a:solidFill>
+                  <a:srgbClr val="000000"/>
+                </a:solidFill>
+                <a:latin typeface="Consolas" panose="020B0609020204030204" pitchFamily="49" charset="0"/>
+              </a:rPr>
+              <a:t>"</a:t>
+            </a:r>
+            <a:r>
+              <a:rPr lang="en-US" sz="2133" dirty="0">
+                <a:solidFill>
+                  <a:srgbClr val="0000FF"/>
+                </a:solidFill>
+                <a:latin typeface="Consolas" panose="020B0609020204030204" pitchFamily="49" charset="0"/>
+              </a:rPr>
+              <a:t>16.5</a:t>
+            </a:r>
+            <a:r>
+              <a:rPr lang="en-US" sz="2133" dirty="0">
+                <a:solidFill>
+                  <a:srgbClr val="000000"/>
+                </a:solidFill>
+                <a:latin typeface="Consolas" panose="020B0609020204030204" pitchFamily="49" charset="0"/>
+              </a:rPr>
+              <a:t>" </a:t>
+            </a:r>
+            <a:r>
+              <a:rPr lang="en-US" sz="2133" dirty="0">
+                <a:solidFill>
+                  <a:srgbClr val="000000"/>
+                </a:solidFill>
+                <a:latin typeface="Consolas" panose="020B0609020204030204" pitchFamily="49" charset="0"/>
+                <a:cs typeface="Consolas" panose="020B0609020204030204" pitchFamily="49" charset="0"/>
+              </a:rPr>
+              <a:t>...</a:t>
+            </a:r>
+            <a:r>
+              <a:rPr lang="en-US" sz="2133" dirty="0">
+                <a:solidFill>
+                  <a:srgbClr val="A31515"/>
+                </a:solidFill>
+                <a:latin typeface="Consolas" panose="020B0609020204030204" pitchFamily="49" charset="0"/>
+                <a:cs typeface="Consolas" panose="020B0609020204030204" pitchFamily="49" charset="0"/>
+              </a:rPr>
+              <a:t> </a:t>
+            </a:r>
+            <a:r>
+              <a:rPr lang="en-US" sz="2133" dirty="0">
+                <a:solidFill>
+                  <a:srgbClr val="0000FF"/>
+                </a:solidFill>
+                <a:latin typeface="Consolas" panose="020B0609020204030204" pitchFamily="49" charset="0"/>
+                <a:cs typeface="Consolas" panose="020B0609020204030204" pitchFamily="49" charset="0"/>
+              </a:rPr>
+              <a:t>/&gt;</a:t>
+            </a:r>
+            <a:br>
+              <a:rPr lang="en-US" sz="2133" dirty="0">
+                <a:solidFill>
+                  <a:srgbClr val="000000"/>
+                </a:solidFill>
+                <a:latin typeface="Consolas" panose="020B0609020204030204" pitchFamily="49" charset="0"/>
+                <a:cs typeface="Consolas" panose="020B0609020204030204" pitchFamily="49" charset="0"/>
+              </a:rPr>
+            </a:br>
+            <a:r>
+              <a:rPr lang="en-US" sz="2133" dirty="0">
+                <a:solidFill>
+                  <a:srgbClr val="000000"/>
+                </a:solidFill>
+                <a:latin typeface="Consolas" panose="020B0609020204030204" pitchFamily="49" charset="0"/>
+                <a:cs typeface="Consolas" panose="020B0609020204030204" pitchFamily="49" charset="0"/>
+              </a:rPr>
+              <a:t>  </a:t>
+            </a:r>
+            <a:r>
+              <a:rPr lang="en-US" sz="2133" dirty="0">
+                <a:solidFill>
+                  <a:srgbClr val="0000FF"/>
+                </a:solidFill>
+                <a:latin typeface="Consolas" panose="020B0609020204030204" pitchFamily="49" charset="0"/>
+                <a:cs typeface="Consolas" panose="020B0609020204030204" pitchFamily="49" charset="0"/>
+              </a:rPr>
+              <a:t>&lt;</a:t>
+            </a:r>
+            <a:r>
+              <a:rPr lang="en-US" sz="2133" dirty="0">
+                <a:solidFill>
+                  <a:srgbClr val="A31515"/>
+                </a:solidFill>
+                <a:latin typeface="Consolas" panose="020B0609020204030204" pitchFamily="49" charset="0"/>
+                <a:cs typeface="Consolas" panose="020B0609020204030204" pitchFamily="49" charset="0"/>
+              </a:rPr>
+              <a:t>Entry     </a:t>
+            </a:r>
+            <a:r>
+              <a:rPr lang="en-US" sz="2133" dirty="0" err="1">
+                <a:solidFill>
+                  <a:srgbClr val="FF0000"/>
+                </a:solidFill>
+                <a:latin typeface="Consolas" panose="020B0609020204030204" pitchFamily="49" charset="0"/>
+                <a:cs typeface="Consolas" panose="020B0609020204030204" pitchFamily="49" charset="0"/>
+              </a:rPr>
+              <a:t>BackgroundColor</a:t>
+            </a:r>
+            <a:r>
+              <a:rPr lang="en-US" sz="2133" dirty="0">
+                <a:solidFill>
+                  <a:srgbClr val="0000FF"/>
+                </a:solidFill>
+                <a:latin typeface="Consolas" panose="020B0609020204030204" pitchFamily="49" charset="0"/>
+                <a:cs typeface="Consolas" panose="020B0609020204030204" pitchFamily="49" charset="0"/>
+              </a:rPr>
+              <a:t>=</a:t>
+            </a:r>
+            <a:r>
+              <a:rPr lang="en-US" sz="2133" dirty="0">
+                <a:solidFill>
+                  <a:srgbClr val="000000"/>
+                </a:solidFill>
+                <a:latin typeface="Consolas" panose="020B0609020204030204" pitchFamily="49" charset="0"/>
+                <a:cs typeface="Consolas" panose="020B0609020204030204" pitchFamily="49" charset="0"/>
+              </a:rPr>
+              <a:t>"</a:t>
+            </a:r>
+            <a:r>
+              <a:rPr lang="en-US" sz="2133" dirty="0">
+                <a:solidFill>
+                  <a:srgbClr val="0000FF"/>
+                </a:solidFill>
+                <a:latin typeface="Consolas" panose="020B0609020204030204" pitchFamily="49" charset="0"/>
+                <a:cs typeface="Consolas" panose="020B0609020204030204" pitchFamily="49" charset="0"/>
+              </a:rPr>
+              <a:t>#FFFFFF</a:t>
+            </a:r>
+            <a:r>
+              <a:rPr lang="en-US" sz="2133" dirty="0">
+                <a:solidFill>
+                  <a:srgbClr val="000000"/>
+                </a:solidFill>
+                <a:latin typeface="Consolas" panose="020B0609020204030204" pitchFamily="49" charset="0"/>
+                <a:cs typeface="Consolas" panose="020B0609020204030204" pitchFamily="49" charset="0"/>
+              </a:rPr>
+              <a:t>"</a:t>
+            </a:r>
+            <a:r>
+              <a:rPr lang="en-US" sz="2133" dirty="0">
+                <a:solidFill>
+                  <a:srgbClr val="A31515"/>
+                </a:solidFill>
+                <a:latin typeface="Consolas" panose="020B0609020204030204" pitchFamily="49" charset="0"/>
+                <a:cs typeface="Consolas" panose="020B0609020204030204" pitchFamily="49" charset="0"/>
+              </a:rPr>
+              <a:t> </a:t>
+            </a:r>
+            <a:r>
+              <a:rPr lang="en-US" sz="2133" dirty="0">
+                <a:solidFill>
+                  <a:srgbClr val="000000"/>
+                </a:solidFill>
+                <a:latin typeface="Consolas" panose="020B0609020204030204" pitchFamily="49" charset="0"/>
+                <a:cs typeface="Consolas" panose="020B0609020204030204" pitchFamily="49" charset="0"/>
+              </a:rPr>
+              <a:t>                ... </a:t>
+            </a:r>
+            <a:r>
+              <a:rPr lang="en-US" sz="2133" dirty="0">
+                <a:solidFill>
+                  <a:srgbClr val="0000FF"/>
+                </a:solidFill>
+                <a:latin typeface="Consolas" panose="020B0609020204030204" pitchFamily="49" charset="0"/>
+                <a:cs typeface="Consolas" panose="020B0609020204030204" pitchFamily="49" charset="0"/>
+              </a:rPr>
+              <a:t>/&gt;</a:t>
+            </a:r>
+            <a:r>
+              <a:rPr lang="en-US" sz="2133" dirty="0">
+                <a:solidFill>
+                  <a:srgbClr val="000000"/>
+                </a:solidFill>
+                <a:latin typeface="Consolas" panose="020B0609020204030204" pitchFamily="49" charset="0"/>
+                <a:cs typeface="Consolas" panose="020B0609020204030204" pitchFamily="49" charset="0"/>
+              </a:rPr>
+              <a:t> </a:t>
+            </a:r>
+            <a:br>
+              <a:rPr lang="en-US" sz="2133" dirty="0">
+                <a:solidFill>
+                  <a:srgbClr val="000000"/>
+                </a:solidFill>
+                <a:latin typeface="Consolas" panose="020B0609020204030204" pitchFamily="49" charset="0"/>
+                <a:cs typeface="Consolas" panose="020B0609020204030204" pitchFamily="49" charset="0"/>
+              </a:rPr>
+            </a:br>
+            <a:r>
+              <a:rPr lang="en-US" sz="2133" dirty="0">
+                <a:solidFill>
+                  <a:srgbClr val="000000"/>
+                </a:solidFill>
+                <a:latin typeface="Consolas" panose="020B0609020204030204" pitchFamily="49" charset="0"/>
+                <a:cs typeface="Consolas" panose="020B0609020204030204" pitchFamily="49" charset="0"/>
+              </a:rPr>
+              <a:t>  </a:t>
+            </a:r>
+            <a:r>
+              <a:rPr lang="en-US" sz="2133" dirty="0">
+                <a:solidFill>
+                  <a:srgbClr val="0000FF"/>
+                </a:solidFill>
+                <a:latin typeface="Consolas" panose="020B0609020204030204" pitchFamily="49" charset="0"/>
+                <a:cs typeface="Consolas" panose="020B0609020204030204" pitchFamily="49" charset="0"/>
+              </a:rPr>
+              <a:t>&lt;</a:t>
+            </a:r>
+            <a:r>
+              <a:rPr lang="en-US" sz="2133" dirty="0" err="1">
+                <a:solidFill>
+                  <a:srgbClr val="A31515"/>
+                </a:solidFill>
+                <a:latin typeface="Consolas" panose="020B0609020204030204" pitchFamily="49" charset="0"/>
+                <a:cs typeface="Consolas" panose="020B0609020204030204" pitchFamily="49" charset="0"/>
+              </a:rPr>
+              <a:t>BoxView</a:t>
+            </a:r>
+            <a:r>
+              <a:rPr lang="en-US" sz="2133" dirty="0">
+                <a:solidFill>
+                  <a:srgbClr val="A31515"/>
+                </a:solidFill>
+                <a:latin typeface="Consolas" panose="020B0609020204030204" pitchFamily="49" charset="0"/>
+                <a:cs typeface="Consolas" panose="020B0609020204030204" pitchFamily="49" charset="0"/>
+              </a:rPr>
+              <a:t>   </a:t>
+            </a:r>
+            <a:r>
+              <a:rPr lang="en-US" sz="2133" dirty="0" err="1">
+                <a:solidFill>
+                  <a:srgbClr val="FF0000"/>
+                </a:solidFill>
+                <a:latin typeface="Consolas" panose="020B0609020204030204" pitchFamily="49" charset="0"/>
+                <a:cs typeface="Consolas" panose="020B0609020204030204" pitchFamily="49" charset="0"/>
+              </a:rPr>
+              <a:t>BackgroundColor</a:t>
+            </a:r>
+            <a:r>
+              <a:rPr lang="en-US" sz="2133" dirty="0">
+                <a:solidFill>
+                  <a:srgbClr val="0000FF"/>
+                </a:solidFill>
+                <a:latin typeface="Consolas" panose="020B0609020204030204" pitchFamily="49" charset="0"/>
+                <a:cs typeface="Consolas" panose="020B0609020204030204" pitchFamily="49" charset="0"/>
+              </a:rPr>
+              <a:t>=</a:t>
+            </a:r>
+            <a:r>
+              <a:rPr lang="en-US" sz="2133" dirty="0">
+                <a:solidFill>
+                  <a:srgbClr val="000000"/>
+                </a:solidFill>
+                <a:latin typeface="Consolas" panose="020B0609020204030204" pitchFamily="49" charset="0"/>
+                <a:cs typeface="Consolas" panose="020B0609020204030204" pitchFamily="49" charset="0"/>
+              </a:rPr>
+              <a:t>"</a:t>
+            </a:r>
+            <a:r>
+              <a:rPr lang="en-US" sz="2133" dirty="0">
+                <a:solidFill>
+                  <a:srgbClr val="0000FF"/>
+                </a:solidFill>
+                <a:latin typeface="Consolas" panose="020B0609020204030204" pitchFamily="49" charset="0"/>
+                <a:cs typeface="Consolas" panose="020B0609020204030204" pitchFamily="49" charset="0"/>
+              </a:rPr>
+              <a:t>#00FF00</a:t>
+            </a:r>
+            <a:r>
+              <a:rPr lang="en-US" sz="2133" dirty="0">
+                <a:solidFill>
+                  <a:srgbClr val="000000"/>
+                </a:solidFill>
+                <a:latin typeface="Consolas" panose="020B0609020204030204" pitchFamily="49" charset="0"/>
+                <a:cs typeface="Consolas" panose="020B0609020204030204" pitchFamily="49" charset="0"/>
+              </a:rPr>
+              <a:t>"</a:t>
+            </a:r>
+            <a:r>
+              <a:rPr lang="en-US" sz="2133" dirty="0">
+                <a:solidFill>
+                  <a:srgbClr val="A31515"/>
+                </a:solidFill>
+                <a:latin typeface="Consolas" panose="020B0609020204030204" pitchFamily="49" charset="0"/>
+                <a:cs typeface="Consolas" panose="020B0609020204030204" pitchFamily="49" charset="0"/>
+              </a:rPr>
+              <a:t> </a:t>
+            </a:r>
+            <a:r>
+              <a:rPr lang="en-US" sz="2133" dirty="0">
+                <a:solidFill>
+                  <a:srgbClr val="000000"/>
+                </a:solidFill>
+                <a:latin typeface="Consolas" panose="020B0609020204030204" pitchFamily="49" charset="0"/>
+                <a:cs typeface="Consolas" panose="020B0609020204030204" pitchFamily="49" charset="0"/>
+              </a:rPr>
+              <a:t>                ... </a:t>
+            </a:r>
+            <a:r>
+              <a:rPr lang="en-US" sz="2133" dirty="0">
+                <a:solidFill>
+                  <a:srgbClr val="0000FF"/>
+                </a:solidFill>
+                <a:latin typeface="Consolas" panose="020B0609020204030204" pitchFamily="49" charset="0"/>
+                <a:cs typeface="Consolas" panose="020B0609020204030204" pitchFamily="49" charset="0"/>
+              </a:rPr>
+              <a:t>/&gt;</a:t>
+            </a:r>
+            <a:br>
+              <a:rPr lang="en-US" sz="2133" dirty="0">
+                <a:solidFill>
+                  <a:srgbClr val="000000"/>
+                </a:solidFill>
+                <a:latin typeface="Consolas" panose="020B0609020204030204" pitchFamily="49" charset="0"/>
+                <a:cs typeface="Consolas" panose="020B0609020204030204" pitchFamily="49" charset="0"/>
+              </a:rPr>
+            </a:br>
+            <a:r>
+              <a:rPr lang="en-US" sz="2133" dirty="0">
+                <a:solidFill>
+                  <a:srgbClr val="000000"/>
+                </a:solidFill>
+                <a:latin typeface="Consolas" panose="020B0609020204030204" pitchFamily="49" charset="0"/>
+                <a:cs typeface="Consolas" panose="020B0609020204030204" pitchFamily="49" charset="0"/>
+              </a:rPr>
+              <a:t>  </a:t>
+            </a:r>
+            <a:r>
+              <a:rPr lang="en-US" sz="2133" dirty="0">
+                <a:solidFill>
+                  <a:srgbClr val="0000FF"/>
+                </a:solidFill>
+                <a:latin typeface="Consolas" panose="020B0609020204030204" pitchFamily="49" charset="0"/>
+                <a:cs typeface="Consolas" panose="020B0609020204030204" pitchFamily="49" charset="0"/>
+              </a:rPr>
+              <a:t>&lt;</a:t>
+            </a:r>
+            <a:r>
+              <a:rPr lang="en-US" sz="2133" dirty="0">
+                <a:solidFill>
+                  <a:srgbClr val="A31515"/>
+                </a:solidFill>
+                <a:latin typeface="Consolas" panose="020B0609020204030204" pitchFamily="49" charset="0"/>
+                <a:cs typeface="Consolas" panose="020B0609020204030204" pitchFamily="49" charset="0"/>
+              </a:rPr>
+              <a:t>Button    </a:t>
+            </a:r>
+            <a:r>
+              <a:rPr lang="en-US" sz="2133" dirty="0" err="1">
+                <a:solidFill>
+                  <a:srgbClr val="FF0000"/>
+                </a:solidFill>
+                <a:latin typeface="Consolas" panose="020B0609020204030204" pitchFamily="49" charset="0"/>
+                <a:cs typeface="Consolas" panose="020B0609020204030204" pitchFamily="49" charset="0"/>
+              </a:rPr>
+              <a:t>BackgroundColor</a:t>
+            </a:r>
+            <a:r>
+              <a:rPr lang="en-US" sz="2133" dirty="0">
+                <a:solidFill>
+                  <a:srgbClr val="0000FF"/>
+                </a:solidFill>
+                <a:latin typeface="Consolas" panose="020B0609020204030204" pitchFamily="49" charset="0"/>
+                <a:cs typeface="Consolas" panose="020B0609020204030204" pitchFamily="49" charset="0"/>
+              </a:rPr>
+              <a:t>=</a:t>
+            </a:r>
+            <a:r>
+              <a:rPr lang="en-US" sz="2133" dirty="0">
+                <a:solidFill>
+                  <a:srgbClr val="000000"/>
+                </a:solidFill>
+                <a:latin typeface="Consolas" panose="020B0609020204030204" pitchFamily="49" charset="0"/>
+                <a:cs typeface="Consolas" panose="020B0609020204030204" pitchFamily="49" charset="0"/>
+              </a:rPr>
+              <a:t>"</a:t>
+            </a:r>
+            <a:r>
+              <a:rPr lang="en-US" sz="2133" dirty="0">
+                <a:solidFill>
+                  <a:srgbClr val="0000FF"/>
+                </a:solidFill>
+                <a:latin typeface="Consolas" panose="020B0609020204030204" pitchFamily="49" charset="0"/>
+                <a:cs typeface="Consolas" panose="020B0609020204030204" pitchFamily="49" charset="0"/>
+              </a:rPr>
+              <a:t>#00FF00</a:t>
+            </a:r>
+            <a:r>
+              <a:rPr lang="en-US" sz="2133" dirty="0">
+                <a:solidFill>
+                  <a:srgbClr val="000000"/>
+                </a:solidFill>
+                <a:latin typeface="Consolas" panose="020B0609020204030204" pitchFamily="49" charset="0"/>
+                <a:cs typeface="Consolas" panose="020B0609020204030204" pitchFamily="49" charset="0"/>
+              </a:rPr>
+              <a:t>"</a:t>
+            </a:r>
+            <a:r>
+              <a:rPr lang="en-US" sz="2133" dirty="0">
+                <a:solidFill>
+                  <a:srgbClr val="A31515"/>
+                </a:solidFill>
+                <a:latin typeface="Consolas" panose="020B0609020204030204" pitchFamily="49" charset="0"/>
+                <a:cs typeface="Consolas" panose="020B0609020204030204" pitchFamily="49" charset="0"/>
+              </a:rPr>
+              <a:t> </a:t>
+            </a:r>
+            <a:r>
+              <a:rPr lang="en-US" sz="2133" dirty="0" err="1">
+                <a:solidFill>
+                  <a:srgbClr val="FF0000"/>
+                </a:solidFill>
+                <a:latin typeface="Consolas" panose="020B0609020204030204" pitchFamily="49" charset="0"/>
+              </a:rPr>
+              <a:t>FontSize</a:t>
+            </a:r>
+            <a:r>
+              <a:rPr lang="en-US" sz="2133" dirty="0">
+                <a:solidFill>
+                  <a:srgbClr val="0000FF"/>
+                </a:solidFill>
+                <a:latin typeface="Consolas" panose="020B0609020204030204" pitchFamily="49" charset="0"/>
+              </a:rPr>
+              <a:t>=</a:t>
+            </a:r>
+            <a:r>
+              <a:rPr lang="en-US" sz="2133" dirty="0">
+                <a:solidFill>
+                  <a:srgbClr val="000000"/>
+                </a:solidFill>
+                <a:latin typeface="Consolas" panose="020B0609020204030204" pitchFamily="49" charset="0"/>
+              </a:rPr>
+              <a:t>"</a:t>
+            </a:r>
+            <a:r>
+              <a:rPr lang="en-US" sz="2133" dirty="0">
+                <a:solidFill>
+                  <a:srgbClr val="0000FF"/>
+                </a:solidFill>
+                <a:latin typeface="Consolas" panose="020B0609020204030204" pitchFamily="49" charset="0"/>
+              </a:rPr>
+              <a:t>16.5</a:t>
+            </a:r>
+            <a:r>
+              <a:rPr lang="en-US" sz="2133" dirty="0">
+                <a:solidFill>
+                  <a:srgbClr val="000000"/>
+                </a:solidFill>
+                <a:latin typeface="Consolas" panose="020B0609020204030204" pitchFamily="49" charset="0"/>
+              </a:rPr>
+              <a:t>" </a:t>
+            </a:r>
+            <a:r>
+              <a:rPr lang="en-US" sz="2133" dirty="0">
+                <a:solidFill>
+                  <a:srgbClr val="000000"/>
+                </a:solidFill>
+                <a:latin typeface="Consolas" panose="020B0609020204030204" pitchFamily="49" charset="0"/>
+                <a:cs typeface="Consolas" panose="020B0609020204030204" pitchFamily="49" charset="0"/>
+              </a:rPr>
+              <a:t>... </a:t>
+            </a:r>
+            <a:r>
+              <a:rPr lang="en-US" sz="2133" dirty="0">
+                <a:solidFill>
+                  <a:srgbClr val="0000FF"/>
+                </a:solidFill>
+                <a:latin typeface="Consolas" panose="020B0609020204030204" pitchFamily="49" charset="0"/>
+                <a:cs typeface="Consolas" panose="020B0609020204030204" pitchFamily="49" charset="0"/>
+              </a:rPr>
+              <a:t>/&gt;</a:t>
+            </a:r>
+          </a:p>
+          <a:p>
+            <a:r>
+              <a:rPr lang="en-US" sz="2133" dirty="0">
+                <a:solidFill>
+                  <a:srgbClr val="0000FF"/>
+                </a:solidFill>
+                <a:latin typeface="Consolas" panose="020B0609020204030204" pitchFamily="49" charset="0"/>
+                <a:cs typeface="Consolas" panose="020B0609020204030204" pitchFamily="49" charset="0"/>
+              </a:rPr>
+              <a:t>&lt;/</a:t>
+            </a:r>
+            <a:r>
+              <a:rPr lang="en-US" sz="2133" dirty="0" err="1">
+                <a:solidFill>
+                  <a:srgbClr val="A31515"/>
+                </a:solidFill>
+                <a:latin typeface="Consolas" panose="020B0609020204030204" pitchFamily="49" charset="0"/>
+                <a:cs typeface="Consolas" panose="020B0609020204030204" pitchFamily="49" charset="0"/>
+              </a:rPr>
+              <a:t>StackLayout</a:t>
+            </a:r>
+            <a:r>
+              <a:rPr lang="en-US" sz="2133" dirty="0">
+                <a:solidFill>
+                  <a:srgbClr val="0000FF"/>
+                </a:solidFill>
+                <a:latin typeface="Consolas" panose="020B0609020204030204" pitchFamily="49" charset="0"/>
+                <a:cs typeface="Consolas" panose="020B0609020204030204" pitchFamily="49" charset="0"/>
+              </a:rPr>
+              <a:t>&gt;</a:t>
+            </a:r>
+            <a:endParaRPr lang="en-US" sz="2133" dirty="0">
+              <a:latin typeface="Consolas" panose="020B0609020204030204" pitchFamily="49" charset="0"/>
+              <a:cs typeface="Consolas" panose="020B0609020204030204" pitchFamily="49" charset="0"/>
+            </a:endParaRPr>
+          </a:p>
+        </p:txBody>
+      </p:sp>
+      <p:sp>
+        <p:nvSpPr>
+          <p:cNvPr id="9" name="TextBox 8"/>
+          <p:cNvSpPr txBox="1"/>
+          <p:nvPr/>
+        </p:nvSpPr>
+        <p:spPr>
+          <a:xfrm>
+            <a:off x="3454400" y="5273358"/>
+            <a:ext cx="7733656" cy="461665"/>
+          </a:xfrm>
+          <a:prstGeom prst="rect">
+            <a:avLst/>
+          </a:prstGeom>
+          <a:noFill/>
+        </p:spPr>
+        <p:txBody>
+          <a:bodyPr wrap="none" rtlCol="0">
+            <a:spAutoFit/>
+          </a:bodyPr>
+          <a:lstStyle/>
+          <a:p>
+            <a:r>
+              <a:rPr lang="en-US" sz="2400" dirty="0">
+                <a:cs typeface="Segoe UI Light"/>
+              </a:rPr>
+              <a:t>Common to use the same colors and sizes across the UI</a:t>
+            </a:r>
+          </a:p>
+        </p:txBody>
+      </p:sp>
+      <p:cxnSp>
+        <p:nvCxnSpPr>
+          <p:cNvPr id="10" name="Straight Arrow Connector 9"/>
+          <p:cNvCxnSpPr/>
+          <p:nvPr/>
+        </p:nvCxnSpPr>
+        <p:spPr>
+          <a:xfrm flipV="1">
+            <a:off x="6429368" y="4791529"/>
+            <a:ext cx="0" cy="609600"/>
+          </a:xfrm>
+          <a:prstGeom prst="straightConnector1">
+            <a:avLst/>
+          </a:prstGeom>
+          <a:ln w="28575" cmpd="sng">
+            <a:solidFill>
+              <a:schemeClr val="accent4"/>
+            </a:solidFill>
+            <a:tailEnd type="arrow"/>
+          </a:ln>
+          <a:effectLst/>
+        </p:spPr>
+        <p:style>
+          <a:lnRef idx="2">
+            <a:schemeClr val="accent1"/>
+          </a:lnRef>
+          <a:fillRef idx="0">
+            <a:schemeClr val="accent1"/>
+          </a:fillRef>
+          <a:effectRef idx="1">
+            <a:schemeClr val="accent1"/>
+          </a:effectRef>
+          <a:fontRef idx="minor">
+            <a:schemeClr val="tx1"/>
+          </a:fontRef>
+        </p:style>
+      </p:cxnSp>
+      <p:cxnSp>
+        <p:nvCxnSpPr>
+          <p:cNvPr id="12" name="Straight Arrow Connector 11"/>
+          <p:cNvCxnSpPr/>
+          <p:nvPr/>
+        </p:nvCxnSpPr>
+        <p:spPr>
+          <a:xfrm flipV="1">
+            <a:off x="9016452" y="4791529"/>
+            <a:ext cx="0" cy="609600"/>
+          </a:xfrm>
+          <a:prstGeom prst="straightConnector1">
+            <a:avLst/>
+          </a:prstGeom>
+          <a:ln w="28575" cmpd="sng">
+            <a:solidFill>
+              <a:schemeClr val="accent4"/>
+            </a:solidFill>
+            <a:tailEnd type="arrow"/>
+          </a:ln>
+          <a:effectLst/>
+        </p:spPr>
+        <p:style>
+          <a:lnRef idx="2">
+            <a:schemeClr val="accent1"/>
+          </a:lnRef>
+          <a:fillRef idx="0">
+            <a:schemeClr val="accent1"/>
+          </a:fillRef>
+          <a:effectRef idx="1">
+            <a:schemeClr val="accent1"/>
+          </a:effectRef>
+          <a:fontRef idx="minor">
+            <a:schemeClr val="tx1"/>
+          </a:fontRef>
+        </p:style>
+      </p:cxnSp>
+    </p:spTree>
+    <p:extLst>
+      <p:ext uri="{BB962C8B-B14F-4D97-AF65-F5344CB8AC3E}">
+        <p14:creationId xmlns:p14="http://schemas.microsoft.com/office/powerpoint/2010/main" val="553747559"/>
+      </p:ext>
+    </p:extLst>
+  </p:cSld>
+  <p:clrMapOvr>
+    <a:masterClrMapping/>
+  </p:clrMapOvr>
+</p:sld>
+</file>
+
+<file path=ppt/slides/slide5.xml><?xml version="1.0" encoding="utf-8"?>
+<p:sld xmlns:a="http://schemas.openxmlformats.org/drawingml/2006/main" xmlns:r="http://schemas.openxmlformats.org/officeDocument/2006/relationships" xmlns:p="http://schemas.openxmlformats.org/presentationml/2006/main">
+  <p:cSld>
+    <p:spTree>
+      <p:nvGrpSpPr>
+        <p:cNvPr id="1" name=""/>
+        <p:cNvGrpSpPr/>
+        <p:nvPr/>
+      </p:nvGrpSpPr>
+      <p:grpSpPr>
+        <a:xfrm>
+          <a:off x="0" y="0"/>
+          <a:ext cx="0" cy="0"/>
+          <a:chOff x="0" y="0"/>
+          <a:chExt cx="0" cy="0"/>
+        </a:xfrm>
+      </p:grpSpPr>
+      <p:sp>
+        <p:nvSpPr>
           <p:cNvPr id="2" name="Content Placeholder 1"/>
           <p:cNvSpPr>
             <a:spLocks noGrp="1"/>
@@ -28831,7 +31693,7 @@
 </p:sld>
 </file>
 
-<file path=ppt/slides/slide5.xml><?xml version="1.0" encoding="utf-8"?>
+<file path=ppt/slides/slide6.xml><?xml version="1.0" encoding="utf-8"?>
 <p:sld xmlns:a="http://schemas.openxmlformats.org/drawingml/2006/main" xmlns:r="http://schemas.openxmlformats.org/officeDocument/2006/relationships" xmlns:p="http://schemas.openxmlformats.org/presentationml/2006/main">
   <p:cSld>
     <p:spTree>
@@ -29524,7 +32386,7 @@
 </p:sld>
 </file>
 
-<file path=ppt/slides/slide6.xml><?xml version="1.0" encoding="utf-8"?>
+<file path=ppt/slides/slide7.xml><?xml version="1.0" encoding="utf-8"?>
 <p:sld xmlns:a="http://schemas.openxmlformats.org/drawingml/2006/main" xmlns:r="http://schemas.openxmlformats.org/officeDocument/2006/relationships" xmlns:p="http://schemas.openxmlformats.org/presentationml/2006/main">
   <p:cSld>
     <p:spTree>
@@ -30048,7 +32910,7 @@
 </p:sld>
 </file>
 
-<file path=ppt/slides/slide7.xml><?xml version="1.0" encoding="utf-8"?>
+<file path=ppt/slides/slide8.xml><?xml version="1.0" encoding="utf-8"?>
 <p:sld xmlns:a="http://schemas.openxmlformats.org/drawingml/2006/main" xmlns:r="http://schemas.openxmlformats.org/officeDocument/2006/relationships" xmlns:p="http://schemas.openxmlformats.org/presentationml/2006/main">
   <p:cSld>
     <p:spTree>
@@ -31048,7 +33910,7 @@
 </p:sld>
 </file>
 
-<file path=ppt/slides/slide8.xml><?xml version="1.0" encoding="utf-8"?>
+<file path=ppt/slides/slide9.xml><?xml version="1.0" encoding="utf-8"?>
 <p:sld xmlns:a="http://schemas.openxmlformats.org/drawingml/2006/main" xmlns:r="http://schemas.openxmlformats.org/officeDocument/2006/relationships" xmlns:p="http://schemas.openxmlformats.org/presentationml/2006/main">
   <p:cSld>
     <p:spTree>
@@ -31923,1679 +34785,6 @@
     <p:extLst>
       <p:ext uri="{BB962C8B-B14F-4D97-AF65-F5344CB8AC3E}">
         <p14:creationId xmlns:p14="http://schemas.microsoft.com/office/powerpoint/2010/main" val="628171832"/>
-      </p:ext>
-    </p:extLst>
-  </p:cSld>
-  <p:clrMapOvr>
-    <a:masterClrMapping/>
-  </p:clrMapOvr>
-</p:sld>
-</file>
-
-<file path=ppt/slides/slide9.xml><?xml version="1.0" encoding="utf-8"?>
-<p:sld xmlns:a="http://schemas.openxmlformats.org/drawingml/2006/main" xmlns:r="http://schemas.openxmlformats.org/officeDocument/2006/relationships" xmlns:p="http://schemas.openxmlformats.org/presentationml/2006/main">
-  <p:cSld>
-    <p:spTree>
-      <p:nvGrpSpPr>
-        <p:cNvPr id="1" name=""/>
-        <p:cNvGrpSpPr/>
-        <p:nvPr/>
-      </p:nvGrpSpPr>
-      <p:grpSpPr>
-        <a:xfrm>
-          <a:off x="0" y="0"/>
-          <a:ext cx="0" cy="0"/>
-          <a:chOff x="0" y="0"/>
-          <a:chExt cx="0" cy="0"/>
-        </a:xfrm>
-      </p:grpSpPr>
-      <p:sp>
-        <p:nvSpPr>
-          <p:cNvPr id="2" name="Content Placeholder 1"/>
-          <p:cNvSpPr>
-            <a:spLocks noGrp="1"/>
-          </p:cNvSpPr>
-          <p:nvPr>
-            <p:ph sz="quarter" idx="10"/>
-          </p:nvPr>
-        </p:nvSpPr>
-        <p:spPr>
-          <a:xfrm>
-            <a:off x="609600" y="1613054"/>
-            <a:ext cx="10972800" cy="1270732"/>
-          </a:xfrm>
-        </p:spPr>
-        <p:txBody>
-          <a:bodyPr/>
-          <a:lstStyle/>
-          <a:p>
-            <a:r>
-              <a:rPr lang="en-US" dirty="0"/>
-              <a:t>The XAML spec defines many types you can use for XAML Resources</a:t>
-            </a:r>
-          </a:p>
-        </p:txBody>
-      </p:sp>
-      <p:sp>
-        <p:nvSpPr>
-          <p:cNvPr id="3" name="Title 2"/>
-          <p:cNvSpPr>
-            <a:spLocks noGrp="1"/>
-          </p:cNvSpPr>
-          <p:nvPr>
-            <p:ph type="title"/>
-          </p:nvPr>
-        </p:nvSpPr>
-        <p:spPr/>
-        <p:txBody>
-          <a:bodyPr/>
-          <a:lstStyle/>
-          <a:p>
-            <a:r>
-              <a:rPr lang="en-US" dirty="0"/>
-              <a:t>XAML intrinsic types</a:t>
-            </a:r>
-          </a:p>
-        </p:txBody>
-      </p:sp>
-      <p:sp>
-        <p:nvSpPr>
-          <p:cNvPr id="4" name="Rectangle 3"/>
-          <p:cNvSpPr/>
-          <p:nvPr/>
-        </p:nvSpPr>
-        <p:spPr>
-          <a:xfrm>
-            <a:off x="3230681" y="2867912"/>
-            <a:ext cx="6494085" cy="3827523"/>
-          </a:xfrm>
-          <a:prstGeom prst="rect">
-            <a:avLst/>
-          </a:prstGeom>
-          <a:solidFill>
-            <a:srgbClr val="FFFFFF"/>
-          </a:solidFill>
-          <a:ln>
-            <a:solidFill>
-              <a:srgbClr val="606E6F"/>
-            </a:solidFill>
-          </a:ln>
-        </p:spPr>
-        <p:txBody>
-          <a:bodyPr wrap="none">
-            <a:spAutoFit/>
-          </a:bodyPr>
-          <a:lstStyle/>
-          <a:p>
-            <a:r>
-              <a:rPr lang="en-US" sz="1867" dirty="0">
-                <a:solidFill>
-                  <a:srgbClr val="0000FF"/>
-                </a:solidFill>
-                <a:latin typeface="Consolas" panose="020B0609020204030204" pitchFamily="49" charset="0"/>
-              </a:rPr>
-              <a:t>&lt;</a:t>
-            </a:r>
-            <a:r>
-              <a:rPr lang="en-US" sz="1867" dirty="0" err="1">
-                <a:solidFill>
-                  <a:srgbClr val="A31515"/>
-                </a:solidFill>
-                <a:latin typeface="Consolas" panose="020B0609020204030204" pitchFamily="49" charset="0"/>
-              </a:rPr>
-              <a:t>ResourceDictionary</a:t>
-            </a:r>
-            <a:r>
-              <a:rPr lang="en-US" sz="1867" dirty="0">
-                <a:solidFill>
-                  <a:srgbClr val="0000FF"/>
-                </a:solidFill>
-                <a:latin typeface="Consolas" panose="020B0609020204030204" pitchFamily="49" charset="0"/>
-              </a:rPr>
-              <a:t>&gt;</a:t>
-            </a:r>
-            <a:br>
-              <a:rPr lang="en-US" sz="1867" dirty="0">
-                <a:solidFill>
-                  <a:srgbClr val="0000FF"/>
-                </a:solidFill>
-                <a:latin typeface="Consolas" panose="020B0609020204030204" pitchFamily="49" charset="0"/>
-              </a:rPr>
-            </a:br>
-            <a:r>
-              <a:rPr lang="en-US" sz="1867" dirty="0">
-                <a:solidFill>
-                  <a:srgbClr val="0000FF"/>
-                </a:solidFill>
-                <a:latin typeface="Consolas" panose="020B0609020204030204" pitchFamily="49" charset="0"/>
-              </a:rPr>
-              <a:t>  &lt;</a:t>
-            </a:r>
-            <a:r>
-              <a:rPr lang="en-US" sz="1867" dirty="0" err="1">
-                <a:solidFill>
-                  <a:srgbClr val="A31515"/>
-                </a:solidFill>
-                <a:latin typeface="Consolas" panose="020B0609020204030204" pitchFamily="49" charset="0"/>
-              </a:rPr>
-              <a:t>x:String</a:t>
-            </a:r>
-            <a:r>
-              <a:rPr lang="en-US" sz="1867" dirty="0">
-                <a:solidFill>
-                  <a:srgbClr val="A31515"/>
-                </a:solidFill>
-                <a:latin typeface="Consolas" panose="020B0609020204030204" pitchFamily="49" charset="0"/>
-              </a:rPr>
-              <a:t>   </a:t>
-            </a:r>
-            <a:r>
-              <a:rPr lang="en-US" sz="1867" dirty="0">
-                <a:solidFill>
-                  <a:srgbClr val="FF0000"/>
-                </a:solidFill>
-                <a:latin typeface="Consolas" panose="020B0609020204030204" pitchFamily="49" charset="0"/>
-              </a:rPr>
-              <a:t>x:Key</a:t>
-            </a:r>
-            <a:r>
-              <a:rPr lang="en-US" sz="1867" dirty="0">
-                <a:solidFill>
-                  <a:srgbClr val="0000FF"/>
-                </a:solidFill>
-                <a:latin typeface="Consolas" panose="020B0609020204030204" pitchFamily="49" charset="0"/>
-              </a:rPr>
-              <a:t>=</a:t>
-            </a:r>
-            <a:r>
-              <a:rPr lang="en-US" sz="1867" dirty="0">
-                <a:solidFill>
-                  <a:srgbClr val="000000"/>
-                </a:solidFill>
-                <a:latin typeface="Consolas" panose="020B0609020204030204" pitchFamily="49" charset="0"/>
-              </a:rPr>
-              <a:t>"</a:t>
-            </a:r>
-            <a:r>
-              <a:rPr lang="en-US" sz="1867" dirty="0">
-                <a:latin typeface="Consolas" panose="020B0609020204030204" pitchFamily="49" charset="0"/>
-              </a:rPr>
-              <a:t>...</a:t>
-            </a:r>
-            <a:r>
-              <a:rPr lang="en-US" sz="1867" dirty="0">
-                <a:solidFill>
-                  <a:srgbClr val="000000"/>
-                </a:solidFill>
-                <a:latin typeface="Consolas" panose="020B0609020204030204" pitchFamily="49" charset="0"/>
-              </a:rPr>
-              <a:t>"</a:t>
-            </a:r>
-            <a:r>
-              <a:rPr lang="en-US" sz="1867" dirty="0">
-                <a:solidFill>
-                  <a:srgbClr val="0000FF"/>
-                </a:solidFill>
-                <a:latin typeface="Consolas" panose="020B0609020204030204" pitchFamily="49" charset="0"/>
-              </a:rPr>
-              <a:t>&gt;</a:t>
-            </a:r>
-            <a:r>
-              <a:rPr lang="en-US" sz="1867" dirty="0">
-                <a:solidFill>
-                  <a:srgbClr val="000000"/>
-                </a:solidFill>
-                <a:latin typeface="Consolas" panose="020B0609020204030204" pitchFamily="49" charset="0"/>
-              </a:rPr>
-              <a:t>Hello</a:t>
-            </a:r>
-            <a:r>
-              <a:rPr lang="en-US" sz="1867" dirty="0">
-                <a:solidFill>
-                  <a:srgbClr val="0000FF"/>
-                </a:solidFill>
-                <a:latin typeface="Consolas" panose="020B0609020204030204" pitchFamily="49" charset="0"/>
-              </a:rPr>
-              <a:t>&lt;/</a:t>
-            </a:r>
-            <a:r>
-              <a:rPr lang="en-US" sz="1867" dirty="0">
-                <a:solidFill>
-                  <a:srgbClr val="A31515"/>
-                </a:solidFill>
-                <a:latin typeface="Consolas" panose="020B0609020204030204" pitchFamily="49" charset="0"/>
-              </a:rPr>
-              <a:t>x:String</a:t>
-            </a:r>
-            <a:r>
-              <a:rPr lang="en-US" sz="1867" dirty="0">
-                <a:solidFill>
-                  <a:srgbClr val="0000FF"/>
-                </a:solidFill>
-                <a:latin typeface="Consolas" panose="020B0609020204030204" pitchFamily="49" charset="0"/>
-              </a:rPr>
-              <a:t>&gt;</a:t>
-            </a:r>
-            <a:br>
-              <a:rPr lang="en-US" sz="1867" dirty="0">
-                <a:solidFill>
-                  <a:srgbClr val="0000FF"/>
-                </a:solidFill>
-                <a:latin typeface="Consolas" panose="020B0609020204030204" pitchFamily="49" charset="0"/>
-              </a:rPr>
-            </a:br>
-            <a:r>
-              <a:rPr lang="en-US" sz="1867" dirty="0">
-                <a:solidFill>
-                  <a:srgbClr val="0000FF"/>
-                </a:solidFill>
-                <a:latin typeface="Consolas" panose="020B0609020204030204" pitchFamily="49" charset="0"/>
-              </a:rPr>
-              <a:t>  &lt;</a:t>
-            </a:r>
-            <a:r>
-              <a:rPr lang="en-US" sz="1867" dirty="0" err="1">
-                <a:solidFill>
-                  <a:srgbClr val="A31515"/>
-                </a:solidFill>
-                <a:latin typeface="Consolas" panose="020B0609020204030204" pitchFamily="49" charset="0"/>
-              </a:rPr>
-              <a:t>x:Char</a:t>
-            </a:r>
-            <a:r>
-              <a:rPr lang="en-US" sz="1867" dirty="0">
-                <a:solidFill>
-                  <a:srgbClr val="A31515"/>
-                </a:solidFill>
-                <a:latin typeface="Consolas" panose="020B0609020204030204" pitchFamily="49" charset="0"/>
-              </a:rPr>
-              <a:t>     </a:t>
-            </a:r>
-            <a:r>
-              <a:rPr lang="en-US" sz="1867" dirty="0">
-                <a:solidFill>
-                  <a:srgbClr val="FF0000"/>
-                </a:solidFill>
-                <a:latin typeface="Consolas" panose="020B0609020204030204" pitchFamily="49" charset="0"/>
-              </a:rPr>
-              <a:t>x:Key</a:t>
-            </a:r>
-            <a:r>
-              <a:rPr lang="en-US" sz="1867" dirty="0">
-                <a:solidFill>
-                  <a:srgbClr val="0000FF"/>
-                </a:solidFill>
-                <a:latin typeface="Consolas" panose="020B0609020204030204" pitchFamily="49" charset="0"/>
-              </a:rPr>
-              <a:t>=</a:t>
-            </a:r>
-            <a:r>
-              <a:rPr lang="en-US" sz="1867" dirty="0">
-                <a:solidFill>
-                  <a:srgbClr val="000000"/>
-                </a:solidFill>
-                <a:latin typeface="Consolas" panose="020B0609020204030204" pitchFamily="49" charset="0"/>
-              </a:rPr>
-              <a:t>"</a:t>
-            </a:r>
-            <a:r>
-              <a:rPr lang="en-US" sz="1867" dirty="0">
-                <a:latin typeface="Consolas" panose="020B0609020204030204" pitchFamily="49" charset="0"/>
-              </a:rPr>
-              <a:t>...</a:t>
-            </a:r>
-            <a:r>
-              <a:rPr lang="en-US" sz="1867" dirty="0">
-                <a:solidFill>
-                  <a:srgbClr val="000000"/>
-                </a:solidFill>
-                <a:latin typeface="Consolas" panose="020B0609020204030204" pitchFamily="49" charset="0"/>
-              </a:rPr>
-              <a:t>"</a:t>
-            </a:r>
-            <a:r>
-              <a:rPr lang="en-US" sz="1867" dirty="0">
-                <a:solidFill>
-                  <a:srgbClr val="0000FF"/>
-                </a:solidFill>
-                <a:latin typeface="Consolas" panose="020B0609020204030204" pitchFamily="49" charset="0"/>
-              </a:rPr>
-              <a:t>&gt;</a:t>
-            </a:r>
-            <a:r>
-              <a:rPr lang="en-US" sz="1867" dirty="0">
-                <a:solidFill>
-                  <a:srgbClr val="000000"/>
-                </a:solidFill>
-                <a:latin typeface="Consolas" panose="020B0609020204030204" pitchFamily="49" charset="0"/>
-              </a:rPr>
-              <a:t>X</a:t>
-            </a:r>
-            <a:r>
-              <a:rPr lang="en-US" sz="1867" dirty="0">
-                <a:solidFill>
-                  <a:srgbClr val="0000FF"/>
-                </a:solidFill>
-                <a:latin typeface="Consolas" panose="020B0609020204030204" pitchFamily="49" charset="0"/>
-              </a:rPr>
-              <a:t>&lt;/</a:t>
-            </a:r>
-            <a:r>
-              <a:rPr lang="en-US" sz="1867" dirty="0">
-                <a:solidFill>
-                  <a:srgbClr val="A31515"/>
-                </a:solidFill>
-                <a:latin typeface="Consolas" panose="020B0609020204030204" pitchFamily="49" charset="0"/>
-              </a:rPr>
-              <a:t>x:Char</a:t>
-            </a:r>
-            <a:r>
-              <a:rPr lang="en-US" sz="1867" dirty="0">
-                <a:solidFill>
-                  <a:srgbClr val="0000FF"/>
-                </a:solidFill>
-                <a:latin typeface="Consolas" panose="020B0609020204030204" pitchFamily="49" charset="0"/>
-              </a:rPr>
-              <a:t>&gt;</a:t>
-            </a:r>
-            <a:br>
-              <a:rPr lang="en-US" sz="1867" dirty="0">
-                <a:solidFill>
-                  <a:srgbClr val="0000FF"/>
-                </a:solidFill>
-                <a:latin typeface="Consolas" panose="020B0609020204030204" pitchFamily="49" charset="0"/>
-              </a:rPr>
-            </a:br>
-            <a:r>
-              <a:rPr lang="en-US" sz="1867" dirty="0">
-                <a:solidFill>
-                  <a:srgbClr val="0000FF"/>
-                </a:solidFill>
-                <a:latin typeface="Consolas" panose="020B0609020204030204" pitchFamily="49" charset="0"/>
-              </a:rPr>
-              <a:t>  &lt;</a:t>
-            </a:r>
-            <a:r>
-              <a:rPr lang="en-US" sz="1867" dirty="0" err="1">
-                <a:solidFill>
-                  <a:srgbClr val="A31515"/>
-                </a:solidFill>
-                <a:latin typeface="Consolas" panose="020B0609020204030204" pitchFamily="49" charset="0"/>
-              </a:rPr>
-              <a:t>x:Single</a:t>
-            </a:r>
-            <a:r>
-              <a:rPr lang="en-US" sz="1867" dirty="0">
-                <a:solidFill>
-                  <a:srgbClr val="A31515"/>
-                </a:solidFill>
-                <a:latin typeface="Consolas" panose="020B0609020204030204" pitchFamily="49" charset="0"/>
-              </a:rPr>
-              <a:t>   </a:t>
-            </a:r>
-            <a:r>
-              <a:rPr lang="en-US" sz="1867" dirty="0">
-                <a:solidFill>
-                  <a:srgbClr val="FF0000"/>
-                </a:solidFill>
-                <a:latin typeface="Consolas" panose="020B0609020204030204" pitchFamily="49" charset="0"/>
-              </a:rPr>
-              <a:t>x:Key</a:t>
-            </a:r>
-            <a:r>
-              <a:rPr lang="en-US" sz="1867" dirty="0">
-                <a:solidFill>
-                  <a:srgbClr val="0000FF"/>
-                </a:solidFill>
-                <a:latin typeface="Consolas" panose="020B0609020204030204" pitchFamily="49" charset="0"/>
-              </a:rPr>
-              <a:t>=</a:t>
-            </a:r>
-            <a:r>
-              <a:rPr lang="en-US" sz="1867" dirty="0">
-                <a:solidFill>
-                  <a:srgbClr val="000000"/>
-                </a:solidFill>
-                <a:latin typeface="Consolas" panose="020B0609020204030204" pitchFamily="49" charset="0"/>
-              </a:rPr>
-              <a:t>"</a:t>
-            </a:r>
-            <a:r>
-              <a:rPr lang="en-US" sz="1867" dirty="0">
-                <a:latin typeface="Consolas" panose="020B0609020204030204" pitchFamily="49" charset="0"/>
-              </a:rPr>
-              <a:t>...</a:t>
-            </a:r>
-            <a:r>
-              <a:rPr lang="en-US" sz="1867" dirty="0">
-                <a:solidFill>
-                  <a:srgbClr val="000000"/>
-                </a:solidFill>
-                <a:latin typeface="Consolas" panose="020B0609020204030204" pitchFamily="49" charset="0"/>
-              </a:rPr>
-              <a:t>"</a:t>
-            </a:r>
-            <a:r>
-              <a:rPr lang="en-US" sz="1867" dirty="0">
-                <a:solidFill>
-                  <a:srgbClr val="0000FF"/>
-                </a:solidFill>
-                <a:latin typeface="Consolas" panose="020B0609020204030204" pitchFamily="49" charset="0"/>
-              </a:rPr>
-              <a:t>&gt;</a:t>
-            </a:r>
-            <a:r>
-              <a:rPr lang="en-US" sz="1867" dirty="0">
-                <a:solidFill>
-                  <a:srgbClr val="000000"/>
-                </a:solidFill>
-                <a:latin typeface="Consolas" panose="020B0609020204030204" pitchFamily="49" charset="0"/>
-              </a:rPr>
-              <a:t>31.4</a:t>
-            </a:r>
-            <a:r>
-              <a:rPr lang="en-US" sz="1867" dirty="0">
-                <a:solidFill>
-                  <a:srgbClr val="0000FF"/>
-                </a:solidFill>
-                <a:latin typeface="Consolas" panose="020B0609020204030204" pitchFamily="49" charset="0"/>
-              </a:rPr>
-              <a:t>&lt;/</a:t>
-            </a:r>
-            <a:r>
-              <a:rPr lang="en-US" sz="1867" dirty="0">
-                <a:solidFill>
-                  <a:srgbClr val="A31515"/>
-                </a:solidFill>
-                <a:latin typeface="Consolas" panose="020B0609020204030204" pitchFamily="49" charset="0"/>
-              </a:rPr>
-              <a:t>x:Single</a:t>
-            </a:r>
-            <a:r>
-              <a:rPr lang="en-US" sz="1867" dirty="0">
-                <a:solidFill>
-                  <a:srgbClr val="0000FF"/>
-                </a:solidFill>
-                <a:latin typeface="Consolas" panose="020B0609020204030204" pitchFamily="49" charset="0"/>
-              </a:rPr>
-              <a:t>&gt;</a:t>
-            </a:r>
-            <a:br>
-              <a:rPr lang="en-US" sz="1867" dirty="0">
-                <a:solidFill>
-                  <a:srgbClr val="0000FF"/>
-                </a:solidFill>
-                <a:latin typeface="Consolas" panose="020B0609020204030204" pitchFamily="49" charset="0"/>
-              </a:rPr>
-            </a:br>
-            <a:r>
-              <a:rPr lang="en-US" sz="1867" dirty="0">
-                <a:solidFill>
-                  <a:srgbClr val="0000FF"/>
-                </a:solidFill>
-                <a:latin typeface="Consolas" panose="020B0609020204030204" pitchFamily="49" charset="0"/>
-              </a:rPr>
-              <a:t>  &lt;</a:t>
-            </a:r>
-            <a:r>
-              <a:rPr lang="en-US" sz="1867" dirty="0" err="1">
-                <a:solidFill>
-                  <a:srgbClr val="A31515"/>
-                </a:solidFill>
-                <a:latin typeface="Consolas" panose="020B0609020204030204" pitchFamily="49" charset="0"/>
-              </a:rPr>
-              <a:t>x:Double</a:t>
-            </a:r>
-            <a:r>
-              <a:rPr lang="en-US" sz="1867" dirty="0">
-                <a:solidFill>
-                  <a:srgbClr val="A31515"/>
-                </a:solidFill>
-                <a:latin typeface="Consolas" panose="020B0609020204030204" pitchFamily="49" charset="0"/>
-              </a:rPr>
-              <a:t>   </a:t>
-            </a:r>
-            <a:r>
-              <a:rPr lang="en-US" sz="1867" dirty="0">
-                <a:solidFill>
-                  <a:srgbClr val="FF0000"/>
-                </a:solidFill>
-                <a:latin typeface="Consolas" panose="020B0609020204030204" pitchFamily="49" charset="0"/>
-              </a:rPr>
-              <a:t>x:Key</a:t>
-            </a:r>
-            <a:r>
-              <a:rPr lang="en-US" sz="1867" dirty="0">
-                <a:solidFill>
-                  <a:srgbClr val="0000FF"/>
-                </a:solidFill>
-                <a:latin typeface="Consolas" panose="020B0609020204030204" pitchFamily="49" charset="0"/>
-              </a:rPr>
-              <a:t>=</a:t>
-            </a:r>
-            <a:r>
-              <a:rPr lang="en-US" sz="1867" dirty="0">
-                <a:solidFill>
-                  <a:srgbClr val="000000"/>
-                </a:solidFill>
-                <a:latin typeface="Consolas" panose="020B0609020204030204" pitchFamily="49" charset="0"/>
-              </a:rPr>
-              <a:t>"</a:t>
-            </a:r>
-            <a:r>
-              <a:rPr lang="en-US" sz="1867" dirty="0">
-                <a:latin typeface="Consolas" panose="020B0609020204030204" pitchFamily="49" charset="0"/>
-              </a:rPr>
-              <a:t>...</a:t>
-            </a:r>
-            <a:r>
-              <a:rPr lang="en-US" sz="1867" dirty="0">
-                <a:solidFill>
-                  <a:srgbClr val="000000"/>
-                </a:solidFill>
-                <a:latin typeface="Consolas" panose="020B0609020204030204" pitchFamily="49" charset="0"/>
-              </a:rPr>
-              <a:t>"</a:t>
-            </a:r>
-            <a:r>
-              <a:rPr lang="en-US" sz="1867" dirty="0">
-                <a:solidFill>
-                  <a:srgbClr val="0000FF"/>
-                </a:solidFill>
-                <a:latin typeface="Consolas" panose="020B0609020204030204" pitchFamily="49" charset="0"/>
-              </a:rPr>
-              <a:t>&gt;</a:t>
-            </a:r>
-            <a:r>
-              <a:rPr lang="en-US" sz="1867" dirty="0">
-                <a:solidFill>
-                  <a:srgbClr val="000000"/>
-                </a:solidFill>
-                <a:latin typeface="Consolas" panose="020B0609020204030204" pitchFamily="49" charset="0"/>
-              </a:rPr>
-              <a:t>27.1</a:t>
-            </a:r>
-            <a:r>
-              <a:rPr lang="en-US" sz="1867" dirty="0">
-                <a:solidFill>
-                  <a:srgbClr val="0000FF"/>
-                </a:solidFill>
-                <a:latin typeface="Consolas" panose="020B0609020204030204" pitchFamily="49" charset="0"/>
-              </a:rPr>
-              <a:t>&lt;/</a:t>
-            </a:r>
-            <a:r>
-              <a:rPr lang="en-US" sz="1867" dirty="0">
-                <a:solidFill>
-                  <a:srgbClr val="A31515"/>
-                </a:solidFill>
-                <a:latin typeface="Consolas" panose="020B0609020204030204" pitchFamily="49" charset="0"/>
-              </a:rPr>
-              <a:t>x:Double</a:t>
-            </a:r>
-            <a:r>
-              <a:rPr lang="en-US" sz="1867" dirty="0">
-                <a:solidFill>
-                  <a:srgbClr val="0000FF"/>
-                </a:solidFill>
-                <a:latin typeface="Consolas" panose="020B0609020204030204" pitchFamily="49" charset="0"/>
-              </a:rPr>
-              <a:t>&gt;</a:t>
-            </a:r>
-            <a:br>
-              <a:rPr lang="en-US" sz="1867" dirty="0">
-                <a:solidFill>
-                  <a:srgbClr val="0000FF"/>
-                </a:solidFill>
-                <a:latin typeface="Consolas" panose="020B0609020204030204" pitchFamily="49" charset="0"/>
-              </a:rPr>
-            </a:br>
-            <a:r>
-              <a:rPr lang="en-US" sz="1867" dirty="0">
-                <a:solidFill>
-                  <a:srgbClr val="0000FF"/>
-                </a:solidFill>
-                <a:latin typeface="Consolas" panose="020B0609020204030204" pitchFamily="49" charset="0"/>
-              </a:rPr>
-              <a:t>  &lt;</a:t>
-            </a:r>
-            <a:r>
-              <a:rPr lang="en-US" sz="1867" dirty="0" err="1">
-                <a:solidFill>
-                  <a:srgbClr val="A31515"/>
-                </a:solidFill>
-                <a:latin typeface="Consolas" panose="020B0609020204030204" pitchFamily="49" charset="0"/>
-              </a:rPr>
-              <a:t>x:Byte</a:t>
-            </a:r>
-            <a:r>
-              <a:rPr lang="en-US" sz="1867" dirty="0">
-                <a:solidFill>
-                  <a:srgbClr val="A31515"/>
-                </a:solidFill>
-                <a:latin typeface="Consolas" panose="020B0609020204030204" pitchFamily="49" charset="0"/>
-              </a:rPr>
-              <a:t>     </a:t>
-            </a:r>
-            <a:r>
-              <a:rPr lang="en-US" sz="1867" dirty="0">
-                <a:solidFill>
-                  <a:srgbClr val="FF0000"/>
-                </a:solidFill>
-                <a:latin typeface="Consolas" panose="020B0609020204030204" pitchFamily="49" charset="0"/>
-              </a:rPr>
-              <a:t>x:Key</a:t>
-            </a:r>
-            <a:r>
-              <a:rPr lang="en-US" sz="1867" dirty="0">
-                <a:solidFill>
-                  <a:srgbClr val="0000FF"/>
-                </a:solidFill>
-                <a:latin typeface="Consolas" panose="020B0609020204030204" pitchFamily="49" charset="0"/>
-              </a:rPr>
-              <a:t>=</a:t>
-            </a:r>
-            <a:r>
-              <a:rPr lang="en-US" sz="1867" dirty="0">
-                <a:solidFill>
-                  <a:srgbClr val="000000"/>
-                </a:solidFill>
-                <a:latin typeface="Consolas" panose="020B0609020204030204" pitchFamily="49" charset="0"/>
-              </a:rPr>
-              <a:t>"</a:t>
-            </a:r>
-            <a:r>
-              <a:rPr lang="en-US" sz="1867" dirty="0">
-                <a:latin typeface="Consolas" panose="020B0609020204030204" pitchFamily="49" charset="0"/>
-              </a:rPr>
-              <a:t>...</a:t>
-            </a:r>
-            <a:r>
-              <a:rPr lang="en-US" sz="1867" dirty="0">
-                <a:solidFill>
-                  <a:srgbClr val="000000"/>
-                </a:solidFill>
-                <a:latin typeface="Consolas" panose="020B0609020204030204" pitchFamily="49" charset="0"/>
-              </a:rPr>
-              <a:t>"</a:t>
-            </a:r>
-            <a:r>
-              <a:rPr lang="en-US" sz="1867" dirty="0">
-                <a:solidFill>
-                  <a:srgbClr val="0000FF"/>
-                </a:solidFill>
-                <a:latin typeface="Consolas" panose="020B0609020204030204" pitchFamily="49" charset="0"/>
-              </a:rPr>
-              <a:t>&gt;</a:t>
-            </a:r>
-            <a:r>
-              <a:rPr lang="en-US" sz="1867" dirty="0">
-                <a:solidFill>
-                  <a:srgbClr val="000000"/>
-                </a:solidFill>
-                <a:latin typeface="Consolas" panose="020B0609020204030204" pitchFamily="49" charset="0"/>
-              </a:rPr>
-              <a:t>8</a:t>
-            </a:r>
-            <a:r>
-              <a:rPr lang="en-US" sz="1867" dirty="0">
-                <a:solidFill>
-                  <a:srgbClr val="0000FF"/>
-                </a:solidFill>
-                <a:latin typeface="Consolas" panose="020B0609020204030204" pitchFamily="49" charset="0"/>
-              </a:rPr>
-              <a:t>&lt;/</a:t>
-            </a:r>
-            <a:r>
-              <a:rPr lang="en-US" sz="1867" dirty="0">
-                <a:solidFill>
-                  <a:srgbClr val="A31515"/>
-                </a:solidFill>
-                <a:latin typeface="Consolas" panose="020B0609020204030204" pitchFamily="49" charset="0"/>
-              </a:rPr>
-              <a:t>x:Byte</a:t>
-            </a:r>
-            <a:r>
-              <a:rPr lang="en-US" sz="1867" dirty="0">
-                <a:solidFill>
-                  <a:srgbClr val="0000FF"/>
-                </a:solidFill>
-                <a:latin typeface="Consolas" panose="020B0609020204030204" pitchFamily="49" charset="0"/>
-              </a:rPr>
-              <a:t>&gt;</a:t>
-            </a:r>
-            <a:br>
-              <a:rPr lang="en-US" sz="1867" dirty="0">
-                <a:solidFill>
-                  <a:srgbClr val="0000FF"/>
-                </a:solidFill>
-                <a:latin typeface="Consolas" panose="020B0609020204030204" pitchFamily="49" charset="0"/>
-              </a:rPr>
-            </a:br>
-            <a:r>
-              <a:rPr lang="en-US" sz="1867" dirty="0">
-                <a:solidFill>
-                  <a:srgbClr val="0000FF"/>
-                </a:solidFill>
-                <a:latin typeface="Consolas" panose="020B0609020204030204" pitchFamily="49" charset="0"/>
-              </a:rPr>
-              <a:t>  &lt;</a:t>
-            </a:r>
-            <a:r>
-              <a:rPr lang="en-US" sz="1867" dirty="0">
-                <a:solidFill>
-                  <a:srgbClr val="A31515"/>
-                </a:solidFill>
-                <a:latin typeface="Consolas" panose="020B0609020204030204" pitchFamily="49" charset="0"/>
-              </a:rPr>
-              <a:t>x:Int16    </a:t>
-            </a:r>
-            <a:r>
-              <a:rPr lang="en-US" sz="1867" dirty="0">
-                <a:solidFill>
-                  <a:srgbClr val="FF0000"/>
-                </a:solidFill>
-                <a:latin typeface="Consolas" panose="020B0609020204030204" pitchFamily="49" charset="0"/>
-              </a:rPr>
-              <a:t>x:Key</a:t>
-            </a:r>
-            <a:r>
-              <a:rPr lang="en-US" sz="1867" dirty="0">
-                <a:solidFill>
-                  <a:srgbClr val="0000FF"/>
-                </a:solidFill>
-                <a:latin typeface="Consolas" panose="020B0609020204030204" pitchFamily="49" charset="0"/>
-              </a:rPr>
-              <a:t>=</a:t>
-            </a:r>
-            <a:r>
-              <a:rPr lang="en-US" sz="1867" dirty="0">
-                <a:solidFill>
-                  <a:srgbClr val="000000"/>
-                </a:solidFill>
-                <a:latin typeface="Consolas" panose="020B0609020204030204" pitchFamily="49" charset="0"/>
-              </a:rPr>
-              <a:t>"</a:t>
-            </a:r>
-            <a:r>
-              <a:rPr lang="en-US" sz="1867" dirty="0">
-                <a:latin typeface="Consolas" panose="020B0609020204030204" pitchFamily="49" charset="0"/>
-              </a:rPr>
-              <a:t>...</a:t>
-            </a:r>
-            <a:r>
-              <a:rPr lang="en-US" sz="1867" dirty="0">
-                <a:solidFill>
-                  <a:srgbClr val="000000"/>
-                </a:solidFill>
-                <a:latin typeface="Consolas" panose="020B0609020204030204" pitchFamily="49" charset="0"/>
-              </a:rPr>
-              <a:t>"</a:t>
-            </a:r>
-            <a:r>
-              <a:rPr lang="en-US" sz="1867" dirty="0">
-                <a:solidFill>
-                  <a:srgbClr val="0000FF"/>
-                </a:solidFill>
-                <a:latin typeface="Consolas" panose="020B0609020204030204" pitchFamily="49" charset="0"/>
-              </a:rPr>
-              <a:t>&gt;</a:t>
-            </a:r>
-            <a:r>
-              <a:rPr lang="en-US" sz="1867" dirty="0">
-                <a:solidFill>
-                  <a:srgbClr val="000000"/>
-                </a:solidFill>
-                <a:latin typeface="Consolas" panose="020B0609020204030204" pitchFamily="49" charset="0"/>
-              </a:rPr>
-              <a:t>16</a:t>
-            </a:r>
-            <a:r>
-              <a:rPr lang="en-US" sz="1867" dirty="0">
-                <a:solidFill>
-                  <a:srgbClr val="0000FF"/>
-                </a:solidFill>
-                <a:latin typeface="Consolas" panose="020B0609020204030204" pitchFamily="49" charset="0"/>
-              </a:rPr>
-              <a:t>&lt;/</a:t>
-            </a:r>
-            <a:r>
-              <a:rPr lang="en-US" sz="1867" dirty="0">
-                <a:solidFill>
-                  <a:srgbClr val="A31515"/>
-                </a:solidFill>
-                <a:latin typeface="Consolas" panose="020B0609020204030204" pitchFamily="49" charset="0"/>
-              </a:rPr>
-              <a:t>x:Int16</a:t>
-            </a:r>
-            <a:r>
-              <a:rPr lang="en-US" sz="1867" dirty="0">
-                <a:solidFill>
-                  <a:srgbClr val="0000FF"/>
-                </a:solidFill>
-                <a:latin typeface="Consolas" panose="020B0609020204030204" pitchFamily="49" charset="0"/>
-              </a:rPr>
-              <a:t>&gt;</a:t>
-            </a:r>
-            <a:br>
-              <a:rPr lang="en-US" sz="1867" dirty="0">
-                <a:solidFill>
-                  <a:srgbClr val="0000FF"/>
-                </a:solidFill>
-                <a:latin typeface="Consolas" panose="020B0609020204030204" pitchFamily="49" charset="0"/>
-              </a:rPr>
-            </a:br>
-            <a:r>
-              <a:rPr lang="en-US" sz="1867" dirty="0">
-                <a:solidFill>
-                  <a:srgbClr val="0000FF"/>
-                </a:solidFill>
-                <a:latin typeface="Consolas" panose="020B0609020204030204" pitchFamily="49" charset="0"/>
-              </a:rPr>
-              <a:t>  &lt;</a:t>
-            </a:r>
-            <a:r>
-              <a:rPr lang="en-US" sz="1867" dirty="0">
-                <a:solidFill>
-                  <a:srgbClr val="A31515"/>
-                </a:solidFill>
-                <a:latin typeface="Consolas" panose="020B0609020204030204" pitchFamily="49" charset="0"/>
-              </a:rPr>
-              <a:t>x:Int32    </a:t>
-            </a:r>
-            <a:r>
-              <a:rPr lang="en-US" sz="1867" dirty="0">
-                <a:solidFill>
-                  <a:srgbClr val="FF0000"/>
-                </a:solidFill>
-                <a:latin typeface="Consolas" panose="020B0609020204030204" pitchFamily="49" charset="0"/>
-              </a:rPr>
-              <a:t>x:Key</a:t>
-            </a:r>
-            <a:r>
-              <a:rPr lang="en-US" sz="1867" dirty="0">
-                <a:solidFill>
-                  <a:srgbClr val="0000FF"/>
-                </a:solidFill>
-                <a:latin typeface="Consolas" panose="020B0609020204030204" pitchFamily="49" charset="0"/>
-              </a:rPr>
-              <a:t>=</a:t>
-            </a:r>
-            <a:r>
-              <a:rPr lang="en-US" sz="1867" dirty="0">
-                <a:solidFill>
-                  <a:srgbClr val="000000"/>
-                </a:solidFill>
-                <a:latin typeface="Consolas" panose="020B0609020204030204" pitchFamily="49" charset="0"/>
-              </a:rPr>
-              <a:t>"</a:t>
-            </a:r>
-            <a:r>
-              <a:rPr lang="en-US" sz="1867" dirty="0">
-                <a:latin typeface="Consolas" panose="020B0609020204030204" pitchFamily="49" charset="0"/>
-              </a:rPr>
-              <a:t>...</a:t>
-            </a:r>
-            <a:r>
-              <a:rPr lang="en-US" sz="1867" dirty="0">
-                <a:solidFill>
-                  <a:srgbClr val="000000"/>
-                </a:solidFill>
-                <a:latin typeface="Consolas" panose="020B0609020204030204" pitchFamily="49" charset="0"/>
-              </a:rPr>
-              <a:t>"</a:t>
-            </a:r>
-            <a:r>
-              <a:rPr lang="en-US" sz="1867" dirty="0">
-                <a:solidFill>
-                  <a:srgbClr val="0000FF"/>
-                </a:solidFill>
-                <a:latin typeface="Consolas" panose="020B0609020204030204" pitchFamily="49" charset="0"/>
-              </a:rPr>
-              <a:t>&gt;</a:t>
-            </a:r>
-            <a:r>
-              <a:rPr lang="en-US" sz="1867" dirty="0">
-                <a:solidFill>
-                  <a:srgbClr val="000000"/>
-                </a:solidFill>
-                <a:latin typeface="Consolas" panose="020B0609020204030204" pitchFamily="49" charset="0"/>
-              </a:rPr>
-              <a:t>32</a:t>
-            </a:r>
-            <a:r>
-              <a:rPr lang="en-US" sz="1867" dirty="0">
-                <a:solidFill>
-                  <a:srgbClr val="0000FF"/>
-                </a:solidFill>
-                <a:latin typeface="Consolas" panose="020B0609020204030204" pitchFamily="49" charset="0"/>
-              </a:rPr>
-              <a:t>&lt;/</a:t>
-            </a:r>
-            <a:r>
-              <a:rPr lang="en-US" sz="1867" dirty="0">
-                <a:solidFill>
-                  <a:srgbClr val="A31515"/>
-                </a:solidFill>
-                <a:latin typeface="Consolas" panose="020B0609020204030204" pitchFamily="49" charset="0"/>
-              </a:rPr>
-              <a:t>x:Int32</a:t>
-            </a:r>
-            <a:r>
-              <a:rPr lang="en-US" sz="1867" dirty="0">
-                <a:solidFill>
-                  <a:srgbClr val="0000FF"/>
-                </a:solidFill>
-                <a:latin typeface="Consolas" panose="020B0609020204030204" pitchFamily="49" charset="0"/>
-              </a:rPr>
-              <a:t>&gt;</a:t>
-            </a:r>
-            <a:br>
-              <a:rPr lang="en-US" sz="1867" dirty="0">
-                <a:solidFill>
-                  <a:srgbClr val="0000FF"/>
-                </a:solidFill>
-                <a:latin typeface="Consolas" panose="020B0609020204030204" pitchFamily="49" charset="0"/>
-              </a:rPr>
-            </a:br>
-            <a:r>
-              <a:rPr lang="en-US" sz="1867" dirty="0">
-                <a:solidFill>
-                  <a:srgbClr val="0000FF"/>
-                </a:solidFill>
-                <a:latin typeface="Consolas" panose="020B0609020204030204" pitchFamily="49" charset="0"/>
-              </a:rPr>
-              <a:t>  &lt;</a:t>
-            </a:r>
-            <a:r>
-              <a:rPr lang="en-US" sz="1867" dirty="0">
-                <a:solidFill>
-                  <a:srgbClr val="A31515"/>
-                </a:solidFill>
-                <a:latin typeface="Consolas" panose="020B0609020204030204" pitchFamily="49" charset="0"/>
-              </a:rPr>
-              <a:t>x:Int64    </a:t>
-            </a:r>
-            <a:r>
-              <a:rPr lang="en-US" sz="1867" dirty="0">
-                <a:solidFill>
-                  <a:srgbClr val="FF0000"/>
-                </a:solidFill>
-                <a:latin typeface="Consolas" panose="020B0609020204030204" pitchFamily="49" charset="0"/>
-              </a:rPr>
-              <a:t>x:Key</a:t>
-            </a:r>
-            <a:r>
-              <a:rPr lang="en-US" sz="1867" dirty="0">
-                <a:solidFill>
-                  <a:srgbClr val="0000FF"/>
-                </a:solidFill>
-                <a:latin typeface="Consolas" panose="020B0609020204030204" pitchFamily="49" charset="0"/>
-              </a:rPr>
-              <a:t>=</a:t>
-            </a:r>
-            <a:r>
-              <a:rPr lang="en-US" sz="1867" dirty="0">
-                <a:solidFill>
-                  <a:srgbClr val="000000"/>
-                </a:solidFill>
-                <a:latin typeface="Consolas" panose="020B0609020204030204" pitchFamily="49" charset="0"/>
-              </a:rPr>
-              <a:t>"</a:t>
-            </a:r>
-            <a:r>
-              <a:rPr lang="en-US" sz="1867" dirty="0">
-                <a:latin typeface="Consolas" panose="020B0609020204030204" pitchFamily="49" charset="0"/>
-              </a:rPr>
-              <a:t>...</a:t>
-            </a:r>
-            <a:r>
-              <a:rPr lang="en-US" sz="1867" dirty="0">
-                <a:solidFill>
-                  <a:srgbClr val="000000"/>
-                </a:solidFill>
-                <a:latin typeface="Consolas" panose="020B0609020204030204" pitchFamily="49" charset="0"/>
-              </a:rPr>
-              <a:t>"</a:t>
-            </a:r>
-            <a:r>
-              <a:rPr lang="en-US" sz="1867" dirty="0">
-                <a:solidFill>
-                  <a:srgbClr val="0000FF"/>
-                </a:solidFill>
-                <a:latin typeface="Consolas" panose="020B0609020204030204" pitchFamily="49" charset="0"/>
-              </a:rPr>
-              <a:t>&gt;</a:t>
-            </a:r>
-            <a:r>
-              <a:rPr lang="en-US" sz="1867" dirty="0">
-                <a:solidFill>
-                  <a:srgbClr val="000000"/>
-                </a:solidFill>
-                <a:latin typeface="Consolas" panose="020B0609020204030204" pitchFamily="49" charset="0"/>
-              </a:rPr>
-              <a:t>64</a:t>
-            </a:r>
-            <a:r>
-              <a:rPr lang="en-US" sz="1867" dirty="0">
-                <a:solidFill>
-                  <a:srgbClr val="0000FF"/>
-                </a:solidFill>
-                <a:latin typeface="Consolas" panose="020B0609020204030204" pitchFamily="49" charset="0"/>
-              </a:rPr>
-              <a:t>&lt;/</a:t>
-            </a:r>
-            <a:r>
-              <a:rPr lang="en-US" sz="1867" dirty="0">
-                <a:solidFill>
-                  <a:srgbClr val="A31515"/>
-                </a:solidFill>
-                <a:latin typeface="Consolas" panose="020B0609020204030204" pitchFamily="49" charset="0"/>
-              </a:rPr>
-              <a:t>x:Int64</a:t>
-            </a:r>
-            <a:r>
-              <a:rPr lang="en-US" sz="1867" dirty="0">
-                <a:solidFill>
-                  <a:srgbClr val="0000FF"/>
-                </a:solidFill>
-                <a:latin typeface="Consolas" panose="020B0609020204030204" pitchFamily="49" charset="0"/>
-              </a:rPr>
-              <a:t>&gt;</a:t>
-            </a:r>
-            <a:br>
-              <a:rPr lang="en-US" sz="1867" dirty="0">
-                <a:solidFill>
-                  <a:srgbClr val="0000FF"/>
-                </a:solidFill>
-                <a:latin typeface="Consolas" panose="020B0609020204030204" pitchFamily="49" charset="0"/>
-              </a:rPr>
-            </a:br>
-            <a:r>
-              <a:rPr lang="en-US" sz="1867" dirty="0">
-                <a:solidFill>
-                  <a:srgbClr val="0000FF"/>
-                </a:solidFill>
-                <a:latin typeface="Consolas" panose="020B0609020204030204" pitchFamily="49" charset="0"/>
-              </a:rPr>
-              <a:t>  &lt;</a:t>
-            </a:r>
-            <a:r>
-              <a:rPr lang="en-US" sz="1867" dirty="0" err="1">
-                <a:solidFill>
-                  <a:srgbClr val="A31515"/>
-                </a:solidFill>
-                <a:latin typeface="Consolas" panose="020B0609020204030204" pitchFamily="49" charset="0"/>
-              </a:rPr>
-              <a:t>x:Decimal</a:t>
-            </a:r>
-            <a:r>
-              <a:rPr lang="en-US" sz="1867" dirty="0">
-                <a:solidFill>
-                  <a:srgbClr val="A31515"/>
-                </a:solidFill>
-                <a:latin typeface="Consolas" panose="020B0609020204030204" pitchFamily="49" charset="0"/>
-              </a:rPr>
-              <a:t>  </a:t>
-            </a:r>
-            <a:r>
-              <a:rPr lang="en-US" sz="1867" dirty="0">
-                <a:solidFill>
-                  <a:srgbClr val="FF0000"/>
-                </a:solidFill>
-                <a:latin typeface="Consolas" panose="020B0609020204030204" pitchFamily="49" charset="0"/>
-              </a:rPr>
-              <a:t>x:Key</a:t>
-            </a:r>
-            <a:r>
-              <a:rPr lang="en-US" sz="1867" dirty="0">
-                <a:solidFill>
-                  <a:srgbClr val="0000FF"/>
-                </a:solidFill>
-                <a:latin typeface="Consolas" panose="020B0609020204030204" pitchFamily="49" charset="0"/>
-              </a:rPr>
-              <a:t>=</a:t>
-            </a:r>
-            <a:r>
-              <a:rPr lang="en-US" sz="1867" dirty="0">
-                <a:solidFill>
-                  <a:srgbClr val="000000"/>
-                </a:solidFill>
-                <a:latin typeface="Consolas" panose="020B0609020204030204" pitchFamily="49" charset="0"/>
-              </a:rPr>
-              <a:t>"</a:t>
-            </a:r>
-            <a:r>
-              <a:rPr lang="en-US" sz="1867" dirty="0">
-                <a:latin typeface="Consolas" panose="020B0609020204030204" pitchFamily="49" charset="0"/>
-              </a:rPr>
-              <a:t>...</a:t>
-            </a:r>
-            <a:r>
-              <a:rPr lang="en-US" sz="1867" dirty="0">
-                <a:solidFill>
-                  <a:srgbClr val="000000"/>
-                </a:solidFill>
-                <a:latin typeface="Consolas" panose="020B0609020204030204" pitchFamily="49" charset="0"/>
-              </a:rPr>
-              <a:t>"</a:t>
-            </a:r>
-            <a:r>
-              <a:rPr lang="en-US" sz="1867" dirty="0">
-                <a:solidFill>
-                  <a:srgbClr val="0000FF"/>
-                </a:solidFill>
-                <a:latin typeface="Consolas" panose="020B0609020204030204" pitchFamily="49" charset="0"/>
-              </a:rPr>
-              <a:t>&gt;</a:t>
-            </a:r>
-            <a:r>
-              <a:rPr lang="en-US" sz="1867" dirty="0">
-                <a:solidFill>
-                  <a:srgbClr val="000000"/>
-                </a:solidFill>
-                <a:latin typeface="Consolas" panose="020B0609020204030204" pitchFamily="49" charset="0"/>
-              </a:rPr>
-              <a:t>12345</a:t>
-            </a:r>
-            <a:r>
-              <a:rPr lang="en-US" sz="1867" dirty="0">
-                <a:solidFill>
-                  <a:srgbClr val="0000FF"/>
-                </a:solidFill>
-                <a:latin typeface="Consolas" panose="020B0609020204030204" pitchFamily="49" charset="0"/>
-              </a:rPr>
-              <a:t>&lt;/</a:t>
-            </a:r>
-            <a:r>
-              <a:rPr lang="en-US" sz="1867" dirty="0">
-                <a:solidFill>
-                  <a:srgbClr val="A31515"/>
-                </a:solidFill>
-                <a:latin typeface="Consolas" panose="020B0609020204030204" pitchFamily="49" charset="0"/>
-              </a:rPr>
-              <a:t>x:Decimal</a:t>
-            </a:r>
-            <a:r>
-              <a:rPr lang="en-US" sz="1867" dirty="0">
-                <a:solidFill>
-                  <a:srgbClr val="0000FF"/>
-                </a:solidFill>
-                <a:latin typeface="Consolas" panose="020B0609020204030204" pitchFamily="49" charset="0"/>
-              </a:rPr>
-              <a:t>&gt;</a:t>
-            </a:r>
-            <a:br>
-              <a:rPr lang="en-US" sz="1867" dirty="0">
-                <a:solidFill>
-                  <a:srgbClr val="0000FF"/>
-                </a:solidFill>
-                <a:latin typeface="Consolas" panose="020B0609020204030204" pitchFamily="49" charset="0"/>
-              </a:rPr>
-            </a:br>
-            <a:r>
-              <a:rPr lang="en-US" sz="1867" dirty="0">
-                <a:solidFill>
-                  <a:srgbClr val="0000FF"/>
-                </a:solidFill>
-                <a:latin typeface="Consolas" panose="020B0609020204030204" pitchFamily="49" charset="0"/>
-              </a:rPr>
-              <a:t>  &lt;</a:t>
-            </a:r>
-            <a:r>
-              <a:rPr lang="en-US" sz="1867" dirty="0" err="1">
-                <a:solidFill>
-                  <a:srgbClr val="A31515"/>
-                </a:solidFill>
-                <a:latin typeface="Consolas" panose="020B0609020204030204" pitchFamily="49" charset="0"/>
-              </a:rPr>
-              <a:t>x:TimeSpan</a:t>
-            </a:r>
-            <a:r>
-              <a:rPr lang="en-US" sz="1867" dirty="0">
-                <a:solidFill>
-                  <a:srgbClr val="A31515"/>
-                </a:solidFill>
-                <a:latin typeface="Consolas" panose="020B0609020204030204" pitchFamily="49" charset="0"/>
-              </a:rPr>
-              <a:t> </a:t>
-            </a:r>
-            <a:r>
-              <a:rPr lang="en-US" sz="1867" dirty="0">
-                <a:solidFill>
-                  <a:srgbClr val="FF0000"/>
-                </a:solidFill>
-                <a:latin typeface="Consolas" panose="020B0609020204030204" pitchFamily="49" charset="0"/>
-              </a:rPr>
-              <a:t>x:Key</a:t>
-            </a:r>
-            <a:r>
-              <a:rPr lang="en-US" sz="1867" dirty="0">
-                <a:solidFill>
-                  <a:srgbClr val="0000FF"/>
-                </a:solidFill>
-                <a:latin typeface="Consolas" panose="020B0609020204030204" pitchFamily="49" charset="0"/>
-              </a:rPr>
-              <a:t>=</a:t>
-            </a:r>
-            <a:r>
-              <a:rPr lang="en-US" sz="1867" dirty="0">
-                <a:solidFill>
-                  <a:srgbClr val="000000"/>
-                </a:solidFill>
-                <a:latin typeface="Consolas" panose="020B0609020204030204" pitchFamily="49" charset="0"/>
-              </a:rPr>
-              <a:t>"</a:t>
-            </a:r>
-            <a:r>
-              <a:rPr lang="en-US" sz="1867" dirty="0">
-                <a:latin typeface="Consolas" panose="020B0609020204030204" pitchFamily="49" charset="0"/>
-              </a:rPr>
-              <a:t>...</a:t>
-            </a:r>
-            <a:r>
-              <a:rPr lang="en-US" sz="1867" dirty="0">
-                <a:solidFill>
-                  <a:srgbClr val="000000"/>
-                </a:solidFill>
-                <a:latin typeface="Consolas" panose="020B0609020204030204" pitchFamily="49" charset="0"/>
-              </a:rPr>
-              <a:t>"</a:t>
-            </a:r>
-            <a:r>
-              <a:rPr lang="en-US" sz="1867" dirty="0">
-                <a:solidFill>
-                  <a:srgbClr val="0000FF"/>
-                </a:solidFill>
-                <a:latin typeface="Consolas" panose="020B0609020204030204" pitchFamily="49" charset="0"/>
-              </a:rPr>
-              <a:t>&gt;</a:t>
-            </a:r>
-            <a:r>
-              <a:rPr lang="en-US" sz="1867" dirty="0">
-                <a:solidFill>
-                  <a:srgbClr val="000000"/>
-                </a:solidFill>
-                <a:latin typeface="Consolas" panose="020B0609020204030204" pitchFamily="49" charset="0"/>
-              </a:rPr>
-              <a:t>1.23:5959</a:t>
-            </a:r>
-            <a:r>
-              <a:rPr lang="en-US" sz="1867" dirty="0">
-                <a:solidFill>
-                  <a:srgbClr val="0000FF"/>
-                </a:solidFill>
-                <a:latin typeface="Consolas" panose="020B0609020204030204" pitchFamily="49" charset="0"/>
-              </a:rPr>
-              <a:t>&lt;/</a:t>
-            </a:r>
-            <a:r>
-              <a:rPr lang="en-US" sz="1867" dirty="0">
-                <a:solidFill>
-                  <a:srgbClr val="A31515"/>
-                </a:solidFill>
-                <a:latin typeface="Consolas" panose="020B0609020204030204" pitchFamily="49" charset="0"/>
-              </a:rPr>
-              <a:t>x:TimeSpan</a:t>
-            </a:r>
-            <a:r>
-              <a:rPr lang="en-US" sz="1867" dirty="0">
-                <a:solidFill>
-                  <a:srgbClr val="0000FF"/>
-                </a:solidFill>
-                <a:latin typeface="Consolas" panose="020B0609020204030204" pitchFamily="49" charset="0"/>
-              </a:rPr>
-              <a:t>&gt;</a:t>
-            </a:r>
-            <a:br>
-              <a:rPr lang="en-US" sz="1867" dirty="0">
-                <a:solidFill>
-                  <a:srgbClr val="0000FF"/>
-                </a:solidFill>
-                <a:latin typeface="Consolas" panose="020B0609020204030204" pitchFamily="49" charset="0"/>
-              </a:rPr>
-            </a:br>
-            <a:r>
-              <a:rPr lang="en-US" sz="1867" dirty="0">
-                <a:solidFill>
-                  <a:srgbClr val="0000FF"/>
-                </a:solidFill>
-                <a:latin typeface="Consolas" panose="020B0609020204030204" pitchFamily="49" charset="0"/>
-              </a:rPr>
-              <a:t>  &lt;</a:t>
-            </a:r>
-            <a:r>
-              <a:rPr lang="en-US" sz="1867" dirty="0" err="1">
-                <a:solidFill>
-                  <a:srgbClr val="A31515"/>
-                </a:solidFill>
-                <a:latin typeface="Consolas" panose="020B0609020204030204" pitchFamily="49" charset="0"/>
-              </a:rPr>
-              <a:t>x:Boolean</a:t>
-            </a:r>
-            <a:r>
-              <a:rPr lang="en-US" sz="1867" dirty="0">
-                <a:solidFill>
-                  <a:srgbClr val="A31515"/>
-                </a:solidFill>
-                <a:latin typeface="Consolas" panose="020B0609020204030204" pitchFamily="49" charset="0"/>
-              </a:rPr>
-              <a:t>  </a:t>
-            </a:r>
-            <a:r>
-              <a:rPr lang="en-US" sz="1867" dirty="0">
-                <a:solidFill>
-                  <a:srgbClr val="FF0000"/>
-                </a:solidFill>
-                <a:latin typeface="Consolas" panose="020B0609020204030204" pitchFamily="49" charset="0"/>
-              </a:rPr>
-              <a:t>x:Key</a:t>
-            </a:r>
-            <a:r>
-              <a:rPr lang="en-US" sz="1867" dirty="0">
-                <a:solidFill>
-                  <a:srgbClr val="0000FF"/>
-                </a:solidFill>
-                <a:latin typeface="Consolas" panose="020B0609020204030204" pitchFamily="49" charset="0"/>
-              </a:rPr>
-              <a:t>=</a:t>
-            </a:r>
-            <a:r>
-              <a:rPr lang="en-US" sz="1867" dirty="0">
-                <a:solidFill>
-                  <a:srgbClr val="000000"/>
-                </a:solidFill>
-                <a:latin typeface="Consolas" panose="020B0609020204030204" pitchFamily="49" charset="0"/>
-              </a:rPr>
-              <a:t>"</a:t>
-            </a:r>
-            <a:r>
-              <a:rPr lang="en-US" sz="1867" dirty="0">
-                <a:latin typeface="Consolas" panose="020B0609020204030204" pitchFamily="49" charset="0"/>
-              </a:rPr>
-              <a:t>...</a:t>
-            </a:r>
-            <a:r>
-              <a:rPr lang="en-US" sz="1867" dirty="0">
-                <a:solidFill>
-                  <a:srgbClr val="000000"/>
-                </a:solidFill>
-                <a:latin typeface="Consolas" panose="020B0609020204030204" pitchFamily="49" charset="0"/>
-              </a:rPr>
-              <a:t>"</a:t>
-            </a:r>
-            <a:r>
-              <a:rPr lang="en-US" sz="1867" dirty="0">
-                <a:solidFill>
-                  <a:srgbClr val="0000FF"/>
-                </a:solidFill>
-                <a:latin typeface="Consolas" panose="020B0609020204030204" pitchFamily="49" charset="0"/>
-              </a:rPr>
-              <a:t>&gt;</a:t>
-            </a:r>
-            <a:r>
-              <a:rPr lang="en-US" sz="1867" dirty="0">
-                <a:solidFill>
-                  <a:srgbClr val="000000"/>
-                </a:solidFill>
-                <a:latin typeface="Consolas" panose="020B0609020204030204" pitchFamily="49" charset="0"/>
-              </a:rPr>
-              <a:t>True</a:t>
-            </a:r>
-            <a:r>
-              <a:rPr lang="en-US" sz="1867" dirty="0">
-                <a:solidFill>
-                  <a:srgbClr val="0000FF"/>
-                </a:solidFill>
-                <a:latin typeface="Consolas" panose="020B0609020204030204" pitchFamily="49" charset="0"/>
-              </a:rPr>
-              <a:t>&lt;/</a:t>
-            </a:r>
-            <a:r>
-              <a:rPr lang="en-US" sz="1867" dirty="0">
-                <a:solidFill>
-                  <a:srgbClr val="A31515"/>
-                </a:solidFill>
-                <a:latin typeface="Consolas" panose="020B0609020204030204" pitchFamily="49" charset="0"/>
-              </a:rPr>
-              <a:t>x:Boolean</a:t>
-            </a:r>
-            <a:r>
-              <a:rPr lang="en-US" sz="1867" dirty="0">
-                <a:solidFill>
-                  <a:srgbClr val="0000FF"/>
-                </a:solidFill>
-                <a:latin typeface="Consolas" panose="020B0609020204030204" pitchFamily="49" charset="0"/>
-              </a:rPr>
-              <a:t>&gt;</a:t>
-            </a:r>
-          </a:p>
-          <a:p>
-            <a:r>
-              <a:rPr lang="en-US" sz="1867" dirty="0">
-                <a:solidFill>
-                  <a:srgbClr val="0000FF"/>
-                </a:solidFill>
-                <a:latin typeface="Consolas" panose="020B0609020204030204" pitchFamily="49" charset="0"/>
-              </a:rPr>
-              <a:t>&lt;/</a:t>
-            </a:r>
-            <a:r>
-              <a:rPr lang="en-US" sz="1867" dirty="0" err="1">
-                <a:solidFill>
-                  <a:srgbClr val="A31515"/>
-                </a:solidFill>
-                <a:latin typeface="Consolas" panose="020B0609020204030204" pitchFamily="49" charset="0"/>
-              </a:rPr>
-              <a:t>ResourceDictionary</a:t>
-            </a:r>
-            <a:r>
-              <a:rPr lang="en-US" sz="1867" dirty="0">
-                <a:solidFill>
-                  <a:srgbClr val="0000FF"/>
-                </a:solidFill>
-                <a:latin typeface="Consolas" panose="020B0609020204030204" pitchFamily="49" charset="0"/>
-              </a:rPr>
-              <a:t>&gt;</a:t>
-            </a:r>
-            <a:endParaRPr lang="en-US" sz="1867" dirty="0">
-              <a:latin typeface="Consolas" panose="020B0609020204030204" pitchFamily="49" charset="0"/>
-              <a:cs typeface="Consolas" panose="020B0609020204030204" pitchFamily="49" charset="0"/>
-            </a:endParaRPr>
-          </a:p>
-        </p:txBody>
-      </p:sp>
-      <p:sp>
-        <p:nvSpPr>
-          <p:cNvPr id="7" name="TextBox 6"/>
-          <p:cNvSpPr txBox="1"/>
-          <p:nvPr/>
-        </p:nvSpPr>
-        <p:spPr>
-          <a:xfrm>
-            <a:off x="638810" y="3029865"/>
-            <a:ext cx="2235201" cy="2308324"/>
-          </a:xfrm>
-          <a:prstGeom prst="rect">
-            <a:avLst/>
-          </a:prstGeom>
-          <a:noFill/>
-        </p:spPr>
-        <p:txBody>
-          <a:bodyPr wrap="square" rtlCol="0">
-            <a:spAutoFit/>
-          </a:bodyPr>
-          <a:lstStyle/>
-          <a:p>
-            <a:r>
-              <a:rPr lang="en-US" sz="2400" dirty="0">
-                <a:latin typeface="Consolas" panose="020B0609020204030204" pitchFamily="49" charset="0"/>
-                <a:cs typeface="Consolas" panose="020B0609020204030204" pitchFamily="49" charset="0"/>
-              </a:rPr>
-              <a:t>String</a:t>
-            </a:r>
-            <a:r>
-              <a:rPr lang="en-US" sz="2400" dirty="0">
-                <a:cs typeface="Segoe UI Light"/>
-              </a:rPr>
-              <a:t> </a:t>
-            </a:r>
-            <a:r>
-              <a:rPr lang="en-US" sz="2400" dirty="0">
-                <a:cs typeface="Segoe UI Light"/>
-                <a:sym typeface="Wingdings" panose="05000000000000000000" pitchFamily="2" charset="2"/>
-              </a:rPr>
-              <a:t>and</a:t>
-            </a:r>
-          </a:p>
-          <a:p>
-            <a:r>
-              <a:rPr lang="en-US" sz="2400" dirty="0">
-                <a:latin typeface="Consolas" panose="020B0609020204030204" pitchFamily="49" charset="0"/>
-                <a:cs typeface="Consolas" panose="020B0609020204030204" pitchFamily="49" charset="0"/>
-                <a:sym typeface="Wingdings" panose="05000000000000000000" pitchFamily="2" charset="2"/>
-              </a:rPr>
-              <a:t>Double</a:t>
-            </a:r>
-            <a:r>
-              <a:rPr lang="en-US" sz="2400" dirty="0">
-                <a:solidFill>
-                  <a:prstClr val="black"/>
-                </a:solidFill>
-                <a:cs typeface="Segoe UI Light"/>
-              </a:rPr>
-              <a:t> are</a:t>
-            </a:r>
-          </a:p>
-          <a:p>
-            <a:r>
-              <a:rPr lang="en-US" sz="2400" dirty="0">
-                <a:solidFill>
-                  <a:prstClr val="black"/>
-                </a:solidFill>
-                <a:cs typeface="Segoe UI Light"/>
-              </a:rPr>
-              <a:t>useful since</a:t>
-            </a:r>
-          </a:p>
-          <a:p>
-            <a:r>
-              <a:rPr lang="en-US" sz="2400" dirty="0">
-                <a:solidFill>
-                  <a:prstClr val="black"/>
-                </a:solidFill>
-                <a:cs typeface="Segoe UI Light"/>
-              </a:rPr>
-              <a:t>many UI</a:t>
-            </a:r>
-          </a:p>
-          <a:p>
-            <a:pPr lvl="0"/>
-            <a:r>
-              <a:rPr lang="en-US" sz="2400" dirty="0">
-                <a:solidFill>
-                  <a:prstClr val="black"/>
-                </a:solidFill>
-                <a:cs typeface="Segoe UI Light"/>
-              </a:rPr>
-              <a:t>properties use</a:t>
-            </a:r>
-          </a:p>
-          <a:p>
-            <a:pPr lvl="0"/>
-            <a:r>
-              <a:rPr lang="en-US" sz="2400" dirty="0">
-                <a:solidFill>
-                  <a:prstClr val="black"/>
-                </a:solidFill>
-                <a:cs typeface="Segoe UI Light"/>
-              </a:rPr>
-              <a:t>those types</a:t>
-            </a:r>
-            <a:endParaRPr lang="en-US" sz="2400" dirty="0">
-              <a:cs typeface="Segoe UI Light"/>
-            </a:endParaRPr>
-          </a:p>
-        </p:txBody>
-      </p:sp>
-      <p:cxnSp>
-        <p:nvCxnSpPr>
-          <p:cNvPr id="8" name="Straight Arrow Connector 7"/>
-          <p:cNvCxnSpPr/>
-          <p:nvPr/>
-        </p:nvCxnSpPr>
-        <p:spPr>
-          <a:xfrm rot="5400000" flipV="1">
-            <a:off x="2916497" y="3066523"/>
-            <a:ext cx="0" cy="548640"/>
-          </a:xfrm>
-          <a:prstGeom prst="straightConnector1">
-            <a:avLst/>
-          </a:prstGeom>
-          <a:ln w="28575" cmpd="sng">
-            <a:solidFill>
-              <a:schemeClr val="accent4"/>
-            </a:solidFill>
-            <a:tailEnd type="arrow"/>
-          </a:ln>
-          <a:effectLst/>
-        </p:spPr>
-        <p:style>
-          <a:lnRef idx="2">
-            <a:schemeClr val="accent1"/>
-          </a:lnRef>
-          <a:fillRef idx="0">
-            <a:schemeClr val="accent1"/>
-          </a:fillRef>
-          <a:effectRef idx="1">
-            <a:schemeClr val="accent1"/>
-          </a:effectRef>
-          <a:fontRef idx="minor">
-            <a:schemeClr val="tx1"/>
-          </a:fontRef>
-        </p:style>
-      </p:cxnSp>
-      <p:cxnSp>
-        <p:nvCxnSpPr>
-          <p:cNvPr id="9" name="Straight Arrow Connector 8"/>
-          <p:cNvCxnSpPr/>
-          <p:nvPr/>
-        </p:nvCxnSpPr>
-        <p:spPr>
-          <a:xfrm rot="5400000" flipV="1">
-            <a:off x="2916497" y="3925096"/>
-            <a:ext cx="0" cy="548640"/>
-          </a:xfrm>
-          <a:prstGeom prst="straightConnector1">
-            <a:avLst/>
-          </a:prstGeom>
-          <a:ln w="28575" cmpd="sng">
-            <a:solidFill>
-              <a:schemeClr val="accent4"/>
-            </a:solidFill>
-            <a:tailEnd type="arrow"/>
-          </a:ln>
-          <a:effectLst/>
-        </p:spPr>
-        <p:style>
-          <a:lnRef idx="2">
-            <a:schemeClr val="accent1"/>
-          </a:lnRef>
-          <a:fillRef idx="0">
-            <a:schemeClr val="accent1"/>
-          </a:fillRef>
-          <a:effectRef idx="1">
-            <a:schemeClr val="accent1"/>
-          </a:effectRef>
-          <a:fontRef idx="minor">
-            <a:schemeClr val="tx1"/>
-          </a:fontRef>
-        </p:style>
-      </p:cxnSp>
-    </p:spTree>
-    <p:extLst>
-      <p:ext uri="{BB962C8B-B14F-4D97-AF65-F5344CB8AC3E}">
-        <p14:creationId xmlns:p14="http://schemas.microsoft.com/office/powerpoint/2010/main" val="2232763932"/>
       </p:ext>
     </p:extLst>
   </p:cSld>

--- a/Slides/Workshop6 - App Themes.pptx
+++ b/Slides/Workshop6 - App Themes.pptx
@@ -5,41 +5,39 @@
     <p:sldMasterId id="2147483660" r:id="rId1"/>
   </p:sldMasterIdLst>
   <p:notesMasterIdLst>
-    <p:notesMasterId r:id="rId34"/>
+    <p:notesMasterId r:id="rId32"/>
   </p:notesMasterIdLst>
   <p:sldIdLst>
-    <p:sldId id="10325" r:id="rId2"/>
-    <p:sldId id="10343" r:id="rId3"/>
-    <p:sldId id="10330" r:id="rId4"/>
-    <p:sldId id="261" r:id="rId5"/>
-    <p:sldId id="263" r:id="rId6"/>
-    <p:sldId id="264" r:id="rId7"/>
-    <p:sldId id="265" r:id="rId8"/>
-    <p:sldId id="266" r:id="rId9"/>
-    <p:sldId id="267" r:id="rId10"/>
-    <p:sldId id="268" r:id="rId11"/>
-    <p:sldId id="269" r:id="rId12"/>
-    <p:sldId id="273" r:id="rId13"/>
-    <p:sldId id="274" r:id="rId14"/>
-    <p:sldId id="276" r:id="rId15"/>
-    <p:sldId id="10337" r:id="rId16"/>
-    <p:sldId id="281" r:id="rId17"/>
-    <p:sldId id="282" r:id="rId18"/>
-    <p:sldId id="283" r:id="rId19"/>
-    <p:sldId id="284" r:id="rId20"/>
-    <p:sldId id="285" r:id="rId21"/>
-    <p:sldId id="286" r:id="rId22"/>
-    <p:sldId id="287" r:id="rId23"/>
-    <p:sldId id="288" r:id="rId24"/>
-    <p:sldId id="289" r:id="rId25"/>
-    <p:sldId id="290" r:id="rId26"/>
-    <p:sldId id="327" r:id="rId27"/>
-    <p:sldId id="10338" r:id="rId28"/>
-    <p:sldId id="10339" r:id="rId29"/>
-    <p:sldId id="10340" r:id="rId30"/>
-    <p:sldId id="10341" r:id="rId31"/>
-    <p:sldId id="10342" r:id="rId32"/>
-    <p:sldId id="10336" r:id="rId33"/>
+    <p:sldId id="10343" r:id="rId2"/>
+    <p:sldId id="10330" r:id="rId3"/>
+    <p:sldId id="261" r:id="rId4"/>
+    <p:sldId id="263" r:id="rId5"/>
+    <p:sldId id="264" r:id="rId6"/>
+    <p:sldId id="265" r:id="rId7"/>
+    <p:sldId id="266" r:id="rId8"/>
+    <p:sldId id="267" r:id="rId9"/>
+    <p:sldId id="268" r:id="rId10"/>
+    <p:sldId id="269" r:id="rId11"/>
+    <p:sldId id="273" r:id="rId12"/>
+    <p:sldId id="274" r:id="rId13"/>
+    <p:sldId id="276" r:id="rId14"/>
+    <p:sldId id="10337" r:id="rId15"/>
+    <p:sldId id="281" r:id="rId16"/>
+    <p:sldId id="282" r:id="rId17"/>
+    <p:sldId id="283" r:id="rId18"/>
+    <p:sldId id="284" r:id="rId19"/>
+    <p:sldId id="285" r:id="rId20"/>
+    <p:sldId id="286" r:id="rId21"/>
+    <p:sldId id="287" r:id="rId22"/>
+    <p:sldId id="288" r:id="rId23"/>
+    <p:sldId id="289" r:id="rId24"/>
+    <p:sldId id="290" r:id="rId25"/>
+    <p:sldId id="327" r:id="rId26"/>
+    <p:sldId id="10338" r:id="rId27"/>
+    <p:sldId id="10339" r:id="rId28"/>
+    <p:sldId id="10340" r:id="rId29"/>
+    <p:sldId id="10341" r:id="rId30"/>
+    <p:sldId id="10342" r:id="rId31"/>
   </p:sldIdLst>
   <p:sldSz cx="12192000" cy="6858000"/>
   <p:notesSz cx="6858000" cy="9144000"/>
@@ -254,7 +252,7 @@
           <a:p>
             <a:fld id="{A334C884-B1D7-A043-A4AA-521744755A4B}" type="datetimeFigureOut">
               <a:rPr lang="en-US" smtClean="0"/>
-              <a:t>6/10/24</a:t>
+              <a:t>6/11/2024</a:t>
             </a:fld>
             <a:endParaRPr lang="en-US"/>
           </a:p>
@@ -597,7 +595,7 @@
               <a:pPr>
                 <a:defRPr/>
               </a:pPr>
-              <a:t>4</a:t>
+              <a:t>3</a:t>
             </a:fld>
             <a:endParaRPr lang="en-US" dirty="0"/>
           </a:p>
@@ -692,7 +690,7 @@
               <a:pPr>
                 <a:defRPr/>
               </a:pPr>
-              <a:t>13</a:t>
+              <a:t>12</a:t>
             </a:fld>
             <a:endParaRPr lang="en-US" dirty="0"/>
           </a:p>
@@ -787,7 +785,7 @@
               <a:pPr>
                 <a:defRPr/>
               </a:pPr>
-              <a:t>14</a:t>
+              <a:t>13</a:t>
             </a:fld>
             <a:endParaRPr lang="en-US" dirty="0"/>
           </a:p>
@@ -882,7 +880,7 @@
               <a:pPr>
                 <a:defRPr/>
               </a:pPr>
-              <a:t>16</a:t>
+              <a:t>15</a:t>
             </a:fld>
             <a:endParaRPr lang="en-US" dirty="0"/>
           </a:p>
@@ -977,7 +975,7 @@
               <a:pPr>
                 <a:defRPr/>
               </a:pPr>
-              <a:t>17</a:t>
+              <a:t>16</a:t>
             </a:fld>
             <a:endParaRPr lang="en-US" dirty="0"/>
           </a:p>
@@ -1072,7 +1070,7 @@
               <a:pPr>
                 <a:defRPr/>
               </a:pPr>
-              <a:t>18</a:t>
+              <a:t>17</a:t>
             </a:fld>
             <a:endParaRPr lang="en-US" dirty="0"/>
           </a:p>
@@ -1167,7 +1165,7 @@
               <a:pPr>
                 <a:defRPr/>
               </a:pPr>
-              <a:t>19</a:t>
+              <a:t>18</a:t>
             </a:fld>
             <a:endParaRPr lang="en-US" dirty="0"/>
           </a:p>
@@ -1262,7 +1260,7 @@
               <a:pPr>
                 <a:defRPr/>
               </a:pPr>
-              <a:t>20</a:t>
+              <a:t>19</a:t>
             </a:fld>
             <a:endParaRPr lang="en-US" dirty="0"/>
           </a:p>
@@ -1357,7 +1355,7 @@
               <a:pPr>
                 <a:defRPr/>
               </a:pPr>
-              <a:t>21</a:t>
+              <a:t>20</a:t>
             </a:fld>
             <a:endParaRPr lang="en-US" dirty="0"/>
           </a:p>
@@ -1452,7 +1450,7 @@
               <a:pPr>
                 <a:defRPr/>
               </a:pPr>
-              <a:t>22</a:t>
+              <a:t>21</a:t>
             </a:fld>
             <a:endParaRPr lang="en-US" dirty="0"/>
           </a:p>
@@ -1547,7 +1545,7 @@
               <a:pPr>
                 <a:defRPr/>
               </a:pPr>
-              <a:t>23</a:t>
+              <a:t>22</a:t>
             </a:fld>
             <a:endParaRPr lang="en-US" dirty="0"/>
           </a:p>
@@ -1642,7 +1640,7 @@
               <a:pPr>
                 <a:defRPr/>
               </a:pPr>
-              <a:t>5</a:t>
+              <a:t>4</a:t>
             </a:fld>
             <a:endParaRPr lang="en-US" dirty="0"/>
           </a:p>
@@ -1737,7 +1735,7 @@
               <a:pPr>
                 <a:defRPr/>
               </a:pPr>
-              <a:t>24</a:t>
+              <a:t>23</a:t>
             </a:fld>
             <a:endParaRPr lang="en-US" dirty="0"/>
           </a:p>
@@ -1832,7 +1830,7 @@
               <a:pPr>
                 <a:defRPr/>
               </a:pPr>
-              <a:t>25</a:t>
+              <a:t>24</a:t>
             </a:fld>
             <a:endParaRPr lang="en-US" dirty="0"/>
           </a:p>
@@ -1927,7 +1925,7 @@
               <a:pPr>
                 <a:defRPr/>
               </a:pPr>
-              <a:t>26</a:t>
+              <a:t>25</a:t>
             </a:fld>
             <a:endParaRPr lang="en-US" dirty="0"/>
           </a:p>
@@ -2022,7 +2020,7 @@
               <a:pPr>
                 <a:defRPr/>
               </a:pPr>
-              <a:t>28</a:t>
+              <a:t>27</a:t>
             </a:fld>
             <a:endParaRPr lang="en-US" dirty="0"/>
           </a:p>
@@ -2117,7 +2115,7 @@
               <a:pPr>
                 <a:defRPr/>
               </a:pPr>
-              <a:t>29</a:t>
+              <a:t>28</a:t>
             </a:fld>
             <a:endParaRPr lang="en-US" dirty="0"/>
           </a:p>
@@ -2212,7 +2210,7 @@
               <a:pPr>
                 <a:defRPr/>
               </a:pPr>
-              <a:t>30</a:t>
+              <a:t>29</a:t>
             </a:fld>
             <a:endParaRPr lang="en-US" dirty="0"/>
           </a:p>
@@ -2350,7 +2348,7 @@
           <a:p>
             <a:fld id="{E74353ED-ACB2-44BF-A903-985B0AF962B7}" type="datetime1">
               <a:rPr lang="en-US" smtClean="0"/>
-              <a:t>6/10/24</a:t>
+              <a:t>6/11/2024</a:t>
             </a:fld>
             <a:endParaRPr lang="en-US" dirty="0"/>
           </a:p>
@@ -2374,169 +2372,7 @@
             <a:fld id="{B4008EB6-D09E-4580-8CD6-DDB14511944F}" type="slidenum">
               <a:rPr lang="en-US" smtClean="0"/>
               <a:pPr/>
-              <a:t>31</a:t>
-            </a:fld>
-            <a:endParaRPr lang="en-US" dirty="0"/>
-          </a:p>
-        </p:txBody>
-      </p:sp>
-    </p:spTree>
-    <p:extLst>
-      <p:ext uri="{BB962C8B-B14F-4D97-AF65-F5344CB8AC3E}">
-        <p14:creationId xmlns:p14="http://schemas.microsoft.com/office/powerpoint/2010/main" val="317097467"/>
-      </p:ext>
-    </p:extLst>
-  </p:cSld>
-  <p:clrMapOvr>
-    <a:masterClrMapping/>
-  </p:clrMapOvr>
-</p:notes>
-</file>
-
-<file path=ppt/notesSlides/notesSlide27.xml><?xml version="1.0" encoding="utf-8"?>
-<p:notes xmlns:a="http://schemas.openxmlformats.org/drawingml/2006/main" xmlns:r="http://schemas.openxmlformats.org/officeDocument/2006/relationships" xmlns:p="http://schemas.openxmlformats.org/presentationml/2006/main">
-  <p:cSld>
-    <p:spTree>
-      <p:nvGrpSpPr>
-        <p:cNvPr id="1" name=""/>
-        <p:cNvGrpSpPr/>
-        <p:nvPr/>
-      </p:nvGrpSpPr>
-      <p:grpSpPr>
-        <a:xfrm>
-          <a:off x="0" y="0"/>
-          <a:ext cx="0" cy="0"/>
-          <a:chOff x="0" y="0"/>
-          <a:chExt cx="0" cy="0"/>
-        </a:xfrm>
-      </p:grpSpPr>
-      <p:sp>
-        <p:nvSpPr>
-          <p:cNvPr id="2" name="Slide Image Placeholder 1"/>
-          <p:cNvSpPr>
-            <a:spLocks noGrp="1" noRot="1" noChangeAspect="1"/>
-          </p:cNvSpPr>
-          <p:nvPr>
-            <p:ph type="sldImg"/>
-          </p:nvPr>
-        </p:nvSpPr>
-        <p:spPr/>
-      </p:sp>
-      <p:sp>
-        <p:nvSpPr>
-          <p:cNvPr id="3" name="Notes Placeholder 2"/>
-          <p:cNvSpPr>
-            <a:spLocks noGrp="1"/>
-          </p:cNvSpPr>
-          <p:nvPr>
-            <p:ph type="body" idx="1"/>
-          </p:nvPr>
-        </p:nvSpPr>
-        <p:spPr/>
-        <p:txBody>
-          <a:bodyPr/>
-          <a:lstStyle/>
-          <a:p>
-            <a:endParaRPr lang="en-US" dirty="0"/>
-          </a:p>
-        </p:txBody>
-      </p:sp>
-      <p:sp>
-        <p:nvSpPr>
-          <p:cNvPr id="4" name="Footer Placeholder 3"/>
-          <p:cNvSpPr>
-            <a:spLocks noGrp="1"/>
-          </p:cNvSpPr>
-          <p:nvPr>
-            <p:ph type="ftr" sz="quarter" idx="10"/>
-          </p:nvPr>
-        </p:nvSpPr>
-        <p:spPr/>
-        <p:txBody>
-          <a:bodyPr/>
-          <a:lstStyle/>
-          <a:p>
-            <a:pPr defTabSz="914099" eaLnBrk="0" hangingPunct="0"/>
-            <a:r>
-              <a:rPr lang="en-US" sz="400">
-                <a:gradFill>
-                  <a:gsLst>
-                    <a:gs pos="0">
-                      <a:prstClr val="black"/>
-                    </a:gs>
-                    <a:gs pos="100000">
-                      <a:prstClr val="black"/>
-                    </a:gs>
-                  </a:gsLst>
-                  <a:lin ang="5400000" scaled="0"/>
-                </a:gradFill>
-                <a:latin typeface="Segoe UI" pitchFamily="34" charset="0"/>
-                <a:ea typeface="Segoe UI" pitchFamily="34" charset="0"/>
-                <a:cs typeface="Segoe UI" pitchFamily="34" charset="0"/>
-              </a:rPr>
-              <a:t>© 2014 Microsoft Corporation. All rights reserved. Microsoft, Windows, and other product names are or may be registered trademarks and/or trademarks in the U.S. and/or other countries. The information herein is for informational purposes only and represents the current view of Microsoft Corporation as of the date of this presentation.  Because Microsoft must respond to changing market conditions, it should not be interpreted to be a commitment on the part of Microsoft, and Microsoft cannot guarantee the accuracy of any information provided after the date of this presentation.  MICROSOFT MAKES NO WARRANTIES, EXPRESS, IMPLIED OR STATUTORY, AS TO THE INFORMATION IN THIS PRESENTATION.</a:t>
-            </a:r>
-            <a:endParaRPr lang="en-US" sz="400" dirty="0">
-              <a:gradFill>
-                <a:gsLst>
-                  <a:gs pos="0">
-                    <a:prstClr val="black"/>
-                  </a:gs>
-                  <a:gs pos="100000">
-                    <a:prstClr val="black"/>
-                  </a:gs>
-                </a:gsLst>
-                <a:lin ang="5400000" scaled="0"/>
-              </a:gradFill>
-              <a:latin typeface="Segoe UI" pitchFamily="34" charset="0"/>
-              <a:ea typeface="Segoe UI" pitchFamily="34" charset="0"/>
-              <a:cs typeface="Segoe UI" pitchFamily="34" charset="0"/>
-            </a:endParaRPr>
-          </a:p>
-        </p:txBody>
-      </p:sp>
-      <p:sp>
-        <p:nvSpPr>
-          <p:cNvPr id="5" name="Date Placeholder 4"/>
-          <p:cNvSpPr>
-            <a:spLocks noGrp="1"/>
-          </p:cNvSpPr>
-          <p:nvPr>
-            <p:ph type="dt" idx="11"/>
-          </p:nvPr>
-        </p:nvSpPr>
-        <p:spPr/>
-        <p:txBody>
-          <a:bodyPr/>
-          <a:lstStyle/>
-          <a:p>
-            <a:fld id="{E74353ED-ACB2-44BF-A903-985B0AF962B7}" type="datetime1">
-              <a:rPr lang="en-US" smtClean="0"/>
-              <a:t>6/10/24</a:t>
-            </a:fld>
-            <a:endParaRPr lang="en-US" dirty="0"/>
-          </a:p>
-        </p:txBody>
-      </p:sp>
-      <p:sp>
-        <p:nvSpPr>
-          <p:cNvPr id="6" name="Slide Number Placeholder 5"/>
-          <p:cNvSpPr>
-            <a:spLocks noGrp="1"/>
-          </p:cNvSpPr>
-          <p:nvPr>
-            <p:ph type="sldNum" sz="quarter" idx="12"/>
-          </p:nvPr>
-        </p:nvSpPr>
-        <p:spPr/>
-        <p:txBody>
-          <a:bodyPr/>
-          <a:lstStyle/>
-          <a:p>
-            <a:fld id="{B4008EB6-D09E-4580-8CD6-DDB14511944F}" type="slidenum">
-              <a:rPr lang="en-US" smtClean="0"/>
-              <a:pPr/>
-              <a:t>32</a:t>
+              <a:t>30</a:t>
             </a:fld>
             <a:endParaRPr lang="en-US" dirty="0"/>
           </a:p>
@@ -2633,7 +2469,7 @@
               <a:pPr>
                 <a:defRPr/>
               </a:pPr>
-              <a:t>6</a:t>
+              <a:t>5</a:t>
             </a:fld>
             <a:endParaRPr lang="en-US" dirty="0"/>
           </a:p>
@@ -2728,7 +2564,7 @@
               <a:pPr>
                 <a:defRPr/>
               </a:pPr>
-              <a:t>7</a:t>
+              <a:t>6</a:t>
             </a:fld>
             <a:endParaRPr lang="en-US" dirty="0"/>
           </a:p>
@@ -2823,7 +2659,7 @@
               <a:pPr>
                 <a:defRPr/>
               </a:pPr>
-              <a:t>8</a:t>
+              <a:t>7</a:t>
             </a:fld>
             <a:endParaRPr lang="en-US" dirty="0"/>
           </a:p>
@@ -2918,7 +2754,7 @@
               <a:pPr>
                 <a:defRPr/>
               </a:pPr>
-              <a:t>9</a:t>
+              <a:t>8</a:t>
             </a:fld>
             <a:endParaRPr lang="en-US" dirty="0"/>
           </a:p>
@@ -3013,7 +2849,7 @@
               <a:pPr>
                 <a:defRPr/>
               </a:pPr>
-              <a:t>10</a:t>
+              <a:t>9</a:t>
             </a:fld>
             <a:endParaRPr lang="en-US" dirty="0"/>
           </a:p>
@@ -3108,7 +2944,7 @@
               <a:pPr>
                 <a:defRPr/>
               </a:pPr>
-              <a:t>11</a:t>
+              <a:t>10</a:t>
             </a:fld>
             <a:endParaRPr lang="en-US" dirty="0"/>
           </a:p>
@@ -3203,7 +3039,7 @@
               <a:pPr>
                 <a:defRPr/>
               </a:pPr>
-              <a:t>12</a:t>
+              <a:t>11</a:t>
             </a:fld>
             <a:endParaRPr lang="en-US" dirty="0"/>
           </a:p>
@@ -9071,7 +8907,7 @@
 </file>
 
 <file path=ppt/slides/slide1.xml><?xml version="1.0" encoding="utf-8"?>
-<p:sld xmlns:a="http://schemas.openxmlformats.org/drawingml/2006/main" xmlns:r="http://schemas.openxmlformats.org/officeDocument/2006/relationships" xmlns:p="http://schemas.openxmlformats.org/presentationml/2006/main" show="0">
+<p:sld xmlns:a="http://schemas.openxmlformats.org/drawingml/2006/main" xmlns:r="http://schemas.openxmlformats.org/officeDocument/2006/relationships" xmlns:p="http://schemas.openxmlformats.org/presentationml/2006/main">
   <p:cSld>
     <p:spTree>
       <p:nvGrpSpPr>
@@ -9135,42 +8971,6 @@
           </a:p>
         </p:txBody>
       </p:sp>
-      <p:pic>
-        <p:nvPicPr>
-          <p:cNvPr id="14" name="Picture 13">
-            <a:extLst>
-              <a:ext uri="{FF2B5EF4-FFF2-40B4-BE49-F238E27FC236}">
-                <a16:creationId xmlns:a16="http://schemas.microsoft.com/office/drawing/2014/main" id="{2B9DAD5B-03C7-43FE-A3F9-29F44B946B48}"/>
-              </a:ext>
-            </a:extLst>
-          </p:cNvPr>
-          <p:cNvPicPr>
-            <a:picLocks noChangeAspect="1"/>
-          </p:cNvPicPr>
-          <p:nvPr/>
-        </p:nvPicPr>
-        <p:blipFill>
-          <a:blip r:embed="rId2">
-            <a:extLst>
-              <a:ext uri="{28A0092B-C50C-407E-A947-70E740481C1C}">
-                <a14:useLocalDpi xmlns:a14="http://schemas.microsoft.com/office/drawing/2010/main" val="0"/>
-              </a:ext>
-            </a:extLst>
-          </a:blip>
-          <a:stretch>
-            <a:fillRect/>
-          </a:stretch>
-        </p:blipFill>
-        <p:spPr>
-          <a:xfrm>
-            <a:off x="281182" y="4673121"/>
-            <a:ext cx="557054" cy="1890129"/>
-          </a:xfrm>
-          <a:prstGeom prst="rect">
-            <a:avLst/>
-          </a:prstGeom>
-        </p:spPr>
-      </p:pic>
       <p:sp>
         <p:nvSpPr>
           <p:cNvPr id="15" name="TextBox 14">
@@ -9185,7 +8985,7 @@
         </p:nvSpPr>
         <p:spPr>
           <a:xfrm>
-            <a:off x="1329544" y="4970898"/>
+            <a:off x="545772" y="5062410"/>
             <a:ext cx="5966529" cy="641215"/>
           </a:xfrm>
           <a:prstGeom prst="rect">
@@ -9220,7 +9020,7 @@
               <a:rPr lang="en-US" sz="1961" dirty="0">
                 <a:cs typeface="Arial"/>
               </a:rPr>
-              <a:t>James Montemagno</a:t>
+              <a:t>&lt;Name&gt;</a:t>
             </a:r>
           </a:p>
           <a:p>
@@ -9229,7 +9029,7 @@
                 <a:latin typeface="+mj-lt"/>
                 <a:cs typeface="Arial"/>
               </a:rPr>
-              <a:t>Principal Lead PM – Developer Community, Microsoft</a:t>
+              <a:t>&lt;Role&gt;</a:t>
             </a:r>
           </a:p>
         </p:txBody>
@@ -9248,7 +9048,7 @@
         </p:nvSpPr>
         <p:spPr>
           <a:xfrm>
-            <a:off x="1503286" y="5644613"/>
+            <a:off x="719514" y="5736125"/>
             <a:ext cx="2440268" cy="761555"/>
           </a:xfrm>
           <a:prstGeom prst="rect">
@@ -9272,7 +9072,7 @@
                 <a:latin typeface="+mj-lt"/>
                 <a:cs typeface="Arial"/>
               </a:rPr>
-              <a:t>@JamesMontemagno</a:t>
+              <a:t>@&lt;Twitter&gt;</a:t>
             </a:r>
           </a:p>
           <a:p>
@@ -9286,19 +9086,8 @@
                 <a:latin typeface="+mj-lt"/>
                 <a:cs typeface="Arial"/>
               </a:rPr>
-              <a:t>/</a:t>
-            </a:r>
-            <a:r>
-              <a:rPr lang="en-US" sz="1765" dirty="0" err="1">
-                <a:latin typeface="+mj-lt"/>
-                <a:cs typeface="Arial"/>
-              </a:rPr>
-              <a:t>JamesMontemagno</a:t>
-            </a:r>
-            <a:endParaRPr lang="en-US" sz="1765" dirty="0">
-              <a:latin typeface="+mj-lt"/>
-              <a:cs typeface="Arial"/>
-            </a:endParaRPr>
+              <a:t>/&lt;YouTube&gt;</a:t>
+            </a:r>
           </a:p>
         </p:txBody>
       </p:sp>
@@ -9308,6 +9097,53 @@
             <a:extLst>
               <a:ext uri="{FF2B5EF4-FFF2-40B4-BE49-F238E27FC236}">
                 <a16:creationId xmlns:a16="http://schemas.microsoft.com/office/drawing/2014/main" id="{5085402D-4D72-42FE-AEE3-940D913854DD}"/>
+              </a:ext>
+            </a:extLst>
+          </p:cNvPr>
+          <p:cNvPicPr>
+            <a:picLocks noChangeAspect="1" noChangeArrowheads="1"/>
+          </p:cNvPicPr>
+          <p:nvPr/>
+        </p:nvPicPr>
+        <p:blipFill>
+          <a:blip r:embed="rId2">
+            <a:extLst>
+              <a:ext uri="{28A0092B-C50C-407E-A947-70E740481C1C}">
+                <a14:useLocalDpi xmlns:a14="http://schemas.microsoft.com/office/drawing/2010/main" val="0"/>
+              </a:ext>
+            </a:extLst>
+          </a:blip>
+          <a:srcRect/>
+          <a:stretch>
+            <a:fillRect/>
+          </a:stretch>
+        </p:blipFill>
+        <p:spPr bwMode="auto">
+          <a:xfrm>
+            <a:off x="598110" y="5818062"/>
+            <a:ext cx="326511" cy="326511"/>
+          </a:xfrm>
+          <a:prstGeom prst="rect">
+            <a:avLst/>
+          </a:prstGeom>
+          <a:noFill/>
+          <a:extLst>
+            <a:ext uri="{909E8E84-426E-40DD-AFC4-6F175D3DCCD1}">
+              <a14:hiddenFill xmlns:a14="http://schemas.microsoft.com/office/drawing/2010/main">
+                <a:solidFill>
+                  <a:srgbClr val="FFFFFF"/>
+                </a:solidFill>
+              </a14:hiddenFill>
+            </a:ext>
+          </a:extLst>
+        </p:spPr>
+      </p:pic>
+      <p:pic>
+        <p:nvPicPr>
+          <p:cNvPr id="22" name="Picture 4" descr="See the source image">
+            <a:extLst>
+              <a:ext uri="{FF2B5EF4-FFF2-40B4-BE49-F238E27FC236}">
+                <a16:creationId xmlns:a16="http://schemas.microsoft.com/office/drawing/2014/main" id="{29903BF8-06F8-4657-993C-F74F21394EBB}"/>
               </a:ext>
             </a:extLst>
           </p:cNvPr>
@@ -9331,54 +9167,7 @@
         </p:blipFill>
         <p:spPr bwMode="auto">
           <a:xfrm>
-            <a:off x="1381882" y="5726550"/>
-            <a:ext cx="326511" cy="326511"/>
-          </a:xfrm>
-          <a:prstGeom prst="rect">
-            <a:avLst/>
-          </a:prstGeom>
-          <a:noFill/>
-          <a:extLst>
-            <a:ext uri="{909E8E84-426E-40DD-AFC4-6F175D3DCCD1}">
-              <a14:hiddenFill xmlns:a14="http://schemas.microsoft.com/office/drawing/2010/main">
-                <a:solidFill>
-                  <a:srgbClr val="FFFFFF"/>
-                </a:solidFill>
-              </a14:hiddenFill>
-            </a:ext>
-          </a:extLst>
-        </p:spPr>
-      </p:pic>
-      <p:pic>
-        <p:nvPicPr>
-          <p:cNvPr id="22" name="Picture 4" descr="See the source image">
-            <a:extLst>
-              <a:ext uri="{FF2B5EF4-FFF2-40B4-BE49-F238E27FC236}">
-                <a16:creationId xmlns:a16="http://schemas.microsoft.com/office/drawing/2014/main" id="{29903BF8-06F8-4657-993C-F74F21394EBB}"/>
-              </a:ext>
-            </a:extLst>
-          </p:cNvPr>
-          <p:cNvPicPr>
-            <a:picLocks noChangeAspect="1" noChangeArrowheads="1"/>
-          </p:cNvPicPr>
-          <p:nvPr/>
-        </p:nvPicPr>
-        <p:blipFill>
-          <a:blip r:embed="rId4">
-            <a:extLst>
-              <a:ext uri="{28A0092B-C50C-407E-A947-70E740481C1C}">
-                <a14:useLocalDpi xmlns:a14="http://schemas.microsoft.com/office/drawing/2010/main" val="0"/>
-              </a:ext>
-            </a:extLst>
-          </a:blip>
-          <a:srcRect/>
-          <a:stretch>
-            <a:fillRect/>
-          </a:stretch>
-        </p:blipFill>
-        <p:spPr bwMode="auto">
-          <a:xfrm>
-            <a:off x="1329544" y="6033686"/>
+            <a:off x="545772" y="6125198"/>
             <a:ext cx="431185" cy="431185"/>
           </a:xfrm>
           <a:prstGeom prst="rect">
@@ -9399,20 +9188,20 @@
     </p:spTree>
     <p:extLst>
       <p:ext uri="{BB962C8B-B14F-4D97-AF65-F5344CB8AC3E}">
-        <p14:creationId xmlns:p14="http://schemas.microsoft.com/office/powerpoint/2010/main" val="518800922"/>
+        <p14:creationId xmlns:p14="http://schemas.microsoft.com/office/powerpoint/2010/main" val="1272231778"/>
       </p:ext>
     </p:extLst>
   </p:cSld>
   <p:clrMapOvr>
     <a:masterClrMapping/>
   </p:clrMapOvr>
-  <mc:AlternateContent xmlns:mc="http://schemas.openxmlformats.org/markup-compatibility/2006">
-    <mc:Choice xmlns:p14="http://schemas.microsoft.com/office/powerpoint/2010/main" Requires="p14">
+  <mc:AlternateContent xmlns:mc="http://schemas.openxmlformats.org/markup-compatibility/2006" xmlns:p14="http://schemas.microsoft.com/office/powerpoint/2010/main">
+    <mc:Choice Requires="p14">
       <p:transition spd="slow" p14:dur="3400">
         <p14:reveal/>
       </p:transition>
     </mc:Choice>
-    <mc:Fallback>
+    <mc:Fallback xmlns="">
       <p:transition spd="slow">
         <p:fade/>
       </p:transition>
@@ -9422,1679 +9211,6 @@
 </file>
 
 <file path=ppt/slides/slide10.xml><?xml version="1.0" encoding="utf-8"?>
-<p:sld xmlns:a="http://schemas.openxmlformats.org/drawingml/2006/main" xmlns:r="http://schemas.openxmlformats.org/officeDocument/2006/relationships" xmlns:p="http://schemas.openxmlformats.org/presentationml/2006/main">
-  <p:cSld>
-    <p:spTree>
-      <p:nvGrpSpPr>
-        <p:cNvPr id="1" name=""/>
-        <p:cNvGrpSpPr/>
-        <p:nvPr/>
-      </p:nvGrpSpPr>
-      <p:grpSpPr>
-        <a:xfrm>
-          <a:off x="0" y="0"/>
-          <a:ext cx="0" cy="0"/>
-          <a:chOff x="0" y="0"/>
-          <a:chExt cx="0" cy="0"/>
-        </a:xfrm>
-      </p:grpSpPr>
-      <p:sp>
-        <p:nvSpPr>
-          <p:cNvPr id="2" name="Content Placeholder 1"/>
-          <p:cNvSpPr>
-            <a:spLocks noGrp="1"/>
-          </p:cNvSpPr>
-          <p:nvPr>
-            <p:ph sz="quarter" idx="10"/>
-          </p:nvPr>
-        </p:nvSpPr>
-        <p:spPr>
-          <a:xfrm>
-            <a:off x="609600" y="1613054"/>
-            <a:ext cx="10972800" cy="1270732"/>
-          </a:xfrm>
-        </p:spPr>
-        <p:txBody>
-          <a:bodyPr/>
-          <a:lstStyle/>
-          <a:p>
-            <a:r>
-              <a:rPr lang="en-US" dirty="0"/>
-              <a:t>The XAML spec defines many types you can use for XAML Resources</a:t>
-            </a:r>
-          </a:p>
-        </p:txBody>
-      </p:sp>
-      <p:sp>
-        <p:nvSpPr>
-          <p:cNvPr id="3" name="Title 2"/>
-          <p:cNvSpPr>
-            <a:spLocks noGrp="1"/>
-          </p:cNvSpPr>
-          <p:nvPr>
-            <p:ph type="title"/>
-          </p:nvPr>
-        </p:nvSpPr>
-        <p:spPr/>
-        <p:txBody>
-          <a:bodyPr/>
-          <a:lstStyle/>
-          <a:p>
-            <a:r>
-              <a:rPr lang="en-US" dirty="0"/>
-              <a:t>XAML intrinsic types</a:t>
-            </a:r>
-          </a:p>
-        </p:txBody>
-      </p:sp>
-      <p:sp>
-        <p:nvSpPr>
-          <p:cNvPr id="4" name="Rectangle 3"/>
-          <p:cNvSpPr/>
-          <p:nvPr/>
-        </p:nvSpPr>
-        <p:spPr>
-          <a:xfrm>
-            <a:off x="3230681" y="2867912"/>
-            <a:ext cx="6494085" cy="3827523"/>
-          </a:xfrm>
-          <a:prstGeom prst="rect">
-            <a:avLst/>
-          </a:prstGeom>
-          <a:solidFill>
-            <a:srgbClr val="FFFFFF"/>
-          </a:solidFill>
-          <a:ln>
-            <a:solidFill>
-              <a:srgbClr val="606E6F"/>
-            </a:solidFill>
-          </a:ln>
-        </p:spPr>
-        <p:txBody>
-          <a:bodyPr wrap="none">
-            <a:spAutoFit/>
-          </a:bodyPr>
-          <a:lstStyle/>
-          <a:p>
-            <a:r>
-              <a:rPr lang="en-US" sz="1867" dirty="0">
-                <a:solidFill>
-                  <a:srgbClr val="0000FF"/>
-                </a:solidFill>
-                <a:latin typeface="Consolas" panose="020B0609020204030204" pitchFamily="49" charset="0"/>
-              </a:rPr>
-              <a:t>&lt;</a:t>
-            </a:r>
-            <a:r>
-              <a:rPr lang="en-US" sz="1867" dirty="0" err="1">
-                <a:solidFill>
-                  <a:srgbClr val="A31515"/>
-                </a:solidFill>
-                <a:latin typeface="Consolas" panose="020B0609020204030204" pitchFamily="49" charset="0"/>
-              </a:rPr>
-              <a:t>ResourceDictionary</a:t>
-            </a:r>
-            <a:r>
-              <a:rPr lang="en-US" sz="1867" dirty="0">
-                <a:solidFill>
-                  <a:srgbClr val="0000FF"/>
-                </a:solidFill>
-                <a:latin typeface="Consolas" panose="020B0609020204030204" pitchFamily="49" charset="0"/>
-              </a:rPr>
-              <a:t>&gt;</a:t>
-            </a:r>
-            <a:br>
-              <a:rPr lang="en-US" sz="1867" dirty="0">
-                <a:solidFill>
-                  <a:srgbClr val="0000FF"/>
-                </a:solidFill>
-                <a:latin typeface="Consolas" panose="020B0609020204030204" pitchFamily="49" charset="0"/>
-              </a:rPr>
-            </a:br>
-            <a:r>
-              <a:rPr lang="en-US" sz="1867" dirty="0">
-                <a:solidFill>
-                  <a:srgbClr val="0000FF"/>
-                </a:solidFill>
-                <a:latin typeface="Consolas" panose="020B0609020204030204" pitchFamily="49" charset="0"/>
-              </a:rPr>
-              <a:t>  &lt;</a:t>
-            </a:r>
-            <a:r>
-              <a:rPr lang="en-US" sz="1867" dirty="0" err="1">
-                <a:solidFill>
-                  <a:srgbClr val="A31515"/>
-                </a:solidFill>
-                <a:latin typeface="Consolas" panose="020B0609020204030204" pitchFamily="49" charset="0"/>
-              </a:rPr>
-              <a:t>x:String</a:t>
-            </a:r>
-            <a:r>
-              <a:rPr lang="en-US" sz="1867" dirty="0">
-                <a:solidFill>
-                  <a:srgbClr val="A31515"/>
-                </a:solidFill>
-                <a:latin typeface="Consolas" panose="020B0609020204030204" pitchFamily="49" charset="0"/>
-              </a:rPr>
-              <a:t>   </a:t>
-            </a:r>
-            <a:r>
-              <a:rPr lang="en-US" sz="1867" dirty="0">
-                <a:solidFill>
-                  <a:srgbClr val="FF0000"/>
-                </a:solidFill>
-                <a:latin typeface="Consolas" panose="020B0609020204030204" pitchFamily="49" charset="0"/>
-              </a:rPr>
-              <a:t>x:Key</a:t>
-            </a:r>
-            <a:r>
-              <a:rPr lang="en-US" sz="1867" dirty="0">
-                <a:solidFill>
-                  <a:srgbClr val="0000FF"/>
-                </a:solidFill>
-                <a:latin typeface="Consolas" panose="020B0609020204030204" pitchFamily="49" charset="0"/>
-              </a:rPr>
-              <a:t>=</a:t>
-            </a:r>
-            <a:r>
-              <a:rPr lang="en-US" sz="1867" dirty="0">
-                <a:solidFill>
-                  <a:srgbClr val="000000"/>
-                </a:solidFill>
-                <a:latin typeface="Consolas" panose="020B0609020204030204" pitchFamily="49" charset="0"/>
-              </a:rPr>
-              <a:t>"</a:t>
-            </a:r>
-            <a:r>
-              <a:rPr lang="en-US" sz="1867" dirty="0">
-                <a:latin typeface="Consolas" panose="020B0609020204030204" pitchFamily="49" charset="0"/>
-              </a:rPr>
-              <a:t>...</a:t>
-            </a:r>
-            <a:r>
-              <a:rPr lang="en-US" sz="1867" dirty="0">
-                <a:solidFill>
-                  <a:srgbClr val="000000"/>
-                </a:solidFill>
-                <a:latin typeface="Consolas" panose="020B0609020204030204" pitchFamily="49" charset="0"/>
-              </a:rPr>
-              <a:t>"</a:t>
-            </a:r>
-            <a:r>
-              <a:rPr lang="en-US" sz="1867" dirty="0">
-                <a:solidFill>
-                  <a:srgbClr val="0000FF"/>
-                </a:solidFill>
-                <a:latin typeface="Consolas" panose="020B0609020204030204" pitchFamily="49" charset="0"/>
-              </a:rPr>
-              <a:t>&gt;</a:t>
-            </a:r>
-            <a:r>
-              <a:rPr lang="en-US" sz="1867" dirty="0">
-                <a:solidFill>
-                  <a:srgbClr val="000000"/>
-                </a:solidFill>
-                <a:latin typeface="Consolas" panose="020B0609020204030204" pitchFamily="49" charset="0"/>
-              </a:rPr>
-              <a:t>Hello</a:t>
-            </a:r>
-            <a:r>
-              <a:rPr lang="en-US" sz="1867" dirty="0">
-                <a:solidFill>
-                  <a:srgbClr val="0000FF"/>
-                </a:solidFill>
-                <a:latin typeface="Consolas" panose="020B0609020204030204" pitchFamily="49" charset="0"/>
-              </a:rPr>
-              <a:t>&lt;/</a:t>
-            </a:r>
-            <a:r>
-              <a:rPr lang="en-US" sz="1867" dirty="0">
-                <a:solidFill>
-                  <a:srgbClr val="A31515"/>
-                </a:solidFill>
-                <a:latin typeface="Consolas" panose="020B0609020204030204" pitchFamily="49" charset="0"/>
-              </a:rPr>
-              <a:t>x:String</a:t>
-            </a:r>
-            <a:r>
-              <a:rPr lang="en-US" sz="1867" dirty="0">
-                <a:solidFill>
-                  <a:srgbClr val="0000FF"/>
-                </a:solidFill>
-                <a:latin typeface="Consolas" panose="020B0609020204030204" pitchFamily="49" charset="0"/>
-              </a:rPr>
-              <a:t>&gt;</a:t>
-            </a:r>
-            <a:br>
-              <a:rPr lang="en-US" sz="1867" dirty="0">
-                <a:solidFill>
-                  <a:srgbClr val="0000FF"/>
-                </a:solidFill>
-                <a:latin typeface="Consolas" panose="020B0609020204030204" pitchFamily="49" charset="0"/>
-              </a:rPr>
-            </a:br>
-            <a:r>
-              <a:rPr lang="en-US" sz="1867" dirty="0">
-                <a:solidFill>
-                  <a:srgbClr val="0000FF"/>
-                </a:solidFill>
-                <a:latin typeface="Consolas" panose="020B0609020204030204" pitchFamily="49" charset="0"/>
-              </a:rPr>
-              <a:t>  &lt;</a:t>
-            </a:r>
-            <a:r>
-              <a:rPr lang="en-US" sz="1867" dirty="0" err="1">
-                <a:solidFill>
-                  <a:srgbClr val="A31515"/>
-                </a:solidFill>
-                <a:latin typeface="Consolas" panose="020B0609020204030204" pitchFamily="49" charset="0"/>
-              </a:rPr>
-              <a:t>x:Char</a:t>
-            </a:r>
-            <a:r>
-              <a:rPr lang="en-US" sz="1867" dirty="0">
-                <a:solidFill>
-                  <a:srgbClr val="A31515"/>
-                </a:solidFill>
-                <a:latin typeface="Consolas" panose="020B0609020204030204" pitchFamily="49" charset="0"/>
-              </a:rPr>
-              <a:t>     </a:t>
-            </a:r>
-            <a:r>
-              <a:rPr lang="en-US" sz="1867" dirty="0">
-                <a:solidFill>
-                  <a:srgbClr val="FF0000"/>
-                </a:solidFill>
-                <a:latin typeface="Consolas" panose="020B0609020204030204" pitchFamily="49" charset="0"/>
-              </a:rPr>
-              <a:t>x:Key</a:t>
-            </a:r>
-            <a:r>
-              <a:rPr lang="en-US" sz="1867" dirty="0">
-                <a:solidFill>
-                  <a:srgbClr val="0000FF"/>
-                </a:solidFill>
-                <a:latin typeface="Consolas" panose="020B0609020204030204" pitchFamily="49" charset="0"/>
-              </a:rPr>
-              <a:t>=</a:t>
-            </a:r>
-            <a:r>
-              <a:rPr lang="en-US" sz="1867" dirty="0">
-                <a:solidFill>
-                  <a:srgbClr val="000000"/>
-                </a:solidFill>
-                <a:latin typeface="Consolas" panose="020B0609020204030204" pitchFamily="49" charset="0"/>
-              </a:rPr>
-              <a:t>"</a:t>
-            </a:r>
-            <a:r>
-              <a:rPr lang="en-US" sz="1867" dirty="0">
-                <a:latin typeface="Consolas" panose="020B0609020204030204" pitchFamily="49" charset="0"/>
-              </a:rPr>
-              <a:t>...</a:t>
-            </a:r>
-            <a:r>
-              <a:rPr lang="en-US" sz="1867" dirty="0">
-                <a:solidFill>
-                  <a:srgbClr val="000000"/>
-                </a:solidFill>
-                <a:latin typeface="Consolas" panose="020B0609020204030204" pitchFamily="49" charset="0"/>
-              </a:rPr>
-              <a:t>"</a:t>
-            </a:r>
-            <a:r>
-              <a:rPr lang="en-US" sz="1867" dirty="0">
-                <a:solidFill>
-                  <a:srgbClr val="0000FF"/>
-                </a:solidFill>
-                <a:latin typeface="Consolas" panose="020B0609020204030204" pitchFamily="49" charset="0"/>
-              </a:rPr>
-              <a:t>&gt;</a:t>
-            </a:r>
-            <a:r>
-              <a:rPr lang="en-US" sz="1867" dirty="0">
-                <a:solidFill>
-                  <a:srgbClr val="000000"/>
-                </a:solidFill>
-                <a:latin typeface="Consolas" panose="020B0609020204030204" pitchFamily="49" charset="0"/>
-              </a:rPr>
-              <a:t>X</a:t>
-            </a:r>
-            <a:r>
-              <a:rPr lang="en-US" sz="1867" dirty="0">
-                <a:solidFill>
-                  <a:srgbClr val="0000FF"/>
-                </a:solidFill>
-                <a:latin typeface="Consolas" panose="020B0609020204030204" pitchFamily="49" charset="0"/>
-              </a:rPr>
-              <a:t>&lt;/</a:t>
-            </a:r>
-            <a:r>
-              <a:rPr lang="en-US" sz="1867" dirty="0">
-                <a:solidFill>
-                  <a:srgbClr val="A31515"/>
-                </a:solidFill>
-                <a:latin typeface="Consolas" panose="020B0609020204030204" pitchFamily="49" charset="0"/>
-              </a:rPr>
-              <a:t>x:Char</a:t>
-            </a:r>
-            <a:r>
-              <a:rPr lang="en-US" sz="1867" dirty="0">
-                <a:solidFill>
-                  <a:srgbClr val="0000FF"/>
-                </a:solidFill>
-                <a:latin typeface="Consolas" panose="020B0609020204030204" pitchFamily="49" charset="0"/>
-              </a:rPr>
-              <a:t>&gt;</a:t>
-            </a:r>
-            <a:br>
-              <a:rPr lang="en-US" sz="1867" dirty="0">
-                <a:solidFill>
-                  <a:srgbClr val="0000FF"/>
-                </a:solidFill>
-                <a:latin typeface="Consolas" panose="020B0609020204030204" pitchFamily="49" charset="0"/>
-              </a:rPr>
-            </a:br>
-            <a:r>
-              <a:rPr lang="en-US" sz="1867" dirty="0">
-                <a:solidFill>
-                  <a:srgbClr val="0000FF"/>
-                </a:solidFill>
-                <a:latin typeface="Consolas" panose="020B0609020204030204" pitchFamily="49" charset="0"/>
-              </a:rPr>
-              <a:t>  &lt;</a:t>
-            </a:r>
-            <a:r>
-              <a:rPr lang="en-US" sz="1867" dirty="0" err="1">
-                <a:solidFill>
-                  <a:srgbClr val="A31515"/>
-                </a:solidFill>
-                <a:latin typeface="Consolas" panose="020B0609020204030204" pitchFamily="49" charset="0"/>
-              </a:rPr>
-              <a:t>x:Single</a:t>
-            </a:r>
-            <a:r>
-              <a:rPr lang="en-US" sz="1867" dirty="0">
-                <a:solidFill>
-                  <a:srgbClr val="A31515"/>
-                </a:solidFill>
-                <a:latin typeface="Consolas" panose="020B0609020204030204" pitchFamily="49" charset="0"/>
-              </a:rPr>
-              <a:t>   </a:t>
-            </a:r>
-            <a:r>
-              <a:rPr lang="en-US" sz="1867" dirty="0">
-                <a:solidFill>
-                  <a:srgbClr val="FF0000"/>
-                </a:solidFill>
-                <a:latin typeface="Consolas" panose="020B0609020204030204" pitchFamily="49" charset="0"/>
-              </a:rPr>
-              <a:t>x:Key</a:t>
-            </a:r>
-            <a:r>
-              <a:rPr lang="en-US" sz="1867" dirty="0">
-                <a:solidFill>
-                  <a:srgbClr val="0000FF"/>
-                </a:solidFill>
-                <a:latin typeface="Consolas" panose="020B0609020204030204" pitchFamily="49" charset="0"/>
-              </a:rPr>
-              <a:t>=</a:t>
-            </a:r>
-            <a:r>
-              <a:rPr lang="en-US" sz="1867" dirty="0">
-                <a:solidFill>
-                  <a:srgbClr val="000000"/>
-                </a:solidFill>
-                <a:latin typeface="Consolas" panose="020B0609020204030204" pitchFamily="49" charset="0"/>
-              </a:rPr>
-              <a:t>"</a:t>
-            </a:r>
-            <a:r>
-              <a:rPr lang="en-US" sz="1867" dirty="0">
-                <a:latin typeface="Consolas" panose="020B0609020204030204" pitchFamily="49" charset="0"/>
-              </a:rPr>
-              <a:t>...</a:t>
-            </a:r>
-            <a:r>
-              <a:rPr lang="en-US" sz="1867" dirty="0">
-                <a:solidFill>
-                  <a:srgbClr val="000000"/>
-                </a:solidFill>
-                <a:latin typeface="Consolas" panose="020B0609020204030204" pitchFamily="49" charset="0"/>
-              </a:rPr>
-              <a:t>"</a:t>
-            </a:r>
-            <a:r>
-              <a:rPr lang="en-US" sz="1867" dirty="0">
-                <a:solidFill>
-                  <a:srgbClr val="0000FF"/>
-                </a:solidFill>
-                <a:latin typeface="Consolas" panose="020B0609020204030204" pitchFamily="49" charset="0"/>
-              </a:rPr>
-              <a:t>&gt;</a:t>
-            </a:r>
-            <a:r>
-              <a:rPr lang="en-US" sz="1867" dirty="0">
-                <a:solidFill>
-                  <a:srgbClr val="000000"/>
-                </a:solidFill>
-                <a:latin typeface="Consolas" panose="020B0609020204030204" pitchFamily="49" charset="0"/>
-              </a:rPr>
-              <a:t>31.4</a:t>
-            </a:r>
-            <a:r>
-              <a:rPr lang="en-US" sz="1867" dirty="0">
-                <a:solidFill>
-                  <a:srgbClr val="0000FF"/>
-                </a:solidFill>
-                <a:latin typeface="Consolas" panose="020B0609020204030204" pitchFamily="49" charset="0"/>
-              </a:rPr>
-              <a:t>&lt;/</a:t>
-            </a:r>
-            <a:r>
-              <a:rPr lang="en-US" sz="1867" dirty="0">
-                <a:solidFill>
-                  <a:srgbClr val="A31515"/>
-                </a:solidFill>
-                <a:latin typeface="Consolas" panose="020B0609020204030204" pitchFamily="49" charset="0"/>
-              </a:rPr>
-              <a:t>x:Single</a:t>
-            </a:r>
-            <a:r>
-              <a:rPr lang="en-US" sz="1867" dirty="0">
-                <a:solidFill>
-                  <a:srgbClr val="0000FF"/>
-                </a:solidFill>
-                <a:latin typeface="Consolas" panose="020B0609020204030204" pitchFamily="49" charset="0"/>
-              </a:rPr>
-              <a:t>&gt;</a:t>
-            </a:r>
-            <a:br>
-              <a:rPr lang="en-US" sz="1867" dirty="0">
-                <a:solidFill>
-                  <a:srgbClr val="0000FF"/>
-                </a:solidFill>
-                <a:latin typeface="Consolas" panose="020B0609020204030204" pitchFamily="49" charset="0"/>
-              </a:rPr>
-            </a:br>
-            <a:r>
-              <a:rPr lang="en-US" sz="1867" dirty="0">
-                <a:solidFill>
-                  <a:srgbClr val="0000FF"/>
-                </a:solidFill>
-                <a:latin typeface="Consolas" panose="020B0609020204030204" pitchFamily="49" charset="0"/>
-              </a:rPr>
-              <a:t>  &lt;</a:t>
-            </a:r>
-            <a:r>
-              <a:rPr lang="en-US" sz="1867" dirty="0" err="1">
-                <a:solidFill>
-                  <a:srgbClr val="A31515"/>
-                </a:solidFill>
-                <a:latin typeface="Consolas" panose="020B0609020204030204" pitchFamily="49" charset="0"/>
-              </a:rPr>
-              <a:t>x:Double</a:t>
-            </a:r>
-            <a:r>
-              <a:rPr lang="en-US" sz="1867" dirty="0">
-                <a:solidFill>
-                  <a:srgbClr val="A31515"/>
-                </a:solidFill>
-                <a:latin typeface="Consolas" panose="020B0609020204030204" pitchFamily="49" charset="0"/>
-              </a:rPr>
-              <a:t>   </a:t>
-            </a:r>
-            <a:r>
-              <a:rPr lang="en-US" sz="1867" dirty="0">
-                <a:solidFill>
-                  <a:srgbClr val="FF0000"/>
-                </a:solidFill>
-                <a:latin typeface="Consolas" panose="020B0609020204030204" pitchFamily="49" charset="0"/>
-              </a:rPr>
-              <a:t>x:Key</a:t>
-            </a:r>
-            <a:r>
-              <a:rPr lang="en-US" sz="1867" dirty="0">
-                <a:solidFill>
-                  <a:srgbClr val="0000FF"/>
-                </a:solidFill>
-                <a:latin typeface="Consolas" panose="020B0609020204030204" pitchFamily="49" charset="0"/>
-              </a:rPr>
-              <a:t>=</a:t>
-            </a:r>
-            <a:r>
-              <a:rPr lang="en-US" sz="1867" dirty="0">
-                <a:solidFill>
-                  <a:srgbClr val="000000"/>
-                </a:solidFill>
-                <a:latin typeface="Consolas" panose="020B0609020204030204" pitchFamily="49" charset="0"/>
-              </a:rPr>
-              <a:t>"</a:t>
-            </a:r>
-            <a:r>
-              <a:rPr lang="en-US" sz="1867" dirty="0">
-                <a:latin typeface="Consolas" panose="020B0609020204030204" pitchFamily="49" charset="0"/>
-              </a:rPr>
-              <a:t>...</a:t>
-            </a:r>
-            <a:r>
-              <a:rPr lang="en-US" sz="1867" dirty="0">
-                <a:solidFill>
-                  <a:srgbClr val="000000"/>
-                </a:solidFill>
-                <a:latin typeface="Consolas" panose="020B0609020204030204" pitchFamily="49" charset="0"/>
-              </a:rPr>
-              <a:t>"</a:t>
-            </a:r>
-            <a:r>
-              <a:rPr lang="en-US" sz="1867" dirty="0">
-                <a:solidFill>
-                  <a:srgbClr val="0000FF"/>
-                </a:solidFill>
-                <a:latin typeface="Consolas" panose="020B0609020204030204" pitchFamily="49" charset="0"/>
-              </a:rPr>
-              <a:t>&gt;</a:t>
-            </a:r>
-            <a:r>
-              <a:rPr lang="en-US" sz="1867" dirty="0">
-                <a:solidFill>
-                  <a:srgbClr val="000000"/>
-                </a:solidFill>
-                <a:latin typeface="Consolas" panose="020B0609020204030204" pitchFamily="49" charset="0"/>
-              </a:rPr>
-              <a:t>27.1</a:t>
-            </a:r>
-            <a:r>
-              <a:rPr lang="en-US" sz="1867" dirty="0">
-                <a:solidFill>
-                  <a:srgbClr val="0000FF"/>
-                </a:solidFill>
-                <a:latin typeface="Consolas" panose="020B0609020204030204" pitchFamily="49" charset="0"/>
-              </a:rPr>
-              <a:t>&lt;/</a:t>
-            </a:r>
-            <a:r>
-              <a:rPr lang="en-US" sz="1867" dirty="0">
-                <a:solidFill>
-                  <a:srgbClr val="A31515"/>
-                </a:solidFill>
-                <a:latin typeface="Consolas" panose="020B0609020204030204" pitchFamily="49" charset="0"/>
-              </a:rPr>
-              <a:t>x:Double</a:t>
-            </a:r>
-            <a:r>
-              <a:rPr lang="en-US" sz="1867" dirty="0">
-                <a:solidFill>
-                  <a:srgbClr val="0000FF"/>
-                </a:solidFill>
-                <a:latin typeface="Consolas" panose="020B0609020204030204" pitchFamily="49" charset="0"/>
-              </a:rPr>
-              <a:t>&gt;</a:t>
-            </a:r>
-            <a:br>
-              <a:rPr lang="en-US" sz="1867" dirty="0">
-                <a:solidFill>
-                  <a:srgbClr val="0000FF"/>
-                </a:solidFill>
-                <a:latin typeface="Consolas" panose="020B0609020204030204" pitchFamily="49" charset="0"/>
-              </a:rPr>
-            </a:br>
-            <a:r>
-              <a:rPr lang="en-US" sz="1867" dirty="0">
-                <a:solidFill>
-                  <a:srgbClr val="0000FF"/>
-                </a:solidFill>
-                <a:latin typeface="Consolas" panose="020B0609020204030204" pitchFamily="49" charset="0"/>
-              </a:rPr>
-              <a:t>  &lt;</a:t>
-            </a:r>
-            <a:r>
-              <a:rPr lang="en-US" sz="1867" dirty="0" err="1">
-                <a:solidFill>
-                  <a:srgbClr val="A31515"/>
-                </a:solidFill>
-                <a:latin typeface="Consolas" panose="020B0609020204030204" pitchFamily="49" charset="0"/>
-              </a:rPr>
-              <a:t>x:Byte</a:t>
-            </a:r>
-            <a:r>
-              <a:rPr lang="en-US" sz="1867" dirty="0">
-                <a:solidFill>
-                  <a:srgbClr val="A31515"/>
-                </a:solidFill>
-                <a:latin typeface="Consolas" panose="020B0609020204030204" pitchFamily="49" charset="0"/>
-              </a:rPr>
-              <a:t>     </a:t>
-            </a:r>
-            <a:r>
-              <a:rPr lang="en-US" sz="1867" dirty="0">
-                <a:solidFill>
-                  <a:srgbClr val="FF0000"/>
-                </a:solidFill>
-                <a:latin typeface="Consolas" panose="020B0609020204030204" pitchFamily="49" charset="0"/>
-              </a:rPr>
-              <a:t>x:Key</a:t>
-            </a:r>
-            <a:r>
-              <a:rPr lang="en-US" sz="1867" dirty="0">
-                <a:solidFill>
-                  <a:srgbClr val="0000FF"/>
-                </a:solidFill>
-                <a:latin typeface="Consolas" panose="020B0609020204030204" pitchFamily="49" charset="0"/>
-              </a:rPr>
-              <a:t>=</a:t>
-            </a:r>
-            <a:r>
-              <a:rPr lang="en-US" sz="1867" dirty="0">
-                <a:solidFill>
-                  <a:srgbClr val="000000"/>
-                </a:solidFill>
-                <a:latin typeface="Consolas" panose="020B0609020204030204" pitchFamily="49" charset="0"/>
-              </a:rPr>
-              <a:t>"</a:t>
-            </a:r>
-            <a:r>
-              <a:rPr lang="en-US" sz="1867" dirty="0">
-                <a:latin typeface="Consolas" panose="020B0609020204030204" pitchFamily="49" charset="0"/>
-              </a:rPr>
-              <a:t>...</a:t>
-            </a:r>
-            <a:r>
-              <a:rPr lang="en-US" sz="1867" dirty="0">
-                <a:solidFill>
-                  <a:srgbClr val="000000"/>
-                </a:solidFill>
-                <a:latin typeface="Consolas" panose="020B0609020204030204" pitchFamily="49" charset="0"/>
-              </a:rPr>
-              <a:t>"</a:t>
-            </a:r>
-            <a:r>
-              <a:rPr lang="en-US" sz="1867" dirty="0">
-                <a:solidFill>
-                  <a:srgbClr val="0000FF"/>
-                </a:solidFill>
-                <a:latin typeface="Consolas" panose="020B0609020204030204" pitchFamily="49" charset="0"/>
-              </a:rPr>
-              <a:t>&gt;</a:t>
-            </a:r>
-            <a:r>
-              <a:rPr lang="en-US" sz="1867" dirty="0">
-                <a:solidFill>
-                  <a:srgbClr val="000000"/>
-                </a:solidFill>
-                <a:latin typeface="Consolas" panose="020B0609020204030204" pitchFamily="49" charset="0"/>
-              </a:rPr>
-              <a:t>8</a:t>
-            </a:r>
-            <a:r>
-              <a:rPr lang="en-US" sz="1867" dirty="0">
-                <a:solidFill>
-                  <a:srgbClr val="0000FF"/>
-                </a:solidFill>
-                <a:latin typeface="Consolas" panose="020B0609020204030204" pitchFamily="49" charset="0"/>
-              </a:rPr>
-              <a:t>&lt;/</a:t>
-            </a:r>
-            <a:r>
-              <a:rPr lang="en-US" sz="1867" dirty="0">
-                <a:solidFill>
-                  <a:srgbClr val="A31515"/>
-                </a:solidFill>
-                <a:latin typeface="Consolas" panose="020B0609020204030204" pitchFamily="49" charset="0"/>
-              </a:rPr>
-              <a:t>x:Byte</a:t>
-            </a:r>
-            <a:r>
-              <a:rPr lang="en-US" sz="1867" dirty="0">
-                <a:solidFill>
-                  <a:srgbClr val="0000FF"/>
-                </a:solidFill>
-                <a:latin typeface="Consolas" panose="020B0609020204030204" pitchFamily="49" charset="0"/>
-              </a:rPr>
-              <a:t>&gt;</a:t>
-            </a:r>
-            <a:br>
-              <a:rPr lang="en-US" sz="1867" dirty="0">
-                <a:solidFill>
-                  <a:srgbClr val="0000FF"/>
-                </a:solidFill>
-                <a:latin typeface="Consolas" panose="020B0609020204030204" pitchFamily="49" charset="0"/>
-              </a:rPr>
-            </a:br>
-            <a:r>
-              <a:rPr lang="en-US" sz="1867" dirty="0">
-                <a:solidFill>
-                  <a:srgbClr val="0000FF"/>
-                </a:solidFill>
-                <a:latin typeface="Consolas" panose="020B0609020204030204" pitchFamily="49" charset="0"/>
-              </a:rPr>
-              <a:t>  &lt;</a:t>
-            </a:r>
-            <a:r>
-              <a:rPr lang="en-US" sz="1867" dirty="0">
-                <a:solidFill>
-                  <a:srgbClr val="A31515"/>
-                </a:solidFill>
-                <a:latin typeface="Consolas" panose="020B0609020204030204" pitchFamily="49" charset="0"/>
-              </a:rPr>
-              <a:t>x:Int16    </a:t>
-            </a:r>
-            <a:r>
-              <a:rPr lang="en-US" sz="1867" dirty="0">
-                <a:solidFill>
-                  <a:srgbClr val="FF0000"/>
-                </a:solidFill>
-                <a:latin typeface="Consolas" panose="020B0609020204030204" pitchFamily="49" charset="0"/>
-              </a:rPr>
-              <a:t>x:Key</a:t>
-            </a:r>
-            <a:r>
-              <a:rPr lang="en-US" sz="1867" dirty="0">
-                <a:solidFill>
-                  <a:srgbClr val="0000FF"/>
-                </a:solidFill>
-                <a:latin typeface="Consolas" panose="020B0609020204030204" pitchFamily="49" charset="0"/>
-              </a:rPr>
-              <a:t>=</a:t>
-            </a:r>
-            <a:r>
-              <a:rPr lang="en-US" sz="1867" dirty="0">
-                <a:solidFill>
-                  <a:srgbClr val="000000"/>
-                </a:solidFill>
-                <a:latin typeface="Consolas" panose="020B0609020204030204" pitchFamily="49" charset="0"/>
-              </a:rPr>
-              <a:t>"</a:t>
-            </a:r>
-            <a:r>
-              <a:rPr lang="en-US" sz="1867" dirty="0">
-                <a:latin typeface="Consolas" panose="020B0609020204030204" pitchFamily="49" charset="0"/>
-              </a:rPr>
-              <a:t>...</a:t>
-            </a:r>
-            <a:r>
-              <a:rPr lang="en-US" sz="1867" dirty="0">
-                <a:solidFill>
-                  <a:srgbClr val="000000"/>
-                </a:solidFill>
-                <a:latin typeface="Consolas" panose="020B0609020204030204" pitchFamily="49" charset="0"/>
-              </a:rPr>
-              <a:t>"</a:t>
-            </a:r>
-            <a:r>
-              <a:rPr lang="en-US" sz="1867" dirty="0">
-                <a:solidFill>
-                  <a:srgbClr val="0000FF"/>
-                </a:solidFill>
-                <a:latin typeface="Consolas" panose="020B0609020204030204" pitchFamily="49" charset="0"/>
-              </a:rPr>
-              <a:t>&gt;</a:t>
-            </a:r>
-            <a:r>
-              <a:rPr lang="en-US" sz="1867" dirty="0">
-                <a:solidFill>
-                  <a:srgbClr val="000000"/>
-                </a:solidFill>
-                <a:latin typeface="Consolas" panose="020B0609020204030204" pitchFamily="49" charset="0"/>
-              </a:rPr>
-              <a:t>16</a:t>
-            </a:r>
-            <a:r>
-              <a:rPr lang="en-US" sz="1867" dirty="0">
-                <a:solidFill>
-                  <a:srgbClr val="0000FF"/>
-                </a:solidFill>
-                <a:latin typeface="Consolas" panose="020B0609020204030204" pitchFamily="49" charset="0"/>
-              </a:rPr>
-              <a:t>&lt;/</a:t>
-            </a:r>
-            <a:r>
-              <a:rPr lang="en-US" sz="1867" dirty="0">
-                <a:solidFill>
-                  <a:srgbClr val="A31515"/>
-                </a:solidFill>
-                <a:latin typeface="Consolas" panose="020B0609020204030204" pitchFamily="49" charset="0"/>
-              </a:rPr>
-              <a:t>x:Int16</a:t>
-            </a:r>
-            <a:r>
-              <a:rPr lang="en-US" sz="1867" dirty="0">
-                <a:solidFill>
-                  <a:srgbClr val="0000FF"/>
-                </a:solidFill>
-                <a:latin typeface="Consolas" panose="020B0609020204030204" pitchFamily="49" charset="0"/>
-              </a:rPr>
-              <a:t>&gt;</a:t>
-            </a:r>
-            <a:br>
-              <a:rPr lang="en-US" sz="1867" dirty="0">
-                <a:solidFill>
-                  <a:srgbClr val="0000FF"/>
-                </a:solidFill>
-                <a:latin typeface="Consolas" panose="020B0609020204030204" pitchFamily="49" charset="0"/>
-              </a:rPr>
-            </a:br>
-            <a:r>
-              <a:rPr lang="en-US" sz="1867" dirty="0">
-                <a:solidFill>
-                  <a:srgbClr val="0000FF"/>
-                </a:solidFill>
-                <a:latin typeface="Consolas" panose="020B0609020204030204" pitchFamily="49" charset="0"/>
-              </a:rPr>
-              <a:t>  &lt;</a:t>
-            </a:r>
-            <a:r>
-              <a:rPr lang="en-US" sz="1867" dirty="0">
-                <a:solidFill>
-                  <a:srgbClr val="A31515"/>
-                </a:solidFill>
-                <a:latin typeface="Consolas" panose="020B0609020204030204" pitchFamily="49" charset="0"/>
-              </a:rPr>
-              <a:t>x:Int32    </a:t>
-            </a:r>
-            <a:r>
-              <a:rPr lang="en-US" sz="1867" dirty="0">
-                <a:solidFill>
-                  <a:srgbClr val="FF0000"/>
-                </a:solidFill>
-                <a:latin typeface="Consolas" panose="020B0609020204030204" pitchFamily="49" charset="0"/>
-              </a:rPr>
-              <a:t>x:Key</a:t>
-            </a:r>
-            <a:r>
-              <a:rPr lang="en-US" sz="1867" dirty="0">
-                <a:solidFill>
-                  <a:srgbClr val="0000FF"/>
-                </a:solidFill>
-                <a:latin typeface="Consolas" panose="020B0609020204030204" pitchFamily="49" charset="0"/>
-              </a:rPr>
-              <a:t>=</a:t>
-            </a:r>
-            <a:r>
-              <a:rPr lang="en-US" sz="1867" dirty="0">
-                <a:solidFill>
-                  <a:srgbClr val="000000"/>
-                </a:solidFill>
-                <a:latin typeface="Consolas" panose="020B0609020204030204" pitchFamily="49" charset="0"/>
-              </a:rPr>
-              <a:t>"</a:t>
-            </a:r>
-            <a:r>
-              <a:rPr lang="en-US" sz="1867" dirty="0">
-                <a:latin typeface="Consolas" panose="020B0609020204030204" pitchFamily="49" charset="0"/>
-              </a:rPr>
-              <a:t>...</a:t>
-            </a:r>
-            <a:r>
-              <a:rPr lang="en-US" sz="1867" dirty="0">
-                <a:solidFill>
-                  <a:srgbClr val="000000"/>
-                </a:solidFill>
-                <a:latin typeface="Consolas" panose="020B0609020204030204" pitchFamily="49" charset="0"/>
-              </a:rPr>
-              <a:t>"</a:t>
-            </a:r>
-            <a:r>
-              <a:rPr lang="en-US" sz="1867" dirty="0">
-                <a:solidFill>
-                  <a:srgbClr val="0000FF"/>
-                </a:solidFill>
-                <a:latin typeface="Consolas" panose="020B0609020204030204" pitchFamily="49" charset="0"/>
-              </a:rPr>
-              <a:t>&gt;</a:t>
-            </a:r>
-            <a:r>
-              <a:rPr lang="en-US" sz="1867" dirty="0">
-                <a:solidFill>
-                  <a:srgbClr val="000000"/>
-                </a:solidFill>
-                <a:latin typeface="Consolas" panose="020B0609020204030204" pitchFamily="49" charset="0"/>
-              </a:rPr>
-              <a:t>32</a:t>
-            </a:r>
-            <a:r>
-              <a:rPr lang="en-US" sz="1867" dirty="0">
-                <a:solidFill>
-                  <a:srgbClr val="0000FF"/>
-                </a:solidFill>
-                <a:latin typeface="Consolas" panose="020B0609020204030204" pitchFamily="49" charset="0"/>
-              </a:rPr>
-              <a:t>&lt;/</a:t>
-            </a:r>
-            <a:r>
-              <a:rPr lang="en-US" sz="1867" dirty="0">
-                <a:solidFill>
-                  <a:srgbClr val="A31515"/>
-                </a:solidFill>
-                <a:latin typeface="Consolas" panose="020B0609020204030204" pitchFamily="49" charset="0"/>
-              </a:rPr>
-              <a:t>x:Int32</a:t>
-            </a:r>
-            <a:r>
-              <a:rPr lang="en-US" sz="1867" dirty="0">
-                <a:solidFill>
-                  <a:srgbClr val="0000FF"/>
-                </a:solidFill>
-                <a:latin typeface="Consolas" panose="020B0609020204030204" pitchFamily="49" charset="0"/>
-              </a:rPr>
-              <a:t>&gt;</a:t>
-            </a:r>
-            <a:br>
-              <a:rPr lang="en-US" sz="1867" dirty="0">
-                <a:solidFill>
-                  <a:srgbClr val="0000FF"/>
-                </a:solidFill>
-                <a:latin typeface="Consolas" panose="020B0609020204030204" pitchFamily="49" charset="0"/>
-              </a:rPr>
-            </a:br>
-            <a:r>
-              <a:rPr lang="en-US" sz="1867" dirty="0">
-                <a:solidFill>
-                  <a:srgbClr val="0000FF"/>
-                </a:solidFill>
-                <a:latin typeface="Consolas" panose="020B0609020204030204" pitchFamily="49" charset="0"/>
-              </a:rPr>
-              <a:t>  &lt;</a:t>
-            </a:r>
-            <a:r>
-              <a:rPr lang="en-US" sz="1867" dirty="0">
-                <a:solidFill>
-                  <a:srgbClr val="A31515"/>
-                </a:solidFill>
-                <a:latin typeface="Consolas" panose="020B0609020204030204" pitchFamily="49" charset="0"/>
-              </a:rPr>
-              <a:t>x:Int64    </a:t>
-            </a:r>
-            <a:r>
-              <a:rPr lang="en-US" sz="1867" dirty="0">
-                <a:solidFill>
-                  <a:srgbClr val="FF0000"/>
-                </a:solidFill>
-                <a:latin typeface="Consolas" panose="020B0609020204030204" pitchFamily="49" charset="0"/>
-              </a:rPr>
-              <a:t>x:Key</a:t>
-            </a:r>
-            <a:r>
-              <a:rPr lang="en-US" sz="1867" dirty="0">
-                <a:solidFill>
-                  <a:srgbClr val="0000FF"/>
-                </a:solidFill>
-                <a:latin typeface="Consolas" panose="020B0609020204030204" pitchFamily="49" charset="0"/>
-              </a:rPr>
-              <a:t>=</a:t>
-            </a:r>
-            <a:r>
-              <a:rPr lang="en-US" sz="1867" dirty="0">
-                <a:solidFill>
-                  <a:srgbClr val="000000"/>
-                </a:solidFill>
-                <a:latin typeface="Consolas" panose="020B0609020204030204" pitchFamily="49" charset="0"/>
-              </a:rPr>
-              <a:t>"</a:t>
-            </a:r>
-            <a:r>
-              <a:rPr lang="en-US" sz="1867" dirty="0">
-                <a:latin typeface="Consolas" panose="020B0609020204030204" pitchFamily="49" charset="0"/>
-              </a:rPr>
-              <a:t>...</a:t>
-            </a:r>
-            <a:r>
-              <a:rPr lang="en-US" sz="1867" dirty="0">
-                <a:solidFill>
-                  <a:srgbClr val="000000"/>
-                </a:solidFill>
-                <a:latin typeface="Consolas" panose="020B0609020204030204" pitchFamily="49" charset="0"/>
-              </a:rPr>
-              <a:t>"</a:t>
-            </a:r>
-            <a:r>
-              <a:rPr lang="en-US" sz="1867" dirty="0">
-                <a:solidFill>
-                  <a:srgbClr val="0000FF"/>
-                </a:solidFill>
-                <a:latin typeface="Consolas" panose="020B0609020204030204" pitchFamily="49" charset="0"/>
-              </a:rPr>
-              <a:t>&gt;</a:t>
-            </a:r>
-            <a:r>
-              <a:rPr lang="en-US" sz="1867" dirty="0">
-                <a:solidFill>
-                  <a:srgbClr val="000000"/>
-                </a:solidFill>
-                <a:latin typeface="Consolas" panose="020B0609020204030204" pitchFamily="49" charset="0"/>
-              </a:rPr>
-              <a:t>64</a:t>
-            </a:r>
-            <a:r>
-              <a:rPr lang="en-US" sz="1867" dirty="0">
-                <a:solidFill>
-                  <a:srgbClr val="0000FF"/>
-                </a:solidFill>
-                <a:latin typeface="Consolas" panose="020B0609020204030204" pitchFamily="49" charset="0"/>
-              </a:rPr>
-              <a:t>&lt;/</a:t>
-            </a:r>
-            <a:r>
-              <a:rPr lang="en-US" sz="1867" dirty="0">
-                <a:solidFill>
-                  <a:srgbClr val="A31515"/>
-                </a:solidFill>
-                <a:latin typeface="Consolas" panose="020B0609020204030204" pitchFamily="49" charset="0"/>
-              </a:rPr>
-              <a:t>x:Int64</a:t>
-            </a:r>
-            <a:r>
-              <a:rPr lang="en-US" sz="1867" dirty="0">
-                <a:solidFill>
-                  <a:srgbClr val="0000FF"/>
-                </a:solidFill>
-                <a:latin typeface="Consolas" panose="020B0609020204030204" pitchFamily="49" charset="0"/>
-              </a:rPr>
-              <a:t>&gt;</a:t>
-            </a:r>
-            <a:br>
-              <a:rPr lang="en-US" sz="1867" dirty="0">
-                <a:solidFill>
-                  <a:srgbClr val="0000FF"/>
-                </a:solidFill>
-                <a:latin typeface="Consolas" panose="020B0609020204030204" pitchFamily="49" charset="0"/>
-              </a:rPr>
-            </a:br>
-            <a:r>
-              <a:rPr lang="en-US" sz="1867" dirty="0">
-                <a:solidFill>
-                  <a:srgbClr val="0000FF"/>
-                </a:solidFill>
-                <a:latin typeface="Consolas" panose="020B0609020204030204" pitchFamily="49" charset="0"/>
-              </a:rPr>
-              <a:t>  &lt;</a:t>
-            </a:r>
-            <a:r>
-              <a:rPr lang="en-US" sz="1867" dirty="0" err="1">
-                <a:solidFill>
-                  <a:srgbClr val="A31515"/>
-                </a:solidFill>
-                <a:latin typeface="Consolas" panose="020B0609020204030204" pitchFamily="49" charset="0"/>
-              </a:rPr>
-              <a:t>x:Decimal</a:t>
-            </a:r>
-            <a:r>
-              <a:rPr lang="en-US" sz="1867" dirty="0">
-                <a:solidFill>
-                  <a:srgbClr val="A31515"/>
-                </a:solidFill>
-                <a:latin typeface="Consolas" panose="020B0609020204030204" pitchFamily="49" charset="0"/>
-              </a:rPr>
-              <a:t>  </a:t>
-            </a:r>
-            <a:r>
-              <a:rPr lang="en-US" sz="1867" dirty="0">
-                <a:solidFill>
-                  <a:srgbClr val="FF0000"/>
-                </a:solidFill>
-                <a:latin typeface="Consolas" panose="020B0609020204030204" pitchFamily="49" charset="0"/>
-              </a:rPr>
-              <a:t>x:Key</a:t>
-            </a:r>
-            <a:r>
-              <a:rPr lang="en-US" sz="1867" dirty="0">
-                <a:solidFill>
-                  <a:srgbClr val="0000FF"/>
-                </a:solidFill>
-                <a:latin typeface="Consolas" panose="020B0609020204030204" pitchFamily="49" charset="0"/>
-              </a:rPr>
-              <a:t>=</a:t>
-            </a:r>
-            <a:r>
-              <a:rPr lang="en-US" sz="1867" dirty="0">
-                <a:solidFill>
-                  <a:srgbClr val="000000"/>
-                </a:solidFill>
-                <a:latin typeface="Consolas" panose="020B0609020204030204" pitchFamily="49" charset="0"/>
-              </a:rPr>
-              <a:t>"</a:t>
-            </a:r>
-            <a:r>
-              <a:rPr lang="en-US" sz="1867" dirty="0">
-                <a:latin typeface="Consolas" panose="020B0609020204030204" pitchFamily="49" charset="0"/>
-              </a:rPr>
-              <a:t>...</a:t>
-            </a:r>
-            <a:r>
-              <a:rPr lang="en-US" sz="1867" dirty="0">
-                <a:solidFill>
-                  <a:srgbClr val="000000"/>
-                </a:solidFill>
-                <a:latin typeface="Consolas" panose="020B0609020204030204" pitchFamily="49" charset="0"/>
-              </a:rPr>
-              <a:t>"</a:t>
-            </a:r>
-            <a:r>
-              <a:rPr lang="en-US" sz="1867" dirty="0">
-                <a:solidFill>
-                  <a:srgbClr val="0000FF"/>
-                </a:solidFill>
-                <a:latin typeface="Consolas" panose="020B0609020204030204" pitchFamily="49" charset="0"/>
-              </a:rPr>
-              <a:t>&gt;</a:t>
-            </a:r>
-            <a:r>
-              <a:rPr lang="en-US" sz="1867" dirty="0">
-                <a:solidFill>
-                  <a:srgbClr val="000000"/>
-                </a:solidFill>
-                <a:latin typeface="Consolas" panose="020B0609020204030204" pitchFamily="49" charset="0"/>
-              </a:rPr>
-              <a:t>12345</a:t>
-            </a:r>
-            <a:r>
-              <a:rPr lang="en-US" sz="1867" dirty="0">
-                <a:solidFill>
-                  <a:srgbClr val="0000FF"/>
-                </a:solidFill>
-                <a:latin typeface="Consolas" panose="020B0609020204030204" pitchFamily="49" charset="0"/>
-              </a:rPr>
-              <a:t>&lt;/</a:t>
-            </a:r>
-            <a:r>
-              <a:rPr lang="en-US" sz="1867" dirty="0">
-                <a:solidFill>
-                  <a:srgbClr val="A31515"/>
-                </a:solidFill>
-                <a:latin typeface="Consolas" panose="020B0609020204030204" pitchFamily="49" charset="0"/>
-              </a:rPr>
-              <a:t>x:Decimal</a:t>
-            </a:r>
-            <a:r>
-              <a:rPr lang="en-US" sz="1867" dirty="0">
-                <a:solidFill>
-                  <a:srgbClr val="0000FF"/>
-                </a:solidFill>
-                <a:latin typeface="Consolas" panose="020B0609020204030204" pitchFamily="49" charset="0"/>
-              </a:rPr>
-              <a:t>&gt;</a:t>
-            </a:r>
-            <a:br>
-              <a:rPr lang="en-US" sz="1867" dirty="0">
-                <a:solidFill>
-                  <a:srgbClr val="0000FF"/>
-                </a:solidFill>
-                <a:latin typeface="Consolas" panose="020B0609020204030204" pitchFamily="49" charset="0"/>
-              </a:rPr>
-            </a:br>
-            <a:r>
-              <a:rPr lang="en-US" sz="1867" dirty="0">
-                <a:solidFill>
-                  <a:srgbClr val="0000FF"/>
-                </a:solidFill>
-                <a:latin typeface="Consolas" panose="020B0609020204030204" pitchFamily="49" charset="0"/>
-              </a:rPr>
-              <a:t>  &lt;</a:t>
-            </a:r>
-            <a:r>
-              <a:rPr lang="en-US" sz="1867" dirty="0" err="1">
-                <a:solidFill>
-                  <a:srgbClr val="A31515"/>
-                </a:solidFill>
-                <a:latin typeface="Consolas" panose="020B0609020204030204" pitchFamily="49" charset="0"/>
-              </a:rPr>
-              <a:t>x:TimeSpan</a:t>
-            </a:r>
-            <a:r>
-              <a:rPr lang="en-US" sz="1867" dirty="0">
-                <a:solidFill>
-                  <a:srgbClr val="A31515"/>
-                </a:solidFill>
-                <a:latin typeface="Consolas" panose="020B0609020204030204" pitchFamily="49" charset="0"/>
-              </a:rPr>
-              <a:t> </a:t>
-            </a:r>
-            <a:r>
-              <a:rPr lang="en-US" sz="1867" dirty="0">
-                <a:solidFill>
-                  <a:srgbClr val="FF0000"/>
-                </a:solidFill>
-                <a:latin typeface="Consolas" panose="020B0609020204030204" pitchFamily="49" charset="0"/>
-              </a:rPr>
-              <a:t>x:Key</a:t>
-            </a:r>
-            <a:r>
-              <a:rPr lang="en-US" sz="1867" dirty="0">
-                <a:solidFill>
-                  <a:srgbClr val="0000FF"/>
-                </a:solidFill>
-                <a:latin typeface="Consolas" panose="020B0609020204030204" pitchFamily="49" charset="0"/>
-              </a:rPr>
-              <a:t>=</a:t>
-            </a:r>
-            <a:r>
-              <a:rPr lang="en-US" sz="1867" dirty="0">
-                <a:solidFill>
-                  <a:srgbClr val="000000"/>
-                </a:solidFill>
-                <a:latin typeface="Consolas" panose="020B0609020204030204" pitchFamily="49" charset="0"/>
-              </a:rPr>
-              <a:t>"</a:t>
-            </a:r>
-            <a:r>
-              <a:rPr lang="en-US" sz="1867" dirty="0">
-                <a:latin typeface="Consolas" panose="020B0609020204030204" pitchFamily="49" charset="0"/>
-              </a:rPr>
-              <a:t>...</a:t>
-            </a:r>
-            <a:r>
-              <a:rPr lang="en-US" sz="1867" dirty="0">
-                <a:solidFill>
-                  <a:srgbClr val="000000"/>
-                </a:solidFill>
-                <a:latin typeface="Consolas" panose="020B0609020204030204" pitchFamily="49" charset="0"/>
-              </a:rPr>
-              <a:t>"</a:t>
-            </a:r>
-            <a:r>
-              <a:rPr lang="en-US" sz="1867" dirty="0">
-                <a:solidFill>
-                  <a:srgbClr val="0000FF"/>
-                </a:solidFill>
-                <a:latin typeface="Consolas" panose="020B0609020204030204" pitchFamily="49" charset="0"/>
-              </a:rPr>
-              <a:t>&gt;</a:t>
-            </a:r>
-            <a:r>
-              <a:rPr lang="en-US" sz="1867" dirty="0">
-                <a:solidFill>
-                  <a:srgbClr val="000000"/>
-                </a:solidFill>
-                <a:latin typeface="Consolas" panose="020B0609020204030204" pitchFamily="49" charset="0"/>
-              </a:rPr>
-              <a:t>1.23:5959</a:t>
-            </a:r>
-            <a:r>
-              <a:rPr lang="en-US" sz="1867" dirty="0">
-                <a:solidFill>
-                  <a:srgbClr val="0000FF"/>
-                </a:solidFill>
-                <a:latin typeface="Consolas" panose="020B0609020204030204" pitchFamily="49" charset="0"/>
-              </a:rPr>
-              <a:t>&lt;/</a:t>
-            </a:r>
-            <a:r>
-              <a:rPr lang="en-US" sz="1867" dirty="0">
-                <a:solidFill>
-                  <a:srgbClr val="A31515"/>
-                </a:solidFill>
-                <a:latin typeface="Consolas" panose="020B0609020204030204" pitchFamily="49" charset="0"/>
-              </a:rPr>
-              <a:t>x:TimeSpan</a:t>
-            </a:r>
-            <a:r>
-              <a:rPr lang="en-US" sz="1867" dirty="0">
-                <a:solidFill>
-                  <a:srgbClr val="0000FF"/>
-                </a:solidFill>
-                <a:latin typeface="Consolas" panose="020B0609020204030204" pitchFamily="49" charset="0"/>
-              </a:rPr>
-              <a:t>&gt;</a:t>
-            </a:r>
-            <a:br>
-              <a:rPr lang="en-US" sz="1867" dirty="0">
-                <a:solidFill>
-                  <a:srgbClr val="0000FF"/>
-                </a:solidFill>
-                <a:latin typeface="Consolas" panose="020B0609020204030204" pitchFamily="49" charset="0"/>
-              </a:rPr>
-            </a:br>
-            <a:r>
-              <a:rPr lang="en-US" sz="1867" dirty="0">
-                <a:solidFill>
-                  <a:srgbClr val="0000FF"/>
-                </a:solidFill>
-                <a:latin typeface="Consolas" panose="020B0609020204030204" pitchFamily="49" charset="0"/>
-              </a:rPr>
-              <a:t>  &lt;</a:t>
-            </a:r>
-            <a:r>
-              <a:rPr lang="en-US" sz="1867" dirty="0" err="1">
-                <a:solidFill>
-                  <a:srgbClr val="A31515"/>
-                </a:solidFill>
-                <a:latin typeface="Consolas" panose="020B0609020204030204" pitchFamily="49" charset="0"/>
-              </a:rPr>
-              <a:t>x:Boolean</a:t>
-            </a:r>
-            <a:r>
-              <a:rPr lang="en-US" sz="1867" dirty="0">
-                <a:solidFill>
-                  <a:srgbClr val="A31515"/>
-                </a:solidFill>
-                <a:latin typeface="Consolas" panose="020B0609020204030204" pitchFamily="49" charset="0"/>
-              </a:rPr>
-              <a:t>  </a:t>
-            </a:r>
-            <a:r>
-              <a:rPr lang="en-US" sz="1867" dirty="0">
-                <a:solidFill>
-                  <a:srgbClr val="FF0000"/>
-                </a:solidFill>
-                <a:latin typeface="Consolas" panose="020B0609020204030204" pitchFamily="49" charset="0"/>
-              </a:rPr>
-              <a:t>x:Key</a:t>
-            </a:r>
-            <a:r>
-              <a:rPr lang="en-US" sz="1867" dirty="0">
-                <a:solidFill>
-                  <a:srgbClr val="0000FF"/>
-                </a:solidFill>
-                <a:latin typeface="Consolas" panose="020B0609020204030204" pitchFamily="49" charset="0"/>
-              </a:rPr>
-              <a:t>=</a:t>
-            </a:r>
-            <a:r>
-              <a:rPr lang="en-US" sz="1867" dirty="0">
-                <a:solidFill>
-                  <a:srgbClr val="000000"/>
-                </a:solidFill>
-                <a:latin typeface="Consolas" panose="020B0609020204030204" pitchFamily="49" charset="0"/>
-              </a:rPr>
-              <a:t>"</a:t>
-            </a:r>
-            <a:r>
-              <a:rPr lang="en-US" sz="1867" dirty="0">
-                <a:latin typeface="Consolas" panose="020B0609020204030204" pitchFamily="49" charset="0"/>
-              </a:rPr>
-              <a:t>...</a:t>
-            </a:r>
-            <a:r>
-              <a:rPr lang="en-US" sz="1867" dirty="0">
-                <a:solidFill>
-                  <a:srgbClr val="000000"/>
-                </a:solidFill>
-                <a:latin typeface="Consolas" panose="020B0609020204030204" pitchFamily="49" charset="0"/>
-              </a:rPr>
-              <a:t>"</a:t>
-            </a:r>
-            <a:r>
-              <a:rPr lang="en-US" sz="1867" dirty="0">
-                <a:solidFill>
-                  <a:srgbClr val="0000FF"/>
-                </a:solidFill>
-                <a:latin typeface="Consolas" panose="020B0609020204030204" pitchFamily="49" charset="0"/>
-              </a:rPr>
-              <a:t>&gt;</a:t>
-            </a:r>
-            <a:r>
-              <a:rPr lang="en-US" sz="1867" dirty="0">
-                <a:solidFill>
-                  <a:srgbClr val="000000"/>
-                </a:solidFill>
-                <a:latin typeface="Consolas" panose="020B0609020204030204" pitchFamily="49" charset="0"/>
-              </a:rPr>
-              <a:t>True</a:t>
-            </a:r>
-            <a:r>
-              <a:rPr lang="en-US" sz="1867" dirty="0">
-                <a:solidFill>
-                  <a:srgbClr val="0000FF"/>
-                </a:solidFill>
-                <a:latin typeface="Consolas" panose="020B0609020204030204" pitchFamily="49" charset="0"/>
-              </a:rPr>
-              <a:t>&lt;/</a:t>
-            </a:r>
-            <a:r>
-              <a:rPr lang="en-US" sz="1867" dirty="0">
-                <a:solidFill>
-                  <a:srgbClr val="A31515"/>
-                </a:solidFill>
-                <a:latin typeface="Consolas" panose="020B0609020204030204" pitchFamily="49" charset="0"/>
-              </a:rPr>
-              <a:t>x:Boolean</a:t>
-            </a:r>
-            <a:r>
-              <a:rPr lang="en-US" sz="1867" dirty="0">
-                <a:solidFill>
-                  <a:srgbClr val="0000FF"/>
-                </a:solidFill>
-                <a:latin typeface="Consolas" panose="020B0609020204030204" pitchFamily="49" charset="0"/>
-              </a:rPr>
-              <a:t>&gt;</a:t>
-            </a:r>
-          </a:p>
-          <a:p>
-            <a:r>
-              <a:rPr lang="en-US" sz="1867" dirty="0">
-                <a:solidFill>
-                  <a:srgbClr val="0000FF"/>
-                </a:solidFill>
-                <a:latin typeface="Consolas" panose="020B0609020204030204" pitchFamily="49" charset="0"/>
-              </a:rPr>
-              <a:t>&lt;/</a:t>
-            </a:r>
-            <a:r>
-              <a:rPr lang="en-US" sz="1867" dirty="0" err="1">
-                <a:solidFill>
-                  <a:srgbClr val="A31515"/>
-                </a:solidFill>
-                <a:latin typeface="Consolas" panose="020B0609020204030204" pitchFamily="49" charset="0"/>
-              </a:rPr>
-              <a:t>ResourceDictionary</a:t>
-            </a:r>
-            <a:r>
-              <a:rPr lang="en-US" sz="1867" dirty="0">
-                <a:solidFill>
-                  <a:srgbClr val="0000FF"/>
-                </a:solidFill>
-                <a:latin typeface="Consolas" panose="020B0609020204030204" pitchFamily="49" charset="0"/>
-              </a:rPr>
-              <a:t>&gt;</a:t>
-            </a:r>
-            <a:endParaRPr lang="en-US" sz="1867" dirty="0">
-              <a:latin typeface="Consolas" panose="020B0609020204030204" pitchFamily="49" charset="0"/>
-              <a:cs typeface="Consolas" panose="020B0609020204030204" pitchFamily="49" charset="0"/>
-            </a:endParaRPr>
-          </a:p>
-        </p:txBody>
-      </p:sp>
-      <p:sp>
-        <p:nvSpPr>
-          <p:cNvPr id="7" name="TextBox 6"/>
-          <p:cNvSpPr txBox="1"/>
-          <p:nvPr/>
-        </p:nvSpPr>
-        <p:spPr>
-          <a:xfrm>
-            <a:off x="638810" y="3029865"/>
-            <a:ext cx="2235201" cy="2308324"/>
-          </a:xfrm>
-          <a:prstGeom prst="rect">
-            <a:avLst/>
-          </a:prstGeom>
-          <a:noFill/>
-        </p:spPr>
-        <p:txBody>
-          <a:bodyPr wrap="square" rtlCol="0">
-            <a:spAutoFit/>
-          </a:bodyPr>
-          <a:lstStyle/>
-          <a:p>
-            <a:r>
-              <a:rPr lang="en-US" sz="2400" dirty="0">
-                <a:latin typeface="Consolas" panose="020B0609020204030204" pitchFamily="49" charset="0"/>
-                <a:cs typeface="Consolas" panose="020B0609020204030204" pitchFamily="49" charset="0"/>
-              </a:rPr>
-              <a:t>String</a:t>
-            </a:r>
-            <a:r>
-              <a:rPr lang="en-US" sz="2400" dirty="0">
-                <a:cs typeface="Segoe UI Light"/>
-              </a:rPr>
-              <a:t> </a:t>
-            </a:r>
-            <a:r>
-              <a:rPr lang="en-US" sz="2400" dirty="0">
-                <a:cs typeface="Segoe UI Light"/>
-                <a:sym typeface="Wingdings" panose="05000000000000000000" pitchFamily="2" charset="2"/>
-              </a:rPr>
-              <a:t>and</a:t>
-            </a:r>
-          </a:p>
-          <a:p>
-            <a:r>
-              <a:rPr lang="en-US" sz="2400" dirty="0">
-                <a:latin typeface="Consolas" panose="020B0609020204030204" pitchFamily="49" charset="0"/>
-                <a:cs typeface="Consolas" panose="020B0609020204030204" pitchFamily="49" charset="0"/>
-                <a:sym typeface="Wingdings" panose="05000000000000000000" pitchFamily="2" charset="2"/>
-              </a:rPr>
-              <a:t>Double</a:t>
-            </a:r>
-            <a:r>
-              <a:rPr lang="en-US" sz="2400" dirty="0">
-                <a:solidFill>
-                  <a:prstClr val="black"/>
-                </a:solidFill>
-                <a:cs typeface="Segoe UI Light"/>
-              </a:rPr>
-              <a:t> are</a:t>
-            </a:r>
-          </a:p>
-          <a:p>
-            <a:r>
-              <a:rPr lang="en-US" sz="2400" dirty="0">
-                <a:solidFill>
-                  <a:prstClr val="black"/>
-                </a:solidFill>
-                <a:cs typeface="Segoe UI Light"/>
-              </a:rPr>
-              <a:t>useful since</a:t>
-            </a:r>
-          </a:p>
-          <a:p>
-            <a:r>
-              <a:rPr lang="en-US" sz="2400" dirty="0">
-                <a:solidFill>
-                  <a:prstClr val="black"/>
-                </a:solidFill>
-                <a:cs typeface="Segoe UI Light"/>
-              </a:rPr>
-              <a:t>many UI</a:t>
-            </a:r>
-          </a:p>
-          <a:p>
-            <a:pPr lvl="0"/>
-            <a:r>
-              <a:rPr lang="en-US" sz="2400" dirty="0">
-                <a:solidFill>
-                  <a:prstClr val="black"/>
-                </a:solidFill>
-                <a:cs typeface="Segoe UI Light"/>
-              </a:rPr>
-              <a:t>properties use</a:t>
-            </a:r>
-          </a:p>
-          <a:p>
-            <a:pPr lvl="0"/>
-            <a:r>
-              <a:rPr lang="en-US" sz="2400" dirty="0">
-                <a:solidFill>
-                  <a:prstClr val="black"/>
-                </a:solidFill>
-                <a:cs typeface="Segoe UI Light"/>
-              </a:rPr>
-              <a:t>those types</a:t>
-            </a:r>
-            <a:endParaRPr lang="en-US" sz="2400" dirty="0">
-              <a:cs typeface="Segoe UI Light"/>
-            </a:endParaRPr>
-          </a:p>
-        </p:txBody>
-      </p:sp>
-      <p:cxnSp>
-        <p:nvCxnSpPr>
-          <p:cNvPr id="8" name="Straight Arrow Connector 7"/>
-          <p:cNvCxnSpPr/>
-          <p:nvPr/>
-        </p:nvCxnSpPr>
-        <p:spPr>
-          <a:xfrm rot="5400000" flipV="1">
-            <a:off x="2916497" y="3066523"/>
-            <a:ext cx="0" cy="548640"/>
-          </a:xfrm>
-          <a:prstGeom prst="straightConnector1">
-            <a:avLst/>
-          </a:prstGeom>
-          <a:ln w="28575" cmpd="sng">
-            <a:solidFill>
-              <a:schemeClr val="accent4"/>
-            </a:solidFill>
-            <a:tailEnd type="arrow"/>
-          </a:ln>
-          <a:effectLst/>
-        </p:spPr>
-        <p:style>
-          <a:lnRef idx="2">
-            <a:schemeClr val="accent1"/>
-          </a:lnRef>
-          <a:fillRef idx="0">
-            <a:schemeClr val="accent1"/>
-          </a:fillRef>
-          <a:effectRef idx="1">
-            <a:schemeClr val="accent1"/>
-          </a:effectRef>
-          <a:fontRef idx="minor">
-            <a:schemeClr val="tx1"/>
-          </a:fontRef>
-        </p:style>
-      </p:cxnSp>
-      <p:cxnSp>
-        <p:nvCxnSpPr>
-          <p:cNvPr id="9" name="Straight Arrow Connector 8"/>
-          <p:cNvCxnSpPr/>
-          <p:nvPr/>
-        </p:nvCxnSpPr>
-        <p:spPr>
-          <a:xfrm rot="5400000" flipV="1">
-            <a:off x="2916497" y="3925096"/>
-            <a:ext cx="0" cy="548640"/>
-          </a:xfrm>
-          <a:prstGeom prst="straightConnector1">
-            <a:avLst/>
-          </a:prstGeom>
-          <a:ln w="28575" cmpd="sng">
-            <a:solidFill>
-              <a:schemeClr val="accent4"/>
-            </a:solidFill>
-            <a:tailEnd type="arrow"/>
-          </a:ln>
-          <a:effectLst/>
-        </p:spPr>
-        <p:style>
-          <a:lnRef idx="2">
-            <a:schemeClr val="accent1"/>
-          </a:lnRef>
-          <a:fillRef idx="0">
-            <a:schemeClr val="accent1"/>
-          </a:fillRef>
-          <a:effectRef idx="1">
-            <a:schemeClr val="accent1"/>
-          </a:effectRef>
-          <a:fontRef idx="minor">
-            <a:schemeClr val="tx1"/>
-          </a:fontRef>
-        </p:style>
-      </p:cxnSp>
-    </p:spTree>
-    <p:extLst>
-      <p:ext uri="{BB962C8B-B14F-4D97-AF65-F5344CB8AC3E}">
-        <p14:creationId xmlns:p14="http://schemas.microsoft.com/office/powerpoint/2010/main" val="2232763932"/>
-      </p:ext>
-    </p:extLst>
-  </p:cSld>
-  <p:clrMapOvr>
-    <a:masterClrMapping/>
-  </p:clrMapOvr>
-</p:sld>
-</file>
-
-<file path=ppt/slides/slide11.xml><?xml version="1.0" encoding="utf-8"?>
 <p:sld xmlns:a="http://schemas.openxmlformats.org/drawingml/2006/main" xmlns:r="http://schemas.openxmlformats.org/officeDocument/2006/relationships" xmlns:p="http://schemas.openxmlformats.org/presentationml/2006/main">
   <p:cSld>
     <p:spTree>
@@ -11816,7 +9932,7 @@
 </p:sld>
 </file>
 
-<file path=ppt/slides/slide12.xml><?xml version="1.0" encoding="utf-8"?>
+<file path=ppt/slides/slide11.xml><?xml version="1.0" encoding="utf-8"?>
 <p:sld xmlns:a="http://schemas.openxmlformats.org/drawingml/2006/main" xmlns:r="http://schemas.openxmlformats.org/officeDocument/2006/relationships" xmlns:p="http://schemas.openxmlformats.org/presentationml/2006/main">
   <p:cSld>
     <p:spTree>
@@ -12551,7 +10667,7 @@
 </p:sld>
 </file>
 
-<file path=ppt/slides/slide13.xml><?xml version="1.0" encoding="utf-8"?>
+<file path=ppt/slides/slide12.xml><?xml version="1.0" encoding="utf-8"?>
 <p:sld xmlns:a="http://schemas.openxmlformats.org/drawingml/2006/main" xmlns:r="http://schemas.openxmlformats.org/officeDocument/2006/relationships" xmlns:p="http://schemas.openxmlformats.org/presentationml/2006/main">
   <p:cSld>
     <p:spTree>
@@ -13466,7 +11582,7 @@
 </p:sld>
 </file>
 
-<file path=ppt/slides/slide14.xml><?xml version="1.0" encoding="utf-8"?>
+<file path=ppt/slides/slide13.xml><?xml version="1.0" encoding="utf-8"?>
 <p:sld xmlns:a="http://schemas.openxmlformats.org/drawingml/2006/main" xmlns:r="http://schemas.openxmlformats.org/officeDocument/2006/relationships" xmlns:p="http://schemas.openxmlformats.org/presentationml/2006/main">
   <p:cSld>
     <p:spTree>
@@ -13943,7 +12059,7 @@
 </p:sld>
 </file>
 
-<file path=ppt/slides/slide15.xml><?xml version="1.0" encoding="utf-8"?>
+<file path=ppt/slides/slide14.xml><?xml version="1.0" encoding="utf-8"?>
 <p:sld xmlns:a="http://schemas.openxmlformats.org/drawingml/2006/main" xmlns:r="http://schemas.openxmlformats.org/officeDocument/2006/relationships" xmlns:p="http://schemas.openxmlformats.org/presentationml/2006/main">
   <p:cSld>
     <p:spTree>
@@ -14004,7 +12120,7 @@
 </p:sld>
 </file>
 
-<file path=ppt/slides/slide16.xml><?xml version="1.0" encoding="utf-8"?>
+<file path=ppt/slides/slide15.xml><?xml version="1.0" encoding="utf-8"?>
 <p:sld xmlns:a="http://schemas.openxmlformats.org/drawingml/2006/main" xmlns:r="http://schemas.openxmlformats.org/officeDocument/2006/relationships" xmlns:p="http://schemas.openxmlformats.org/presentationml/2006/main">
   <p:cSld>
     <p:spTree>
@@ -16093,7 +14209,7 @@
 </p:sld>
 </file>
 
-<file path=ppt/slides/slide17.xml><?xml version="1.0" encoding="utf-8"?>
+<file path=ppt/slides/slide16.xml><?xml version="1.0" encoding="utf-8"?>
 <p:sld xmlns:a="http://schemas.openxmlformats.org/drawingml/2006/main" xmlns:r="http://schemas.openxmlformats.org/officeDocument/2006/relationships" xmlns:p="http://schemas.openxmlformats.org/presentationml/2006/main">
   <p:cSld>
     <p:spTree>
@@ -16653,7 +14769,7 @@
 </p:sld>
 </file>
 
-<file path=ppt/slides/slide18.xml><?xml version="1.0" encoding="utf-8"?>
+<file path=ppt/slides/slide17.xml><?xml version="1.0" encoding="utf-8"?>
 <p:sld xmlns:a="http://schemas.openxmlformats.org/drawingml/2006/main" xmlns:r="http://schemas.openxmlformats.org/officeDocument/2006/relationships" xmlns:p="http://schemas.openxmlformats.org/presentationml/2006/main">
   <p:cSld>
     <p:spTree>
@@ -17279,7 +15395,7 @@
 </p:sld>
 </file>
 
-<file path=ppt/slides/slide19.xml><?xml version="1.0" encoding="utf-8"?>
+<file path=ppt/slides/slide18.xml><?xml version="1.0" encoding="utf-8"?>
 <p:sld xmlns:a="http://schemas.openxmlformats.org/drawingml/2006/main" xmlns:r="http://schemas.openxmlformats.org/officeDocument/2006/relationships" xmlns:p="http://schemas.openxmlformats.org/presentationml/2006/main">
   <p:cSld>
     <p:spTree>
@@ -18698,311 +16814,7 @@
 </p:sld>
 </file>
 
-<file path=ppt/slides/slide2.xml><?xml version="1.0" encoding="utf-8"?>
-<p:sld xmlns:a="http://schemas.openxmlformats.org/drawingml/2006/main" xmlns:r="http://schemas.openxmlformats.org/officeDocument/2006/relationships" xmlns:p="http://schemas.openxmlformats.org/presentationml/2006/main">
-  <p:cSld>
-    <p:spTree>
-      <p:nvGrpSpPr>
-        <p:cNvPr id="1" name=""/>
-        <p:cNvGrpSpPr/>
-        <p:nvPr/>
-      </p:nvGrpSpPr>
-      <p:grpSpPr>
-        <a:xfrm>
-          <a:off x="0" y="0"/>
-          <a:ext cx="0" cy="0"/>
-          <a:chOff x="0" y="0"/>
-          <a:chExt cx="0" cy="0"/>
-        </a:xfrm>
-      </p:grpSpPr>
-      <p:sp>
-        <p:nvSpPr>
-          <p:cNvPr id="3" name="Title 2"/>
-          <p:cNvSpPr>
-            <a:spLocks noGrp="1"/>
-          </p:cNvSpPr>
-          <p:nvPr>
-            <p:ph type="title"/>
-          </p:nvPr>
-        </p:nvSpPr>
-        <p:spPr/>
-        <p:txBody>
-          <a:bodyPr/>
-          <a:lstStyle/>
-          <a:p>
-            <a:r>
-              <a:rPr lang="en-US" sz="5400" b="1" dirty="0"/>
-              <a:t>.NET MAUI</a:t>
-            </a:r>
-            <a:br>
-              <a:rPr lang="en-US" sz="5400" b="1" dirty="0"/>
-            </a:br>
-            <a:r>
-              <a:rPr lang="en-US" sz="5400" b="1" dirty="0"/>
-              <a:t>Part 6: App Themes &amp; Resources</a:t>
-            </a:r>
-          </a:p>
-        </p:txBody>
-      </p:sp>
-      <p:sp>
-        <p:nvSpPr>
-          <p:cNvPr id="4" name="Text Placeholder 3"/>
-          <p:cNvSpPr>
-            <a:spLocks noGrp="1"/>
-          </p:cNvSpPr>
-          <p:nvPr>
-            <p:ph type="body" sz="quarter" idx="13"/>
-          </p:nvPr>
-        </p:nvSpPr>
-        <p:spPr/>
-        <p:txBody>
-          <a:bodyPr/>
-          <a:lstStyle/>
-          <a:p>
-            <a:endParaRPr lang="en-US"/>
-          </a:p>
-        </p:txBody>
-      </p:sp>
-      <p:sp>
-        <p:nvSpPr>
-          <p:cNvPr id="15" name="TextBox 14">
-            <a:extLst>
-              <a:ext uri="{FF2B5EF4-FFF2-40B4-BE49-F238E27FC236}">
-                <a16:creationId xmlns:a16="http://schemas.microsoft.com/office/drawing/2014/main" id="{F8514073-356B-4236-B7C6-F289E6500D45}"/>
-              </a:ext>
-            </a:extLst>
-          </p:cNvPr>
-          <p:cNvSpPr txBox="1"/>
-          <p:nvPr/>
-        </p:nvSpPr>
-        <p:spPr>
-          <a:xfrm>
-            <a:off x="545772" y="5062410"/>
-            <a:ext cx="5966529" cy="641215"/>
-          </a:xfrm>
-          <a:prstGeom prst="rect">
-            <a:avLst/>
-          </a:prstGeom>
-          <a:noFill/>
-          <a:ln w="12700" cap="flat">
-            <a:noFill/>
-            <a:miter lim="400000"/>
-          </a:ln>
-          <a:effectLst/>
-        </p:spPr>
-        <p:style>
-          <a:lnRef idx="0">
-            <a:scrgbClr r="0" g="0" b="0"/>
-          </a:lnRef>
-          <a:fillRef idx="0">
-            <a:scrgbClr r="0" g="0" b="0"/>
-          </a:fillRef>
-          <a:effectRef idx="0">
-            <a:scrgbClr r="0" g="0" b="0"/>
-          </a:effectRef>
-          <a:fontRef idx="none"/>
-        </p:style>
-        <p:txBody>
-          <a:bodyPr rot="0" spcFirstLastPara="1" vertOverflow="overflow" horzOverflow="overflow" vert="horz" wrap="square" lIns="18676" tIns="18676" rIns="18676" bIns="18676" numCol="1" spcCol="14288" rtlCol="0" anchor="ctr">
-            <a:spAutoFit/>
-          </a:bodyPr>
-          <a:lstStyle/>
-          <a:p>
-            <a:r>
-              <a:rPr lang="en-US" sz="1961" dirty="0">
-                <a:cs typeface="Arial"/>
-              </a:rPr>
-              <a:t>&lt;Name&gt;</a:t>
-            </a:r>
-          </a:p>
-          <a:p>
-            <a:r>
-              <a:rPr lang="en-US" sz="1961" dirty="0">
-                <a:latin typeface="+mj-lt"/>
-                <a:cs typeface="Arial"/>
-              </a:rPr>
-              <a:t>&lt;Role&gt;</a:t>
-            </a:r>
-          </a:p>
-        </p:txBody>
-      </p:sp>
-      <p:sp>
-        <p:nvSpPr>
-          <p:cNvPr id="20" name="TextBox 19">
-            <a:extLst>
-              <a:ext uri="{FF2B5EF4-FFF2-40B4-BE49-F238E27FC236}">
-                <a16:creationId xmlns:a16="http://schemas.microsoft.com/office/drawing/2014/main" id="{B47DCC38-5755-4C7D-9BDE-AB2A494EA160}"/>
-              </a:ext>
-            </a:extLst>
-          </p:cNvPr>
-          <p:cNvSpPr txBox="1"/>
-          <p:nvPr/>
-        </p:nvSpPr>
-        <p:spPr>
-          <a:xfrm>
-            <a:off x="719514" y="5736125"/>
-            <a:ext cx="2440268" cy="761555"/>
-          </a:xfrm>
-          <a:prstGeom prst="rect">
-            <a:avLst/>
-          </a:prstGeom>
-          <a:noFill/>
-        </p:spPr>
-        <p:txBody>
-          <a:bodyPr wrap="square" rtlCol="0">
-            <a:spAutoFit/>
-          </a:bodyPr>
-          <a:lstStyle/>
-          <a:p>
-            <a:pPr algn="r">
-              <a:lnSpc>
-                <a:spcPct val="130000"/>
-              </a:lnSpc>
-            </a:pPr>
-            <a:r>
-              <a:rPr lang="en-US" sz="1765" dirty="0">
-                <a:latin typeface="+mj-lt"/>
-                <a:cs typeface="Arial"/>
-              </a:rPr>
-              <a:t>@&lt;Twitter&gt;</a:t>
-            </a:r>
-          </a:p>
-          <a:p>
-            <a:pPr algn="r">
-              <a:lnSpc>
-                <a:spcPct val="130000"/>
-              </a:lnSpc>
-            </a:pPr>
-            <a:r>
-              <a:rPr lang="en-US" sz="1765" dirty="0">
-                <a:latin typeface="+mj-lt"/>
-                <a:cs typeface="Arial"/>
-              </a:rPr>
-              <a:t>/&lt;YouTube&gt;</a:t>
-            </a:r>
-          </a:p>
-        </p:txBody>
-      </p:sp>
-      <p:pic>
-        <p:nvPicPr>
-          <p:cNvPr id="21" name="Picture 2" descr="See the source image">
-            <a:extLst>
-              <a:ext uri="{FF2B5EF4-FFF2-40B4-BE49-F238E27FC236}">
-                <a16:creationId xmlns:a16="http://schemas.microsoft.com/office/drawing/2014/main" id="{5085402D-4D72-42FE-AEE3-940D913854DD}"/>
-              </a:ext>
-            </a:extLst>
-          </p:cNvPr>
-          <p:cNvPicPr>
-            <a:picLocks noChangeAspect="1" noChangeArrowheads="1"/>
-          </p:cNvPicPr>
-          <p:nvPr/>
-        </p:nvPicPr>
-        <p:blipFill>
-          <a:blip r:embed="rId2">
-            <a:extLst>
-              <a:ext uri="{28A0092B-C50C-407E-A947-70E740481C1C}">
-                <a14:useLocalDpi xmlns:a14="http://schemas.microsoft.com/office/drawing/2010/main" val="0"/>
-              </a:ext>
-            </a:extLst>
-          </a:blip>
-          <a:srcRect/>
-          <a:stretch>
-            <a:fillRect/>
-          </a:stretch>
-        </p:blipFill>
-        <p:spPr bwMode="auto">
-          <a:xfrm>
-            <a:off x="598110" y="5818062"/>
-            <a:ext cx="326511" cy="326511"/>
-          </a:xfrm>
-          <a:prstGeom prst="rect">
-            <a:avLst/>
-          </a:prstGeom>
-          <a:noFill/>
-          <a:extLst>
-            <a:ext uri="{909E8E84-426E-40DD-AFC4-6F175D3DCCD1}">
-              <a14:hiddenFill xmlns:a14="http://schemas.microsoft.com/office/drawing/2010/main">
-                <a:solidFill>
-                  <a:srgbClr val="FFFFFF"/>
-                </a:solidFill>
-              </a14:hiddenFill>
-            </a:ext>
-          </a:extLst>
-        </p:spPr>
-      </p:pic>
-      <p:pic>
-        <p:nvPicPr>
-          <p:cNvPr id="22" name="Picture 4" descr="See the source image">
-            <a:extLst>
-              <a:ext uri="{FF2B5EF4-FFF2-40B4-BE49-F238E27FC236}">
-                <a16:creationId xmlns:a16="http://schemas.microsoft.com/office/drawing/2014/main" id="{29903BF8-06F8-4657-993C-F74F21394EBB}"/>
-              </a:ext>
-            </a:extLst>
-          </p:cNvPr>
-          <p:cNvPicPr>
-            <a:picLocks noChangeAspect="1" noChangeArrowheads="1"/>
-          </p:cNvPicPr>
-          <p:nvPr/>
-        </p:nvPicPr>
-        <p:blipFill>
-          <a:blip r:embed="rId3">
-            <a:extLst>
-              <a:ext uri="{28A0092B-C50C-407E-A947-70E740481C1C}">
-                <a14:useLocalDpi xmlns:a14="http://schemas.microsoft.com/office/drawing/2010/main" val="0"/>
-              </a:ext>
-            </a:extLst>
-          </a:blip>
-          <a:srcRect/>
-          <a:stretch>
-            <a:fillRect/>
-          </a:stretch>
-        </p:blipFill>
-        <p:spPr bwMode="auto">
-          <a:xfrm>
-            <a:off x="545772" y="6125198"/>
-            <a:ext cx="431185" cy="431185"/>
-          </a:xfrm>
-          <a:prstGeom prst="rect">
-            <a:avLst/>
-          </a:prstGeom>
-          <a:noFill/>
-          <a:extLst>
-            <a:ext uri="{909E8E84-426E-40DD-AFC4-6F175D3DCCD1}">
-              <a14:hiddenFill xmlns:a14="http://schemas.microsoft.com/office/drawing/2010/main">
-                <a:solidFill>
-                  <a:srgbClr val="FFFFFF"/>
-                </a:solidFill>
-              </a14:hiddenFill>
-            </a:ext>
-          </a:extLst>
-        </p:spPr>
-      </p:pic>
-    </p:spTree>
-    <p:extLst>
-      <p:ext uri="{BB962C8B-B14F-4D97-AF65-F5344CB8AC3E}">
-        <p14:creationId xmlns:p14="http://schemas.microsoft.com/office/powerpoint/2010/main" val="1272231778"/>
-      </p:ext>
-    </p:extLst>
-  </p:cSld>
-  <p:clrMapOvr>
-    <a:masterClrMapping/>
-  </p:clrMapOvr>
-  <mc:AlternateContent xmlns:mc="http://schemas.openxmlformats.org/markup-compatibility/2006" xmlns:p14="http://schemas.microsoft.com/office/powerpoint/2010/main">
-    <mc:Choice Requires="p14">
-      <p:transition spd="slow" p14:dur="3400">
-        <p14:reveal/>
-      </p:transition>
-    </mc:Choice>
-    <mc:Fallback xmlns="">
-      <p:transition spd="slow">
-        <p:fade/>
-      </p:transition>
-    </mc:Fallback>
-  </mc:AlternateContent>
-</p:sld>
-</file>
-
-<file path=ppt/slides/slide20.xml><?xml version="1.0" encoding="utf-8"?>
+<file path=ppt/slides/slide19.xml><?xml version="1.0" encoding="utf-8"?>
 <p:sld xmlns:a="http://schemas.openxmlformats.org/drawingml/2006/main" xmlns:r="http://schemas.openxmlformats.org/officeDocument/2006/relationships" xmlns:p="http://schemas.openxmlformats.org/presentationml/2006/main">
   <p:cSld>
     <p:spTree>
@@ -19551,7 +17363,119 @@
 </p:sld>
 </file>
 
-<file path=ppt/slides/slide21.xml><?xml version="1.0" encoding="utf-8"?>
+<file path=ppt/slides/slide2.xml><?xml version="1.0" encoding="utf-8"?>
+<p:sld xmlns:a="http://schemas.openxmlformats.org/drawingml/2006/main" xmlns:r="http://schemas.openxmlformats.org/officeDocument/2006/relationships" xmlns:p="http://schemas.openxmlformats.org/presentationml/2006/main">
+  <p:cSld>
+    <p:spTree>
+      <p:nvGrpSpPr>
+        <p:cNvPr id="1" name=""/>
+        <p:cNvGrpSpPr/>
+        <p:nvPr/>
+      </p:nvGrpSpPr>
+      <p:grpSpPr>
+        <a:xfrm>
+          <a:off x="0" y="0"/>
+          <a:ext cx="0" cy="0"/>
+          <a:chOff x="0" y="0"/>
+          <a:chExt cx="0" cy="0"/>
+        </a:xfrm>
+      </p:grpSpPr>
+      <p:sp>
+        <p:nvSpPr>
+          <p:cNvPr id="3" name="Text Placeholder 2">
+            <a:extLst>
+              <a:ext uri="{FF2B5EF4-FFF2-40B4-BE49-F238E27FC236}">
+                <a16:creationId xmlns:a16="http://schemas.microsoft.com/office/drawing/2014/main" id="{C3C28386-BC98-41B0-935B-7E4418CAA4F9}"/>
+              </a:ext>
+            </a:extLst>
+          </p:cNvPr>
+          <p:cNvSpPr>
+            <a:spLocks noGrp="1"/>
+          </p:cNvSpPr>
+          <p:nvPr>
+            <p:ph type="body" sz="quarter" idx="10"/>
+          </p:nvPr>
+        </p:nvSpPr>
+        <p:spPr>
+          <a:xfrm>
+            <a:off x="269239" y="1189177"/>
+            <a:ext cx="11653523" cy="2718821"/>
+          </a:xfrm>
+        </p:spPr>
+        <p:txBody>
+          <a:bodyPr/>
+          <a:lstStyle/>
+          <a:p>
+            <a:r>
+              <a:rPr lang="en-US" dirty="0"/>
+              <a:t>Avoid duplicate XAML with Resources</a:t>
+            </a:r>
+          </a:p>
+          <a:p>
+            <a:r>
+              <a:rPr lang="en-US" dirty="0"/>
+              <a:t>Create consistent UI with Styles</a:t>
+            </a:r>
+          </a:p>
+          <a:p>
+            <a:r>
+              <a:rPr lang="en-US" dirty="0"/>
+              <a:t>Makes Resources &amp; Styles available across app</a:t>
+            </a:r>
+          </a:p>
+          <a:p>
+            <a:r>
+              <a:rPr lang="en-US" dirty="0"/>
+              <a:t>Enable Light &amp; Dark Theme modes</a:t>
+            </a:r>
+          </a:p>
+        </p:txBody>
+      </p:sp>
+      <p:sp>
+        <p:nvSpPr>
+          <p:cNvPr id="2" name="Title 1">
+            <a:extLst>
+              <a:ext uri="{FF2B5EF4-FFF2-40B4-BE49-F238E27FC236}">
+                <a16:creationId xmlns:a16="http://schemas.microsoft.com/office/drawing/2014/main" id="{E95B4CEE-4732-4E67-9878-6EB70E8B124A}"/>
+              </a:ext>
+            </a:extLst>
+          </p:cNvPr>
+          <p:cNvSpPr>
+            <a:spLocks noGrp="1"/>
+          </p:cNvSpPr>
+          <p:nvPr>
+            <p:ph type="title"/>
+          </p:nvPr>
+        </p:nvSpPr>
+        <p:spPr/>
+        <p:txBody>
+          <a:bodyPr/>
+          <a:lstStyle/>
+          <a:p>
+            <a:r>
+              <a:rPr lang="en-US" dirty="0"/>
+              <a:t>Objectives</a:t>
+            </a:r>
+          </a:p>
+        </p:txBody>
+      </p:sp>
+    </p:spTree>
+    <p:extLst>
+      <p:ext uri="{BB962C8B-B14F-4D97-AF65-F5344CB8AC3E}">
+        <p14:creationId xmlns:p14="http://schemas.microsoft.com/office/powerpoint/2010/main" val="424419612"/>
+      </p:ext>
+    </p:extLst>
+  </p:cSld>
+  <p:clrMapOvr>
+    <a:masterClrMapping/>
+  </p:clrMapOvr>
+  <p:transition>
+    <p:fade/>
+  </p:transition>
+</p:sld>
+</file>
+
+<file path=ppt/slides/slide20.xml><?xml version="1.0" encoding="utf-8"?>
 <p:sld xmlns:a="http://schemas.openxmlformats.org/drawingml/2006/main" xmlns:r="http://schemas.openxmlformats.org/officeDocument/2006/relationships" xmlns:p="http://schemas.openxmlformats.org/presentationml/2006/main">
   <p:cSld>
     <p:spTree>
@@ -20328,7 +18252,7 @@
 </p:sld>
 </file>
 
-<file path=ppt/slides/slide22.xml><?xml version="1.0" encoding="utf-8"?>
+<file path=ppt/slides/slide21.xml><?xml version="1.0" encoding="utf-8"?>
 <p:sld xmlns:a="http://schemas.openxmlformats.org/drawingml/2006/main" xmlns:r="http://schemas.openxmlformats.org/officeDocument/2006/relationships" xmlns:p="http://schemas.openxmlformats.org/presentationml/2006/main">
   <p:cSld>
     <p:spTree>
@@ -21575,7 +19499,7 @@
 </p:sld>
 </file>
 
-<file path=ppt/slides/slide23.xml><?xml version="1.0" encoding="utf-8"?>
+<file path=ppt/slides/slide22.xml><?xml version="1.0" encoding="utf-8"?>
 <p:sld xmlns:a="http://schemas.openxmlformats.org/drawingml/2006/main" xmlns:r="http://schemas.openxmlformats.org/officeDocument/2006/relationships" xmlns:p="http://schemas.openxmlformats.org/presentationml/2006/main">
   <p:cSld>
     <p:spTree>
@@ -22530,7 +20454,7 @@
 </p:sld>
 </file>
 
-<file path=ppt/slides/slide24.xml><?xml version="1.0" encoding="utf-8"?>
+<file path=ppt/slides/slide23.xml><?xml version="1.0" encoding="utf-8"?>
 <p:sld xmlns:a="http://schemas.openxmlformats.org/drawingml/2006/main" xmlns:r="http://schemas.openxmlformats.org/officeDocument/2006/relationships" xmlns:p="http://schemas.openxmlformats.org/presentationml/2006/main">
   <p:cSld>
     <p:spTree>
@@ -24397,7 +22321,7 @@
 </p:sld>
 </file>
 
-<file path=ppt/slides/slide25.xml><?xml version="1.0" encoding="utf-8"?>
+<file path=ppt/slides/slide24.xml><?xml version="1.0" encoding="utf-8"?>
 <p:sld xmlns:a="http://schemas.openxmlformats.org/drawingml/2006/main" xmlns:r="http://schemas.openxmlformats.org/officeDocument/2006/relationships" xmlns:p="http://schemas.openxmlformats.org/presentationml/2006/main">
   <p:cSld>
     <p:spTree>
@@ -25323,7 +23247,7 @@
 </p:sld>
 </file>
 
-<file path=ppt/slides/slide26.xml><?xml version="1.0" encoding="utf-8"?>
+<file path=ppt/slides/slide25.xml><?xml version="1.0" encoding="utf-8"?>
 <p:sld xmlns:a="http://schemas.openxmlformats.org/drawingml/2006/main" xmlns:r="http://schemas.openxmlformats.org/officeDocument/2006/relationships" xmlns:p="http://schemas.openxmlformats.org/presentationml/2006/main">
   <p:cSld>
     <p:spTree>
@@ -26003,7 +23927,7 @@
 </p:sld>
 </file>
 
-<file path=ppt/slides/slide27.xml><?xml version="1.0" encoding="utf-8"?>
+<file path=ppt/slides/slide26.xml><?xml version="1.0" encoding="utf-8"?>
 <p:sld xmlns:a="http://schemas.openxmlformats.org/drawingml/2006/main" xmlns:r="http://schemas.openxmlformats.org/officeDocument/2006/relationships" xmlns:p="http://schemas.openxmlformats.org/presentationml/2006/main">
   <p:cSld>
     <p:spTree>
@@ -26106,7 +24030,7 @@
 </p:sld>
 </file>
 
-<file path=ppt/slides/slide28.xml><?xml version="1.0" encoding="utf-8"?>
+<file path=ppt/slides/slide27.xml><?xml version="1.0" encoding="utf-8"?>
 <p:sld xmlns:a="http://schemas.openxmlformats.org/drawingml/2006/main" xmlns:r="http://schemas.openxmlformats.org/officeDocument/2006/relationships" xmlns:p="http://schemas.openxmlformats.org/presentationml/2006/main">
   <p:cSld>
     <p:spTree>
@@ -26879,7 +24803,7 @@
 </p:sld>
 </file>
 
-<file path=ppt/slides/slide29.xml><?xml version="1.0" encoding="utf-8"?>
+<file path=ppt/slides/slide28.xml><?xml version="1.0" encoding="utf-8"?>
 <p:sld xmlns:a="http://schemas.openxmlformats.org/drawingml/2006/main" xmlns:r="http://schemas.openxmlformats.org/officeDocument/2006/relationships" xmlns:p="http://schemas.openxmlformats.org/presentationml/2006/main">
   <p:cSld>
     <p:spTree>
@@ -27990,119 +25914,7 @@
 </p:sld>
 </file>
 
-<file path=ppt/slides/slide3.xml><?xml version="1.0" encoding="utf-8"?>
-<p:sld xmlns:a="http://schemas.openxmlformats.org/drawingml/2006/main" xmlns:r="http://schemas.openxmlformats.org/officeDocument/2006/relationships" xmlns:p="http://schemas.openxmlformats.org/presentationml/2006/main">
-  <p:cSld>
-    <p:spTree>
-      <p:nvGrpSpPr>
-        <p:cNvPr id="1" name=""/>
-        <p:cNvGrpSpPr/>
-        <p:nvPr/>
-      </p:nvGrpSpPr>
-      <p:grpSpPr>
-        <a:xfrm>
-          <a:off x="0" y="0"/>
-          <a:ext cx="0" cy="0"/>
-          <a:chOff x="0" y="0"/>
-          <a:chExt cx="0" cy="0"/>
-        </a:xfrm>
-      </p:grpSpPr>
-      <p:sp>
-        <p:nvSpPr>
-          <p:cNvPr id="3" name="Text Placeholder 2">
-            <a:extLst>
-              <a:ext uri="{FF2B5EF4-FFF2-40B4-BE49-F238E27FC236}">
-                <a16:creationId xmlns:a16="http://schemas.microsoft.com/office/drawing/2014/main" id="{C3C28386-BC98-41B0-935B-7E4418CAA4F9}"/>
-              </a:ext>
-            </a:extLst>
-          </p:cNvPr>
-          <p:cNvSpPr>
-            <a:spLocks noGrp="1"/>
-          </p:cNvSpPr>
-          <p:nvPr>
-            <p:ph type="body" sz="quarter" idx="10"/>
-          </p:nvPr>
-        </p:nvSpPr>
-        <p:spPr>
-          <a:xfrm>
-            <a:off x="269239" y="1189177"/>
-            <a:ext cx="11653523" cy="2718821"/>
-          </a:xfrm>
-        </p:spPr>
-        <p:txBody>
-          <a:bodyPr/>
-          <a:lstStyle/>
-          <a:p>
-            <a:r>
-              <a:rPr lang="en-US" dirty="0"/>
-              <a:t>Avoid duplicate XAML with Resources</a:t>
-            </a:r>
-          </a:p>
-          <a:p>
-            <a:r>
-              <a:rPr lang="en-US" dirty="0"/>
-              <a:t>Create consistent UI with Styles</a:t>
-            </a:r>
-          </a:p>
-          <a:p>
-            <a:r>
-              <a:rPr lang="en-US" dirty="0"/>
-              <a:t>Makes Resources &amp; Styles available across app</a:t>
-            </a:r>
-          </a:p>
-          <a:p>
-            <a:r>
-              <a:rPr lang="en-US" dirty="0"/>
-              <a:t>Enable Light &amp; Dark Theme modes</a:t>
-            </a:r>
-          </a:p>
-        </p:txBody>
-      </p:sp>
-      <p:sp>
-        <p:nvSpPr>
-          <p:cNvPr id="2" name="Title 1">
-            <a:extLst>
-              <a:ext uri="{FF2B5EF4-FFF2-40B4-BE49-F238E27FC236}">
-                <a16:creationId xmlns:a16="http://schemas.microsoft.com/office/drawing/2014/main" id="{E95B4CEE-4732-4E67-9878-6EB70E8B124A}"/>
-              </a:ext>
-            </a:extLst>
-          </p:cNvPr>
-          <p:cNvSpPr>
-            <a:spLocks noGrp="1"/>
-          </p:cNvSpPr>
-          <p:nvPr>
-            <p:ph type="title"/>
-          </p:nvPr>
-        </p:nvSpPr>
-        <p:spPr/>
-        <p:txBody>
-          <a:bodyPr/>
-          <a:lstStyle/>
-          <a:p>
-            <a:r>
-              <a:rPr lang="en-US" dirty="0"/>
-              <a:t>Objectives</a:t>
-            </a:r>
-          </a:p>
-        </p:txBody>
-      </p:sp>
-    </p:spTree>
-    <p:extLst>
-      <p:ext uri="{BB962C8B-B14F-4D97-AF65-F5344CB8AC3E}">
-        <p14:creationId xmlns:p14="http://schemas.microsoft.com/office/powerpoint/2010/main" val="424419612"/>
-      </p:ext>
-    </p:extLst>
-  </p:cSld>
-  <p:clrMapOvr>
-    <a:masterClrMapping/>
-  </p:clrMapOvr>
-  <p:transition>
-    <p:fade/>
-  </p:transition>
-</p:sld>
-</file>
-
-<file path=ppt/slides/slide30.xml><?xml version="1.0" encoding="utf-8"?>
+<file path=ppt/slides/slide29.xml><?xml version="1.0" encoding="utf-8"?>
 <p:sld xmlns:a="http://schemas.openxmlformats.org/drawingml/2006/main" xmlns:r="http://schemas.openxmlformats.org/officeDocument/2006/relationships" xmlns:p="http://schemas.openxmlformats.org/presentationml/2006/main">
   <p:cSld>
     <p:spTree>
@@ -28247,7 +26059,1029 @@
 </p:sld>
 </file>
 
-<file path=ppt/slides/slide31.xml><?xml version="1.0" encoding="utf-8"?>
+<file path=ppt/slides/slide3.xml><?xml version="1.0" encoding="utf-8"?>
+<p:sld xmlns:a="http://schemas.openxmlformats.org/drawingml/2006/main" xmlns:r="http://schemas.openxmlformats.org/officeDocument/2006/relationships" xmlns:p="http://schemas.openxmlformats.org/presentationml/2006/main">
+  <p:cSld>
+    <p:spTree>
+      <p:nvGrpSpPr>
+        <p:cNvPr id="1" name=""/>
+        <p:cNvGrpSpPr/>
+        <p:nvPr/>
+      </p:nvGrpSpPr>
+      <p:grpSpPr>
+        <a:xfrm>
+          <a:off x="0" y="0"/>
+          <a:ext cx="0" cy="0"/>
+          <a:chOff x="0" y="0"/>
+          <a:chExt cx="0" cy="0"/>
+        </a:xfrm>
+      </p:grpSpPr>
+      <p:sp>
+        <p:nvSpPr>
+          <p:cNvPr id="8" name="Rectangle 7"/>
+          <p:cNvSpPr/>
+          <p:nvPr/>
+        </p:nvSpPr>
+        <p:spPr>
+          <a:xfrm>
+            <a:off x="5758808" y="3149424"/>
+            <a:ext cx="1341120" cy="1584960"/>
+          </a:xfrm>
+          <a:prstGeom prst="rect">
+            <a:avLst/>
+          </a:prstGeom>
+          <a:solidFill>
+            <a:srgbClr val="FFFF00">
+              <a:alpha val="23000"/>
+            </a:srgbClr>
+          </a:solidFill>
+          <a:ln>
+            <a:noFill/>
+          </a:ln>
+        </p:spPr>
+        <p:style>
+          <a:lnRef idx="2">
+            <a:schemeClr val="accent1">
+              <a:shade val="50000"/>
+            </a:schemeClr>
+          </a:lnRef>
+          <a:fillRef idx="1">
+            <a:schemeClr val="accent1"/>
+          </a:fillRef>
+          <a:effectRef idx="0">
+            <a:schemeClr val="accent1"/>
+          </a:effectRef>
+          <a:fontRef idx="minor">
+            <a:schemeClr val="lt1"/>
+          </a:fontRef>
+        </p:style>
+        <p:txBody>
+          <a:bodyPr rtlCol="0" anchor="ctr"/>
+          <a:lstStyle/>
+          <a:p>
+            <a:pPr algn="ctr"/>
+            <a:endParaRPr lang="en-US" sz="2400"/>
+          </a:p>
+        </p:txBody>
+      </p:sp>
+      <p:sp>
+        <p:nvSpPr>
+          <p:cNvPr id="11" name="Rectangle 10"/>
+          <p:cNvSpPr/>
+          <p:nvPr/>
+        </p:nvSpPr>
+        <p:spPr>
+          <a:xfrm>
+            <a:off x="8589732" y="3454224"/>
+            <a:ext cx="853440" cy="1280160"/>
+          </a:xfrm>
+          <a:prstGeom prst="rect">
+            <a:avLst/>
+          </a:prstGeom>
+          <a:solidFill>
+            <a:srgbClr val="FFFF00">
+              <a:alpha val="23000"/>
+            </a:srgbClr>
+          </a:solidFill>
+          <a:ln>
+            <a:noFill/>
+          </a:ln>
+        </p:spPr>
+        <p:style>
+          <a:lnRef idx="2">
+            <a:schemeClr val="accent1">
+              <a:shade val="50000"/>
+            </a:schemeClr>
+          </a:lnRef>
+          <a:fillRef idx="1">
+            <a:schemeClr val="accent1"/>
+          </a:fillRef>
+          <a:effectRef idx="0">
+            <a:schemeClr val="accent1"/>
+          </a:effectRef>
+          <a:fontRef idx="minor">
+            <a:schemeClr val="lt1"/>
+          </a:fontRef>
+        </p:style>
+        <p:txBody>
+          <a:bodyPr rtlCol="0" anchor="ctr"/>
+          <a:lstStyle/>
+          <a:p>
+            <a:pPr algn="ctr"/>
+            <a:endParaRPr lang="en-US" sz="2400"/>
+          </a:p>
+        </p:txBody>
+      </p:sp>
+      <p:sp>
+        <p:nvSpPr>
+          <p:cNvPr id="6" name="Content Placeholder 5"/>
+          <p:cNvSpPr>
+            <a:spLocks noGrp="1"/>
+          </p:cNvSpPr>
+          <p:nvPr>
+            <p:ph sz="quarter" idx="10"/>
+          </p:nvPr>
+        </p:nvSpPr>
+        <p:spPr>
+          <a:xfrm>
+            <a:off x="609600" y="1613054"/>
+            <a:ext cx="10972800" cy="1270732"/>
+          </a:xfrm>
+        </p:spPr>
+        <p:txBody>
+          <a:bodyPr/>
+          <a:lstStyle/>
+          <a:p>
+            <a:r>
+              <a:rPr lang="en-US" dirty="0"/>
+              <a:t>Duplicate XAML values are error prone and difficult to maintain</a:t>
+            </a:r>
+          </a:p>
+        </p:txBody>
+      </p:sp>
+      <p:sp>
+        <p:nvSpPr>
+          <p:cNvPr id="5" name="Title 4"/>
+          <p:cNvSpPr>
+            <a:spLocks noGrp="1"/>
+          </p:cNvSpPr>
+          <p:nvPr>
+            <p:ph type="title"/>
+          </p:nvPr>
+        </p:nvSpPr>
+        <p:spPr/>
+        <p:txBody>
+          <a:bodyPr/>
+          <a:lstStyle/>
+          <a:p>
+            <a:r>
+              <a:rPr lang="en-US" dirty="0"/>
+              <a:t>Motivation</a:t>
+            </a:r>
+          </a:p>
+        </p:txBody>
+      </p:sp>
+      <p:sp>
+        <p:nvSpPr>
+          <p:cNvPr id="7" name="TextBox 6"/>
+          <p:cNvSpPr txBox="1"/>
+          <p:nvPr/>
+        </p:nvSpPr>
+        <p:spPr>
+          <a:xfrm>
+            <a:off x="1334869" y="3063320"/>
+            <a:ext cx="9526967" cy="2061718"/>
+          </a:xfrm>
+          <a:prstGeom prst="rect">
+            <a:avLst/>
+          </a:prstGeom>
+          <a:noFill/>
+          <a:ln>
+            <a:solidFill>
+              <a:schemeClr val="accent5"/>
+            </a:solidFill>
+          </a:ln>
+        </p:spPr>
+        <p:txBody>
+          <a:bodyPr wrap="none" rtlCol="0">
+            <a:spAutoFit/>
+          </a:bodyPr>
+          <a:lstStyle/>
+          <a:p>
+            <a:r>
+              <a:rPr lang="en-US" sz="2133" dirty="0">
+                <a:solidFill>
+                  <a:srgbClr val="0000FF"/>
+                </a:solidFill>
+                <a:latin typeface="Consolas" panose="020B0609020204030204" pitchFamily="49" charset="0"/>
+                <a:cs typeface="Consolas" panose="020B0609020204030204" pitchFamily="49" charset="0"/>
+              </a:rPr>
+              <a:t>&lt;</a:t>
+            </a:r>
+            <a:r>
+              <a:rPr lang="en-US" sz="2133" dirty="0" err="1">
+                <a:solidFill>
+                  <a:srgbClr val="A31515"/>
+                </a:solidFill>
+                <a:latin typeface="Consolas" panose="020B0609020204030204" pitchFamily="49" charset="0"/>
+                <a:cs typeface="Consolas" panose="020B0609020204030204" pitchFamily="49" charset="0"/>
+              </a:rPr>
+              <a:t>StackLayout</a:t>
+            </a:r>
+            <a:r>
+              <a:rPr lang="en-US" sz="2133" dirty="0">
+                <a:solidFill>
+                  <a:srgbClr val="A31515"/>
+                </a:solidFill>
+                <a:latin typeface="Consolas" panose="020B0609020204030204" pitchFamily="49" charset="0"/>
+                <a:cs typeface="Consolas" panose="020B0609020204030204" pitchFamily="49" charset="0"/>
+              </a:rPr>
+              <a:t> </a:t>
+            </a:r>
+            <a:r>
+              <a:rPr lang="en-US" sz="2133" dirty="0" err="1">
+                <a:solidFill>
+                  <a:srgbClr val="FF0000"/>
+                </a:solidFill>
+                <a:latin typeface="Consolas" panose="020B0609020204030204" pitchFamily="49" charset="0"/>
+                <a:cs typeface="Consolas" panose="020B0609020204030204" pitchFamily="49" charset="0"/>
+              </a:rPr>
+              <a:t>BackgroundColor</a:t>
+            </a:r>
+            <a:r>
+              <a:rPr lang="en-US" sz="2133" dirty="0">
+                <a:solidFill>
+                  <a:srgbClr val="0000FF"/>
+                </a:solidFill>
+                <a:latin typeface="Consolas" panose="020B0609020204030204" pitchFamily="49" charset="0"/>
+                <a:cs typeface="Consolas" panose="020B0609020204030204" pitchFamily="49" charset="0"/>
+              </a:rPr>
+              <a:t>=</a:t>
+            </a:r>
+            <a:r>
+              <a:rPr lang="en-US" sz="2133" dirty="0">
+                <a:solidFill>
+                  <a:srgbClr val="000000"/>
+                </a:solidFill>
+                <a:latin typeface="Consolas" panose="020B0609020204030204" pitchFamily="49" charset="0"/>
+                <a:cs typeface="Consolas" panose="020B0609020204030204" pitchFamily="49" charset="0"/>
+              </a:rPr>
+              <a:t>"</a:t>
+            </a:r>
+            <a:r>
+              <a:rPr lang="en-US" sz="2133" dirty="0">
+                <a:solidFill>
+                  <a:srgbClr val="0000FF"/>
+                </a:solidFill>
+                <a:latin typeface="Consolas" panose="020B0609020204030204" pitchFamily="49" charset="0"/>
+                <a:cs typeface="Consolas" panose="020B0609020204030204" pitchFamily="49" charset="0"/>
+              </a:rPr>
+              <a:t>#FFFFFF</a:t>
+            </a:r>
+            <a:r>
+              <a:rPr lang="en-US" sz="2133" dirty="0">
+                <a:solidFill>
+                  <a:srgbClr val="000000"/>
+                </a:solidFill>
+                <a:latin typeface="Consolas" panose="020B0609020204030204" pitchFamily="49" charset="0"/>
+                <a:cs typeface="Consolas" panose="020B0609020204030204" pitchFamily="49" charset="0"/>
+              </a:rPr>
+              <a:t>"</a:t>
+            </a:r>
+            <a:r>
+              <a:rPr lang="en-US" sz="2133" dirty="0">
+                <a:solidFill>
+                  <a:srgbClr val="0000FF"/>
+                </a:solidFill>
+                <a:latin typeface="Consolas" panose="020B0609020204030204" pitchFamily="49" charset="0"/>
+                <a:cs typeface="Consolas" panose="020B0609020204030204" pitchFamily="49" charset="0"/>
+              </a:rPr>
+              <a:t>&gt;</a:t>
+            </a:r>
+            <a:br>
+              <a:rPr lang="en-US" sz="2133" dirty="0">
+                <a:solidFill>
+                  <a:srgbClr val="000000"/>
+                </a:solidFill>
+                <a:latin typeface="Consolas" panose="020B0609020204030204" pitchFamily="49" charset="0"/>
+                <a:cs typeface="Consolas" panose="020B0609020204030204" pitchFamily="49" charset="0"/>
+              </a:rPr>
+            </a:br>
+            <a:r>
+              <a:rPr lang="en-US" sz="2133" dirty="0">
+                <a:solidFill>
+                  <a:srgbClr val="000000"/>
+                </a:solidFill>
+                <a:latin typeface="Consolas" panose="020B0609020204030204" pitchFamily="49" charset="0"/>
+                <a:cs typeface="Consolas" panose="020B0609020204030204" pitchFamily="49" charset="0"/>
+              </a:rPr>
+              <a:t>  </a:t>
+            </a:r>
+            <a:r>
+              <a:rPr lang="en-US" sz="2133" dirty="0">
+                <a:solidFill>
+                  <a:srgbClr val="0000FF"/>
+                </a:solidFill>
+                <a:latin typeface="Consolas" panose="020B0609020204030204" pitchFamily="49" charset="0"/>
+                <a:cs typeface="Consolas" panose="020B0609020204030204" pitchFamily="49" charset="0"/>
+              </a:rPr>
+              <a:t>&lt;</a:t>
+            </a:r>
+            <a:r>
+              <a:rPr lang="en-US" sz="2133" dirty="0">
+                <a:solidFill>
+                  <a:srgbClr val="A31515"/>
+                </a:solidFill>
+                <a:latin typeface="Consolas" panose="020B0609020204030204" pitchFamily="49" charset="0"/>
+                <a:cs typeface="Consolas" panose="020B0609020204030204" pitchFamily="49" charset="0"/>
+              </a:rPr>
+              <a:t>Label           </a:t>
+            </a:r>
+            <a:r>
+              <a:rPr lang="en-US" sz="2133" dirty="0" err="1">
+                <a:solidFill>
+                  <a:srgbClr val="FF0000"/>
+                </a:solidFill>
+                <a:latin typeface="Consolas" panose="020B0609020204030204" pitchFamily="49" charset="0"/>
+                <a:cs typeface="Consolas" panose="020B0609020204030204" pitchFamily="49" charset="0"/>
+              </a:rPr>
+              <a:t>TextColor</a:t>
+            </a:r>
+            <a:r>
+              <a:rPr lang="en-US" sz="2133" dirty="0">
+                <a:solidFill>
+                  <a:srgbClr val="0000FF"/>
+                </a:solidFill>
+                <a:latin typeface="Consolas" panose="020B0609020204030204" pitchFamily="49" charset="0"/>
+                <a:cs typeface="Consolas" panose="020B0609020204030204" pitchFamily="49" charset="0"/>
+              </a:rPr>
+              <a:t>=</a:t>
+            </a:r>
+            <a:r>
+              <a:rPr lang="en-US" sz="2133" dirty="0">
+                <a:solidFill>
+                  <a:srgbClr val="000000"/>
+                </a:solidFill>
+                <a:latin typeface="Consolas" panose="020B0609020204030204" pitchFamily="49" charset="0"/>
+                <a:cs typeface="Consolas" panose="020B0609020204030204" pitchFamily="49" charset="0"/>
+              </a:rPr>
+              <a:t>"</a:t>
+            </a:r>
+            <a:r>
+              <a:rPr lang="en-US" sz="2133" dirty="0">
+                <a:solidFill>
+                  <a:srgbClr val="0000FF"/>
+                </a:solidFill>
+                <a:latin typeface="Consolas" panose="020B0609020204030204" pitchFamily="49" charset="0"/>
+                <a:cs typeface="Consolas" panose="020B0609020204030204" pitchFamily="49" charset="0"/>
+              </a:rPr>
+              <a:t>#00FF00</a:t>
+            </a:r>
+            <a:r>
+              <a:rPr lang="en-US" sz="2133" dirty="0">
+                <a:solidFill>
+                  <a:srgbClr val="000000"/>
+                </a:solidFill>
+                <a:latin typeface="Consolas" panose="020B0609020204030204" pitchFamily="49" charset="0"/>
+                <a:cs typeface="Consolas" panose="020B0609020204030204" pitchFamily="49" charset="0"/>
+              </a:rPr>
+              <a:t>" </a:t>
+            </a:r>
+            <a:r>
+              <a:rPr lang="en-US" sz="2133" dirty="0" err="1">
+                <a:solidFill>
+                  <a:srgbClr val="FF0000"/>
+                </a:solidFill>
+                <a:latin typeface="Consolas" panose="020B0609020204030204" pitchFamily="49" charset="0"/>
+              </a:rPr>
+              <a:t>FontSize</a:t>
+            </a:r>
+            <a:r>
+              <a:rPr lang="en-US" sz="2133" dirty="0">
+                <a:solidFill>
+                  <a:srgbClr val="0000FF"/>
+                </a:solidFill>
+                <a:latin typeface="Consolas" panose="020B0609020204030204" pitchFamily="49" charset="0"/>
+              </a:rPr>
+              <a:t>=</a:t>
+            </a:r>
+            <a:r>
+              <a:rPr lang="en-US" sz="2133" dirty="0">
+                <a:solidFill>
+                  <a:srgbClr val="000000"/>
+                </a:solidFill>
+                <a:latin typeface="Consolas" panose="020B0609020204030204" pitchFamily="49" charset="0"/>
+              </a:rPr>
+              <a:t>"</a:t>
+            </a:r>
+            <a:r>
+              <a:rPr lang="en-US" sz="2133" dirty="0">
+                <a:solidFill>
+                  <a:srgbClr val="0000FF"/>
+                </a:solidFill>
+                <a:latin typeface="Consolas" panose="020B0609020204030204" pitchFamily="49" charset="0"/>
+              </a:rPr>
+              <a:t>16.5</a:t>
+            </a:r>
+            <a:r>
+              <a:rPr lang="en-US" sz="2133" dirty="0">
+                <a:solidFill>
+                  <a:srgbClr val="000000"/>
+                </a:solidFill>
+                <a:latin typeface="Consolas" panose="020B0609020204030204" pitchFamily="49" charset="0"/>
+              </a:rPr>
+              <a:t>" </a:t>
+            </a:r>
+            <a:r>
+              <a:rPr lang="en-US" sz="2133" dirty="0">
+                <a:solidFill>
+                  <a:srgbClr val="000000"/>
+                </a:solidFill>
+                <a:latin typeface="Consolas" panose="020B0609020204030204" pitchFamily="49" charset="0"/>
+                <a:cs typeface="Consolas" panose="020B0609020204030204" pitchFamily="49" charset="0"/>
+              </a:rPr>
+              <a:t>...</a:t>
+            </a:r>
+            <a:r>
+              <a:rPr lang="en-US" sz="2133" dirty="0">
+                <a:solidFill>
+                  <a:srgbClr val="A31515"/>
+                </a:solidFill>
+                <a:latin typeface="Consolas" panose="020B0609020204030204" pitchFamily="49" charset="0"/>
+                <a:cs typeface="Consolas" panose="020B0609020204030204" pitchFamily="49" charset="0"/>
+              </a:rPr>
+              <a:t> </a:t>
+            </a:r>
+            <a:r>
+              <a:rPr lang="en-US" sz="2133" dirty="0">
+                <a:solidFill>
+                  <a:srgbClr val="0000FF"/>
+                </a:solidFill>
+                <a:latin typeface="Consolas" panose="020B0609020204030204" pitchFamily="49" charset="0"/>
+                <a:cs typeface="Consolas" panose="020B0609020204030204" pitchFamily="49" charset="0"/>
+              </a:rPr>
+              <a:t>/&gt;</a:t>
+            </a:r>
+            <a:br>
+              <a:rPr lang="en-US" sz="2133" dirty="0">
+                <a:solidFill>
+                  <a:srgbClr val="000000"/>
+                </a:solidFill>
+                <a:latin typeface="Consolas" panose="020B0609020204030204" pitchFamily="49" charset="0"/>
+                <a:cs typeface="Consolas" panose="020B0609020204030204" pitchFamily="49" charset="0"/>
+              </a:rPr>
+            </a:br>
+            <a:r>
+              <a:rPr lang="en-US" sz="2133" dirty="0">
+                <a:solidFill>
+                  <a:srgbClr val="000000"/>
+                </a:solidFill>
+                <a:latin typeface="Consolas" panose="020B0609020204030204" pitchFamily="49" charset="0"/>
+                <a:cs typeface="Consolas" panose="020B0609020204030204" pitchFamily="49" charset="0"/>
+              </a:rPr>
+              <a:t>  </a:t>
+            </a:r>
+            <a:r>
+              <a:rPr lang="en-US" sz="2133" dirty="0">
+                <a:solidFill>
+                  <a:srgbClr val="0000FF"/>
+                </a:solidFill>
+                <a:latin typeface="Consolas" panose="020B0609020204030204" pitchFamily="49" charset="0"/>
+                <a:cs typeface="Consolas" panose="020B0609020204030204" pitchFamily="49" charset="0"/>
+              </a:rPr>
+              <a:t>&lt;</a:t>
+            </a:r>
+            <a:r>
+              <a:rPr lang="en-US" sz="2133" dirty="0">
+                <a:solidFill>
+                  <a:srgbClr val="A31515"/>
+                </a:solidFill>
+                <a:latin typeface="Consolas" panose="020B0609020204030204" pitchFamily="49" charset="0"/>
+                <a:cs typeface="Consolas" panose="020B0609020204030204" pitchFamily="49" charset="0"/>
+              </a:rPr>
+              <a:t>Entry     </a:t>
+            </a:r>
+            <a:r>
+              <a:rPr lang="en-US" sz="2133" dirty="0" err="1">
+                <a:solidFill>
+                  <a:srgbClr val="FF0000"/>
+                </a:solidFill>
+                <a:latin typeface="Consolas" panose="020B0609020204030204" pitchFamily="49" charset="0"/>
+                <a:cs typeface="Consolas" panose="020B0609020204030204" pitchFamily="49" charset="0"/>
+              </a:rPr>
+              <a:t>BackgroundColor</a:t>
+            </a:r>
+            <a:r>
+              <a:rPr lang="en-US" sz="2133" dirty="0">
+                <a:solidFill>
+                  <a:srgbClr val="0000FF"/>
+                </a:solidFill>
+                <a:latin typeface="Consolas" panose="020B0609020204030204" pitchFamily="49" charset="0"/>
+                <a:cs typeface="Consolas" panose="020B0609020204030204" pitchFamily="49" charset="0"/>
+              </a:rPr>
+              <a:t>=</a:t>
+            </a:r>
+            <a:r>
+              <a:rPr lang="en-US" sz="2133" dirty="0">
+                <a:solidFill>
+                  <a:srgbClr val="000000"/>
+                </a:solidFill>
+                <a:latin typeface="Consolas" panose="020B0609020204030204" pitchFamily="49" charset="0"/>
+                <a:cs typeface="Consolas" panose="020B0609020204030204" pitchFamily="49" charset="0"/>
+              </a:rPr>
+              <a:t>"</a:t>
+            </a:r>
+            <a:r>
+              <a:rPr lang="en-US" sz="2133" dirty="0">
+                <a:solidFill>
+                  <a:srgbClr val="0000FF"/>
+                </a:solidFill>
+                <a:latin typeface="Consolas" panose="020B0609020204030204" pitchFamily="49" charset="0"/>
+                <a:cs typeface="Consolas" panose="020B0609020204030204" pitchFamily="49" charset="0"/>
+              </a:rPr>
+              <a:t>#FFFFFF</a:t>
+            </a:r>
+            <a:r>
+              <a:rPr lang="en-US" sz="2133" dirty="0">
+                <a:solidFill>
+                  <a:srgbClr val="000000"/>
+                </a:solidFill>
+                <a:latin typeface="Consolas" panose="020B0609020204030204" pitchFamily="49" charset="0"/>
+                <a:cs typeface="Consolas" panose="020B0609020204030204" pitchFamily="49" charset="0"/>
+              </a:rPr>
+              <a:t>"</a:t>
+            </a:r>
+            <a:r>
+              <a:rPr lang="en-US" sz="2133" dirty="0">
+                <a:solidFill>
+                  <a:srgbClr val="A31515"/>
+                </a:solidFill>
+                <a:latin typeface="Consolas" panose="020B0609020204030204" pitchFamily="49" charset="0"/>
+                <a:cs typeface="Consolas" panose="020B0609020204030204" pitchFamily="49" charset="0"/>
+              </a:rPr>
+              <a:t> </a:t>
+            </a:r>
+            <a:r>
+              <a:rPr lang="en-US" sz="2133" dirty="0">
+                <a:solidFill>
+                  <a:srgbClr val="000000"/>
+                </a:solidFill>
+                <a:latin typeface="Consolas" panose="020B0609020204030204" pitchFamily="49" charset="0"/>
+                <a:cs typeface="Consolas" panose="020B0609020204030204" pitchFamily="49" charset="0"/>
+              </a:rPr>
+              <a:t>                ... </a:t>
+            </a:r>
+            <a:r>
+              <a:rPr lang="en-US" sz="2133" dirty="0">
+                <a:solidFill>
+                  <a:srgbClr val="0000FF"/>
+                </a:solidFill>
+                <a:latin typeface="Consolas" panose="020B0609020204030204" pitchFamily="49" charset="0"/>
+                <a:cs typeface="Consolas" panose="020B0609020204030204" pitchFamily="49" charset="0"/>
+              </a:rPr>
+              <a:t>/&gt;</a:t>
+            </a:r>
+            <a:r>
+              <a:rPr lang="en-US" sz="2133" dirty="0">
+                <a:solidFill>
+                  <a:srgbClr val="000000"/>
+                </a:solidFill>
+                <a:latin typeface="Consolas" panose="020B0609020204030204" pitchFamily="49" charset="0"/>
+                <a:cs typeface="Consolas" panose="020B0609020204030204" pitchFamily="49" charset="0"/>
+              </a:rPr>
+              <a:t> </a:t>
+            </a:r>
+            <a:br>
+              <a:rPr lang="en-US" sz="2133" dirty="0">
+                <a:solidFill>
+                  <a:srgbClr val="000000"/>
+                </a:solidFill>
+                <a:latin typeface="Consolas" panose="020B0609020204030204" pitchFamily="49" charset="0"/>
+                <a:cs typeface="Consolas" panose="020B0609020204030204" pitchFamily="49" charset="0"/>
+              </a:rPr>
+            </a:br>
+            <a:r>
+              <a:rPr lang="en-US" sz="2133" dirty="0">
+                <a:solidFill>
+                  <a:srgbClr val="000000"/>
+                </a:solidFill>
+                <a:latin typeface="Consolas" panose="020B0609020204030204" pitchFamily="49" charset="0"/>
+                <a:cs typeface="Consolas" panose="020B0609020204030204" pitchFamily="49" charset="0"/>
+              </a:rPr>
+              <a:t>  </a:t>
+            </a:r>
+            <a:r>
+              <a:rPr lang="en-US" sz="2133" dirty="0">
+                <a:solidFill>
+                  <a:srgbClr val="0000FF"/>
+                </a:solidFill>
+                <a:latin typeface="Consolas" panose="020B0609020204030204" pitchFamily="49" charset="0"/>
+                <a:cs typeface="Consolas" panose="020B0609020204030204" pitchFamily="49" charset="0"/>
+              </a:rPr>
+              <a:t>&lt;</a:t>
+            </a:r>
+            <a:r>
+              <a:rPr lang="en-US" sz="2133" dirty="0" err="1">
+                <a:solidFill>
+                  <a:srgbClr val="A31515"/>
+                </a:solidFill>
+                <a:latin typeface="Consolas" panose="020B0609020204030204" pitchFamily="49" charset="0"/>
+                <a:cs typeface="Consolas" panose="020B0609020204030204" pitchFamily="49" charset="0"/>
+              </a:rPr>
+              <a:t>BoxView</a:t>
+            </a:r>
+            <a:r>
+              <a:rPr lang="en-US" sz="2133" dirty="0">
+                <a:solidFill>
+                  <a:srgbClr val="A31515"/>
+                </a:solidFill>
+                <a:latin typeface="Consolas" panose="020B0609020204030204" pitchFamily="49" charset="0"/>
+                <a:cs typeface="Consolas" panose="020B0609020204030204" pitchFamily="49" charset="0"/>
+              </a:rPr>
+              <a:t>   </a:t>
+            </a:r>
+            <a:r>
+              <a:rPr lang="en-US" sz="2133" dirty="0" err="1">
+                <a:solidFill>
+                  <a:srgbClr val="FF0000"/>
+                </a:solidFill>
+                <a:latin typeface="Consolas" panose="020B0609020204030204" pitchFamily="49" charset="0"/>
+                <a:cs typeface="Consolas" panose="020B0609020204030204" pitchFamily="49" charset="0"/>
+              </a:rPr>
+              <a:t>BackgroundColor</a:t>
+            </a:r>
+            <a:r>
+              <a:rPr lang="en-US" sz="2133" dirty="0">
+                <a:solidFill>
+                  <a:srgbClr val="0000FF"/>
+                </a:solidFill>
+                <a:latin typeface="Consolas" panose="020B0609020204030204" pitchFamily="49" charset="0"/>
+                <a:cs typeface="Consolas" panose="020B0609020204030204" pitchFamily="49" charset="0"/>
+              </a:rPr>
+              <a:t>=</a:t>
+            </a:r>
+            <a:r>
+              <a:rPr lang="en-US" sz="2133" dirty="0">
+                <a:solidFill>
+                  <a:srgbClr val="000000"/>
+                </a:solidFill>
+                <a:latin typeface="Consolas" panose="020B0609020204030204" pitchFamily="49" charset="0"/>
+                <a:cs typeface="Consolas" panose="020B0609020204030204" pitchFamily="49" charset="0"/>
+              </a:rPr>
+              <a:t>"</a:t>
+            </a:r>
+            <a:r>
+              <a:rPr lang="en-US" sz="2133" dirty="0">
+                <a:solidFill>
+                  <a:srgbClr val="0000FF"/>
+                </a:solidFill>
+                <a:latin typeface="Consolas" panose="020B0609020204030204" pitchFamily="49" charset="0"/>
+                <a:cs typeface="Consolas" panose="020B0609020204030204" pitchFamily="49" charset="0"/>
+              </a:rPr>
+              <a:t>#00FF00</a:t>
+            </a:r>
+            <a:r>
+              <a:rPr lang="en-US" sz="2133" dirty="0">
+                <a:solidFill>
+                  <a:srgbClr val="000000"/>
+                </a:solidFill>
+                <a:latin typeface="Consolas" panose="020B0609020204030204" pitchFamily="49" charset="0"/>
+                <a:cs typeface="Consolas" panose="020B0609020204030204" pitchFamily="49" charset="0"/>
+              </a:rPr>
+              <a:t>"</a:t>
+            </a:r>
+            <a:r>
+              <a:rPr lang="en-US" sz="2133" dirty="0">
+                <a:solidFill>
+                  <a:srgbClr val="A31515"/>
+                </a:solidFill>
+                <a:latin typeface="Consolas" panose="020B0609020204030204" pitchFamily="49" charset="0"/>
+                <a:cs typeface="Consolas" panose="020B0609020204030204" pitchFamily="49" charset="0"/>
+              </a:rPr>
+              <a:t> </a:t>
+            </a:r>
+            <a:r>
+              <a:rPr lang="en-US" sz="2133" dirty="0">
+                <a:solidFill>
+                  <a:srgbClr val="000000"/>
+                </a:solidFill>
+                <a:latin typeface="Consolas" panose="020B0609020204030204" pitchFamily="49" charset="0"/>
+                <a:cs typeface="Consolas" panose="020B0609020204030204" pitchFamily="49" charset="0"/>
+              </a:rPr>
+              <a:t>                ... </a:t>
+            </a:r>
+            <a:r>
+              <a:rPr lang="en-US" sz="2133" dirty="0">
+                <a:solidFill>
+                  <a:srgbClr val="0000FF"/>
+                </a:solidFill>
+                <a:latin typeface="Consolas" panose="020B0609020204030204" pitchFamily="49" charset="0"/>
+                <a:cs typeface="Consolas" panose="020B0609020204030204" pitchFamily="49" charset="0"/>
+              </a:rPr>
+              <a:t>/&gt;</a:t>
+            </a:r>
+            <a:br>
+              <a:rPr lang="en-US" sz="2133" dirty="0">
+                <a:solidFill>
+                  <a:srgbClr val="000000"/>
+                </a:solidFill>
+                <a:latin typeface="Consolas" panose="020B0609020204030204" pitchFamily="49" charset="0"/>
+                <a:cs typeface="Consolas" panose="020B0609020204030204" pitchFamily="49" charset="0"/>
+              </a:rPr>
+            </a:br>
+            <a:r>
+              <a:rPr lang="en-US" sz="2133" dirty="0">
+                <a:solidFill>
+                  <a:srgbClr val="000000"/>
+                </a:solidFill>
+                <a:latin typeface="Consolas" panose="020B0609020204030204" pitchFamily="49" charset="0"/>
+                <a:cs typeface="Consolas" panose="020B0609020204030204" pitchFamily="49" charset="0"/>
+              </a:rPr>
+              <a:t>  </a:t>
+            </a:r>
+            <a:r>
+              <a:rPr lang="en-US" sz="2133" dirty="0">
+                <a:solidFill>
+                  <a:srgbClr val="0000FF"/>
+                </a:solidFill>
+                <a:latin typeface="Consolas" panose="020B0609020204030204" pitchFamily="49" charset="0"/>
+                <a:cs typeface="Consolas" panose="020B0609020204030204" pitchFamily="49" charset="0"/>
+              </a:rPr>
+              <a:t>&lt;</a:t>
+            </a:r>
+            <a:r>
+              <a:rPr lang="en-US" sz="2133" dirty="0">
+                <a:solidFill>
+                  <a:srgbClr val="A31515"/>
+                </a:solidFill>
+                <a:latin typeface="Consolas" panose="020B0609020204030204" pitchFamily="49" charset="0"/>
+                <a:cs typeface="Consolas" panose="020B0609020204030204" pitchFamily="49" charset="0"/>
+              </a:rPr>
+              <a:t>Button    </a:t>
+            </a:r>
+            <a:r>
+              <a:rPr lang="en-US" sz="2133" dirty="0" err="1">
+                <a:solidFill>
+                  <a:srgbClr val="FF0000"/>
+                </a:solidFill>
+                <a:latin typeface="Consolas" panose="020B0609020204030204" pitchFamily="49" charset="0"/>
+                <a:cs typeface="Consolas" panose="020B0609020204030204" pitchFamily="49" charset="0"/>
+              </a:rPr>
+              <a:t>BackgroundColor</a:t>
+            </a:r>
+            <a:r>
+              <a:rPr lang="en-US" sz="2133" dirty="0">
+                <a:solidFill>
+                  <a:srgbClr val="0000FF"/>
+                </a:solidFill>
+                <a:latin typeface="Consolas" panose="020B0609020204030204" pitchFamily="49" charset="0"/>
+                <a:cs typeface="Consolas" panose="020B0609020204030204" pitchFamily="49" charset="0"/>
+              </a:rPr>
+              <a:t>=</a:t>
+            </a:r>
+            <a:r>
+              <a:rPr lang="en-US" sz="2133" dirty="0">
+                <a:solidFill>
+                  <a:srgbClr val="000000"/>
+                </a:solidFill>
+                <a:latin typeface="Consolas" panose="020B0609020204030204" pitchFamily="49" charset="0"/>
+                <a:cs typeface="Consolas" panose="020B0609020204030204" pitchFamily="49" charset="0"/>
+              </a:rPr>
+              <a:t>"</a:t>
+            </a:r>
+            <a:r>
+              <a:rPr lang="en-US" sz="2133" dirty="0">
+                <a:solidFill>
+                  <a:srgbClr val="0000FF"/>
+                </a:solidFill>
+                <a:latin typeface="Consolas" panose="020B0609020204030204" pitchFamily="49" charset="0"/>
+                <a:cs typeface="Consolas" panose="020B0609020204030204" pitchFamily="49" charset="0"/>
+              </a:rPr>
+              <a:t>#00FF00</a:t>
+            </a:r>
+            <a:r>
+              <a:rPr lang="en-US" sz="2133" dirty="0">
+                <a:solidFill>
+                  <a:srgbClr val="000000"/>
+                </a:solidFill>
+                <a:latin typeface="Consolas" panose="020B0609020204030204" pitchFamily="49" charset="0"/>
+                <a:cs typeface="Consolas" panose="020B0609020204030204" pitchFamily="49" charset="0"/>
+              </a:rPr>
+              <a:t>"</a:t>
+            </a:r>
+            <a:r>
+              <a:rPr lang="en-US" sz="2133" dirty="0">
+                <a:solidFill>
+                  <a:srgbClr val="A31515"/>
+                </a:solidFill>
+                <a:latin typeface="Consolas" panose="020B0609020204030204" pitchFamily="49" charset="0"/>
+                <a:cs typeface="Consolas" panose="020B0609020204030204" pitchFamily="49" charset="0"/>
+              </a:rPr>
+              <a:t> </a:t>
+            </a:r>
+            <a:r>
+              <a:rPr lang="en-US" sz="2133" dirty="0" err="1">
+                <a:solidFill>
+                  <a:srgbClr val="FF0000"/>
+                </a:solidFill>
+                <a:latin typeface="Consolas" panose="020B0609020204030204" pitchFamily="49" charset="0"/>
+              </a:rPr>
+              <a:t>FontSize</a:t>
+            </a:r>
+            <a:r>
+              <a:rPr lang="en-US" sz="2133" dirty="0">
+                <a:solidFill>
+                  <a:srgbClr val="0000FF"/>
+                </a:solidFill>
+                <a:latin typeface="Consolas" panose="020B0609020204030204" pitchFamily="49" charset="0"/>
+              </a:rPr>
+              <a:t>=</a:t>
+            </a:r>
+            <a:r>
+              <a:rPr lang="en-US" sz="2133" dirty="0">
+                <a:solidFill>
+                  <a:srgbClr val="000000"/>
+                </a:solidFill>
+                <a:latin typeface="Consolas" panose="020B0609020204030204" pitchFamily="49" charset="0"/>
+              </a:rPr>
+              <a:t>"</a:t>
+            </a:r>
+            <a:r>
+              <a:rPr lang="en-US" sz="2133" dirty="0">
+                <a:solidFill>
+                  <a:srgbClr val="0000FF"/>
+                </a:solidFill>
+                <a:latin typeface="Consolas" panose="020B0609020204030204" pitchFamily="49" charset="0"/>
+              </a:rPr>
+              <a:t>16.5</a:t>
+            </a:r>
+            <a:r>
+              <a:rPr lang="en-US" sz="2133" dirty="0">
+                <a:solidFill>
+                  <a:srgbClr val="000000"/>
+                </a:solidFill>
+                <a:latin typeface="Consolas" panose="020B0609020204030204" pitchFamily="49" charset="0"/>
+              </a:rPr>
+              <a:t>" </a:t>
+            </a:r>
+            <a:r>
+              <a:rPr lang="en-US" sz="2133" dirty="0">
+                <a:solidFill>
+                  <a:srgbClr val="000000"/>
+                </a:solidFill>
+                <a:latin typeface="Consolas" panose="020B0609020204030204" pitchFamily="49" charset="0"/>
+                <a:cs typeface="Consolas" panose="020B0609020204030204" pitchFamily="49" charset="0"/>
+              </a:rPr>
+              <a:t>... </a:t>
+            </a:r>
+            <a:r>
+              <a:rPr lang="en-US" sz="2133" dirty="0">
+                <a:solidFill>
+                  <a:srgbClr val="0000FF"/>
+                </a:solidFill>
+                <a:latin typeface="Consolas" panose="020B0609020204030204" pitchFamily="49" charset="0"/>
+                <a:cs typeface="Consolas" panose="020B0609020204030204" pitchFamily="49" charset="0"/>
+              </a:rPr>
+              <a:t>/&gt;</a:t>
+            </a:r>
+          </a:p>
+          <a:p>
+            <a:r>
+              <a:rPr lang="en-US" sz="2133" dirty="0">
+                <a:solidFill>
+                  <a:srgbClr val="0000FF"/>
+                </a:solidFill>
+                <a:latin typeface="Consolas" panose="020B0609020204030204" pitchFamily="49" charset="0"/>
+                <a:cs typeface="Consolas" panose="020B0609020204030204" pitchFamily="49" charset="0"/>
+              </a:rPr>
+              <a:t>&lt;/</a:t>
+            </a:r>
+            <a:r>
+              <a:rPr lang="en-US" sz="2133" dirty="0" err="1">
+                <a:solidFill>
+                  <a:srgbClr val="A31515"/>
+                </a:solidFill>
+                <a:latin typeface="Consolas" panose="020B0609020204030204" pitchFamily="49" charset="0"/>
+                <a:cs typeface="Consolas" panose="020B0609020204030204" pitchFamily="49" charset="0"/>
+              </a:rPr>
+              <a:t>StackLayout</a:t>
+            </a:r>
+            <a:r>
+              <a:rPr lang="en-US" sz="2133" dirty="0">
+                <a:solidFill>
+                  <a:srgbClr val="0000FF"/>
+                </a:solidFill>
+                <a:latin typeface="Consolas" panose="020B0609020204030204" pitchFamily="49" charset="0"/>
+                <a:cs typeface="Consolas" panose="020B0609020204030204" pitchFamily="49" charset="0"/>
+              </a:rPr>
+              <a:t>&gt;</a:t>
+            </a:r>
+            <a:endParaRPr lang="en-US" sz="2133" dirty="0">
+              <a:latin typeface="Consolas" panose="020B0609020204030204" pitchFamily="49" charset="0"/>
+              <a:cs typeface="Consolas" panose="020B0609020204030204" pitchFamily="49" charset="0"/>
+            </a:endParaRPr>
+          </a:p>
+        </p:txBody>
+      </p:sp>
+      <p:sp>
+        <p:nvSpPr>
+          <p:cNvPr id="9" name="TextBox 8"/>
+          <p:cNvSpPr txBox="1"/>
+          <p:nvPr/>
+        </p:nvSpPr>
+        <p:spPr>
+          <a:xfrm>
+            <a:off x="3454400" y="5273358"/>
+            <a:ext cx="7733656" cy="461665"/>
+          </a:xfrm>
+          <a:prstGeom prst="rect">
+            <a:avLst/>
+          </a:prstGeom>
+          <a:noFill/>
+        </p:spPr>
+        <p:txBody>
+          <a:bodyPr wrap="none" rtlCol="0">
+            <a:spAutoFit/>
+          </a:bodyPr>
+          <a:lstStyle/>
+          <a:p>
+            <a:r>
+              <a:rPr lang="en-US" sz="2400" dirty="0">
+                <a:cs typeface="Segoe UI Light"/>
+              </a:rPr>
+              <a:t>Common to use the same colors and sizes across the UI</a:t>
+            </a:r>
+          </a:p>
+        </p:txBody>
+      </p:sp>
+      <p:cxnSp>
+        <p:nvCxnSpPr>
+          <p:cNvPr id="10" name="Straight Arrow Connector 9"/>
+          <p:cNvCxnSpPr/>
+          <p:nvPr/>
+        </p:nvCxnSpPr>
+        <p:spPr>
+          <a:xfrm flipV="1">
+            <a:off x="6429368" y="4791529"/>
+            <a:ext cx="0" cy="609600"/>
+          </a:xfrm>
+          <a:prstGeom prst="straightConnector1">
+            <a:avLst/>
+          </a:prstGeom>
+          <a:ln w="28575" cmpd="sng">
+            <a:solidFill>
+              <a:schemeClr val="accent4"/>
+            </a:solidFill>
+            <a:tailEnd type="arrow"/>
+          </a:ln>
+          <a:effectLst/>
+        </p:spPr>
+        <p:style>
+          <a:lnRef idx="2">
+            <a:schemeClr val="accent1"/>
+          </a:lnRef>
+          <a:fillRef idx="0">
+            <a:schemeClr val="accent1"/>
+          </a:fillRef>
+          <a:effectRef idx="1">
+            <a:schemeClr val="accent1"/>
+          </a:effectRef>
+          <a:fontRef idx="minor">
+            <a:schemeClr val="tx1"/>
+          </a:fontRef>
+        </p:style>
+      </p:cxnSp>
+      <p:cxnSp>
+        <p:nvCxnSpPr>
+          <p:cNvPr id="12" name="Straight Arrow Connector 11"/>
+          <p:cNvCxnSpPr/>
+          <p:nvPr/>
+        </p:nvCxnSpPr>
+        <p:spPr>
+          <a:xfrm flipV="1">
+            <a:off x="9016452" y="4791529"/>
+            <a:ext cx="0" cy="609600"/>
+          </a:xfrm>
+          <a:prstGeom prst="straightConnector1">
+            <a:avLst/>
+          </a:prstGeom>
+          <a:ln w="28575" cmpd="sng">
+            <a:solidFill>
+              <a:schemeClr val="accent4"/>
+            </a:solidFill>
+            <a:tailEnd type="arrow"/>
+          </a:ln>
+          <a:effectLst/>
+        </p:spPr>
+        <p:style>
+          <a:lnRef idx="2">
+            <a:schemeClr val="accent1"/>
+          </a:lnRef>
+          <a:fillRef idx="0">
+            <a:schemeClr val="accent1"/>
+          </a:fillRef>
+          <a:effectRef idx="1">
+            <a:schemeClr val="accent1"/>
+          </a:effectRef>
+          <a:fontRef idx="minor">
+            <a:schemeClr val="tx1"/>
+          </a:fontRef>
+        </p:style>
+      </p:cxnSp>
+    </p:spTree>
+    <p:extLst>
+      <p:ext uri="{BB962C8B-B14F-4D97-AF65-F5344CB8AC3E}">
+        <p14:creationId xmlns:p14="http://schemas.microsoft.com/office/powerpoint/2010/main" val="553747559"/>
+      </p:ext>
+    </p:extLst>
+  </p:cSld>
+  <p:clrMapOvr>
+    <a:masterClrMapping/>
+  </p:clrMapOvr>
+</p:sld>
+</file>
+
+<file path=ppt/slides/slide30.xml><?xml version="1.0" encoding="utf-8"?>
 <p:sld xmlns:a="http://schemas.openxmlformats.org/drawingml/2006/main" xmlns:r="http://schemas.openxmlformats.org/officeDocument/2006/relationships" xmlns:p="http://schemas.openxmlformats.org/presentationml/2006/main">
   <p:cSld>
     <p:spTree>
@@ -28485,52 +27319,6 @@
                 <a:schemeClr val="tx1"/>
               </a:solidFill>
               <a:latin typeface="+mn-lt"/>
-            </a:endParaRPr>
-          </a:p>
-        </p:txBody>
-      </p:sp>
-      <p:sp>
-        <p:nvSpPr>
-          <p:cNvPr id="8" name="TextBox 7"/>
-          <p:cNvSpPr txBox="1"/>
-          <p:nvPr/>
-        </p:nvSpPr>
-        <p:spPr>
-          <a:xfrm>
-            <a:off x="4145965" y="-846623"/>
-            <a:ext cx="362072" cy="621556"/>
-          </a:xfrm>
-          <a:prstGeom prst="rect">
-            <a:avLst/>
-          </a:prstGeom>
-          <a:noFill/>
-        </p:spPr>
-        <p:txBody>
-          <a:bodyPr wrap="none" lIns="179285" tIns="143428" rIns="179285" bIns="143428" rtlCol="0">
-            <a:spAutoFit/>
-          </a:bodyPr>
-          <a:lstStyle/>
-          <a:p>
-            <a:pPr>
-              <a:lnSpc>
-                <a:spcPct val="90000"/>
-              </a:lnSpc>
-              <a:spcAft>
-                <a:spcPts val="588"/>
-              </a:spcAft>
-            </a:pPr>
-            <a:endParaRPr lang="en-US" sz="2353" dirty="0" err="1">
-              <a:gradFill>
-                <a:gsLst>
-                  <a:gs pos="2917">
-                    <a:schemeClr val="tx1"/>
-                  </a:gs>
-                  <a:gs pos="30000">
-                    <a:schemeClr val="tx1"/>
-                  </a:gs>
-                </a:gsLst>
-                <a:lin ang="5400000" scaled="0"/>
-              </a:gradFill>
             </a:endParaRPr>
           </a:p>
         </p:txBody>
@@ -28968,1952 +27756,7 @@
 </p:sld>
 </file>
 
-<file path=ppt/slides/slide32.xml><?xml version="1.0" encoding="utf-8"?>
-<p:sld xmlns:a="http://schemas.openxmlformats.org/drawingml/2006/main" xmlns:r="http://schemas.openxmlformats.org/officeDocument/2006/relationships" xmlns:p="http://schemas.openxmlformats.org/presentationml/2006/main" show="0">
-  <p:cSld>
-    <p:spTree>
-      <p:nvGrpSpPr>
-        <p:cNvPr id="1" name=""/>
-        <p:cNvGrpSpPr/>
-        <p:nvPr/>
-      </p:nvGrpSpPr>
-      <p:grpSpPr>
-        <a:xfrm>
-          <a:off x="0" y="0"/>
-          <a:ext cx="0" cy="0"/>
-          <a:chOff x="0" y="0"/>
-          <a:chExt cx="0" cy="0"/>
-        </a:xfrm>
-      </p:grpSpPr>
-      <p:sp>
-        <p:nvSpPr>
-          <p:cNvPr id="27" name="Text Placeholder 25"/>
-          <p:cNvSpPr txBox="1">
-            <a:spLocks/>
-          </p:cNvSpPr>
-          <p:nvPr/>
-        </p:nvSpPr>
-        <p:spPr bwMode="invGray">
-          <a:xfrm>
-            <a:off x="796087" y="1295396"/>
-            <a:ext cx="10321336" cy="821723"/>
-          </a:xfrm>
-          <a:prstGeom prst="rect">
-            <a:avLst/>
-          </a:prstGeom>
-        </p:spPr>
-        <p:txBody>
-          <a:bodyPr vert="horz" wrap="square" lIns="179285" tIns="143428" rIns="179285" bIns="143428" rtlCol="0" anchor="t">
-            <a:noAutofit/>
-          </a:bodyPr>
-          <a:lstStyle>
-            <a:lvl1pPr marL="0" indent="0" algn="l" defTabSz="914166" rtl="0" eaLnBrk="1" latinLnBrk="0" hangingPunct="1">
-              <a:spcBef>
-                <a:spcPct val="20000"/>
-              </a:spcBef>
-              <a:buFont typeface="Arial" pitchFamily="34" charset="0"/>
-              <a:buNone/>
-              <a:defRPr sz="6700" kern="1200" spc="-153">
-                <a:gradFill>
-                  <a:gsLst>
-                    <a:gs pos="0">
-                      <a:schemeClr val="tx1"/>
-                    </a:gs>
-                    <a:gs pos="100000">
-                      <a:schemeClr val="tx1"/>
-                    </a:gs>
-                  </a:gsLst>
-                  <a:lin ang="5400000" scaled="0"/>
-                </a:gradFill>
-                <a:latin typeface="+mj-lt"/>
-                <a:ea typeface="+mn-ea"/>
-                <a:cs typeface="+mn-cs"/>
-              </a:defRPr>
-            </a:lvl1pPr>
-            <a:lvl2pPr marL="0" indent="0" algn="l" defTabSz="914166" rtl="0" eaLnBrk="1" latinLnBrk="0" hangingPunct="1">
-              <a:spcBef>
-                <a:spcPct val="20000"/>
-              </a:spcBef>
-              <a:buFont typeface="Arial" pitchFamily="34" charset="0"/>
-              <a:buNone/>
-              <a:defRPr sz="2800" kern="1200">
-                <a:gradFill>
-                  <a:gsLst>
-                    <a:gs pos="0">
-                      <a:schemeClr val="tx1"/>
-                    </a:gs>
-                    <a:gs pos="100000">
-                      <a:schemeClr val="tx1"/>
-                    </a:gs>
-                  </a:gsLst>
-                  <a:lin ang="5400000" scaled="0"/>
-                </a:gradFill>
-                <a:latin typeface="+mn-lt"/>
-                <a:ea typeface="+mn-ea"/>
-                <a:cs typeface="+mn-cs"/>
-              </a:defRPr>
-            </a:lvl2pPr>
-            <a:lvl3pPr marL="457082" indent="-228541" algn="l" defTabSz="914166" rtl="0" eaLnBrk="1" latinLnBrk="0" hangingPunct="1">
-              <a:spcBef>
-                <a:spcPct val="20000"/>
-              </a:spcBef>
-              <a:buFont typeface="Arial" pitchFamily="34" charset="0"/>
-              <a:buChar char="•"/>
-              <a:defRPr sz="2400" kern="1200">
-                <a:gradFill>
-                  <a:gsLst>
-                    <a:gs pos="0">
-                      <a:schemeClr val="tx1"/>
-                    </a:gs>
-                    <a:gs pos="100000">
-                      <a:schemeClr val="tx1"/>
-                    </a:gs>
-                  </a:gsLst>
-                  <a:lin ang="5400000" scaled="0"/>
-                </a:gradFill>
-                <a:latin typeface="+mn-lt"/>
-                <a:ea typeface="+mn-ea"/>
-                <a:cs typeface="+mn-cs"/>
-              </a:defRPr>
-            </a:lvl3pPr>
-            <a:lvl4pPr marL="739586" indent="-282503" algn="l" defTabSz="914166" rtl="0" eaLnBrk="1" latinLnBrk="0" hangingPunct="1">
-              <a:spcBef>
-                <a:spcPct val="20000"/>
-              </a:spcBef>
-              <a:buFont typeface="Arial" pitchFamily="34" charset="0"/>
-              <a:buChar char="–"/>
-              <a:defRPr sz="2000" kern="1200">
-                <a:gradFill>
-                  <a:gsLst>
-                    <a:gs pos="0">
-                      <a:schemeClr val="tx1"/>
-                    </a:gs>
-                    <a:gs pos="100000">
-                      <a:schemeClr val="tx1"/>
-                    </a:gs>
-                  </a:gsLst>
-                  <a:lin ang="5400000" scaled="0"/>
-                </a:gradFill>
-                <a:latin typeface="+mn-lt"/>
-                <a:ea typeface="+mn-ea"/>
-                <a:cs typeface="+mn-cs"/>
-              </a:defRPr>
-            </a:lvl4pPr>
-            <a:lvl5pPr marL="1033199" indent="-293612" algn="l" defTabSz="914166" rtl="0" eaLnBrk="1" latinLnBrk="0" hangingPunct="1">
-              <a:spcBef>
-                <a:spcPct val="20000"/>
-              </a:spcBef>
-              <a:buFont typeface="Arial" pitchFamily="34" charset="0"/>
-              <a:buChar char="»"/>
-              <a:defRPr sz="1800" kern="1200">
-                <a:gradFill>
-                  <a:gsLst>
-                    <a:gs pos="0">
-                      <a:schemeClr val="tx1"/>
-                    </a:gs>
-                    <a:gs pos="100000">
-                      <a:schemeClr val="tx1"/>
-                    </a:gs>
-                  </a:gsLst>
-                  <a:lin ang="5400000" scaled="0"/>
-                </a:gradFill>
-                <a:latin typeface="+mn-lt"/>
-                <a:ea typeface="+mn-ea"/>
-                <a:cs typeface="+mn-cs"/>
-              </a:defRPr>
-            </a:lvl5pPr>
-            <a:lvl6pPr marL="2513956" indent="-228541" algn="l" defTabSz="914166" rtl="0" eaLnBrk="1" latinLnBrk="0" hangingPunct="1">
-              <a:spcBef>
-                <a:spcPct val="20000"/>
-              </a:spcBef>
-              <a:buFont typeface="Arial" pitchFamily="34" charset="0"/>
-              <a:buChar char="•"/>
-              <a:defRPr sz="2000" kern="1200">
-                <a:solidFill>
-                  <a:schemeClr val="tx1"/>
-                </a:solidFill>
-                <a:latin typeface="+mn-lt"/>
-                <a:ea typeface="+mn-ea"/>
-                <a:cs typeface="+mn-cs"/>
-              </a:defRPr>
-            </a:lvl6pPr>
-            <a:lvl7pPr marL="2971038" indent="-228541" algn="l" defTabSz="914166" rtl="0" eaLnBrk="1" latinLnBrk="0" hangingPunct="1">
-              <a:spcBef>
-                <a:spcPct val="20000"/>
-              </a:spcBef>
-              <a:buFont typeface="Arial" pitchFamily="34" charset="0"/>
-              <a:buChar char="•"/>
-              <a:defRPr sz="2000" kern="1200">
-                <a:solidFill>
-                  <a:schemeClr val="tx1"/>
-                </a:solidFill>
-                <a:latin typeface="+mn-lt"/>
-                <a:ea typeface="+mn-ea"/>
-                <a:cs typeface="+mn-cs"/>
-              </a:defRPr>
-            </a:lvl7pPr>
-            <a:lvl8pPr marL="3428122" indent="-228541" algn="l" defTabSz="914166" rtl="0" eaLnBrk="1" latinLnBrk="0" hangingPunct="1">
-              <a:spcBef>
-                <a:spcPct val="20000"/>
-              </a:spcBef>
-              <a:buFont typeface="Arial" pitchFamily="34" charset="0"/>
-              <a:buChar char="•"/>
-              <a:defRPr sz="2000" kern="1200">
-                <a:solidFill>
-                  <a:schemeClr val="tx1"/>
-                </a:solidFill>
-                <a:latin typeface="+mn-lt"/>
-                <a:ea typeface="+mn-ea"/>
-                <a:cs typeface="+mn-cs"/>
-              </a:defRPr>
-            </a:lvl8pPr>
-            <a:lvl9pPr marL="3885204" indent="-228541" algn="l" defTabSz="914166" rtl="0" eaLnBrk="1" latinLnBrk="0" hangingPunct="1">
-              <a:spcBef>
-                <a:spcPct val="20000"/>
-              </a:spcBef>
-              <a:buFont typeface="Arial" pitchFamily="34" charset="0"/>
-              <a:buChar char="•"/>
-              <a:defRPr sz="2000" kern="1200">
-                <a:solidFill>
-                  <a:schemeClr val="tx1"/>
-                </a:solidFill>
-                <a:latin typeface="+mn-lt"/>
-                <a:ea typeface="+mn-ea"/>
-                <a:cs typeface="+mn-cs"/>
-              </a:defRPr>
-            </a:lvl9pPr>
-          </a:lstStyle>
-          <a:p>
-            <a:pPr defTabSz="914367">
-              <a:lnSpc>
-                <a:spcPct val="60000"/>
-              </a:lnSpc>
-              <a:buClr>
-                <a:srgbClr val="FFFFFF"/>
-              </a:buClr>
-              <a:buSzPct val="90000"/>
-            </a:pPr>
-            <a:r>
-              <a:rPr lang="en-US" sz="7646" spc="0" dirty="0">
-                <a:solidFill>
-                  <a:schemeClr val="tx1"/>
-                </a:solidFill>
-              </a:rPr>
-              <a:t>Let’s Implement</a:t>
-            </a:r>
-          </a:p>
-          <a:p>
-            <a:pPr defTabSz="914367">
-              <a:lnSpc>
-                <a:spcPct val="60000"/>
-              </a:lnSpc>
-              <a:buClr>
-                <a:srgbClr val="FFFFFF"/>
-              </a:buClr>
-              <a:buSzPct val="90000"/>
-            </a:pPr>
-            <a:r>
-              <a:rPr lang="en-US" sz="7646" spc="0" dirty="0">
-                <a:solidFill>
-                  <a:schemeClr val="tx1"/>
-                </a:solidFill>
-              </a:rPr>
-              <a:t>App Themes</a:t>
-            </a:r>
-            <a:endParaRPr lang="en-US" sz="7646" spc="0" dirty="0">
-              <a:solidFill>
-                <a:schemeClr val="tx1"/>
-              </a:solidFill>
-              <a:latin typeface="+mn-lt"/>
-            </a:endParaRPr>
-          </a:p>
-        </p:txBody>
-      </p:sp>
-      <p:sp>
-        <p:nvSpPr>
-          <p:cNvPr id="8" name="TextBox 7"/>
-          <p:cNvSpPr txBox="1"/>
-          <p:nvPr/>
-        </p:nvSpPr>
-        <p:spPr>
-          <a:xfrm>
-            <a:off x="4145965" y="-846623"/>
-            <a:ext cx="362072" cy="621556"/>
-          </a:xfrm>
-          <a:prstGeom prst="rect">
-            <a:avLst/>
-          </a:prstGeom>
-          <a:noFill/>
-        </p:spPr>
-        <p:txBody>
-          <a:bodyPr wrap="none" lIns="179285" tIns="143428" rIns="179285" bIns="143428" rtlCol="0">
-            <a:spAutoFit/>
-          </a:bodyPr>
-          <a:lstStyle/>
-          <a:p>
-            <a:pPr>
-              <a:lnSpc>
-                <a:spcPct val="90000"/>
-              </a:lnSpc>
-              <a:spcAft>
-                <a:spcPts val="588"/>
-              </a:spcAft>
-            </a:pPr>
-            <a:endParaRPr lang="en-US" sz="2353" dirty="0" err="1">
-              <a:gradFill>
-                <a:gsLst>
-                  <a:gs pos="2917">
-                    <a:schemeClr val="tx1"/>
-                  </a:gs>
-                  <a:gs pos="30000">
-                    <a:schemeClr val="tx1"/>
-                  </a:gs>
-                </a:gsLst>
-                <a:lin ang="5400000" scaled="0"/>
-              </a:gradFill>
-            </a:endParaRPr>
-          </a:p>
-        </p:txBody>
-      </p:sp>
-      <p:pic>
-        <p:nvPicPr>
-          <p:cNvPr id="7" name="Picture 6"/>
-          <p:cNvPicPr>
-            <a:picLocks noChangeAspect="1"/>
-          </p:cNvPicPr>
-          <p:nvPr/>
-        </p:nvPicPr>
-        <p:blipFill>
-          <a:blip r:embed="rId3">
-            <a:extLst>
-              <a:ext uri="{28A0092B-C50C-407E-A947-70E740481C1C}">
-                <a14:useLocalDpi xmlns:a14="http://schemas.microsoft.com/office/drawing/2010/main" val="0"/>
-              </a:ext>
-            </a:extLst>
-          </a:blip>
-          <a:stretch>
-            <a:fillRect/>
-          </a:stretch>
-        </p:blipFill>
-        <p:spPr>
-          <a:xfrm>
-            <a:off x="687982" y="4315297"/>
-            <a:ext cx="557054" cy="1890129"/>
-          </a:xfrm>
-          <a:prstGeom prst="rect">
-            <a:avLst/>
-          </a:prstGeom>
-        </p:spPr>
-      </p:pic>
-      <p:sp>
-        <p:nvSpPr>
-          <p:cNvPr id="12" name="TextBox 11"/>
-          <p:cNvSpPr txBox="1"/>
-          <p:nvPr/>
-        </p:nvSpPr>
-        <p:spPr>
-          <a:xfrm>
-            <a:off x="1736344" y="4325390"/>
-            <a:ext cx="5966529" cy="942965"/>
-          </a:xfrm>
-          <a:prstGeom prst="rect">
-            <a:avLst/>
-          </a:prstGeom>
-          <a:noFill/>
-          <a:ln w="12700" cap="flat">
-            <a:noFill/>
-            <a:miter lim="400000"/>
-          </a:ln>
-          <a:effectLst/>
-        </p:spPr>
-        <p:style>
-          <a:lnRef idx="0">
-            <a:scrgbClr r="0" g="0" b="0"/>
-          </a:lnRef>
-          <a:fillRef idx="0">
-            <a:scrgbClr r="0" g="0" b="0"/>
-          </a:fillRef>
-          <a:effectRef idx="0">
-            <a:scrgbClr r="0" g="0" b="0"/>
-          </a:effectRef>
-          <a:fontRef idx="none"/>
-        </p:style>
-        <p:txBody>
-          <a:bodyPr rot="0" spcFirstLastPara="1" vertOverflow="overflow" horzOverflow="overflow" vert="horz" wrap="square" lIns="18676" tIns="18676" rIns="18676" bIns="18676" numCol="1" spcCol="14288" rtlCol="0" anchor="ctr">
-            <a:spAutoFit/>
-          </a:bodyPr>
-          <a:lstStyle/>
-          <a:p>
-            <a:r>
-              <a:rPr lang="en-US" sz="1961" dirty="0">
-                <a:cs typeface="Arial"/>
-              </a:rPr>
-              <a:t>James</a:t>
-            </a:r>
-          </a:p>
-          <a:p>
-            <a:r>
-              <a:rPr lang="en-US" sz="1961" dirty="0" err="1">
-                <a:cs typeface="Arial"/>
-              </a:rPr>
-              <a:t>Montemagno</a:t>
-            </a:r>
-            <a:endParaRPr lang="en-US" sz="1961" dirty="0">
-              <a:cs typeface="Arial"/>
-            </a:endParaRPr>
-          </a:p>
-          <a:p>
-            <a:r>
-              <a:rPr lang="en-US" sz="1961" dirty="0">
-                <a:latin typeface="+mj-lt"/>
-                <a:cs typeface="Arial"/>
-              </a:rPr>
-              <a:t>Principal Lead PM – Developer Community, Microsoft</a:t>
-            </a:r>
-          </a:p>
-        </p:txBody>
-      </p:sp>
-      <p:cxnSp>
-        <p:nvCxnSpPr>
-          <p:cNvPr id="14" name="Straight Connector 13"/>
-          <p:cNvCxnSpPr/>
-          <p:nvPr/>
-        </p:nvCxnSpPr>
-        <p:spPr>
-          <a:xfrm flipV="1">
-            <a:off x="1775731" y="5590692"/>
-            <a:ext cx="9367329" cy="4668"/>
-          </a:xfrm>
-          <a:prstGeom prst="line">
-            <a:avLst/>
-          </a:prstGeom>
-          <a:ln>
-            <a:solidFill>
-              <a:srgbClr val="16ACEE"/>
-            </a:solidFill>
-            <a:headEnd type="none"/>
-            <a:tailEnd type="none"/>
-          </a:ln>
-        </p:spPr>
-        <p:style>
-          <a:lnRef idx="2">
-            <a:schemeClr val="accent6"/>
-          </a:lnRef>
-          <a:fillRef idx="0">
-            <a:schemeClr val="accent6"/>
-          </a:fillRef>
-          <a:effectRef idx="1">
-            <a:schemeClr val="accent6"/>
-          </a:effectRef>
-          <a:fontRef idx="minor">
-            <a:schemeClr val="tx1"/>
-          </a:fontRef>
-        </p:style>
-      </p:cxnSp>
-      <p:grpSp>
-        <p:nvGrpSpPr>
-          <p:cNvPr id="9" name="Group 8"/>
-          <p:cNvGrpSpPr/>
-          <p:nvPr/>
-        </p:nvGrpSpPr>
-        <p:grpSpPr>
-          <a:xfrm>
-            <a:off x="1701029" y="5819466"/>
-            <a:ext cx="9541633" cy="761555"/>
-            <a:chOff x="1735137" y="5935662"/>
-            <a:chExt cx="9732963" cy="776826"/>
-          </a:xfrm>
-        </p:grpSpPr>
-        <p:sp>
-          <p:nvSpPr>
-            <p:cNvPr id="10" name="TextBox 9"/>
-            <p:cNvSpPr txBox="1"/>
-            <p:nvPr/>
-          </p:nvSpPr>
-          <p:spPr>
-            <a:xfrm>
-              <a:off x="1735137" y="5935662"/>
-              <a:ext cx="2328863" cy="416635"/>
-            </a:xfrm>
-            <a:prstGeom prst="rect">
-              <a:avLst/>
-            </a:prstGeom>
-            <a:noFill/>
-          </p:spPr>
-          <p:txBody>
-            <a:bodyPr wrap="square" rtlCol="0">
-              <a:spAutoFit/>
-            </a:bodyPr>
-            <a:lstStyle/>
-            <a:p>
-              <a:pPr>
-                <a:lnSpc>
-                  <a:spcPct val="130000"/>
-                </a:lnSpc>
-              </a:pPr>
-              <a:r>
-                <a:rPr lang="en-US" sz="1765" dirty="0">
-                  <a:latin typeface="+mj-lt"/>
-                  <a:cs typeface="Arial"/>
-                </a:rPr>
-                <a:t>motz@microsoft.com</a:t>
-              </a:r>
-            </a:p>
-          </p:txBody>
-        </p:sp>
-        <p:sp>
-          <p:nvSpPr>
-            <p:cNvPr id="11" name="TextBox 10"/>
-            <p:cNvSpPr txBox="1"/>
-            <p:nvPr/>
-          </p:nvSpPr>
-          <p:spPr>
-            <a:xfrm>
-              <a:off x="5833269" y="5935662"/>
-              <a:ext cx="2024063" cy="416635"/>
-            </a:xfrm>
-            <a:prstGeom prst="rect">
-              <a:avLst/>
-            </a:prstGeom>
-            <a:noFill/>
-          </p:spPr>
-          <p:txBody>
-            <a:bodyPr wrap="square" rtlCol="0">
-              <a:spAutoFit/>
-            </a:bodyPr>
-            <a:lstStyle/>
-            <a:p>
-              <a:pPr algn="ctr">
-                <a:lnSpc>
-                  <a:spcPct val="130000"/>
-                </a:lnSpc>
-              </a:pPr>
-              <a:r>
-                <a:rPr lang="en-US" sz="1765" dirty="0">
-                  <a:latin typeface="+mj-lt"/>
-                  <a:cs typeface="Arial"/>
-                </a:rPr>
-                <a:t>montemagno.com</a:t>
-              </a:r>
-            </a:p>
-          </p:txBody>
-        </p:sp>
-        <p:sp>
-          <p:nvSpPr>
-            <p:cNvPr id="15" name="TextBox 14"/>
-            <p:cNvSpPr txBox="1"/>
-            <p:nvPr/>
-          </p:nvSpPr>
-          <p:spPr>
-            <a:xfrm>
-              <a:off x="8978900" y="5935662"/>
-              <a:ext cx="2489200" cy="776826"/>
-            </a:xfrm>
-            <a:prstGeom prst="rect">
-              <a:avLst/>
-            </a:prstGeom>
-            <a:noFill/>
-          </p:spPr>
-          <p:txBody>
-            <a:bodyPr wrap="square" rtlCol="0">
-              <a:spAutoFit/>
-            </a:bodyPr>
-            <a:lstStyle/>
-            <a:p>
-              <a:pPr algn="r">
-                <a:lnSpc>
-                  <a:spcPct val="130000"/>
-                </a:lnSpc>
-              </a:pPr>
-              <a:r>
-                <a:rPr lang="en-US" sz="1765" dirty="0">
-                  <a:latin typeface="+mj-lt"/>
-                  <a:cs typeface="Arial"/>
-                </a:rPr>
-                <a:t>@JamesMontemagno</a:t>
-              </a:r>
-            </a:p>
-            <a:p>
-              <a:pPr algn="r">
-                <a:lnSpc>
-                  <a:spcPct val="130000"/>
-                </a:lnSpc>
-              </a:pPr>
-              <a:r>
-                <a:rPr lang="en-US" sz="1765" dirty="0">
-                  <a:latin typeface="+mj-lt"/>
-                  <a:cs typeface="Arial"/>
-                </a:rPr>
-                <a:t>/</a:t>
-              </a:r>
-              <a:r>
-                <a:rPr lang="en-US" sz="1765" dirty="0" err="1">
-                  <a:latin typeface="+mj-lt"/>
-                  <a:cs typeface="Arial"/>
-                </a:rPr>
-                <a:t>JamesMontemagno</a:t>
-              </a:r>
-              <a:endParaRPr lang="en-US" sz="1765" dirty="0">
-                <a:latin typeface="+mj-lt"/>
-                <a:cs typeface="Arial"/>
-              </a:endParaRPr>
-            </a:p>
-          </p:txBody>
-        </p:sp>
-      </p:grpSp>
-      <p:pic>
-        <p:nvPicPr>
-          <p:cNvPr id="13" name="Picture 12">
-            <a:extLst>
-              <a:ext uri="{FF2B5EF4-FFF2-40B4-BE49-F238E27FC236}">
-                <a16:creationId xmlns:a16="http://schemas.microsoft.com/office/drawing/2014/main" id="{9D574FF3-0A98-4A53-BD42-1250F2BAA987}"/>
-              </a:ext>
-            </a:extLst>
-          </p:cNvPr>
-          <p:cNvPicPr>
-            <a:picLocks noChangeAspect="1"/>
-          </p:cNvPicPr>
-          <p:nvPr/>
-        </p:nvPicPr>
-        <p:blipFill>
-          <a:blip r:embed="rId4">
-            <a:extLst>
-              <a:ext uri="{28A0092B-C50C-407E-A947-70E740481C1C}">
-                <a14:useLocalDpi xmlns:a14="http://schemas.microsoft.com/office/drawing/2010/main"/>
-              </a:ext>
-            </a:extLst>
-          </a:blip>
-          <a:stretch>
-            <a:fillRect/>
-          </a:stretch>
-        </p:blipFill>
-        <p:spPr>
-          <a:xfrm>
-            <a:off x="8680990" y="1860519"/>
-            <a:ext cx="1491986" cy="1491986"/>
-          </a:xfrm>
-          <a:prstGeom prst="rect">
-            <a:avLst/>
-          </a:prstGeom>
-        </p:spPr>
-      </p:pic>
-      <p:sp>
-        <p:nvSpPr>
-          <p:cNvPr id="16" name="TextBox 15">
-            <a:extLst>
-              <a:ext uri="{FF2B5EF4-FFF2-40B4-BE49-F238E27FC236}">
-                <a16:creationId xmlns:a16="http://schemas.microsoft.com/office/drawing/2014/main" id="{C0775226-AE89-4EB3-80AD-2BED47FD58CE}"/>
-              </a:ext>
-            </a:extLst>
-          </p:cNvPr>
-          <p:cNvSpPr txBox="1"/>
-          <p:nvPr/>
-        </p:nvSpPr>
-        <p:spPr>
-          <a:xfrm>
-            <a:off x="7528441" y="3390702"/>
-            <a:ext cx="3797085" cy="926407"/>
-          </a:xfrm>
-          <a:prstGeom prst="rect">
-            <a:avLst/>
-          </a:prstGeom>
-          <a:noFill/>
-        </p:spPr>
-        <p:txBody>
-          <a:bodyPr wrap="square" rtlCol="0">
-            <a:spAutoFit/>
-          </a:bodyPr>
-          <a:lstStyle/>
-          <a:p>
-            <a:pPr marL="0" marR="0" lvl="0" indent="0" algn="ctr" defTabSz="457080" rtl="0" eaLnBrk="1" fontAlgn="auto" latinLnBrk="0" hangingPunct="1">
-              <a:lnSpc>
-                <a:spcPct val="130000"/>
-              </a:lnSpc>
-              <a:spcBef>
-                <a:spcPts val="0"/>
-              </a:spcBef>
-              <a:spcAft>
-                <a:spcPts val="0"/>
-              </a:spcAft>
-              <a:buClrTx/>
-              <a:buSzTx/>
-              <a:buFontTx/>
-              <a:buNone/>
-              <a:tabLst/>
-              <a:defRPr/>
-            </a:pPr>
-            <a:r>
-              <a:rPr kumimoji="0" lang="en-US" sz="2200" b="0" i="0" u="none" strike="noStrike" kern="0" cap="none" spc="0" normalizeH="0" baseline="0" noProof="0" dirty="0">
-                <a:ln>
-                  <a:noFill/>
-                </a:ln>
-                <a:effectLst/>
-                <a:uLnTx/>
-                <a:uFillTx/>
-                <a:latin typeface="Segoe UI Light"/>
-                <a:ea typeface=""/>
-                <a:cs typeface="Arial"/>
-              </a:rPr>
-              <a:t>Weekly development podcast</a:t>
-            </a:r>
-          </a:p>
-          <a:p>
-            <a:pPr marL="0" marR="0" lvl="0" indent="0" algn="ctr" defTabSz="457080" rtl="0" eaLnBrk="1" fontAlgn="auto" latinLnBrk="0" hangingPunct="1">
-              <a:lnSpc>
-                <a:spcPct val="130000"/>
-              </a:lnSpc>
-              <a:spcBef>
-                <a:spcPts val="0"/>
-              </a:spcBef>
-              <a:spcAft>
-                <a:spcPts val="0"/>
-              </a:spcAft>
-              <a:buClrTx/>
-              <a:buSzTx/>
-              <a:buFontTx/>
-              <a:buNone/>
-              <a:tabLst/>
-              <a:defRPr/>
-            </a:pPr>
-            <a:r>
-              <a:rPr kumimoji="0" lang="en-US" sz="2200" b="0" i="0" u="none" strike="noStrike" kern="0" cap="none" spc="0" normalizeH="0" baseline="0" noProof="0" dirty="0">
-                <a:ln>
-                  <a:noFill/>
-                </a:ln>
-                <a:effectLst/>
-                <a:uLnTx/>
-                <a:uFillTx/>
-                <a:latin typeface="Segoe UI Light"/>
-                <a:ea typeface=""/>
-                <a:cs typeface="Arial"/>
-              </a:rPr>
-              <a:t>mergeconflict.fm</a:t>
-            </a:r>
-          </a:p>
-        </p:txBody>
-      </p:sp>
-      <p:pic>
-        <p:nvPicPr>
-          <p:cNvPr id="1026" name="Picture 2" descr="See the source image">
-            <a:extLst>
-              <a:ext uri="{FF2B5EF4-FFF2-40B4-BE49-F238E27FC236}">
-                <a16:creationId xmlns:a16="http://schemas.microsoft.com/office/drawing/2014/main" id="{9B5CF540-6DA5-4412-A609-5262A53EA2F9}"/>
-              </a:ext>
-            </a:extLst>
-          </p:cNvPr>
-          <p:cNvPicPr>
-            <a:picLocks noChangeAspect="1" noChangeArrowheads="1"/>
-          </p:cNvPicPr>
-          <p:nvPr/>
-        </p:nvPicPr>
-        <p:blipFill>
-          <a:blip r:embed="rId5">
-            <a:extLst>
-              <a:ext uri="{28A0092B-C50C-407E-A947-70E740481C1C}">
-                <a14:useLocalDpi xmlns:a14="http://schemas.microsoft.com/office/drawing/2010/main" val="0"/>
-              </a:ext>
-            </a:extLst>
-          </a:blip>
-          <a:srcRect/>
-          <a:stretch>
-            <a:fillRect/>
-          </a:stretch>
-        </p:blipFill>
-        <p:spPr bwMode="auto">
-          <a:xfrm>
-            <a:off x="8680990" y="5901403"/>
-            <a:ext cx="326511" cy="326511"/>
-          </a:xfrm>
-          <a:prstGeom prst="rect">
-            <a:avLst/>
-          </a:prstGeom>
-          <a:noFill/>
-          <a:extLst>
-            <a:ext uri="{909E8E84-426E-40DD-AFC4-6F175D3DCCD1}">
-              <a14:hiddenFill xmlns:a14="http://schemas.microsoft.com/office/drawing/2010/main">
-                <a:solidFill>
-                  <a:srgbClr val="FFFFFF"/>
-                </a:solidFill>
-              </a14:hiddenFill>
-            </a:ext>
-          </a:extLst>
-        </p:spPr>
-      </p:pic>
-      <p:pic>
-        <p:nvPicPr>
-          <p:cNvPr id="1028" name="Picture 4" descr="See the source image">
-            <a:extLst>
-              <a:ext uri="{FF2B5EF4-FFF2-40B4-BE49-F238E27FC236}">
-                <a16:creationId xmlns:a16="http://schemas.microsoft.com/office/drawing/2014/main" id="{5010391C-E630-4CE0-AF40-750F7E85C5C9}"/>
-              </a:ext>
-            </a:extLst>
-          </p:cNvPr>
-          <p:cNvPicPr>
-            <a:picLocks noChangeAspect="1" noChangeArrowheads="1"/>
-          </p:cNvPicPr>
-          <p:nvPr/>
-        </p:nvPicPr>
-        <p:blipFill>
-          <a:blip r:embed="rId6">
-            <a:extLst>
-              <a:ext uri="{28A0092B-C50C-407E-A947-70E740481C1C}">
-                <a14:useLocalDpi xmlns:a14="http://schemas.microsoft.com/office/drawing/2010/main" val="0"/>
-              </a:ext>
-            </a:extLst>
-          </a:blip>
-          <a:srcRect/>
-          <a:stretch>
-            <a:fillRect/>
-          </a:stretch>
-        </p:blipFill>
-        <p:spPr bwMode="auto">
-          <a:xfrm>
-            <a:off x="8628652" y="6208539"/>
-            <a:ext cx="431185" cy="431185"/>
-          </a:xfrm>
-          <a:prstGeom prst="rect">
-            <a:avLst/>
-          </a:prstGeom>
-          <a:noFill/>
-          <a:extLst>
-            <a:ext uri="{909E8E84-426E-40DD-AFC4-6F175D3DCCD1}">
-              <a14:hiddenFill xmlns:a14="http://schemas.microsoft.com/office/drawing/2010/main">
-                <a:solidFill>
-                  <a:srgbClr val="FFFFFF"/>
-                </a:solidFill>
-              </a14:hiddenFill>
-            </a:ext>
-          </a:extLst>
-        </p:spPr>
-      </p:pic>
-    </p:spTree>
-    <p:extLst>
-      <p:ext uri="{BB962C8B-B14F-4D97-AF65-F5344CB8AC3E}">
-        <p14:creationId xmlns:p14="http://schemas.microsoft.com/office/powerpoint/2010/main" val="3088602710"/>
-      </p:ext>
-    </p:extLst>
-  </p:cSld>
-  <p:clrMapOvr>
-    <a:masterClrMapping/>
-  </p:clrMapOvr>
-  <p:transition>
-    <p:fade/>
-  </p:transition>
-  <p:timing>
-    <p:tnLst>
-      <p:par>
-        <p:cTn id="1" dur="indefinite" restart="never" nodeType="tmRoot">
-          <p:childTnLst>
-            <p:seq concurrent="1" nextAc="seek">
-              <p:cTn id="2" dur="indefinite" nodeType="mainSeq">
-                <p:childTnLst>
-                  <p:par>
-                    <p:cTn id="3" fill="hold">
-                      <p:stCondLst>
-                        <p:cond delay="indefinite"/>
-                        <p:cond evt="onBegin" delay="0">
-                          <p:tn val="2"/>
-                        </p:cond>
-                      </p:stCondLst>
-                      <p:childTnLst>
-                        <p:par>
-                          <p:cTn id="4" fill="hold">
-                            <p:stCondLst>
-                              <p:cond delay="0"/>
-                            </p:stCondLst>
-                            <p:childTnLst>
-                              <p:par>
-                                <p:cTn id="5" presetID="10" presetClass="entr" presetSubtype="0" fill="hold" grpId="0" nodeType="afterEffect">
-                                  <p:stCondLst>
-                                    <p:cond delay="0"/>
-                                  </p:stCondLst>
-                                  <p:childTnLst>
-                                    <p:set>
-                                      <p:cBhvr>
-                                        <p:cTn id="6" dur="1" fill="hold">
-                                          <p:stCondLst>
-                                            <p:cond delay="0"/>
-                                          </p:stCondLst>
-                                        </p:cTn>
-                                        <p:tgtEl>
-                                          <p:spTgt spid="27"/>
-                                        </p:tgtEl>
-                                        <p:attrNameLst>
-                                          <p:attrName>style.visibility</p:attrName>
-                                        </p:attrNameLst>
-                                      </p:cBhvr>
-                                      <p:to>
-                                        <p:strVal val="visible"/>
-                                      </p:to>
-                                    </p:set>
-                                    <p:animEffect transition="in" filter="fade">
-                                      <p:cBhvr>
-                                        <p:cTn id="7" dur="500"/>
-                                        <p:tgtEl>
-                                          <p:spTgt spid="27"/>
-                                        </p:tgtEl>
-                                      </p:cBhvr>
-                                    </p:animEffect>
-                                  </p:childTnLst>
-                                </p:cTn>
-                              </p:par>
-                            </p:childTnLst>
-                          </p:cTn>
-                        </p:par>
-                      </p:childTnLst>
-                    </p:cTn>
-                  </p:par>
-                </p:childTnLst>
-              </p:cTn>
-              <p:prevCondLst>
-                <p:cond evt="onPrev" delay="0">
-                  <p:tgtEl>
-                    <p:sldTgt/>
-                  </p:tgtEl>
-                </p:cond>
-              </p:prevCondLst>
-              <p:nextCondLst>
-                <p:cond evt="onNext" delay="0">
-                  <p:tgtEl>
-                    <p:sldTgt/>
-                  </p:tgtEl>
-                </p:cond>
-              </p:nextCondLst>
-            </p:seq>
-          </p:childTnLst>
-        </p:cTn>
-      </p:par>
-    </p:tnLst>
-    <p:bldLst>
-      <p:bldP spid="27" grpId="0"/>
-    </p:bldLst>
-  </p:timing>
-</p:sld>
-</file>
-
 <file path=ppt/slides/slide4.xml><?xml version="1.0" encoding="utf-8"?>
-<p:sld xmlns:a="http://schemas.openxmlformats.org/drawingml/2006/main" xmlns:r="http://schemas.openxmlformats.org/officeDocument/2006/relationships" xmlns:p="http://schemas.openxmlformats.org/presentationml/2006/main">
-  <p:cSld>
-    <p:spTree>
-      <p:nvGrpSpPr>
-        <p:cNvPr id="1" name=""/>
-        <p:cNvGrpSpPr/>
-        <p:nvPr/>
-      </p:nvGrpSpPr>
-      <p:grpSpPr>
-        <a:xfrm>
-          <a:off x="0" y="0"/>
-          <a:ext cx="0" cy="0"/>
-          <a:chOff x="0" y="0"/>
-          <a:chExt cx="0" cy="0"/>
-        </a:xfrm>
-      </p:grpSpPr>
-      <p:sp>
-        <p:nvSpPr>
-          <p:cNvPr id="8" name="Rectangle 7"/>
-          <p:cNvSpPr/>
-          <p:nvPr/>
-        </p:nvSpPr>
-        <p:spPr>
-          <a:xfrm>
-            <a:off x="5758808" y="3149424"/>
-            <a:ext cx="1341120" cy="1584960"/>
-          </a:xfrm>
-          <a:prstGeom prst="rect">
-            <a:avLst/>
-          </a:prstGeom>
-          <a:solidFill>
-            <a:srgbClr val="FFFF00">
-              <a:alpha val="23000"/>
-            </a:srgbClr>
-          </a:solidFill>
-          <a:ln>
-            <a:noFill/>
-          </a:ln>
-        </p:spPr>
-        <p:style>
-          <a:lnRef idx="2">
-            <a:schemeClr val="accent1">
-              <a:shade val="50000"/>
-            </a:schemeClr>
-          </a:lnRef>
-          <a:fillRef idx="1">
-            <a:schemeClr val="accent1"/>
-          </a:fillRef>
-          <a:effectRef idx="0">
-            <a:schemeClr val="accent1"/>
-          </a:effectRef>
-          <a:fontRef idx="minor">
-            <a:schemeClr val="lt1"/>
-          </a:fontRef>
-        </p:style>
-        <p:txBody>
-          <a:bodyPr rtlCol="0" anchor="ctr"/>
-          <a:lstStyle/>
-          <a:p>
-            <a:pPr algn="ctr"/>
-            <a:endParaRPr lang="en-US" sz="2400"/>
-          </a:p>
-        </p:txBody>
-      </p:sp>
-      <p:sp>
-        <p:nvSpPr>
-          <p:cNvPr id="11" name="Rectangle 10"/>
-          <p:cNvSpPr/>
-          <p:nvPr/>
-        </p:nvSpPr>
-        <p:spPr>
-          <a:xfrm>
-            <a:off x="8589732" y="3454224"/>
-            <a:ext cx="853440" cy="1280160"/>
-          </a:xfrm>
-          <a:prstGeom prst="rect">
-            <a:avLst/>
-          </a:prstGeom>
-          <a:solidFill>
-            <a:srgbClr val="FFFF00">
-              <a:alpha val="23000"/>
-            </a:srgbClr>
-          </a:solidFill>
-          <a:ln>
-            <a:noFill/>
-          </a:ln>
-        </p:spPr>
-        <p:style>
-          <a:lnRef idx="2">
-            <a:schemeClr val="accent1">
-              <a:shade val="50000"/>
-            </a:schemeClr>
-          </a:lnRef>
-          <a:fillRef idx="1">
-            <a:schemeClr val="accent1"/>
-          </a:fillRef>
-          <a:effectRef idx="0">
-            <a:schemeClr val="accent1"/>
-          </a:effectRef>
-          <a:fontRef idx="minor">
-            <a:schemeClr val="lt1"/>
-          </a:fontRef>
-        </p:style>
-        <p:txBody>
-          <a:bodyPr rtlCol="0" anchor="ctr"/>
-          <a:lstStyle/>
-          <a:p>
-            <a:pPr algn="ctr"/>
-            <a:endParaRPr lang="en-US" sz="2400"/>
-          </a:p>
-        </p:txBody>
-      </p:sp>
-      <p:sp>
-        <p:nvSpPr>
-          <p:cNvPr id="6" name="Content Placeholder 5"/>
-          <p:cNvSpPr>
-            <a:spLocks noGrp="1"/>
-          </p:cNvSpPr>
-          <p:nvPr>
-            <p:ph sz="quarter" idx="10"/>
-          </p:nvPr>
-        </p:nvSpPr>
-        <p:spPr>
-          <a:xfrm>
-            <a:off x="609600" y="1613054"/>
-            <a:ext cx="10972800" cy="1270732"/>
-          </a:xfrm>
-        </p:spPr>
-        <p:txBody>
-          <a:bodyPr/>
-          <a:lstStyle/>
-          <a:p>
-            <a:r>
-              <a:rPr lang="en-US" dirty="0"/>
-              <a:t>Duplicate XAML values are error prone and difficult to maintain</a:t>
-            </a:r>
-          </a:p>
-        </p:txBody>
-      </p:sp>
-      <p:sp>
-        <p:nvSpPr>
-          <p:cNvPr id="5" name="Title 4"/>
-          <p:cNvSpPr>
-            <a:spLocks noGrp="1"/>
-          </p:cNvSpPr>
-          <p:nvPr>
-            <p:ph type="title"/>
-          </p:nvPr>
-        </p:nvSpPr>
-        <p:spPr/>
-        <p:txBody>
-          <a:bodyPr/>
-          <a:lstStyle/>
-          <a:p>
-            <a:r>
-              <a:rPr lang="en-US" dirty="0"/>
-              <a:t>Motivation</a:t>
-            </a:r>
-          </a:p>
-        </p:txBody>
-      </p:sp>
-      <p:sp>
-        <p:nvSpPr>
-          <p:cNvPr id="7" name="TextBox 6"/>
-          <p:cNvSpPr txBox="1"/>
-          <p:nvPr/>
-        </p:nvSpPr>
-        <p:spPr>
-          <a:xfrm>
-            <a:off x="1334869" y="3063320"/>
-            <a:ext cx="9526967" cy="2061718"/>
-          </a:xfrm>
-          <a:prstGeom prst="rect">
-            <a:avLst/>
-          </a:prstGeom>
-          <a:noFill/>
-          <a:ln>
-            <a:solidFill>
-              <a:schemeClr val="accent5"/>
-            </a:solidFill>
-          </a:ln>
-        </p:spPr>
-        <p:txBody>
-          <a:bodyPr wrap="none" rtlCol="0">
-            <a:spAutoFit/>
-          </a:bodyPr>
-          <a:lstStyle/>
-          <a:p>
-            <a:r>
-              <a:rPr lang="en-US" sz="2133" dirty="0">
-                <a:solidFill>
-                  <a:srgbClr val="0000FF"/>
-                </a:solidFill>
-                <a:latin typeface="Consolas" panose="020B0609020204030204" pitchFamily="49" charset="0"/>
-                <a:cs typeface="Consolas" panose="020B0609020204030204" pitchFamily="49" charset="0"/>
-              </a:rPr>
-              <a:t>&lt;</a:t>
-            </a:r>
-            <a:r>
-              <a:rPr lang="en-US" sz="2133" dirty="0" err="1">
-                <a:solidFill>
-                  <a:srgbClr val="A31515"/>
-                </a:solidFill>
-                <a:latin typeface="Consolas" panose="020B0609020204030204" pitchFamily="49" charset="0"/>
-                <a:cs typeface="Consolas" panose="020B0609020204030204" pitchFamily="49" charset="0"/>
-              </a:rPr>
-              <a:t>StackLayout</a:t>
-            </a:r>
-            <a:r>
-              <a:rPr lang="en-US" sz="2133" dirty="0">
-                <a:solidFill>
-                  <a:srgbClr val="A31515"/>
-                </a:solidFill>
-                <a:latin typeface="Consolas" panose="020B0609020204030204" pitchFamily="49" charset="0"/>
-                <a:cs typeface="Consolas" panose="020B0609020204030204" pitchFamily="49" charset="0"/>
-              </a:rPr>
-              <a:t> </a:t>
-            </a:r>
-            <a:r>
-              <a:rPr lang="en-US" sz="2133" dirty="0" err="1">
-                <a:solidFill>
-                  <a:srgbClr val="FF0000"/>
-                </a:solidFill>
-                <a:latin typeface="Consolas" panose="020B0609020204030204" pitchFamily="49" charset="0"/>
-                <a:cs typeface="Consolas" panose="020B0609020204030204" pitchFamily="49" charset="0"/>
-              </a:rPr>
-              <a:t>BackgroundColor</a:t>
-            </a:r>
-            <a:r>
-              <a:rPr lang="en-US" sz="2133" dirty="0">
-                <a:solidFill>
-                  <a:srgbClr val="0000FF"/>
-                </a:solidFill>
-                <a:latin typeface="Consolas" panose="020B0609020204030204" pitchFamily="49" charset="0"/>
-                <a:cs typeface="Consolas" panose="020B0609020204030204" pitchFamily="49" charset="0"/>
-              </a:rPr>
-              <a:t>=</a:t>
-            </a:r>
-            <a:r>
-              <a:rPr lang="en-US" sz="2133" dirty="0">
-                <a:solidFill>
-                  <a:srgbClr val="000000"/>
-                </a:solidFill>
-                <a:latin typeface="Consolas" panose="020B0609020204030204" pitchFamily="49" charset="0"/>
-                <a:cs typeface="Consolas" panose="020B0609020204030204" pitchFamily="49" charset="0"/>
-              </a:rPr>
-              <a:t>"</a:t>
-            </a:r>
-            <a:r>
-              <a:rPr lang="en-US" sz="2133" dirty="0">
-                <a:solidFill>
-                  <a:srgbClr val="0000FF"/>
-                </a:solidFill>
-                <a:latin typeface="Consolas" panose="020B0609020204030204" pitchFamily="49" charset="0"/>
-                <a:cs typeface="Consolas" panose="020B0609020204030204" pitchFamily="49" charset="0"/>
-              </a:rPr>
-              <a:t>#FFFFFF</a:t>
-            </a:r>
-            <a:r>
-              <a:rPr lang="en-US" sz="2133" dirty="0">
-                <a:solidFill>
-                  <a:srgbClr val="000000"/>
-                </a:solidFill>
-                <a:latin typeface="Consolas" panose="020B0609020204030204" pitchFamily="49" charset="0"/>
-                <a:cs typeface="Consolas" panose="020B0609020204030204" pitchFamily="49" charset="0"/>
-              </a:rPr>
-              <a:t>"</a:t>
-            </a:r>
-            <a:r>
-              <a:rPr lang="en-US" sz="2133" dirty="0">
-                <a:solidFill>
-                  <a:srgbClr val="0000FF"/>
-                </a:solidFill>
-                <a:latin typeface="Consolas" panose="020B0609020204030204" pitchFamily="49" charset="0"/>
-                <a:cs typeface="Consolas" panose="020B0609020204030204" pitchFamily="49" charset="0"/>
-              </a:rPr>
-              <a:t>&gt;</a:t>
-            </a:r>
-            <a:br>
-              <a:rPr lang="en-US" sz="2133" dirty="0">
-                <a:solidFill>
-                  <a:srgbClr val="000000"/>
-                </a:solidFill>
-                <a:latin typeface="Consolas" panose="020B0609020204030204" pitchFamily="49" charset="0"/>
-                <a:cs typeface="Consolas" panose="020B0609020204030204" pitchFamily="49" charset="0"/>
-              </a:rPr>
-            </a:br>
-            <a:r>
-              <a:rPr lang="en-US" sz="2133" dirty="0">
-                <a:solidFill>
-                  <a:srgbClr val="000000"/>
-                </a:solidFill>
-                <a:latin typeface="Consolas" panose="020B0609020204030204" pitchFamily="49" charset="0"/>
-                <a:cs typeface="Consolas" panose="020B0609020204030204" pitchFamily="49" charset="0"/>
-              </a:rPr>
-              <a:t>  </a:t>
-            </a:r>
-            <a:r>
-              <a:rPr lang="en-US" sz="2133" dirty="0">
-                <a:solidFill>
-                  <a:srgbClr val="0000FF"/>
-                </a:solidFill>
-                <a:latin typeface="Consolas" panose="020B0609020204030204" pitchFamily="49" charset="0"/>
-                <a:cs typeface="Consolas" panose="020B0609020204030204" pitchFamily="49" charset="0"/>
-              </a:rPr>
-              <a:t>&lt;</a:t>
-            </a:r>
-            <a:r>
-              <a:rPr lang="en-US" sz="2133" dirty="0">
-                <a:solidFill>
-                  <a:srgbClr val="A31515"/>
-                </a:solidFill>
-                <a:latin typeface="Consolas" panose="020B0609020204030204" pitchFamily="49" charset="0"/>
-                <a:cs typeface="Consolas" panose="020B0609020204030204" pitchFamily="49" charset="0"/>
-              </a:rPr>
-              <a:t>Label           </a:t>
-            </a:r>
-            <a:r>
-              <a:rPr lang="en-US" sz="2133" dirty="0" err="1">
-                <a:solidFill>
-                  <a:srgbClr val="FF0000"/>
-                </a:solidFill>
-                <a:latin typeface="Consolas" panose="020B0609020204030204" pitchFamily="49" charset="0"/>
-                <a:cs typeface="Consolas" panose="020B0609020204030204" pitchFamily="49" charset="0"/>
-              </a:rPr>
-              <a:t>TextColor</a:t>
-            </a:r>
-            <a:r>
-              <a:rPr lang="en-US" sz="2133" dirty="0">
-                <a:solidFill>
-                  <a:srgbClr val="0000FF"/>
-                </a:solidFill>
-                <a:latin typeface="Consolas" panose="020B0609020204030204" pitchFamily="49" charset="0"/>
-                <a:cs typeface="Consolas" panose="020B0609020204030204" pitchFamily="49" charset="0"/>
-              </a:rPr>
-              <a:t>=</a:t>
-            </a:r>
-            <a:r>
-              <a:rPr lang="en-US" sz="2133" dirty="0">
-                <a:solidFill>
-                  <a:srgbClr val="000000"/>
-                </a:solidFill>
-                <a:latin typeface="Consolas" panose="020B0609020204030204" pitchFamily="49" charset="0"/>
-                <a:cs typeface="Consolas" panose="020B0609020204030204" pitchFamily="49" charset="0"/>
-              </a:rPr>
-              <a:t>"</a:t>
-            </a:r>
-            <a:r>
-              <a:rPr lang="en-US" sz="2133" dirty="0">
-                <a:solidFill>
-                  <a:srgbClr val="0000FF"/>
-                </a:solidFill>
-                <a:latin typeface="Consolas" panose="020B0609020204030204" pitchFamily="49" charset="0"/>
-                <a:cs typeface="Consolas" panose="020B0609020204030204" pitchFamily="49" charset="0"/>
-              </a:rPr>
-              <a:t>#00FF00</a:t>
-            </a:r>
-            <a:r>
-              <a:rPr lang="en-US" sz="2133" dirty="0">
-                <a:solidFill>
-                  <a:srgbClr val="000000"/>
-                </a:solidFill>
-                <a:latin typeface="Consolas" panose="020B0609020204030204" pitchFamily="49" charset="0"/>
-                <a:cs typeface="Consolas" panose="020B0609020204030204" pitchFamily="49" charset="0"/>
-              </a:rPr>
-              <a:t>" </a:t>
-            </a:r>
-            <a:r>
-              <a:rPr lang="en-US" sz="2133" dirty="0" err="1">
-                <a:solidFill>
-                  <a:srgbClr val="FF0000"/>
-                </a:solidFill>
-                <a:latin typeface="Consolas" panose="020B0609020204030204" pitchFamily="49" charset="0"/>
-              </a:rPr>
-              <a:t>FontSize</a:t>
-            </a:r>
-            <a:r>
-              <a:rPr lang="en-US" sz="2133" dirty="0">
-                <a:solidFill>
-                  <a:srgbClr val="0000FF"/>
-                </a:solidFill>
-                <a:latin typeface="Consolas" panose="020B0609020204030204" pitchFamily="49" charset="0"/>
-              </a:rPr>
-              <a:t>=</a:t>
-            </a:r>
-            <a:r>
-              <a:rPr lang="en-US" sz="2133" dirty="0">
-                <a:solidFill>
-                  <a:srgbClr val="000000"/>
-                </a:solidFill>
-                <a:latin typeface="Consolas" panose="020B0609020204030204" pitchFamily="49" charset="0"/>
-              </a:rPr>
-              <a:t>"</a:t>
-            </a:r>
-            <a:r>
-              <a:rPr lang="en-US" sz="2133" dirty="0">
-                <a:solidFill>
-                  <a:srgbClr val="0000FF"/>
-                </a:solidFill>
-                <a:latin typeface="Consolas" panose="020B0609020204030204" pitchFamily="49" charset="0"/>
-              </a:rPr>
-              <a:t>16.5</a:t>
-            </a:r>
-            <a:r>
-              <a:rPr lang="en-US" sz="2133" dirty="0">
-                <a:solidFill>
-                  <a:srgbClr val="000000"/>
-                </a:solidFill>
-                <a:latin typeface="Consolas" panose="020B0609020204030204" pitchFamily="49" charset="0"/>
-              </a:rPr>
-              <a:t>" </a:t>
-            </a:r>
-            <a:r>
-              <a:rPr lang="en-US" sz="2133" dirty="0">
-                <a:solidFill>
-                  <a:srgbClr val="000000"/>
-                </a:solidFill>
-                <a:latin typeface="Consolas" panose="020B0609020204030204" pitchFamily="49" charset="0"/>
-                <a:cs typeface="Consolas" panose="020B0609020204030204" pitchFamily="49" charset="0"/>
-              </a:rPr>
-              <a:t>...</a:t>
-            </a:r>
-            <a:r>
-              <a:rPr lang="en-US" sz="2133" dirty="0">
-                <a:solidFill>
-                  <a:srgbClr val="A31515"/>
-                </a:solidFill>
-                <a:latin typeface="Consolas" panose="020B0609020204030204" pitchFamily="49" charset="0"/>
-                <a:cs typeface="Consolas" panose="020B0609020204030204" pitchFamily="49" charset="0"/>
-              </a:rPr>
-              <a:t> </a:t>
-            </a:r>
-            <a:r>
-              <a:rPr lang="en-US" sz="2133" dirty="0">
-                <a:solidFill>
-                  <a:srgbClr val="0000FF"/>
-                </a:solidFill>
-                <a:latin typeface="Consolas" panose="020B0609020204030204" pitchFamily="49" charset="0"/>
-                <a:cs typeface="Consolas" panose="020B0609020204030204" pitchFamily="49" charset="0"/>
-              </a:rPr>
-              <a:t>/&gt;</a:t>
-            </a:r>
-            <a:br>
-              <a:rPr lang="en-US" sz="2133" dirty="0">
-                <a:solidFill>
-                  <a:srgbClr val="000000"/>
-                </a:solidFill>
-                <a:latin typeface="Consolas" panose="020B0609020204030204" pitchFamily="49" charset="0"/>
-                <a:cs typeface="Consolas" panose="020B0609020204030204" pitchFamily="49" charset="0"/>
-              </a:rPr>
-            </a:br>
-            <a:r>
-              <a:rPr lang="en-US" sz="2133" dirty="0">
-                <a:solidFill>
-                  <a:srgbClr val="000000"/>
-                </a:solidFill>
-                <a:latin typeface="Consolas" panose="020B0609020204030204" pitchFamily="49" charset="0"/>
-                <a:cs typeface="Consolas" panose="020B0609020204030204" pitchFamily="49" charset="0"/>
-              </a:rPr>
-              <a:t>  </a:t>
-            </a:r>
-            <a:r>
-              <a:rPr lang="en-US" sz="2133" dirty="0">
-                <a:solidFill>
-                  <a:srgbClr val="0000FF"/>
-                </a:solidFill>
-                <a:latin typeface="Consolas" panose="020B0609020204030204" pitchFamily="49" charset="0"/>
-                <a:cs typeface="Consolas" panose="020B0609020204030204" pitchFamily="49" charset="0"/>
-              </a:rPr>
-              <a:t>&lt;</a:t>
-            </a:r>
-            <a:r>
-              <a:rPr lang="en-US" sz="2133" dirty="0">
-                <a:solidFill>
-                  <a:srgbClr val="A31515"/>
-                </a:solidFill>
-                <a:latin typeface="Consolas" panose="020B0609020204030204" pitchFamily="49" charset="0"/>
-                <a:cs typeface="Consolas" panose="020B0609020204030204" pitchFamily="49" charset="0"/>
-              </a:rPr>
-              <a:t>Entry     </a:t>
-            </a:r>
-            <a:r>
-              <a:rPr lang="en-US" sz="2133" dirty="0" err="1">
-                <a:solidFill>
-                  <a:srgbClr val="FF0000"/>
-                </a:solidFill>
-                <a:latin typeface="Consolas" panose="020B0609020204030204" pitchFamily="49" charset="0"/>
-                <a:cs typeface="Consolas" panose="020B0609020204030204" pitchFamily="49" charset="0"/>
-              </a:rPr>
-              <a:t>BackgroundColor</a:t>
-            </a:r>
-            <a:r>
-              <a:rPr lang="en-US" sz="2133" dirty="0">
-                <a:solidFill>
-                  <a:srgbClr val="0000FF"/>
-                </a:solidFill>
-                <a:latin typeface="Consolas" panose="020B0609020204030204" pitchFamily="49" charset="0"/>
-                <a:cs typeface="Consolas" panose="020B0609020204030204" pitchFamily="49" charset="0"/>
-              </a:rPr>
-              <a:t>=</a:t>
-            </a:r>
-            <a:r>
-              <a:rPr lang="en-US" sz="2133" dirty="0">
-                <a:solidFill>
-                  <a:srgbClr val="000000"/>
-                </a:solidFill>
-                <a:latin typeface="Consolas" panose="020B0609020204030204" pitchFamily="49" charset="0"/>
-                <a:cs typeface="Consolas" panose="020B0609020204030204" pitchFamily="49" charset="0"/>
-              </a:rPr>
-              <a:t>"</a:t>
-            </a:r>
-            <a:r>
-              <a:rPr lang="en-US" sz="2133" dirty="0">
-                <a:solidFill>
-                  <a:srgbClr val="0000FF"/>
-                </a:solidFill>
-                <a:latin typeface="Consolas" panose="020B0609020204030204" pitchFamily="49" charset="0"/>
-                <a:cs typeface="Consolas" panose="020B0609020204030204" pitchFamily="49" charset="0"/>
-              </a:rPr>
-              <a:t>#FFFFFF</a:t>
-            </a:r>
-            <a:r>
-              <a:rPr lang="en-US" sz="2133" dirty="0">
-                <a:solidFill>
-                  <a:srgbClr val="000000"/>
-                </a:solidFill>
-                <a:latin typeface="Consolas" panose="020B0609020204030204" pitchFamily="49" charset="0"/>
-                <a:cs typeface="Consolas" panose="020B0609020204030204" pitchFamily="49" charset="0"/>
-              </a:rPr>
-              <a:t>"</a:t>
-            </a:r>
-            <a:r>
-              <a:rPr lang="en-US" sz="2133" dirty="0">
-                <a:solidFill>
-                  <a:srgbClr val="A31515"/>
-                </a:solidFill>
-                <a:latin typeface="Consolas" panose="020B0609020204030204" pitchFamily="49" charset="0"/>
-                <a:cs typeface="Consolas" panose="020B0609020204030204" pitchFamily="49" charset="0"/>
-              </a:rPr>
-              <a:t> </a:t>
-            </a:r>
-            <a:r>
-              <a:rPr lang="en-US" sz="2133" dirty="0">
-                <a:solidFill>
-                  <a:srgbClr val="000000"/>
-                </a:solidFill>
-                <a:latin typeface="Consolas" panose="020B0609020204030204" pitchFamily="49" charset="0"/>
-                <a:cs typeface="Consolas" panose="020B0609020204030204" pitchFamily="49" charset="0"/>
-              </a:rPr>
-              <a:t>                ... </a:t>
-            </a:r>
-            <a:r>
-              <a:rPr lang="en-US" sz="2133" dirty="0">
-                <a:solidFill>
-                  <a:srgbClr val="0000FF"/>
-                </a:solidFill>
-                <a:latin typeface="Consolas" panose="020B0609020204030204" pitchFamily="49" charset="0"/>
-                <a:cs typeface="Consolas" panose="020B0609020204030204" pitchFamily="49" charset="0"/>
-              </a:rPr>
-              <a:t>/&gt;</a:t>
-            </a:r>
-            <a:r>
-              <a:rPr lang="en-US" sz="2133" dirty="0">
-                <a:solidFill>
-                  <a:srgbClr val="000000"/>
-                </a:solidFill>
-                <a:latin typeface="Consolas" panose="020B0609020204030204" pitchFamily="49" charset="0"/>
-                <a:cs typeface="Consolas" panose="020B0609020204030204" pitchFamily="49" charset="0"/>
-              </a:rPr>
-              <a:t> </a:t>
-            </a:r>
-            <a:br>
-              <a:rPr lang="en-US" sz="2133" dirty="0">
-                <a:solidFill>
-                  <a:srgbClr val="000000"/>
-                </a:solidFill>
-                <a:latin typeface="Consolas" panose="020B0609020204030204" pitchFamily="49" charset="0"/>
-                <a:cs typeface="Consolas" panose="020B0609020204030204" pitchFamily="49" charset="0"/>
-              </a:rPr>
-            </a:br>
-            <a:r>
-              <a:rPr lang="en-US" sz="2133" dirty="0">
-                <a:solidFill>
-                  <a:srgbClr val="000000"/>
-                </a:solidFill>
-                <a:latin typeface="Consolas" panose="020B0609020204030204" pitchFamily="49" charset="0"/>
-                <a:cs typeface="Consolas" panose="020B0609020204030204" pitchFamily="49" charset="0"/>
-              </a:rPr>
-              <a:t>  </a:t>
-            </a:r>
-            <a:r>
-              <a:rPr lang="en-US" sz="2133" dirty="0">
-                <a:solidFill>
-                  <a:srgbClr val="0000FF"/>
-                </a:solidFill>
-                <a:latin typeface="Consolas" panose="020B0609020204030204" pitchFamily="49" charset="0"/>
-                <a:cs typeface="Consolas" panose="020B0609020204030204" pitchFamily="49" charset="0"/>
-              </a:rPr>
-              <a:t>&lt;</a:t>
-            </a:r>
-            <a:r>
-              <a:rPr lang="en-US" sz="2133" dirty="0" err="1">
-                <a:solidFill>
-                  <a:srgbClr val="A31515"/>
-                </a:solidFill>
-                <a:latin typeface="Consolas" panose="020B0609020204030204" pitchFamily="49" charset="0"/>
-                <a:cs typeface="Consolas" panose="020B0609020204030204" pitchFamily="49" charset="0"/>
-              </a:rPr>
-              <a:t>BoxView</a:t>
-            </a:r>
-            <a:r>
-              <a:rPr lang="en-US" sz="2133" dirty="0">
-                <a:solidFill>
-                  <a:srgbClr val="A31515"/>
-                </a:solidFill>
-                <a:latin typeface="Consolas" panose="020B0609020204030204" pitchFamily="49" charset="0"/>
-                <a:cs typeface="Consolas" panose="020B0609020204030204" pitchFamily="49" charset="0"/>
-              </a:rPr>
-              <a:t>   </a:t>
-            </a:r>
-            <a:r>
-              <a:rPr lang="en-US" sz="2133" dirty="0" err="1">
-                <a:solidFill>
-                  <a:srgbClr val="FF0000"/>
-                </a:solidFill>
-                <a:latin typeface="Consolas" panose="020B0609020204030204" pitchFamily="49" charset="0"/>
-                <a:cs typeface="Consolas" panose="020B0609020204030204" pitchFamily="49" charset="0"/>
-              </a:rPr>
-              <a:t>BackgroundColor</a:t>
-            </a:r>
-            <a:r>
-              <a:rPr lang="en-US" sz="2133" dirty="0">
-                <a:solidFill>
-                  <a:srgbClr val="0000FF"/>
-                </a:solidFill>
-                <a:latin typeface="Consolas" panose="020B0609020204030204" pitchFamily="49" charset="0"/>
-                <a:cs typeface="Consolas" panose="020B0609020204030204" pitchFamily="49" charset="0"/>
-              </a:rPr>
-              <a:t>=</a:t>
-            </a:r>
-            <a:r>
-              <a:rPr lang="en-US" sz="2133" dirty="0">
-                <a:solidFill>
-                  <a:srgbClr val="000000"/>
-                </a:solidFill>
-                <a:latin typeface="Consolas" panose="020B0609020204030204" pitchFamily="49" charset="0"/>
-                <a:cs typeface="Consolas" panose="020B0609020204030204" pitchFamily="49" charset="0"/>
-              </a:rPr>
-              <a:t>"</a:t>
-            </a:r>
-            <a:r>
-              <a:rPr lang="en-US" sz="2133" dirty="0">
-                <a:solidFill>
-                  <a:srgbClr val="0000FF"/>
-                </a:solidFill>
-                <a:latin typeface="Consolas" panose="020B0609020204030204" pitchFamily="49" charset="0"/>
-                <a:cs typeface="Consolas" panose="020B0609020204030204" pitchFamily="49" charset="0"/>
-              </a:rPr>
-              <a:t>#00FF00</a:t>
-            </a:r>
-            <a:r>
-              <a:rPr lang="en-US" sz="2133" dirty="0">
-                <a:solidFill>
-                  <a:srgbClr val="000000"/>
-                </a:solidFill>
-                <a:latin typeface="Consolas" panose="020B0609020204030204" pitchFamily="49" charset="0"/>
-                <a:cs typeface="Consolas" panose="020B0609020204030204" pitchFamily="49" charset="0"/>
-              </a:rPr>
-              <a:t>"</a:t>
-            </a:r>
-            <a:r>
-              <a:rPr lang="en-US" sz="2133" dirty="0">
-                <a:solidFill>
-                  <a:srgbClr val="A31515"/>
-                </a:solidFill>
-                <a:latin typeface="Consolas" panose="020B0609020204030204" pitchFamily="49" charset="0"/>
-                <a:cs typeface="Consolas" panose="020B0609020204030204" pitchFamily="49" charset="0"/>
-              </a:rPr>
-              <a:t> </a:t>
-            </a:r>
-            <a:r>
-              <a:rPr lang="en-US" sz="2133" dirty="0">
-                <a:solidFill>
-                  <a:srgbClr val="000000"/>
-                </a:solidFill>
-                <a:latin typeface="Consolas" panose="020B0609020204030204" pitchFamily="49" charset="0"/>
-                <a:cs typeface="Consolas" panose="020B0609020204030204" pitchFamily="49" charset="0"/>
-              </a:rPr>
-              <a:t>                ... </a:t>
-            </a:r>
-            <a:r>
-              <a:rPr lang="en-US" sz="2133" dirty="0">
-                <a:solidFill>
-                  <a:srgbClr val="0000FF"/>
-                </a:solidFill>
-                <a:latin typeface="Consolas" panose="020B0609020204030204" pitchFamily="49" charset="0"/>
-                <a:cs typeface="Consolas" panose="020B0609020204030204" pitchFamily="49" charset="0"/>
-              </a:rPr>
-              <a:t>/&gt;</a:t>
-            </a:r>
-            <a:br>
-              <a:rPr lang="en-US" sz="2133" dirty="0">
-                <a:solidFill>
-                  <a:srgbClr val="000000"/>
-                </a:solidFill>
-                <a:latin typeface="Consolas" panose="020B0609020204030204" pitchFamily="49" charset="0"/>
-                <a:cs typeface="Consolas" panose="020B0609020204030204" pitchFamily="49" charset="0"/>
-              </a:rPr>
-            </a:br>
-            <a:r>
-              <a:rPr lang="en-US" sz="2133" dirty="0">
-                <a:solidFill>
-                  <a:srgbClr val="000000"/>
-                </a:solidFill>
-                <a:latin typeface="Consolas" panose="020B0609020204030204" pitchFamily="49" charset="0"/>
-                <a:cs typeface="Consolas" panose="020B0609020204030204" pitchFamily="49" charset="0"/>
-              </a:rPr>
-              <a:t>  </a:t>
-            </a:r>
-            <a:r>
-              <a:rPr lang="en-US" sz="2133" dirty="0">
-                <a:solidFill>
-                  <a:srgbClr val="0000FF"/>
-                </a:solidFill>
-                <a:latin typeface="Consolas" panose="020B0609020204030204" pitchFamily="49" charset="0"/>
-                <a:cs typeface="Consolas" panose="020B0609020204030204" pitchFamily="49" charset="0"/>
-              </a:rPr>
-              <a:t>&lt;</a:t>
-            </a:r>
-            <a:r>
-              <a:rPr lang="en-US" sz="2133" dirty="0">
-                <a:solidFill>
-                  <a:srgbClr val="A31515"/>
-                </a:solidFill>
-                <a:latin typeface="Consolas" panose="020B0609020204030204" pitchFamily="49" charset="0"/>
-                <a:cs typeface="Consolas" panose="020B0609020204030204" pitchFamily="49" charset="0"/>
-              </a:rPr>
-              <a:t>Button    </a:t>
-            </a:r>
-            <a:r>
-              <a:rPr lang="en-US" sz="2133" dirty="0" err="1">
-                <a:solidFill>
-                  <a:srgbClr val="FF0000"/>
-                </a:solidFill>
-                <a:latin typeface="Consolas" panose="020B0609020204030204" pitchFamily="49" charset="0"/>
-                <a:cs typeface="Consolas" panose="020B0609020204030204" pitchFamily="49" charset="0"/>
-              </a:rPr>
-              <a:t>BackgroundColor</a:t>
-            </a:r>
-            <a:r>
-              <a:rPr lang="en-US" sz="2133" dirty="0">
-                <a:solidFill>
-                  <a:srgbClr val="0000FF"/>
-                </a:solidFill>
-                <a:latin typeface="Consolas" panose="020B0609020204030204" pitchFamily="49" charset="0"/>
-                <a:cs typeface="Consolas" panose="020B0609020204030204" pitchFamily="49" charset="0"/>
-              </a:rPr>
-              <a:t>=</a:t>
-            </a:r>
-            <a:r>
-              <a:rPr lang="en-US" sz="2133" dirty="0">
-                <a:solidFill>
-                  <a:srgbClr val="000000"/>
-                </a:solidFill>
-                <a:latin typeface="Consolas" panose="020B0609020204030204" pitchFamily="49" charset="0"/>
-                <a:cs typeface="Consolas" panose="020B0609020204030204" pitchFamily="49" charset="0"/>
-              </a:rPr>
-              <a:t>"</a:t>
-            </a:r>
-            <a:r>
-              <a:rPr lang="en-US" sz="2133" dirty="0">
-                <a:solidFill>
-                  <a:srgbClr val="0000FF"/>
-                </a:solidFill>
-                <a:latin typeface="Consolas" panose="020B0609020204030204" pitchFamily="49" charset="0"/>
-                <a:cs typeface="Consolas" panose="020B0609020204030204" pitchFamily="49" charset="0"/>
-              </a:rPr>
-              <a:t>#00FF00</a:t>
-            </a:r>
-            <a:r>
-              <a:rPr lang="en-US" sz="2133" dirty="0">
-                <a:solidFill>
-                  <a:srgbClr val="000000"/>
-                </a:solidFill>
-                <a:latin typeface="Consolas" panose="020B0609020204030204" pitchFamily="49" charset="0"/>
-                <a:cs typeface="Consolas" panose="020B0609020204030204" pitchFamily="49" charset="0"/>
-              </a:rPr>
-              <a:t>"</a:t>
-            </a:r>
-            <a:r>
-              <a:rPr lang="en-US" sz="2133" dirty="0">
-                <a:solidFill>
-                  <a:srgbClr val="A31515"/>
-                </a:solidFill>
-                <a:latin typeface="Consolas" panose="020B0609020204030204" pitchFamily="49" charset="0"/>
-                <a:cs typeface="Consolas" panose="020B0609020204030204" pitchFamily="49" charset="0"/>
-              </a:rPr>
-              <a:t> </a:t>
-            </a:r>
-            <a:r>
-              <a:rPr lang="en-US" sz="2133" dirty="0" err="1">
-                <a:solidFill>
-                  <a:srgbClr val="FF0000"/>
-                </a:solidFill>
-                <a:latin typeface="Consolas" panose="020B0609020204030204" pitchFamily="49" charset="0"/>
-              </a:rPr>
-              <a:t>FontSize</a:t>
-            </a:r>
-            <a:r>
-              <a:rPr lang="en-US" sz="2133" dirty="0">
-                <a:solidFill>
-                  <a:srgbClr val="0000FF"/>
-                </a:solidFill>
-                <a:latin typeface="Consolas" panose="020B0609020204030204" pitchFamily="49" charset="0"/>
-              </a:rPr>
-              <a:t>=</a:t>
-            </a:r>
-            <a:r>
-              <a:rPr lang="en-US" sz="2133" dirty="0">
-                <a:solidFill>
-                  <a:srgbClr val="000000"/>
-                </a:solidFill>
-                <a:latin typeface="Consolas" panose="020B0609020204030204" pitchFamily="49" charset="0"/>
-              </a:rPr>
-              <a:t>"</a:t>
-            </a:r>
-            <a:r>
-              <a:rPr lang="en-US" sz="2133" dirty="0">
-                <a:solidFill>
-                  <a:srgbClr val="0000FF"/>
-                </a:solidFill>
-                <a:latin typeface="Consolas" panose="020B0609020204030204" pitchFamily="49" charset="0"/>
-              </a:rPr>
-              <a:t>16.5</a:t>
-            </a:r>
-            <a:r>
-              <a:rPr lang="en-US" sz="2133" dirty="0">
-                <a:solidFill>
-                  <a:srgbClr val="000000"/>
-                </a:solidFill>
-                <a:latin typeface="Consolas" panose="020B0609020204030204" pitchFamily="49" charset="0"/>
-              </a:rPr>
-              <a:t>" </a:t>
-            </a:r>
-            <a:r>
-              <a:rPr lang="en-US" sz="2133" dirty="0">
-                <a:solidFill>
-                  <a:srgbClr val="000000"/>
-                </a:solidFill>
-                <a:latin typeface="Consolas" panose="020B0609020204030204" pitchFamily="49" charset="0"/>
-                <a:cs typeface="Consolas" panose="020B0609020204030204" pitchFamily="49" charset="0"/>
-              </a:rPr>
-              <a:t>... </a:t>
-            </a:r>
-            <a:r>
-              <a:rPr lang="en-US" sz="2133" dirty="0">
-                <a:solidFill>
-                  <a:srgbClr val="0000FF"/>
-                </a:solidFill>
-                <a:latin typeface="Consolas" panose="020B0609020204030204" pitchFamily="49" charset="0"/>
-                <a:cs typeface="Consolas" panose="020B0609020204030204" pitchFamily="49" charset="0"/>
-              </a:rPr>
-              <a:t>/&gt;</a:t>
-            </a:r>
-          </a:p>
-          <a:p>
-            <a:r>
-              <a:rPr lang="en-US" sz="2133" dirty="0">
-                <a:solidFill>
-                  <a:srgbClr val="0000FF"/>
-                </a:solidFill>
-                <a:latin typeface="Consolas" panose="020B0609020204030204" pitchFamily="49" charset="0"/>
-                <a:cs typeface="Consolas" panose="020B0609020204030204" pitchFamily="49" charset="0"/>
-              </a:rPr>
-              <a:t>&lt;/</a:t>
-            </a:r>
-            <a:r>
-              <a:rPr lang="en-US" sz="2133" dirty="0" err="1">
-                <a:solidFill>
-                  <a:srgbClr val="A31515"/>
-                </a:solidFill>
-                <a:latin typeface="Consolas" panose="020B0609020204030204" pitchFamily="49" charset="0"/>
-                <a:cs typeface="Consolas" panose="020B0609020204030204" pitchFamily="49" charset="0"/>
-              </a:rPr>
-              <a:t>StackLayout</a:t>
-            </a:r>
-            <a:r>
-              <a:rPr lang="en-US" sz="2133" dirty="0">
-                <a:solidFill>
-                  <a:srgbClr val="0000FF"/>
-                </a:solidFill>
-                <a:latin typeface="Consolas" panose="020B0609020204030204" pitchFamily="49" charset="0"/>
-                <a:cs typeface="Consolas" panose="020B0609020204030204" pitchFamily="49" charset="0"/>
-              </a:rPr>
-              <a:t>&gt;</a:t>
-            </a:r>
-            <a:endParaRPr lang="en-US" sz="2133" dirty="0">
-              <a:latin typeface="Consolas" panose="020B0609020204030204" pitchFamily="49" charset="0"/>
-              <a:cs typeface="Consolas" panose="020B0609020204030204" pitchFamily="49" charset="0"/>
-            </a:endParaRPr>
-          </a:p>
-        </p:txBody>
-      </p:sp>
-      <p:sp>
-        <p:nvSpPr>
-          <p:cNvPr id="9" name="TextBox 8"/>
-          <p:cNvSpPr txBox="1"/>
-          <p:nvPr/>
-        </p:nvSpPr>
-        <p:spPr>
-          <a:xfrm>
-            <a:off x="3454400" y="5273358"/>
-            <a:ext cx="7733656" cy="461665"/>
-          </a:xfrm>
-          <a:prstGeom prst="rect">
-            <a:avLst/>
-          </a:prstGeom>
-          <a:noFill/>
-        </p:spPr>
-        <p:txBody>
-          <a:bodyPr wrap="none" rtlCol="0">
-            <a:spAutoFit/>
-          </a:bodyPr>
-          <a:lstStyle/>
-          <a:p>
-            <a:r>
-              <a:rPr lang="en-US" sz="2400" dirty="0">
-                <a:cs typeface="Segoe UI Light"/>
-              </a:rPr>
-              <a:t>Common to use the same colors and sizes across the UI</a:t>
-            </a:r>
-          </a:p>
-        </p:txBody>
-      </p:sp>
-      <p:cxnSp>
-        <p:nvCxnSpPr>
-          <p:cNvPr id="10" name="Straight Arrow Connector 9"/>
-          <p:cNvCxnSpPr/>
-          <p:nvPr/>
-        </p:nvCxnSpPr>
-        <p:spPr>
-          <a:xfrm flipV="1">
-            <a:off x="6429368" y="4791529"/>
-            <a:ext cx="0" cy="609600"/>
-          </a:xfrm>
-          <a:prstGeom prst="straightConnector1">
-            <a:avLst/>
-          </a:prstGeom>
-          <a:ln w="28575" cmpd="sng">
-            <a:solidFill>
-              <a:schemeClr val="accent4"/>
-            </a:solidFill>
-            <a:tailEnd type="arrow"/>
-          </a:ln>
-          <a:effectLst/>
-        </p:spPr>
-        <p:style>
-          <a:lnRef idx="2">
-            <a:schemeClr val="accent1"/>
-          </a:lnRef>
-          <a:fillRef idx="0">
-            <a:schemeClr val="accent1"/>
-          </a:fillRef>
-          <a:effectRef idx="1">
-            <a:schemeClr val="accent1"/>
-          </a:effectRef>
-          <a:fontRef idx="minor">
-            <a:schemeClr val="tx1"/>
-          </a:fontRef>
-        </p:style>
-      </p:cxnSp>
-      <p:cxnSp>
-        <p:nvCxnSpPr>
-          <p:cNvPr id="12" name="Straight Arrow Connector 11"/>
-          <p:cNvCxnSpPr/>
-          <p:nvPr/>
-        </p:nvCxnSpPr>
-        <p:spPr>
-          <a:xfrm flipV="1">
-            <a:off x="9016452" y="4791529"/>
-            <a:ext cx="0" cy="609600"/>
-          </a:xfrm>
-          <a:prstGeom prst="straightConnector1">
-            <a:avLst/>
-          </a:prstGeom>
-          <a:ln w="28575" cmpd="sng">
-            <a:solidFill>
-              <a:schemeClr val="accent4"/>
-            </a:solidFill>
-            <a:tailEnd type="arrow"/>
-          </a:ln>
-          <a:effectLst/>
-        </p:spPr>
-        <p:style>
-          <a:lnRef idx="2">
-            <a:schemeClr val="accent1"/>
-          </a:lnRef>
-          <a:fillRef idx="0">
-            <a:schemeClr val="accent1"/>
-          </a:fillRef>
-          <a:effectRef idx="1">
-            <a:schemeClr val="accent1"/>
-          </a:effectRef>
-          <a:fontRef idx="minor">
-            <a:schemeClr val="tx1"/>
-          </a:fontRef>
-        </p:style>
-      </p:cxnSp>
-    </p:spTree>
-    <p:extLst>
-      <p:ext uri="{BB962C8B-B14F-4D97-AF65-F5344CB8AC3E}">
-        <p14:creationId xmlns:p14="http://schemas.microsoft.com/office/powerpoint/2010/main" val="553747559"/>
-      </p:ext>
-    </p:extLst>
-  </p:cSld>
-  <p:clrMapOvr>
-    <a:masterClrMapping/>
-  </p:clrMapOvr>
-</p:sld>
-</file>
-
-<file path=ppt/slides/slide5.xml><?xml version="1.0" encoding="utf-8"?>
 <p:sld xmlns:a="http://schemas.openxmlformats.org/drawingml/2006/main" xmlns:r="http://schemas.openxmlformats.org/officeDocument/2006/relationships" xmlns:p="http://schemas.openxmlformats.org/presentationml/2006/main">
   <p:cSld>
     <p:spTree>
@@ -31693,7 +28536,7 @@
 </p:sld>
 </file>
 
-<file path=ppt/slides/slide6.xml><?xml version="1.0" encoding="utf-8"?>
+<file path=ppt/slides/slide5.xml><?xml version="1.0" encoding="utf-8"?>
 <p:sld xmlns:a="http://schemas.openxmlformats.org/drawingml/2006/main" xmlns:r="http://schemas.openxmlformats.org/officeDocument/2006/relationships" xmlns:p="http://schemas.openxmlformats.org/presentationml/2006/main">
   <p:cSld>
     <p:spTree>
@@ -32386,7 +29229,7 @@
 </p:sld>
 </file>
 
-<file path=ppt/slides/slide7.xml><?xml version="1.0" encoding="utf-8"?>
+<file path=ppt/slides/slide6.xml><?xml version="1.0" encoding="utf-8"?>
 <p:sld xmlns:a="http://schemas.openxmlformats.org/drawingml/2006/main" xmlns:r="http://schemas.openxmlformats.org/officeDocument/2006/relationships" xmlns:p="http://schemas.openxmlformats.org/presentationml/2006/main">
   <p:cSld>
     <p:spTree>
@@ -32910,7 +29753,7 @@
 </p:sld>
 </file>
 
-<file path=ppt/slides/slide8.xml><?xml version="1.0" encoding="utf-8"?>
+<file path=ppt/slides/slide7.xml><?xml version="1.0" encoding="utf-8"?>
 <p:sld xmlns:a="http://schemas.openxmlformats.org/drawingml/2006/main" xmlns:r="http://schemas.openxmlformats.org/officeDocument/2006/relationships" xmlns:p="http://schemas.openxmlformats.org/presentationml/2006/main">
   <p:cSld>
     <p:spTree>
@@ -33910,7 +30753,7 @@
 </p:sld>
 </file>
 
-<file path=ppt/slides/slide9.xml><?xml version="1.0" encoding="utf-8"?>
+<file path=ppt/slides/slide8.xml><?xml version="1.0" encoding="utf-8"?>
 <p:sld xmlns:a="http://schemas.openxmlformats.org/drawingml/2006/main" xmlns:r="http://schemas.openxmlformats.org/officeDocument/2006/relationships" xmlns:p="http://schemas.openxmlformats.org/presentationml/2006/main">
   <p:cSld>
     <p:spTree>
@@ -34785,6 +31628,1679 @@
     <p:extLst>
       <p:ext uri="{BB962C8B-B14F-4D97-AF65-F5344CB8AC3E}">
         <p14:creationId xmlns:p14="http://schemas.microsoft.com/office/powerpoint/2010/main" val="628171832"/>
+      </p:ext>
+    </p:extLst>
+  </p:cSld>
+  <p:clrMapOvr>
+    <a:masterClrMapping/>
+  </p:clrMapOvr>
+</p:sld>
+</file>
+
+<file path=ppt/slides/slide9.xml><?xml version="1.0" encoding="utf-8"?>
+<p:sld xmlns:a="http://schemas.openxmlformats.org/drawingml/2006/main" xmlns:r="http://schemas.openxmlformats.org/officeDocument/2006/relationships" xmlns:p="http://schemas.openxmlformats.org/presentationml/2006/main">
+  <p:cSld>
+    <p:spTree>
+      <p:nvGrpSpPr>
+        <p:cNvPr id="1" name=""/>
+        <p:cNvGrpSpPr/>
+        <p:nvPr/>
+      </p:nvGrpSpPr>
+      <p:grpSpPr>
+        <a:xfrm>
+          <a:off x="0" y="0"/>
+          <a:ext cx="0" cy="0"/>
+          <a:chOff x="0" y="0"/>
+          <a:chExt cx="0" cy="0"/>
+        </a:xfrm>
+      </p:grpSpPr>
+      <p:sp>
+        <p:nvSpPr>
+          <p:cNvPr id="2" name="Content Placeholder 1"/>
+          <p:cNvSpPr>
+            <a:spLocks noGrp="1"/>
+          </p:cNvSpPr>
+          <p:nvPr>
+            <p:ph sz="quarter" idx="10"/>
+          </p:nvPr>
+        </p:nvSpPr>
+        <p:spPr>
+          <a:xfrm>
+            <a:off x="609600" y="1613054"/>
+            <a:ext cx="10972800" cy="1270732"/>
+          </a:xfrm>
+        </p:spPr>
+        <p:txBody>
+          <a:bodyPr/>
+          <a:lstStyle/>
+          <a:p>
+            <a:r>
+              <a:rPr lang="en-US" dirty="0"/>
+              <a:t>The XAML spec defines many types you can use for XAML Resources</a:t>
+            </a:r>
+          </a:p>
+        </p:txBody>
+      </p:sp>
+      <p:sp>
+        <p:nvSpPr>
+          <p:cNvPr id="3" name="Title 2"/>
+          <p:cNvSpPr>
+            <a:spLocks noGrp="1"/>
+          </p:cNvSpPr>
+          <p:nvPr>
+            <p:ph type="title"/>
+          </p:nvPr>
+        </p:nvSpPr>
+        <p:spPr/>
+        <p:txBody>
+          <a:bodyPr/>
+          <a:lstStyle/>
+          <a:p>
+            <a:r>
+              <a:rPr lang="en-US" dirty="0"/>
+              <a:t>XAML intrinsic types</a:t>
+            </a:r>
+          </a:p>
+        </p:txBody>
+      </p:sp>
+      <p:sp>
+        <p:nvSpPr>
+          <p:cNvPr id="4" name="Rectangle 3"/>
+          <p:cNvSpPr/>
+          <p:nvPr/>
+        </p:nvSpPr>
+        <p:spPr>
+          <a:xfrm>
+            <a:off x="3230681" y="2867912"/>
+            <a:ext cx="6494085" cy="3827523"/>
+          </a:xfrm>
+          <a:prstGeom prst="rect">
+            <a:avLst/>
+          </a:prstGeom>
+          <a:solidFill>
+            <a:srgbClr val="FFFFFF"/>
+          </a:solidFill>
+          <a:ln>
+            <a:solidFill>
+              <a:srgbClr val="606E6F"/>
+            </a:solidFill>
+          </a:ln>
+        </p:spPr>
+        <p:txBody>
+          <a:bodyPr wrap="none">
+            <a:spAutoFit/>
+          </a:bodyPr>
+          <a:lstStyle/>
+          <a:p>
+            <a:r>
+              <a:rPr lang="en-US" sz="1867" dirty="0">
+                <a:solidFill>
+                  <a:srgbClr val="0000FF"/>
+                </a:solidFill>
+                <a:latin typeface="Consolas" panose="020B0609020204030204" pitchFamily="49" charset="0"/>
+              </a:rPr>
+              <a:t>&lt;</a:t>
+            </a:r>
+            <a:r>
+              <a:rPr lang="en-US" sz="1867" dirty="0" err="1">
+                <a:solidFill>
+                  <a:srgbClr val="A31515"/>
+                </a:solidFill>
+                <a:latin typeface="Consolas" panose="020B0609020204030204" pitchFamily="49" charset="0"/>
+              </a:rPr>
+              <a:t>ResourceDictionary</a:t>
+            </a:r>
+            <a:r>
+              <a:rPr lang="en-US" sz="1867" dirty="0">
+                <a:solidFill>
+                  <a:srgbClr val="0000FF"/>
+                </a:solidFill>
+                <a:latin typeface="Consolas" panose="020B0609020204030204" pitchFamily="49" charset="0"/>
+              </a:rPr>
+              <a:t>&gt;</a:t>
+            </a:r>
+            <a:br>
+              <a:rPr lang="en-US" sz="1867" dirty="0">
+                <a:solidFill>
+                  <a:srgbClr val="0000FF"/>
+                </a:solidFill>
+                <a:latin typeface="Consolas" panose="020B0609020204030204" pitchFamily="49" charset="0"/>
+              </a:rPr>
+            </a:br>
+            <a:r>
+              <a:rPr lang="en-US" sz="1867" dirty="0">
+                <a:solidFill>
+                  <a:srgbClr val="0000FF"/>
+                </a:solidFill>
+                <a:latin typeface="Consolas" panose="020B0609020204030204" pitchFamily="49" charset="0"/>
+              </a:rPr>
+              <a:t>  &lt;</a:t>
+            </a:r>
+            <a:r>
+              <a:rPr lang="en-US" sz="1867" dirty="0" err="1">
+                <a:solidFill>
+                  <a:srgbClr val="A31515"/>
+                </a:solidFill>
+                <a:latin typeface="Consolas" panose="020B0609020204030204" pitchFamily="49" charset="0"/>
+              </a:rPr>
+              <a:t>x:String</a:t>
+            </a:r>
+            <a:r>
+              <a:rPr lang="en-US" sz="1867" dirty="0">
+                <a:solidFill>
+                  <a:srgbClr val="A31515"/>
+                </a:solidFill>
+                <a:latin typeface="Consolas" panose="020B0609020204030204" pitchFamily="49" charset="0"/>
+              </a:rPr>
+              <a:t>   </a:t>
+            </a:r>
+            <a:r>
+              <a:rPr lang="en-US" sz="1867" dirty="0">
+                <a:solidFill>
+                  <a:srgbClr val="FF0000"/>
+                </a:solidFill>
+                <a:latin typeface="Consolas" panose="020B0609020204030204" pitchFamily="49" charset="0"/>
+              </a:rPr>
+              <a:t>x:Key</a:t>
+            </a:r>
+            <a:r>
+              <a:rPr lang="en-US" sz="1867" dirty="0">
+                <a:solidFill>
+                  <a:srgbClr val="0000FF"/>
+                </a:solidFill>
+                <a:latin typeface="Consolas" panose="020B0609020204030204" pitchFamily="49" charset="0"/>
+              </a:rPr>
+              <a:t>=</a:t>
+            </a:r>
+            <a:r>
+              <a:rPr lang="en-US" sz="1867" dirty="0">
+                <a:solidFill>
+                  <a:srgbClr val="000000"/>
+                </a:solidFill>
+                <a:latin typeface="Consolas" panose="020B0609020204030204" pitchFamily="49" charset="0"/>
+              </a:rPr>
+              <a:t>"</a:t>
+            </a:r>
+            <a:r>
+              <a:rPr lang="en-US" sz="1867" dirty="0">
+                <a:latin typeface="Consolas" panose="020B0609020204030204" pitchFamily="49" charset="0"/>
+              </a:rPr>
+              <a:t>...</a:t>
+            </a:r>
+            <a:r>
+              <a:rPr lang="en-US" sz="1867" dirty="0">
+                <a:solidFill>
+                  <a:srgbClr val="000000"/>
+                </a:solidFill>
+                <a:latin typeface="Consolas" panose="020B0609020204030204" pitchFamily="49" charset="0"/>
+              </a:rPr>
+              <a:t>"</a:t>
+            </a:r>
+            <a:r>
+              <a:rPr lang="en-US" sz="1867" dirty="0">
+                <a:solidFill>
+                  <a:srgbClr val="0000FF"/>
+                </a:solidFill>
+                <a:latin typeface="Consolas" panose="020B0609020204030204" pitchFamily="49" charset="0"/>
+              </a:rPr>
+              <a:t>&gt;</a:t>
+            </a:r>
+            <a:r>
+              <a:rPr lang="en-US" sz="1867" dirty="0">
+                <a:solidFill>
+                  <a:srgbClr val="000000"/>
+                </a:solidFill>
+                <a:latin typeface="Consolas" panose="020B0609020204030204" pitchFamily="49" charset="0"/>
+              </a:rPr>
+              <a:t>Hello</a:t>
+            </a:r>
+            <a:r>
+              <a:rPr lang="en-US" sz="1867" dirty="0">
+                <a:solidFill>
+                  <a:srgbClr val="0000FF"/>
+                </a:solidFill>
+                <a:latin typeface="Consolas" panose="020B0609020204030204" pitchFamily="49" charset="0"/>
+              </a:rPr>
+              <a:t>&lt;/</a:t>
+            </a:r>
+            <a:r>
+              <a:rPr lang="en-US" sz="1867" dirty="0">
+                <a:solidFill>
+                  <a:srgbClr val="A31515"/>
+                </a:solidFill>
+                <a:latin typeface="Consolas" panose="020B0609020204030204" pitchFamily="49" charset="0"/>
+              </a:rPr>
+              <a:t>x:String</a:t>
+            </a:r>
+            <a:r>
+              <a:rPr lang="en-US" sz="1867" dirty="0">
+                <a:solidFill>
+                  <a:srgbClr val="0000FF"/>
+                </a:solidFill>
+                <a:latin typeface="Consolas" panose="020B0609020204030204" pitchFamily="49" charset="0"/>
+              </a:rPr>
+              <a:t>&gt;</a:t>
+            </a:r>
+            <a:br>
+              <a:rPr lang="en-US" sz="1867" dirty="0">
+                <a:solidFill>
+                  <a:srgbClr val="0000FF"/>
+                </a:solidFill>
+                <a:latin typeface="Consolas" panose="020B0609020204030204" pitchFamily="49" charset="0"/>
+              </a:rPr>
+            </a:br>
+            <a:r>
+              <a:rPr lang="en-US" sz="1867" dirty="0">
+                <a:solidFill>
+                  <a:srgbClr val="0000FF"/>
+                </a:solidFill>
+                <a:latin typeface="Consolas" panose="020B0609020204030204" pitchFamily="49" charset="0"/>
+              </a:rPr>
+              <a:t>  &lt;</a:t>
+            </a:r>
+            <a:r>
+              <a:rPr lang="en-US" sz="1867" dirty="0" err="1">
+                <a:solidFill>
+                  <a:srgbClr val="A31515"/>
+                </a:solidFill>
+                <a:latin typeface="Consolas" panose="020B0609020204030204" pitchFamily="49" charset="0"/>
+              </a:rPr>
+              <a:t>x:Char</a:t>
+            </a:r>
+            <a:r>
+              <a:rPr lang="en-US" sz="1867" dirty="0">
+                <a:solidFill>
+                  <a:srgbClr val="A31515"/>
+                </a:solidFill>
+                <a:latin typeface="Consolas" panose="020B0609020204030204" pitchFamily="49" charset="0"/>
+              </a:rPr>
+              <a:t>     </a:t>
+            </a:r>
+            <a:r>
+              <a:rPr lang="en-US" sz="1867" dirty="0">
+                <a:solidFill>
+                  <a:srgbClr val="FF0000"/>
+                </a:solidFill>
+                <a:latin typeface="Consolas" panose="020B0609020204030204" pitchFamily="49" charset="0"/>
+              </a:rPr>
+              <a:t>x:Key</a:t>
+            </a:r>
+            <a:r>
+              <a:rPr lang="en-US" sz="1867" dirty="0">
+                <a:solidFill>
+                  <a:srgbClr val="0000FF"/>
+                </a:solidFill>
+                <a:latin typeface="Consolas" panose="020B0609020204030204" pitchFamily="49" charset="0"/>
+              </a:rPr>
+              <a:t>=</a:t>
+            </a:r>
+            <a:r>
+              <a:rPr lang="en-US" sz="1867" dirty="0">
+                <a:solidFill>
+                  <a:srgbClr val="000000"/>
+                </a:solidFill>
+                <a:latin typeface="Consolas" panose="020B0609020204030204" pitchFamily="49" charset="0"/>
+              </a:rPr>
+              <a:t>"</a:t>
+            </a:r>
+            <a:r>
+              <a:rPr lang="en-US" sz="1867" dirty="0">
+                <a:latin typeface="Consolas" panose="020B0609020204030204" pitchFamily="49" charset="0"/>
+              </a:rPr>
+              <a:t>...</a:t>
+            </a:r>
+            <a:r>
+              <a:rPr lang="en-US" sz="1867" dirty="0">
+                <a:solidFill>
+                  <a:srgbClr val="000000"/>
+                </a:solidFill>
+                <a:latin typeface="Consolas" panose="020B0609020204030204" pitchFamily="49" charset="0"/>
+              </a:rPr>
+              <a:t>"</a:t>
+            </a:r>
+            <a:r>
+              <a:rPr lang="en-US" sz="1867" dirty="0">
+                <a:solidFill>
+                  <a:srgbClr val="0000FF"/>
+                </a:solidFill>
+                <a:latin typeface="Consolas" panose="020B0609020204030204" pitchFamily="49" charset="0"/>
+              </a:rPr>
+              <a:t>&gt;</a:t>
+            </a:r>
+            <a:r>
+              <a:rPr lang="en-US" sz="1867" dirty="0">
+                <a:solidFill>
+                  <a:srgbClr val="000000"/>
+                </a:solidFill>
+                <a:latin typeface="Consolas" panose="020B0609020204030204" pitchFamily="49" charset="0"/>
+              </a:rPr>
+              <a:t>X</a:t>
+            </a:r>
+            <a:r>
+              <a:rPr lang="en-US" sz="1867" dirty="0">
+                <a:solidFill>
+                  <a:srgbClr val="0000FF"/>
+                </a:solidFill>
+                <a:latin typeface="Consolas" panose="020B0609020204030204" pitchFamily="49" charset="0"/>
+              </a:rPr>
+              <a:t>&lt;/</a:t>
+            </a:r>
+            <a:r>
+              <a:rPr lang="en-US" sz="1867" dirty="0">
+                <a:solidFill>
+                  <a:srgbClr val="A31515"/>
+                </a:solidFill>
+                <a:latin typeface="Consolas" panose="020B0609020204030204" pitchFamily="49" charset="0"/>
+              </a:rPr>
+              <a:t>x:Char</a:t>
+            </a:r>
+            <a:r>
+              <a:rPr lang="en-US" sz="1867" dirty="0">
+                <a:solidFill>
+                  <a:srgbClr val="0000FF"/>
+                </a:solidFill>
+                <a:latin typeface="Consolas" panose="020B0609020204030204" pitchFamily="49" charset="0"/>
+              </a:rPr>
+              <a:t>&gt;</a:t>
+            </a:r>
+            <a:br>
+              <a:rPr lang="en-US" sz="1867" dirty="0">
+                <a:solidFill>
+                  <a:srgbClr val="0000FF"/>
+                </a:solidFill>
+                <a:latin typeface="Consolas" panose="020B0609020204030204" pitchFamily="49" charset="0"/>
+              </a:rPr>
+            </a:br>
+            <a:r>
+              <a:rPr lang="en-US" sz="1867" dirty="0">
+                <a:solidFill>
+                  <a:srgbClr val="0000FF"/>
+                </a:solidFill>
+                <a:latin typeface="Consolas" panose="020B0609020204030204" pitchFamily="49" charset="0"/>
+              </a:rPr>
+              <a:t>  &lt;</a:t>
+            </a:r>
+            <a:r>
+              <a:rPr lang="en-US" sz="1867" dirty="0" err="1">
+                <a:solidFill>
+                  <a:srgbClr val="A31515"/>
+                </a:solidFill>
+                <a:latin typeface="Consolas" panose="020B0609020204030204" pitchFamily="49" charset="0"/>
+              </a:rPr>
+              <a:t>x:Single</a:t>
+            </a:r>
+            <a:r>
+              <a:rPr lang="en-US" sz="1867" dirty="0">
+                <a:solidFill>
+                  <a:srgbClr val="A31515"/>
+                </a:solidFill>
+                <a:latin typeface="Consolas" panose="020B0609020204030204" pitchFamily="49" charset="0"/>
+              </a:rPr>
+              <a:t>   </a:t>
+            </a:r>
+            <a:r>
+              <a:rPr lang="en-US" sz="1867" dirty="0">
+                <a:solidFill>
+                  <a:srgbClr val="FF0000"/>
+                </a:solidFill>
+                <a:latin typeface="Consolas" panose="020B0609020204030204" pitchFamily="49" charset="0"/>
+              </a:rPr>
+              <a:t>x:Key</a:t>
+            </a:r>
+            <a:r>
+              <a:rPr lang="en-US" sz="1867" dirty="0">
+                <a:solidFill>
+                  <a:srgbClr val="0000FF"/>
+                </a:solidFill>
+                <a:latin typeface="Consolas" panose="020B0609020204030204" pitchFamily="49" charset="0"/>
+              </a:rPr>
+              <a:t>=</a:t>
+            </a:r>
+            <a:r>
+              <a:rPr lang="en-US" sz="1867" dirty="0">
+                <a:solidFill>
+                  <a:srgbClr val="000000"/>
+                </a:solidFill>
+                <a:latin typeface="Consolas" panose="020B0609020204030204" pitchFamily="49" charset="0"/>
+              </a:rPr>
+              <a:t>"</a:t>
+            </a:r>
+            <a:r>
+              <a:rPr lang="en-US" sz="1867" dirty="0">
+                <a:latin typeface="Consolas" panose="020B0609020204030204" pitchFamily="49" charset="0"/>
+              </a:rPr>
+              <a:t>...</a:t>
+            </a:r>
+            <a:r>
+              <a:rPr lang="en-US" sz="1867" dirty="0">
+                <a:solidFill>
+                  <a:srgbClr val="000000"/>
+                </a:solidFill>
+                <a:latin typeface="Consolas" panose="020B0609020204030204" pitchFamily="49" charset="0"/>
+              </a:rPr>
+              <a:t>"</a:t>
+            </a:r>
+            <a:r>
+              <a:rPr lang="en-US" sz="1867" dirty="0">
+                <a:solidFill>
+                  <a:srgbClr val="0000FF"/>
+                </a:solidFill>
+                <a:latin typeface="Consolas" panose="020B0609020204030204" pitchFamily="49" charset="0"/>
+              </a:rPr>
+              <a:t>&gt;</a:t>
+            </a:r>
+            <a:r>
+              <a:rPr lang="en-US" sz="1867" dirty="0">
+                <a:solidFill>
+                  <a:srgbClr val="000000"/>
+                </a:solidFill>
+                <a:latin typeface="Consolas" panose="020B0609020204030204" pitchFamily="49" charset="0"/>
+              </a:rPr>
+              <a:t>31.4</a:t>
+            </a:r>
+            <a:r>
+              <a:rPr lang="en-US" sz="1867" dirty="0">
+                <a:solidFill>
+                  <a:srgbClr val="0000FF"/>
+                </a:solidFill>
+                <a:latin typeface="Consolas" panose="020B0609020204030204" pitchFamily="49" charset="0"/>
+              </a:rPr>
+              <a:t>&lt;/</a:t>
+            </a:r>
+            <a:r>
+              <a:rPr lang="en-US" sz="1867" dirty="0">
+                <a:solidFill>
+                  <a:srgbClr val="A31515"/>
+                </a:solidFill>
+                <a:latin typeface="Consolas" panose="020B0609020204030204" pitchFamily="49" charset="0"/>
+              </a:rPr>
+              <a:t>x:Single</a:t>
+            </a:r>
+            <a:r>
+              <a:rPr lang="en-US" sz="1867" dirty="0">
+                <a:solidFill>
+                  <a:srgbClr val="0000FF"/>
+                </a:solidFill>
+                <a:latin typeface="Consolas" panose="020B0609020204030204" pitchFamily="49" charset="0"/>
+              </a:rPr>
+              <a:t>&gt;</a:t>
+            </a:r>
+            <a:br>
+              <a:rPr lang="en-US" sz="1867" dirty="0">
+                <a:solidFill>
+                  <a:srgbClr val="0000FF"/>
+                </a:solidFill>
+                <a:latin typeface="Consolas" panose="020B0609020204030204" pitchFamily="49" charset="0"/>
+              </a:rPr>
+            </a:br>
+            <a:r>
+              <a:rPr lang="en-US" sz="1867" dirty="0">
+                <a:solidFill>
+                  <a:srgbClr val="0000FF"/>
+                </a:solidFill>
+                <a:latin typeface="Consolas" panose="020B0609020204030204" pitchFamily="49" charset="0"/>
+              </a:rPr>
+              <a:t>  &lt;</a:t>
+            </a:r>
+            <a:r>
+              <a:rPr lang="en-US" sz="1867" dirty="0" err="1">
+                <a:solidFill>
+                  <a:srgbClr val="A31515"/>
+                </a:solidFill>
+                <a:latin typeface="Consolas" panose="020B0609020204030204" pitchFamily="49" charset="0"/>
+              </a:rPr>
+              <a:t>x:Double</a:t>
+            </a:r>
+            <a:r>
+              <a:rPr lang="en-US" sz="1867" dirty="0">
+                <a:solidFill>
+                  <a:srgbClr val="A31515"/>
+                </a:solidFill>
+                <a:latin typeface="Consolas" panose="020B0609020204030204" pitchFamily="49" charset="0"/>
+              </a:rPr>
+              <a:t>   </a:t>
+            </a:r>
+            <a:r>
+              <a:rPr lang="en-US" sz="1867" dirty="0">
+                <a:solidFill>
+                  <a:srgbClr val="FF0000"/>
+                </a:solidFill>
+                <a:latin typeface="Consolas" panose="020B0609020204030204" pitchFamily="49" charset="0"/>
+              </a:rPr>
+              <a:t>x:Key</a:t>
+            </a:r>
+            <a:r>
+              <a:rPr lang="en-US" sz="1867" dirty="0">
+                <a:solidFill>
+                  <a:srgbClr val="0000FF"/>
+                </a:solidFill>
+                <a:latin typeface="Consolas" panose="020B0609020204030204" pitchFamily="49" charset="0"/>
+              </a:rPr>
+              <a:t>=</a:t>
+            </a:r>
+            <a:r>
+              <a:rPr lang="en-US" sz="1867" dirty="0">
+                <a:solidFill>
+                  <a:srgbClr val="000000"/>
+                </a:solidFill>
+                <a:latin typeface="Consolas" panose="020B0609020204030204" pitchFamily="49" charset="0"/>
+              </a:rPr>
+              <a:t>"</a:t>
+            </a:r>
+            <a:r>
+              <a:rPr lang="en-US" sz="1867" dirty="0">
+                <a:latin typeface="Consolas" panose="020B0609020204030204" pitchFamily="49" charset="0"/>
+              </a:rPr>
+              <a:t>...</a:t>
+            </a:r>
+            <a:r>
+              <a:rPr lang="en-US" sz="1867" dirty="0">
+                <a:solidFill>
+                  <a:srgbClr val="000000"/>
+                </a:solidFill>
+                <a:latin typeface="Consolas" panose="020B0609020204030204" pitchFamily="49" charset="0"/>
+              </a:rPr>
+              <a:t>"</a:t>
+            </a:r>
+            <a:r>
+              <a:rPr lang="en-US" sz="1867" dirty="0">
+                <a:solidFill>
+                  <a:srgbClr val="0000FF"/>
+                </a:solidFill>
+                <a:latin typeface="Consolas" panose="020B0609020204030204" pitchFamily="49" charset="0"/>
+              </a:rPr>
+              <a:t>&gt;</a:t>
+            </a:r>
+            <a:r>
+              <a:rPr lang="en-US" sz="1867" dirty="0">
+                <a:solidFill>
+                  <a:srgbClr val="000000"/>
+                </a:solidFill>
+                <a:latin typeface="Consolas" panose="020B0609020204030204" pitchFamily="49" charset="0"/>
+              </a:rPr>
+              <a:t>27.1</a:t>
+            </a:r>
+            <a:r>
+              <a:rPr lang="en-US" sz="1867" dirty="0">
+                <a:solidFill>
+                  <a:srgbClr val="0000FF"/>
+                </a:solidFill>
+                <a:latin typeface="Consolas" panose="020B0609020204030204" pitchFamily="49" charset="0"/>
+              </a:rPr>
+              <a:t>&lt;/</a:t>
+            </a:r>
+            <a:r>
+              <a:rPr lang="en-US" sz="1867" dirty="0">
+                <a:solidFill>
+                  <a:srgbClr val="A31515"/>
+                </a:solidFill>
+                <a:latin typeface="Consolas" panose="020B0609020204030204" pitchFamily="49" charset="0"/>
+              </a:rPr>
+              <a:t>x:Double</a:t>
+            </a:r>
+            <a:r>
+              <a:rPr lang="en-US" sz="1867" dirty="0">
+                <a:solidFill>
+                  <a:srgbClr val="0000FF"/>
+                </a:solidFill>
+                <a:latin typeface="Consolas" panose="020B0609020204030204" pitchFamily="49" charset="0"/>
+              </a:rPr>
+              <a:t>&gt;</a:t>
+            </a:r>
+            <a:br>
+              <a:rPr lang="en-US" sz="1867" dirty="0">
+                <a:solidFill>
+                  <a:srgbClr val="0000FF"/>
+                </a:solidFill>
+                <a:latin typeface="Consolas" panose="020B0609020204030204" pitchFamily="49" charset="0"/>
+              </a:rPr>
+            </a:br>
+            <a:r>
+              <a:rPr lang="en-US" sz="1867" dirty="0">
+                <a:solidFill>
+                  <a:srgbClr val="0000FF"/>
+                </a:solidFill>
+                <a:latin typeface="Consolas" panose="020B0609020204030204" pitchFamily="49" charset="0"/>
+              </a:rPr>
+              <a:t>  &lt;</a:t>
+            </a:r>
+            <a:r>
+              <a:rPr lang="en-US" sz="1867" dirty="0" err="1">
+                <a:solidFill>
+                  <a:srgbClr val="A31515"/>
+                </a:solidFill>
+                <a:latin typeface="Consolas" panose="020B0609020204030204" pitchFamily="49" charset="0"/>
+              </a:rPr>
+              <a:t>x:Byte</a:t>
+            </a:r>
+            <a:r>
+              <a:rPr lang="en-US" sz="1867" dirty="0">
+                <a:solidFill>
+                  <a:srgbClr val="A31515"/>
+                </a:solidFill>
+                <a:latin typeface="Consolas" panose="020B0609020204030204" pitchFamily="49" charset="0"/>
+              </a:rPr>
+              <a:t>     </a:t>
+            </a:r>
+            <a:r>
+              <a:rPr lang="en-US" sz="1867" dirty="0">
+                <a:solidFill>
+                  <a:srgbClr val="FF0000"/>
+                </a:solidFill>
+                <a:latin typeface="Consolas" panose="020B0609020204030204" pitchFamily="49" charset="0"/>
+              </a:rPr>
+              <a:t>x:Key</a:t>
+            </a:r>
+            <a:r>
+              <a:rPr lang="en-US" sz="1867" dirty="0">
+                <a:solidFill>
+                  <a:srgbClr val="0000FF"/>
+                </a:solidFill>
+                <a:latin typeface="Consolas" panose="020B0609020204030204" pitchFamily="49" charset="0"/>
+              </a:rPr>
+              <a:t>=</a:t>
+            </a:r>
+            <a:r>
+              <a:rPr lang="en-US" sz="1867" dirty="0">
+                <a:solidFill>
+                  <a:srgbClr val="000000"/>
+                </a:solidFill>
+                <a:latin typeface="Consolas" panose="020B0609020204030204" pitchFamily="49" charset="0"/>
+              </a:rPr>
+              <a:t>"</a:t>
+            </a:r>
+            <a:r>
+              <a:rPr lang="en-US" sz="1867" dirty="0">
+                <a:latin typeface="Consolas" panose="020B0609020204030204" pitchFamily="49" charset="0"/>
+              </a:rPr>
+              <a:t>...</a:t>
+            </a:r>
+            <a:r>
+              <a:rPr lang="en-US" sz="1867" dirty="0">
+                <a:solidFill>
+                  <a:srgbClr val="000000"/>
+                </a:solidFill>
+                <a:latin typeface="Consolas" panose="020B0609020204030204" pitchFamily="49" charset="0"/>
+              </a:rPr>
+              <a:t>"</a:t>
+            </a:r>
+            <a:r>
+              <a:rPr lang="en-US" sz="1867" dirty="0">
+                <a:solidFill>
+                  <a:srgbClr val="0000FF"/>
+                </a:solidFill>
+                <a:latin typeface="Consolas" panose="020B0609020204030204" pitchFamily="49" charset="0"/>
+              </a:rPr>
+              <a:t>&gt;</a:t>
+            </a:r>
+            <a:r>
+              <a:rPr lang="en-US" sz="1867" dirty="0">
+                <a:solidFill>
+                  <a:srgbClr val="000000"/>
+                </a:solidFill>
+                <a:latin typeface="Consolas" panose="020B0609020204030204" pitchFamily="49" charset="0"/>
+              </a:rPr>
+              <a:t>8</a:t>
+            </a:r>
+            <a:r>
+              <a:rPr lang="en-US" sz="1867" dirty="0">
+                <a:solidFill>
+                  <a:srgbClr val="0000FF"/>
+                </a:solidFill>
+                <a:latin typeface="Consolas" panose="020B0609020204030204" pitchFamily="49" charset="0"/>
+              </a:rPr>
+              <a:t>&lt;/</a:t>
+            </a:r>
+            <a:r>
+              <a:rPr lang="en-US" sz="1867" dirty="0">
+                <a:solidFill>
+                  <a:srgbClr val="A31515"/>
+                </a:solidFill>
+                <a:latin typeface="Consolas" panose="020B0609020204030204" pitchFamily="49" charset="0"/>
+              </a:rPr>
+              <a:t>x:Byte</a:t>
+            </a:r>
+            <a:r>
+              <a:rPr lang="en-US" sz="1867" dirty="0">
+                <a:solidFill>
+                  <a:srgbClr val="0000FF"/>
+                </a:solidFill>
+                <a:latin typeface="Consolas" panose="020B0609020204030204" pitchFamily="49" charset="0"/>
+              </a:rPr>
+              <a:t>&gt;</a:t>
+            </a:r>
+            <a:br>
+              <a:rPr lang="en-US" sz="1867" dirty="0">
+                <a:solidFill>
+                  <a:srgbClr val="0000FF"/>
+                </a:solidFill>
+                <a:latin typeface="Consolas" panose="020B0609020204030204" pitchFamily="49" charset="0"/>
+              </a:rPr>
+            </a:br>
+            <a:r>
+              <a:rPr lang="en-US" sz="1867" dirty="0">
+                <a:solidFill>
+                  <a:srgbClr val="0000FF"/>
+                </a:solidFill>
+                <a:latin typeface="Consolas" panose="020B0609020204030204" pitchFamily="49" charset="0"/>
+              </a:rPr>
+              <a:t>  &lt;</a:t>
+            </a:r>
+            <a:r>
+              <a:rPr lang="en-US" sz="1867" dirty="0">
+                <a:solidFill>
+                  <a:srgbClr val="A31515"/>
+                </a:solidFill>
+                <a:latin typeface="Consolas" panose="020B0609020204030204" pitchFamily="49" charset="0"/>
+              </a:rPr>
+              <a:t>x:Int16    </a:t>
+            </a:r>
+            <a:r>
+              <a:rPr lang="en-US" sz="1867" dirty="0">
+                <a:solidFill>
+                  <a:srgbClr val="FF0000"/>
+                </a:solidFill>
+                <a:latin typeface="Consolas" panose="020B0609020204030204" pitchFamily="49" charset="0"/>
+              </a:rPr>
+              <a:t>x:Key</a:t>
+            </a:r>
+            <a:r>
+              <a:rPr lang="en-US" sz="1867" dirty="0">
+                <a:solidFill>
+                  <a:srgbClr val="0000FF"/>
+                </a:solidFill>
+                <a:latin typeface="Consolas" panose="020B0609020204030204" pitchFamily="49" charset="0"/>
+              </a:rPr>
+              <a:t>=</a:t>
+            </a:r>
+            <a:r>
+              <a:rPr lang="en-US" sz="1867" dirty="0">
+                <a:solidFill>
+                  <a:srgbClr val="000000"/>
+                </a:solidFill>
+                <a:latin typeface="Consolas" panose="020B0609020204030204" pitchFamily="49" charset="0"/>
+              </a:rPr>
+              <a:t>"</a:t>
+            </a:r>
+            <a:r>
+              <a:rPr lang="en-US" sz="1867" dirty="0">
+                <a:latin typeface="Consolas" panose="020B0609020204030204" pitchFamily="49" charset="0"/>
+              </a:rPr>
+              <a:t>...</a:t>
+            </a:r>
+            <a:r>
+              <a:rPr lang="en-US" sz="1867" dirty="0">
+                <a:solidFill>
+                  <a:srgbClr val="000000"/>
+                </a:solidFill>
+                <a:latin typeface="Consolas" panose="020B0609020204030204" pitchFamily="49" charset="0"/>
+              </a:rPr>
+              <a:t>"</a:t>
+            </a:r>
+            <a:r>
+              <a:rPr lang="en-US" sz="1867" dirty="0">
+                <a:solidFill>
+                  <a:srgbClr val="0000FF"/>
+                </a:solidFill>
+                <a:latin typeface="Consolas" panose="020B0609020204030204" pitchFamily="49" charset="0"/>
+              </a:rPr>
+              <a:t>&gt;</a:t>
+            </a:r>
+            <a:r>
+              <a:rPr lang="en-US" sz="1867" dirty="0">
+                <a:solidFill>
+                  <a:srgbClr val="000000"/>
+                </a:solidFill>
+                <a:latin typeface="Consolas" panose="020B0609020204030204" pitchFamily="49" charset="0"/>
+              </a:rPr>
+              <a:t>16</a:t>
+            </a:r>
+            <a:r>
+              <a:rPr lang="en-US" sz="1867" dirty="0">
+                <a:solidFill>
+                  <a:srgbClr val="0000FF"/>
+                </a:solidFill>
+                <a:latin typeface="Consolas" panose="020B0609020204030204" pitchFamily="49" charset="0"/>
+              </a:rPr>
+              <a:t>&lt;/</a:t>
+            </a:r>
+            <a:r>
+              <a:rPr lang="en-US" sz="1867" dirty="0">
+                <a:solidFill>
+                  <a:srgbClr val="A31515"/>
+                </a:solidFill>
+                <a:latin typeface="Consolas" panose="020B0609020204030204" pitchFamily="49" charset="0"/>
+              </a:rPr>
+              <a:t>x:Int16</a:t>
+            </a:r>
+            <a:r>
+              <a:rPr lang="en-US" sz="1867" dirty="0">
+                <a:solidFill>
+                  <a:srgbClr val="0000FF"/>
+                </a:solidFill>
+                <a:latin typeface="Consolas" panose="020B0609020204030204" pitchFamily="49" charset="0"/>
+              </a:rPr>
+              <a:t>&gt;</a:t>
+            </a:r>
+            <a:br>
+              <a:rPr lang="en-US" sz="1867" dirty="0">
+                <a:solidFill>
+                  <a:srgbClr val="0000FF"/>
+                </a:solidFill>
+                <a:latin typeface="Consolas" panose="020B0609020204030204" pitchFamily="49" charset="0"/>
+              </a:rPr>
+            </a:br>
+            <a:r>
+              <a:rPr lang="en-US" sz="1867" dirty="0">
+                <a:solidFill>
+                  <a:srgbClr val="0000FF"/>
+                </a:solidFill>
+                <a:latin typeface="Consolas" panose="020B0609020204030204" pitchFamily="49" charset="0"/>
+              </a:rPr>
+              <a:t>  &lt;</a:t>
+            </a:r>
+            <a:r>
+              <a:rPr lang="en-US" sz="1867" dirty="0">
+                <a:solidFill>
+                  <a:srgbClr val="A31515"/>
+                </a:solidFill>
+                <a:latin typeface="Consolas" panose="020B0609020204030204" pitchFamily="49" charset="0"/>
+              </a:rPr>
+              <a:t>x:Int32    </a:t>
+            </a:r>
+            <a:r>
+              <a:rPr lang="en-US" sz="1867" dirty="0">
+                <a:solidFill>
+                  <a:srgbClr val="FF0000"/>
+                </a:solidFill>
+                <a:latin typeface="Consolas" panose="020B0609020204030204" pitchFamily="49" charset="0"/>
+              </a:rPr>
+              <a:t>x:Key</a:t>
+            </a:r>
+            <a:r>
+              <a:rPr lang="en-US" sz="1867" dirty="0">
+                <a:solidFill>
+                  <a:srgbClr val="0000FF"/>
+                </a:solidFill>
+                <a:latin typeface="Consolas" panose="020B0609020204030204" pitchFamily="49" charset="0"/>
+              </a:rPr>
+              <a:t>=</a:t>
+            </a:r>
+            <a:r>
+              <a:rPr lang="en-US" sz="1867" dirty="0">
+                <a:solidFill>
+                  <a:srgbClr val="000000"/>
+                </a:solidFill>
+                <a:latin typeface="Consolas" panose="020B0609020204030204" pitchFamily="49" charset="0"/>
+              </a:rPr>
+              <a:t>"</a:t>
+            </a:r>
+            <a:r>
+              <a:rPr lang="en-US" sz="1867" dirty="0">
+                <a:latin typeface="Consolas" panose="020B0609020204030204" pitchFamily="49" charset="0"/>
+              </a:rPr>
+              <a:t>...</a:t>
+            </a:r>
+            <a:r>
+              <a:rPr lang="en-US" sz="1867" dirty="0">
+                <a:solidFill>
+                  <a:srgbClr val="000000"/>
+                </a:solidFill>
+                <a:latin typeface="Consolas" panose="020B0609020204030204" pitchFamily="49" charset="0"/>
+              </a:rPr>
+              <a:t>"</a:t>
+            </a:r>
+            <a:r>
+              <a:rPr lang="en-US" sz="1867" dirty="0">
+                <a:solidFill>
+                  <a:srgbClr val="0000FF"/>
+                </a:solidFill>
+                <a:latin typeface="Consolas" panose="020B0609020204030204" pitchFamily="49" charset="0"/>
+              </a:rPr>
+              <a:t>&gt;</a:t>
+            </a:r>
+            <a:r>
+              <a:rPr lang="en-US" sz="1867" dirty="0">
+                <a:solidFill>
+                  <a:srgbClr val="000000"/>
+                </a:solidFill>
+                <a:latin typeface="Consolas" panose="020B0609020204030204" pitchFamily="49" charset="0"/>
+              </a:rPr>
+              <a:t>32</a:t>
+            </a:r>
+            <a:r>
+              <a:rPr lang="en-US" sz="1867" dirty="0">
+                <a:solidFill>
+                  <a:srgbClr val="0000FF"/>
+                </a:solidFill>
+                <a:latin typeface="Consolas" panose="020B0609020204030204" pitchFamily="49" charset="0"/>
+              </a:rPr>
+              <a:t>&lt;/</a:t>
+            </a:r>
+            <a:r>
+              <a:rPr lang="en-US" sz="1867" dirty="0">
+                <a:solidFill>
+                  <a:srgbClr val="A31515"/>
+                </a:solidFill>
+                <a:latin typeface="Consolas" panose="020B0609020204030204" pitchFamily="49" charset="0"/>
+              </a:rPr>
+              <a:t>x:Int32</a:t>
+            </a:r>
+            <a:r>
+              <a:rPr lang="en-US" sz="1867" dirty="0">
+                <a:solidFill>
+                  <a:srgbClr val="0000FF"/>
+                </a:solidFill>
+                <a:latin typeface="Consolas" panose="020B0609020204030204" pitchFamily="49" charset="0"/>
+              </a:rPr>
+              <a:t>&gt;</a:t>
+            </a:r>
+            <a:br>
+              <a:rPr lang="en-US" sz="1867" dirty="0">
+                <a:solidFill>
+                  <a:srgbClr val="0000FF"/>
+                </a:solidFill>
+                <a:latin typeface="Consolas" panose="020B0609020204030204" pitchFamily="49" charset="0"/>
+              </a:rPr>
+            </a:br>
+            <a:r>
+              <a:rPr lang="en-US" sz="1867" dirty="0">
+                <a:solidFill>
+                  <a:srgbClr val="0000FF"/>
+                </a:solidFill>
+                <a:latin typeface="Consolas" panose="020B0609020204030204" pitchFamily="49" charset="0"/>
+              </a:rPr>
+              <a:t>  &lt;</a:t>
+            </a:r>
+            <a:r>
+              <a:rPr lang="en-US" sz="1867" dirty="0">
+                <a:solidFill>
+                  <a:srgbClr val="A31515"/>
+                </a:solidFill>
+                <a:latin typeface="Consolas" panose="020B0609020204030204" pitchFamily="49" charset="0"/>
+              </a:rPr>
+              <a:t>x:Int64    </a:t>
+            </a:r>
+            <a:r>
+              <a:rPr lang="en-US" sz="1867" dirty="0">
+                <a:solidFill>
+                  <a:srgbClr val="FF0000"/>
+                </a:solidFill>
+                <a:latin typeface="Consolas" panose="020B0609020204030204" pitchFamily="49" charset="0"/>
+              </a:rPr>
+              <a:t>x:Key</a:t>
+            </a:r>
+            <a:r>
+              <a:rPr lang="en-US" sz="1867" dirty="0">
+                <a:solidFill>
+                  <a:srgbClr val="0000FF"/>
+                </a:solidFill>
+                <a:latin typeface="Consolas" panose="020B0609020204030204" pitchFamily="49" charset="0"/>
+              </a:rPr>
+              <a:t>=</a:t>
+            </a:r>
+            <a:r>
+              <a:rPr lang="en-US" sz="1867" dirty="0">
+                <a:solidFill>
+                  <a:srgbClr val="000000"/>
+                </a:solidFill>
+                <a:latin typeface="Consolas" panose="020B0609020204030204" pitchFamily="49" charset="0"/>
+              </a:rPr>
+              <a:t>"</a:t>
+            </a:r>
+            <a:r>
+              <a:rPr lang="en-US" sz="1867" dirty="0">
+                <a:latin typeface="Consolas" panose="020B0609020204030204" pitchFamily="49" charset="0"/>
+              </a:rPr>
+              <a:t>...</a:t>
+            </a:r>
+            <a:r>
+              <a:rPr lang="en-US" sz="1867" dirty="0">
+                <a:solidFill>
+                  <a:srgbClr val="000000"/>
+                </a:solidFill>
+                <a:latin typeface="Consolas" panose="020B0609020204030204" pitchFamily="49" charset="0"/>
+              </a:rPr>
+              <a:t>"</a:t>
+            </a:r>
+            <a:r>
+              <a:rPr lang="en-US" sz="1867" dirty="0">
+                <a:solidFill>
+                  <a:srgbClr val="0000FF"/>
+                </a:solidFill>
+                <a:latin typeface="Consolas" panose="020B0609020204030204" pitchFamily="49" charset="0"/>
+              </a:rPr>
+              <a:t>&gt;</a:t>
+            </a:r>
+            <a:r>
+              <a:rPr lang="en-US" sz="1867" dirty="0">
+                <a:solidFill>
+                  <a:srgbClr val="000000"/>
+                </a:solidFill>
+                <a:latin typeface="Consolas" panose="020B0609020204030204" pitchFamily="49" charset="0"/>
+              </a:rPr>
+              <a:t>64</a:t>
+            </a:r>
+            <a:r>
+              <a:rPr lang="en-US" sz="1867" dirty="0">
+                <a:solidFill>
+                  <a:srgbClr val="0000FF"/>
+                </a:solidFill>
+                <a:latin typeface="Consolas" panose="020B0609020204030204" pitchFamily="49" charset="0"/>
+              </a:rPr>
+              <a:t>&lt;/</a:t>
+            </a:r>
+            <a:r>
+              <a:rPr lang="en-US" sz="1867" dirty="0">
+                <a:solidFill>
+                  <a:srgbClr val="A31515"/>
+                </a:solidFill>
+                <a:latin typeface="Consolas" panose="020B0609020204030204" pitchFamily="49" charset="0"/>
+              </a:rPr>
+              <a:t>x:Int64</a:t>
+            </a:r>
+            <a:r>
+              <a:rPr lang="en-US" sz="1867" dirty="0">
+                <a:solidFill>
+                  <a:srgbClr val="0000FF"/>
+                </a:solidFill>
+                <a:latin typeface="Consolas" panose="020B0609020204030204" pitchFamily="49" charset="0"/>
+              </a:rPr>
+              <a:t>&gt;</a:t>
+            </a:r>
+            <a:br>
+              <a:rPr lang="en-US" sz="1867" dirty="0">
+                <a:solidFill>
+                  <a:srgbClr val="0000FF"/>
+                </a:solidFill>
+                <a:latin typeface="Consolas" panose="020B0609020204030204" pitchFamily="49" charset="0"/>
+              </a:rPr>
+            </a:br>
+            <a:r>
+              <a:rPr lang="en-US" sz="1867" dirty="0">
+                <a:solidFill>
+                  <a:srgbClr val="0000FF"/>
+                </a:solidFill>
+                <a:latin typeface="Consolas" panose="020B0609020204030204" pitchFamily="49" charset="0"/>
+              </a:rPr>
+              <a:t>  &lt;</a:t>
+            </a:r>
+            <a:r>
+              <a:rPr lang="en-US" sz="1867" dirty="0" err="1">
+                <a:solidFill>
+                  <a:srgbClr val="A31515"/>
+                </a:solidFill>
+                <a:latin typeface="Consolas" panose="020B0609020204030204" pitchFamily="49" charset="0"/>
+              </a:rPr>
+              <a:t>x:Decimal</a:t>
+            </a:r>
+            <a:r>
+              <a:rPr lang="en-US" sz="1867" dirty="0">
+                <a:solidFill>
+                  <a:srgbClr val="A31515"/>
+                </a:solidFill>
+                <a:latin typeface="Consolas" panose="020B0609020204030204" pitchFamily="49" charset="0"/>
+              </a:rPr>
+              <a:t>  </a:t>
+            </a:r>
+            <a:r>
+              <a:rPr lang="en-US" sz="1867" dirty="0">
+                <a:solidFill>
+                  <a:srgbClr val="FF0000"/>
+                </a:solidFill>
+                <a:latin typeface="Consolas" panose="020B0609020204030204" pitchFamily="49" charset="0"/>
+              </a:rPr>
+              <a:t>x:Key</a:t>
+            </a:r>
+            <a:r>
+              <a:rPr lang="en-US" sz="1867" dirty="0">
+                <a:solidFill>
+                  <a:srgbClr val="0000FF"/>
+                </a:solidFill>
+                <a:latin typeface="Consolas" panose="020B0609020204030204" pitchFamily="49" charset="0"/>
+              </a:rPr>
+              <a:t>=</a:t>
+            </a:r>
+            <a:r>
+              <a:rPr lang="en-US" sz="1867" dirty="0">
+                <a:solidFill>
+                  <a:srgbClr val="000000"/>
+                </a:solidFill>
+                <a:latin typeface="Consolas" panose="020B0609020204030204" pitchFamily="49" charset="0"/>
+              </a:rPr>
+              <a:t>"</a:t>
+            </a:r>
+            <a:r>
+              <a:rPr lang="en-US" sz="1867" dirty="0">
+                <a:latin typeface="Consolas" panose="020B0609020204030204" pitchFamily="49" charset="0"/>
+              </a:rPr>
+              <a:t>...</a:t>
+            </a:r>
+            <a:r>
+              <a:rPr lang="en-US" sz="1867" dirty="0">
+                <a:solidFill>
+                  <a:srgbClr val="000000"/>
+                </a:solidFill>
+                <a:latin typeface="Consolas" panose="020B0609020204030204" pitchFamily="49" charset="0"/>
+              </a:rPr>
+              <a:t>"</a:t>
+            </a:r>
+            <a:r>
+              <a:rPr lang="en-US" sz="1867" dirty="0">
+                <a:solidFill>
+                  <a:srgbClr val="0000FF"/>
+                </a:solidFill>
+                <a:latin typeface="Consolas" panose="020B0609020204030204" pitchFamily="49" charset="0"/>
+              </a:rPr>
+              <a:t>&gt;</a:t>
+            </a:r>
+            <a:r>
+              <a:rPr lang="en-US" sz="1867" dirty="0">
+                <a:solidFill>
+                  <a:srgbClr val="000000"/>
+                </a:solidFill>
+                <a:latin typeface="Consolas" panose="020B0609020204030204" pitchFamily="49" charset="0"/>
+              </a:rPr>
+              <a:t>12345</a:t>
+            </a:r>
+            <a:r>
+              <a:rPr lang="en-US" sz="1867" dirty="0">
+                <a:solidFill>
+                  <a:srgbClr val="0000FF"/>
+                </a:solidFill>
+                <a:latin typeface="Consolas" panose="020B0609020204030204" pitchFamily="49" charset="0"/>
+              </a:rPr>
+              <a:t>&lt;/</a:t>
+            </a:r>
+            <a:r>
+              <a:rPr lang="en-US" sz="1867" dirty="0">
+                <a:solidFill>
+                  <a:srgbClr val="A31515"/>
+                </a:solidFill>
+                <a:latin typeface="Consolas" panose="020B0609020204030204" pitchFamily="49" charset="0"/>
+              </a:rPr>
+              <a:t>x:Decimal</a:t>
+            </a:r>
+            <a:r>
+              <a:rPr lang="en-US" sz="1867" dirty="0">
+                <a:solidFill>
+                  <a:srgbClr val="0000FF"/>
+                </a:solidFill>
+                <a:latin typeface="Consolas" panose="020B0609020204030204" pitchFamily="49" charset="0"/>
+              </a:rPr>
+              <a:t>&gt;</a:t>
+            </a:r>
+            <a:br>
+              <a:rPr lang="en-US" sz="1867" dirty="0">
+                <a:solidFill>
+                  <a:srgbClr val="0000FF"/>
+                </a:solidFill>
+                <a:latin typeface="Consolas" panose="020B0609020204030204" pitchFamily="49" charset="0"/>
+              </a:rPr>
+            </a:br>
+            <a:r>
+              <a:rPr lang="en-US" sz="1867" dirty="0">
+                <a:solidFill>
+                  <a:srgbClr val="0000FF"/>
+                </a:solidFill>
+                <a:latin typeface="Consolas" panose="020B0609020204030204" pitchFamily="49" charset="0"/>
+              </a:rPr>
+              <a:t>  &lt;</a:t>
+            </a:r>
+            <a:r>
+              <a:rPr lang="en-US" sz="1867" dirty="0" err="1">
+                <a:solidFill>
+                  <a:srgbClr val="A31515"/>
+                </a:solidFill>
+                <a:latin typeface="Consolas" panose="020B0609020204030204" pitchFamily="49" charset="0"/>
+              </a:rPr>
+              <a:t>x:TimeSpan</a:t>
+            </a:r>
+            <a:r>
+              <a:rPr lang="en-US" sz="1867" dirty="0">
+                <a:solidFill>
+                  <a:srgbClr val="A31515"/>
+                </a:solidFill>
+                <a:latin typeface="Consolas" panose="020B0609020204030204" pitchFamily="49" charset="0"/>
+              </a:rPr>
+              <a:t> </a:t>
+            </a:r>
+            <a:r>
+              <a:rPr lang="en-US" sz="1867" dirty="0">
+                <a:solidFill>
+                  <a:srgbClr val="FF0000"/>
+                </a:solidFill>
+                <a:latin typeface="Consolas" panose="020B0609020204030204" pitchFamily="49" charset="0"/>
+              </a:rPr>
+              <a:t>x:Key</a:t>
+            </a:r>
+            <a:r>
+              <a:rPr lang="en-US" sz="1867" dirty="0">
+                <a:solidFill>
+                  <a:srgbClr val="0000FF"/>
+                </a:solidFill>
+                <a:latin typeface="Consolas" panose="020B0609020204030204" pitchFamily="49" charset="0"/>
+              </a:rPr>
+              <a:t>=</a:t>
+            </a:r>
+            <a:r>
+              <a:rPr lang="en-US" sz="1867" dirty="0">
+                <a:solidFill>
+                  <a:srgbClr val="000000"/>
+                </a:solidFill>
+                <a:latin typeface="Consolas" panose="020B0609020204030204" pitchFamily="49" charset="0"/>
+              </a:rPr>
+              <a:t>"</a:t>
+            </a:r>
+            <a:r>
+              <a:rPr lang="en-US" sz="1867" dirty="0">
+                <a:latin typeface="Consolas" panose="020B0609020204030204" pitchFamily="49" charset="0"/>
+              </a:rPr>
+              <a:t>...</a:t>
+            </a:r>
+            <a:r>
+              <a:rPr lang="en-US" sz="1867" dirty="0">
+                <a:solidFill>
+                  <a:srgbClr val="000000"/>
+                </a:solidFill>
+                <a:latin typeface="Consolas" panose="020B0609020204030204" pitchFamily="49" charset="0"/>
+              </a:rPr>
+              <a:t>"</a:t>
+            </a:r>
+            <a:r>
+              <a:rPr lang="en-US" sz="1867" dirty="0">
+                <a:solidFill>
+                  <a:srgbClr val="0000FF"/>
+                </a:solidFill>
+                <a:latin typeface="Consolas" panose="020B0609020204030204" pitchFamily="49" charset="0"/>
+              </a:rPr>
+              <a:t>&gt;</a:t>
+            </a:r>
+            <a:r>
+              <a:rPr lang="en-US" sz="1867" dirty="0">
+                <a:solidFill>
+                  <a:srgbClr val="000000"/>
+                </a:solidFill>
+                <a:latin typeface="Consolas" panose="020B0609020204030204" pitchFamily="49" charset="0"/>
+              </a:rPr>
+              <a:t>1.23:5959</a:t>
+            </a:r>
+            <a:r>
+              <a:rPr lang="en-US" sz="1867" dirty="0">
+                <a:solidFill>
+                  <a:srgbClr val="0000FF"/>
+                </a:solidFill>
+                <a:latin typeface="Consolas" panose="020B0609020204030204" pitchFamily="49" charset="0"/>
+              </a:rPr>
+              <a:t>&lt;/</a:t>
+            </a:r>
+            <a:r>
+              <a:rPr lang="en-US" sz="1867" dirty="0">
+                <a:solidFill>
+                  <a:srgbClr val="A31515"/>
+                </a:solidFill>
+                <a:latin typeface="Consolas" panose="020B0609020204030204" pitchFamily="49" charset="0"/>
+              </a:rPr>
+              <a:t>x:TimeSpan</a:t>
+            </a:r>
+            <a:r>
+              <a:rPr lang="en-US" sz="1867" dirty="0">
+                <a:solidFill>
+                  <a:srgbClr val="0000FF"/>
+                </a:solidFill>
+                <a:latin typeface="Consolas" panose="020B0609020204030204" pitchFamily="49" charset="0"/>
+              </a:rPr>
+              <a:t>&gt;</a:t>
+            </a:r>
+            <a:br>
+              <a:rPr lang="en-US" sz="1867" dirty="0">
+                <a:solidFill>
+                  <a:srgbClr val="0000FF"/>
+                </a:solidFill>
+                <a:latin typeface="Consolas" panose="020B0609020204030204" pitchFamily="49" charset="0"/>
+              </a:rPr>
+            </a:br>
+            <a:r>
+              <a:rPr lang="en-US" sz="1867" dirty="0">
+                <a:solidFill>
+                  <a:srgbClr val="0000FF"/>
+                </a:solidFill>
+                <a:latin typeface="Consolas" panose="020B0609020204030204" pitchFamily="49" charset="0"/>
+              </a:rPr>
+              <a:t>  &lt;</a:t>
+            </a:r>
+            <a:r>
+              <a:rPr lang="en-US" sz="1867" dirty="0" err="1">
+                <a:solidFill>
+                  <a:srgbClr val="A31515"/>
+                </a:solidFill>
+                <a:latin typeface="Consolas" panose="020B0609020204030204" pitchFamily="49" charset="0"/>
+              </a:rPr>
+              <a:t>x:Boolean</a:t>
+            </a:r>
+            <a:r>
+              <a:rPr lang="en-US" sz="1867" dirty="0">
+                <a:solidFill>
+                  <a:srgbClr val="A31515"/>
+                </a:solidFill>
+                <a:latin typeface="Consolas" panose="020B0609020204030204" pitchFamily="49" charset="0"/>
+              </a:rPr>
+              <a:t>  </a:t>
+            </a:r>
+            <a:r>
+              <a:rPr lang="en-US" sz="1867" dirty="0">
+                <a:solidFill>
+                  <a:srgbClr val="FF0000"/>
+                </a:solidFill>
+                <a:latin typeface="Consolas" panose="020B0609020204030204" pitchFamily="49" charset="0"/>
+              </a:rPr>
+              <a:t>x:Key</a:t>
+            </a:r>
+            <a:r>
+              <a:rPr lang="en-US" sz="1867" dirty="0">
+                <a:solidFill>
+                  <a:srgbClr val="0000FF"/>
+                </a:solidFill>
+                <a:latin typeface="Consolas" panose="020B0609020204030204" pitchFamily="49" charset="0"/>
+              </a:rPr>
+              <a:t>=</a:t>
+            </a:r>
+            <a:r>
+              <a:rPr lang="en-US" sz="1867" dirty="0">
+                <a:solidFill>
+                  <a:srgbClr val="000000"/>
+                </a:solidFill>
+                <a:latin typeface="Consolas" panose="020B0609020204030204" pitchFamily="49" charset="0"/>
+              </a:rPr>
+              <a:t>"</a:t>
+            </a:r>
+            <a:r>
+              <a:rPr lang="en-US" sz="1867" dirty="0">
+                <a:latin typeface="Consolas" panose="020B0609020204030204" pitchFamily="49" charset="0"/>
+              </a:rPr>
+              <a:t>...</a:t>
+            </a:r>
+            <a:r>
+              <a:rPr lang="en-US" sz="1867" dirty="0">
+                <a:solidFill>
+                  <a:srgbClr val="000000"/>
+                </a:solidFill>
+                <a:latin typeface="Consolas" panose="020B0609020204030204" pitchFamily="49" charset="0"/>
+              </a:rPr>
+              <a:t>"</a:t>
+            </a:r>
+            <a:r>
+              <a:rPr lang="en-US" sz="1867" dirty="0">
+                <a:solidFill>
+                  <a:srgbClr val="0000FF"/>
+                </a:solidFill>
+                <a:latin typeface="Consolas" panose="020B0609020204030204" pitchFamily="49" charset="0"/>
+              </a:rPr>
+              <a:t>&gt;</a:t>
+            </a:r>
+            <a:r>
+              <a:rPr lang="en-US" sz="1867" dirty="0">
+                <a:solidFill>
+                  <a:srgbClr val="000000"/>
+                </a:solidFill>
+                <a:latin typeface="Consolas" panose="020B0609020204030204" pitchFamily="49" charset="0"/>
+              </a:rPr>
+              <a:t>True</a:t>
+            </a:r>
+            <a:r>
+              <a:rPr lang="en-US" sz="1867" dirty="0">
+                <a:solidFill>
+                  <a:srgbClr val="0000FF"/>
+                </a:solidFill>
+                <a:latin typeface="Consolas" panose="020B0609020204030204" pitchFamily="49" charset="0"/>
+              </a:rPr>
+              <a:t>&lt;/</a:t>
+            </a:r>
+            <a:r>
+              <a:rPr lang="en-US" sz="1867" dirty="0">
+                <a:solidFill>
+                  <a:srgbClr val="A31515"/>
+                </a:solidFill>
+                <a:latin typeface="Consolas" panose="020B0609020204030204" pitchFamily="49" charset="0"/>
+              </a:rPr>
+              <a:t>x:Boolean</a:t>
+            </a:r>
+            <a:r>
+              <a:rPr lang="en-US" sz="1867" dirty="0">
+                <a:solidFill>
+                  <a:srgbClr val="0000FF"/>
+                </a:solidFill>
+                <a:latin typeface="Consolas" panose="020B0609020204030204" pitchFamily="49" charset="0"/>
+              </a:rPr>
+              <a:t>&gt;</a:t>
+            </a:r>
+          </a:p>
+          <a:p>
+            <a:r>
+              <a:rPr lang="en-US" sz="1867" dirty="0">
+                <a:solidFill>
+                  <a:srgbClr val="0000FF"/>
+                </a:solidFill>
+                <a:latin typeface="Consolas" panose="020B0609020204030204" pitchFamily="49" charset="0"/>
+              </a:rPr>
+              <a:t>&lt;/</a:t>
+            </a:r>
+            <a:r>
+              <a:rPr lang="en-US" sz="1867" dirty="0" err="1">
+                <a:solidFill>
+                  <a:srgbClr val="A31515"/>
+                </a:solidFill>
+                <a:latin typeface="Consolas" panose="020B0609020204030204" pitchFamily="49" charset="0"/>
+              </a:rPr>
+              <a:t>ResourceDictionary</a:t>
+            </a:r>
+            <a:r>
+              <a:rPr lang="en-US" sz="1867" dirty="0">
+                <a:solidFill>
+                  <a:srgbClr val="0000FF"/>
+                </a:solidFill>
+                <a:latin typeface="Consolas" panose="020B0609020204030204" pitchFamily="49" charset="0"/>
+              </a:rPr>
+              <a:t>&gt;</a:t>
+            </a:r>
+            <a:endParaRPr lang="en-US" sz="1867" dirty="0">
+              <a:latin typeface="Consolas" panose="020B0609020204030204" pitchFamily="49" charset="0"/>
+              <a:cs typeface="Consolas" panose="020B0609020204030204" pitchFamily="49" charset="0"/>
+            </a:endParaRPr>
+          </a:p>
+        </p:txBody>
+      </p:sp>
+      <p:sp>
+        <p:nvSpPr>
+          <p:cNvPr id="7" name="TextBox 6"/>
+          <p:cNvSpPr txBox="1"/>
+          <p:nvPr/>
+        </p:nvSpPr>
+        <p:spPr>
+          <a:xfrm>
+            <a:off x="638810" y="3029865"/>
+            <a:ext cx="2235201" cy="2308324"/>
+          </a:xfrm>
+          <a:prstGeom prst="rect">
+            <a:avLst/>
+          </a:prstGeom>
+          <a:noFill/>
+        </p:spPr>
+        <p:txBody>
+          <a:bodyPr wrap="square" rtlCol="0">
+            <a:spAutoFit/>
+          </a:bodyPr>
+          <a:lstStyle/>
+          <a:p>
+            <a:r>
+              <a:rPr lang="en-US" sz="2400" dirty="0">
+                <a:latin typeface="Consolas" panose="020B0609020204030204" pitchFamily="49" charset="0"/>
+                <a:cs typeface="Consolas" panose="020B0609020204030204" pitchFamily="49" charset="0"/>
+              </a:rPr>
+              <a:t>String</a:t>
+            </a:r>
+            <a:r>
+              <a:rPr lang="en-US" sz="2400" dirty="0">
+                <a:cs typeface="Segoe UI Light"/>
+              </a:rPr>
+              <a:t> </a:t>
+            </a:r>
+            <a:r>
+              <a:rPr lang="en-US" sz="2400" dirty="0">
+                <a:cs typeface="Segoe UI Light"/>
+                <a:sym typeface="Wingdings" panose="05000000000000000000" pitchFamily="2" charset="2"/>
+              </a:rPr>
+              <a:t>and</a:t>
+            </a:r>
+          </a:p>
+          <a:p>
+            <a:r>
+              <a:rPr lang="en-US" sz="2400" dirty="0">
+                <a:latin typeface="Consolas" panose="020B0609020204030204" pitchFamily="49" charset="0"/>
+                <a:cs typeface="Consolas" panose="020B0609020204030204" pitchFamily="49" charset="0"/>
+                <a:sym typeface="Wingdings" panose="05000000000000000000" pitchFamily="2" charset="2"/>
+              </a:rPr>
+              <a:t>Double</a:t>
+            </a:r>
+            <a:r>
+              <a:rPr lang="en-US" sz="2400" dirty="0">
+                <a:solidFill>
+                  <a:prstClr val="black"/>
+                </a:solidFill>
+                <a:cs typeface="Segoe UI Light"/>
+              </a:rPr>
+              <a:t> are</a:t>
+            </a:r>
+          </a:p>
+          <a:p>
+            <a:r>
+              <a:rPr lang="en-US" sz="2400" dirty="0">
+                <a:solidFill>
+                  <a:prstClr val="black"/>
+                </a:solidFill>
+                <a:cs typeface="Segoe UI Light"/>
+              </a:rPr>
+              <a:t>useful since</a:t>
+            </a:r>
+          </a:p>
+          <a:p>
+            <a:r>
+              <a:rPr lang="en-US" sz="2400" dirty="0">
+                <a:solidFill>
+                  <a:prstClr val="black"/>
+                </a:solidFill>
+                <a:cs typeface="Segoe UI Light"/>
+              </a:rPr>
+              <a:t>many UI</a:t>
+            </a:r>
+          </a:p>
+          <a:p>
+            <a:pPr lvl="0"/>
+            <a:r>
+              <a:rPr lang="en-US" sz="2400" dirty="0">
+                <a:solidFill>
+                  <a:prstClr val="black"/>
+                </a:solidFill>
+                <a:cs typeface="Segoe UI Light"/>
+              </a:rPr>
+              <a:t>properties use</a:t>
+            </a:r>
+          </a:p>
+          <a:p>
+            <a:pPr lvl="0"/>
+            <a:r>
+              <a:rPr lang="en-US" sz="2400" dirty="0">
+                <a:solidFill>
+                  <a:prstClr val="black"/>
+                </a:solidFill>
+                <a:cs typeface="Segoe UI Light"/>
+              </a:rPr>
+              <a:t>those types</a:t>
+            </a:r>
+            <a:endParaRPr lang="en-US" sz="2400" dirty="0">
+              <a:cs typeface="Segoe UI Light"/>
+            </a:endParaRPr>
+          </a:p>
+        </p:txBody>
+      </p:sp>
+      <p:cxnSp>
+        <p:nvCxnSpPr>
+          <p:cNvPr id="8" name="Straight Arrow Connector 7"/>
+          <p:cNvCxnSpPr/>
+          <p:nvPr/>
+        </p:nvCxnSpPr>
+        <p:spPr>
+          <a:xfrm rot="5400000" flipV="1">
+            <a:off x="2916497" y="3066523"/>
+            <a:ext cx="0" cy="548640"/>
+          </a:xfrm>
+          <a:prstGeom prst="straightConnector1">
+            <a:avLst/>
+          </a:prstGeom>
+          <a:ln w="28575" cmpd="sng">
+            <a:solidFill>
+              <a:schemeClr val="accent4"/>
+            </a:solidFill>
+            <a:tailEnd type="arrow"/>
+          </a:ln>
+          <a:effectLst/>
+        </p:spPr>
+        <p:style>
+          <a:lnRef idx="2">
+            <a:schemeClr val="accent1"/>
+          </a:lnRef>
+          <a:fillRef idx="0">
+            <a:schemeClr val="accent1"/>
+          </a:fillRef>
+          <a:effectRef idx="1">
+            <a:schemeClr val="accent1"/>
+          </a:effectRef>
+          <a:fontRef idx="minor">
+            <a:schemeClr val="tx1"/>
+          </a:fontRef>
+        </p:style>
+      </p:cxnSp>
+      <p:cxnSp>
+        <p:nvCxnSpPr>
+          <p:cNvPr id="9" name="Straight Arrow Connector 8"/>
+          <p:cNvCxnSpPr/>
+          <p:nvPr/>
+        </p:nvCxnSpPr>
+        <p:spPr>
+          <a:xfrm rot="5400000" flipV="1">
+            <a:off x="2916497" y="3925096"/>
+            <a:ext cx="0" cy="548640"/>
+          </a:xfrm>
+          <a:prstGeom prst="straightConnector1">
+            <a:avLst/>
+          </a:prstGeom>
+          <a:ln w="28575" cmpd="sng">
+            <a:solidFill>
+              <a:schemeClr val="accent4"/>
+            </a:solidFill>
+            <a:tailEnd type="arrow"/>
+          </a:ln>
+          <a:effectLst/>
+        </p:spPr>
+        <p:style>
+          <a:lnRef idx="2">
+            <a:schemeClr val="accent1"/>
+          </a:lnRef>
+          <a:fillRef idx="0">
+            <a:schemeClr val="accent1"/>
+          </a:fillRef>
+          <a:effectRef idx="1">
+            <a:schemeClr val="accent1"/>
+          </a:effectRef>
+          <a:fontRef idx="minor">
+            <a:schemeClr val="tx1"/>
+          </a:fontRef>
+        </p:style>
+      </p:cxnSp>
+    </p:spTree>
+    <p:extLst>
+      <p:ext uri="{BB962C8B-B14F-4D97-AF65-F5344CB8AC3E}">
+        <p14:creationId xmlns:p14="http://schemas.microsoft.com/office/powerpoint/2010/main" val="2232763932"/>
       </p:ext>
     </p:extLst>
   </p:cSld>

--- a/Slides/Workshop6 - App Themes.pptx
+++ b/Slides/Workshop6 - App Themes.pptx
@@ -8,7 +8,7 @@
     <p:notesMasterId r:id="rId32"/>
   </p:notesMasterIdLst>
   <p:sldIdLst>
-    <p:sldId id="10325" r:id="rId2"/>
+    <p:sldId id="10343" r:id="rId2"/>
     <p:sldId id="10330" r:id="rId3"/>
     <p:sldId id="261" r:id="rId4"/>
     <p:sldId id="263" r:id="rId5"/>
@@ -37,7 +37,7 @@
     <p:sldId id="10339" r:id="rId28"/>
     <p:sldId id="10340" r:id="rId29"/>
     <p:sldId id="10341" r:id="rId30"/>
-    <p:sldId id="10336" r:id="rId31"/>
+    <p:sldId id="10342" r:id="rId31"/>
   </p:sldIdLst>
   <p:sldSz cx="12192000" cy="6858000"/>
   <p:notesSz cx="6858000" cy="9144000"/>
@@ -252,7 +252,7 @@
           <a:p>
             <a:fld id="{A334C884-B1D7-A043-A4AA-521744755A4B}" type="datetimeFigureOut">
               <a:rPr lang="en-US" smtClean="0"/>
-              <a:t>3/29/2022</a:t>
+              <a:t>6/11/2024</a:t>
             </a:fld>
             <a:endParaRPr lang="en-US"/>
           </a:p>
@@ -2348,7 +2348,7 @@
           <a:p>
             <a:fld id="{E74353ED-ACB2-44BF-A903-985B0AF962B7}" type="datetime1">
               <a:rPr lang="en-US" smtClean="0"/>
-              <a:t>3/29/2022</a:t>
+              <a:t>6/11/2024</a:t>
             </a:fld>
             <a:endParaRPr lang="en-US" dirty="0"/>
           </a:p>
@@ -8947,7 +8947,7 @@
             </a:br>
             <a:r>
               <a:rPr lang="en-US" sz="5400" b="1" dirty="0"/>
-              <a:t>App Themes &amp; Resources</a:t>
+              <a:t>Part 6: App Themes &amp; Resources</a:t>
             </a:r>
           </a:p>
         </p:txBody>
@@ -8971,42 +8971,6 @@
           </a:p>
         </p:txBody>
       </p:sp>
-      <p:pic>
-        <p:nvPicPr>
-          <p:cNvPr id="14" name="Picture 13">
-            <a:extLst>
-              <a:ext uri="{FF2B5EF4-FFF2-40B4-BE49-F238E27FC236}">
-                <a16:creationId xmlns:a16="http://schemas.microsoft.com/office/drawing/2014/main" id="{2B9DAD5B-03C7-43FE-A3F9-29F44B946B48}"/>
-              </a:ext>
-            </a:extLst>
-          </p:cNvPr>
-          <p:cNvPicPr>
-            <a:picLocks noChangeAspect="1"/>
-          </p:cNvPicPr>
-          <p:nvPr/>
-        </p:nvPicPr>
-        <p:blipFill>
-          <a:blip r:embed="rId2">
-            <a:extLst>
-              <a:ext uri="{28A0092B-C50C-407E-A947-70E740481C1C}">
-                <a14:useLocalDpi xmlns:a14="http://schemas.microsoft.com/office/drawing/2010/main" val="0"/>
-              </a:ext>
-            </a:extLst>
-          </a:blip>
-          <a:stretch>
-            <a:fillRect/>
-          </a:stretch>
-        </p:blipFill>
-        <p:spPr>
-          <a:xfrm>
-            <a:off x="281182" y="4673121"/>
-            <a:ext cx="557054" cy="1890129"/>
-          </a:xfrm>
-          <a:prstGeom prst="rect">
-            <a:avLst/>
-          </a:prstGeom>
-        </p:spPr>
-      </p:pic>
       <p:sp>
         <p:nvSpPr>
           <p:cNvPr id="15" name="TextBox 14">
@@ -9021,7 +8985,7 @@
         </p:nvSpPr>
         <p:spPr>
           <a:xfrm>
-            <a:off x="1329544" y="4970898"/>
+            <a:off x="545772" y="5062410"/>
             <a:ext cx="5966529" cy="641215"/>
           </a:xfrm>
           <a:prstGeom prst="rect">
@@ -9056,7 +9020,7 @@
               <a:rPr lang="en-US" sz="1961" dirty="0">
                 <a:cs typeface="Arial"/>
               </a:rPr>
-              <a:t>James Montemagno</a:t>
+              <a:t>&lt;Name&gt;</a:t>
             </a:r>
           </a:p>
           <a:p>
@@ -9065,7 +9029,7 @@
                 <a:latin typeface="+mj-lt"/>
                 <a:cs typeface="Arial"/>
               </a:rPr>
-              <a:t>Principal Lead PM – Developer Community, Microsoft</a:t>
+              <a:t>&lt;Role&gt;</a:t>
             </a:r>
           </a:p>
         </p:txBody>
@@ -9084,7 +9048,7 @@
         </p:nvSpPr>
         <p:spPr>
           <a:xfrm>
-            <a:off x="1503286" y="5644613"/>
+            <a:off x="719514" y="5736125"/>
             <a:ext cx="2440268" cy="761555"/>
           </a:xfrm>
           <a:prstGeom prst="rect">
@@ -9108,7 +9072,7 @@
                 <a:latin typeface="+mj-lt"/>
                 <a:cs typeface="Arial"/>
               </a:rPr>
-              <a:t>@JamesMontemagno</a:t>
+              <a:t>@&lt;Twitter&gt;</a:t>
             </a:r>
           </a:p>
           <a:p>
@@ -9122,19 +9086,8 @@
                 <a:latin typeface="+mj-lt"/>
                 <a:cs typeface="Arial"/>
               </a:rPr>
-              <a:t>/</a:t>
-            </a:r>
-            <a:r>
-              <a:rPr lang="en-US" sz="1765" dirty="0" err="1">
-                <a:latin typeface="+mj-lt"/>
-                <a:cs typeface="Arial"/>
-              </a:rPr>
-              <a:t>JamesMontemagno</a:t>
-            </a:r>
-            <a:endParaRPr lang="en-US" sz="1765" dirty="0">
-              <a:latin typeface="+mj-lt"/>
-              <a:cs typeface="Arial"/>
-            </a:endParaRPr>
+              <a:t>/&lt;YouTube&gt;</a:t>
+            </a:r>
           </a:p>
         </p:txBody>
       </p:sp>
@@ -9144,6 +9097,53 @@
             <a:extLst>
               <a:ext uri="{FF2B5EF4-FFF2-40B4-BE49-F238E27FC236}">
                 <a16:creationId xmlns:a16="http://schemas.microsoft.com/office/drawing/2014/main" id="{5085402D-4D72-42FE-AEE3-940D913854DD}"/>
+              </a:ext>
+            </a:extLst>
+          </p:cNvPr>
+          <p:cNvPicPr>
+            <a:picLocks noChangeAspect="1" noChangeArrowheads="1"/>
+          </p:cNvPicPr>
+          <p:nvPr/>
+        </p:nvPicPr>
+        <p:blipFill>
+          <a:blip r:embed="rId2">
+            <a:extLst>
+              <a:ext uri="{28A0092B-C50C-407E-A947-70E740481C1C}">
+                <a14:useLocalDpi xmlns:a14="http://schemas.microsoft.com/office/drawing/2010/main" val="0"/>
+              </a:ext>
+            </a:extLst>
+          </a:blip>
+          <a:srcRect/>
+          <a:stretch>
+            <a:fillRect/>
+          </a:stretch>
+        </p:blipFill>
+        <p:spPr bwMode="auto">
+          <a:xfrm>
+            <a:off x="598110" y="5818062"/>
+            <a:ext cx="326511" cy="326511"/>
+          </a:xfrm>
+          <a:prstGeom prst="rect">
+            <a:avLst/>
+          </a:prstGeom>
+          <a:noFill/>
+          <a:extLst>
+            <a:ext uri="{909E8E84-426E-40DD-AFC4-6F175D3DCCD1}">
+              <a14:hiddenFill xmlns:a14="http://schemas.microsoft.com/office/drawing/2010/main">
+                <a:solidFill>
+                  <a:srgbClr val="FFFFFF"/>
+                </a:solidFill>
+              </a14:hiddenFill>
+            </a:ext>
+          </a:extLst>
+        </p:spPr>
+      </p:pic>
+      <p:pic>
+        <p:nvPicPr>
+          <p:cNvPr id="22" name="Picture 4" descr="See the source image">
+            <a:extLst>
+              <a:ext uri="{FF2B5EF4-FFF2-40B4-BE49-F238E27FC236}">
+                <a16:creationId xmlns:a16="http://schemas.microsoft.com/office/drawing/2014/main" id="{29903BF8-06F8-4657-993C-F74F21394EBB}"/>
               </a:ext>
             </a:extLst>
           </p:cNvPr>
@@ -9167,54 +9167,7 @@
         </p:blipFill>
         <p:spPr bwMode="auto">
           <a:xfrm>
-            <a:off x="1381882" y="5726550"/>
-            <a:ext cx="326511" cy="326511"/>
-          </a:xfrm>
-          <a:prstGeom prst="rect">
-            <a:avLst/>
-          </a:prstGeom>
-          <a:noFill/>
-          <a:extLst>
-            <a:ext uri="{909E8E84-426E-40DD-AFC4-6F175D3DCCD1}">
-              <a14:hiddenFill xmlns:a14="http://schemas.microsoft.com/office/drawing/2010/main">
-                <a:solidFill>
-                  <a:srgbClr val="FFFFFF"/>
-                </a:solidFill>
-              </a14:hiddenFill>
-            </a:ext>
-          </a:extLst>
-        </p:spPr>
-      </p:pic>
-      <p:pic>
-        <p:nvPicPr>
-          <p:cNvPr id="22" name="Picture 4" descr="See the source image">
-            <a:extLst>
-              <a:ext uri="{FF2B5EF4-FFF2-40B4-BE49-F238E27FC236}">
-                <a16:creationId xmlns:a16="http://schemas.microsoft.com/office/drawing/2014/main" id="{29903BF8-06F8-4657-993C-F74F21394EBB}"/>
-              </a:ext>
-            </a:extLst>
-          </p:cNvPr>
-          <p:cNvPicPr>
-            <a:picLocks noChangeAspect="1" noChangeArrowheads="1"/>
-          </p:cNvPicPr>
-          <p:nvPr/>
-        </p:nvPicPr>
-        <p:blipFill>
-          <a:blip r:embed="rId4">
-            <a:extLst>
-              <a:ext uri="{28A0092B-C50C-407E-A947-70E740481C1C}">
-                <a14:useLocalDpi xmlns:a14="http://schemas.microsoft.com/office/drawing/2010/main" val="0"/>
-              </a:ext>
-            </a:extLst>
-          </a:blip>
-          <a:srcRect/>
-          <a:stretch>
-            <a:fillRect/>
-          </a:stretch>
-        </p:blipFill>
-        <p:spPr bwMode="auto">
-          <a:xfrm>
-            <a:off x="1329544" y="6033686"/>
+            <a:off x="545772" y="6125198"/>
             <a:ext cx="431185" cy="431185"/>
           </a:xfrm>
           <a:prstGeom prst="rect">
@@ -9235,7 +9188,7 @@
     </p:spTree>
     <p:extLst>
       <p:ext uri="{BB962C8B-B14F-4D97-AF65-F5344CB8AC3E}">
-        <p14:creationId xmlns:p14="http://schemas.microsoft.com/office/powerpoint/2010/main" val="518800922"/>
+        <p14:creationId xmlns:p14="http://schemas.microsoft.com/office/powerpoint/2010/main" val="1272231778"/>
       </p:ext>
     </p:extLst>
   </p:cSld>
@@ -27155,7 +27108,7 @@
         </p:nvSpPr>
         <p:spPr bwMode="invGray">
           <a:xfrm>
-            <a:off x="796087" y="1295396"/>
+            <a:off x="657703" y="1535076"/>
             <a:ext cx="10321336" cy="821723"/>
           </a:xfrm>
           <a:prstGeom prst="rect">
@@ -27359,26 +27312,7 @@
                   <a:schemeClr val="tx1"/>
                 </a:solidFill>
               </a:rPr>
-              <a:t>Let’s Implement</a:t>
-            </a:r>
-          </a:p>
-          <a:p>
-            <a:pPr defTabSz="914367">
-              <a:lnSpc>
-                <a:spcPct val="60000"/>
-              </a:lnSpc>
-              <a:buClr>
-                <a:srgbClr val="FFFFFF"/>
-              </a:buClr>
-              <a:buSzPct val="90000"/>
-            </a:pPr>
-            <a:r>
-              <a:rPr lang="en-US" sz="7646" spc="0" dirty="0">
-                <a:solidFill>
-                  <a:schemeClr val="tx1"/>
-                </a:solidFill>
-              </a:rPr>
-              <a:t>App Themes</a:t>
+              <a:t>Let’s Make App Themes</a:t>
             </a:r>
             <a:endParaRPr lang="en-US" sz="7646" spc="0" dirty="0">
               <a:solidFill>
@@ -27389,82 +27323,6 @@
           </a:p>
         </p:txBody>
       </p:sp>
-      <p:sp>
-        <p:nvSpPr>
-          <p:cNvPr id="8" name="TextBox 7"/>
-          <p:cNvSpPr txBox="1"/>
-          <p:nvPr/>
-        </p:nvSpPr>
-        <p:spPr>
-          <a:xfrm>
-            <a:off x="4145965" y="-846623"/>
-            <a:ext cx="362072" cy="621556"/>
-          </a:xfrm>
-          <a:prstGeom prst="rect">
-            <a:avLst/>
-          </a:prstGeom>
-          <a:noFill/>
-        </p:spPr>
-        <p:txBody>
-          <a:bodyPr wrap="none" lIns="179285" tIns="143428" rIns="179285" bIns="143428" rtlCol="0">
-            <a:spAutoFit/>
-          </a:bodyPr>
-          <a:lstStyle/>
-          <a:p>
-            <a:pPr>
-              <a:lnSpc>
-                <a:spcPct val="90000"/>
-              </a:lnSpc>
-              <a:spcAft>
-                <a:spcPts val="588"/>
-              </a:spcAft>
-            </a:pPr>
-            <a:endParaRPr lang="en-US" sz="2353" dirty="0" err="1">
-              <a:gradFill>
-                <a:gsLst>
-                  <a:gs pos="2917">
-                    <a:schemeClr val="tx1"/>
-                  </a:gs>
-                  <a:gs pos="30000">
-                    <a:schemeClr val="tx1"/>
-                  </a:gs>
-                </a:gsLst>
-                <a:lin ang="5400000" scaled="0"/>
-              </a:gradFill>
-            </a:endParaRPr>
-          </a:p>
-        </p:txBody>
-      </p:sp>
-      <p:pic>
-        <p:nvPicPr>
-          <p:cNvPr id="7" name="Picture 6"/>
-          <p:cNvPicPr>
-            <a:picLocks noChangeAspect="1"/>
-          </p:cNvPicPr>
-          <p:nvPr/>
-        </p:nvPicPr>
-        <p:blipFill>
-          <a:blip r:embed="rId3">
-            <a:extLst>
-              <a:ext uri="{28A0092B-C50C-407E-A947-70E740481C1C}">
-                <a14:useLocalDpi xmlns:a14="http://schemas.microsoft.com/office/drawing/2010/main" val="0"/>
-              </a:ext>
-            </a:extLst>
-          </a:blip>
-          <a:stretch>
-            <a:fillRect/>
-          </a:stretch>
-        </p:blipFill>
-        <p:spPr>
-          <a:xfrm>
-            <a:off x="687982" y="4315297"/>
-            <a:ext cx="557054" cy="1890129"/>
-          </a:xfrm>
-          <a:prstGeom prst="rect">
-            <a:avLst/>
-          </a:prstGeom>
-        </p:spPr>
-      </p:pic>
       <p:sp>
         <p:nvSpPr>
           <p:cNvPr id="12" name="TextBox 11"/>
@@ -27473,8 +27331,8 @@
         </p:nvSpPr>
         <p:spPr>
           <a:xfrm>
-            <a:off x="1736344" y="4325390"/>
-            <a:ext cx="5966529" cy="942965"/>
+            <a:off x="843978" y="4501201"/>
+            <a:ext cx="5966529" cy="641215"/>
           </a:xfrm>
           <a:prstGeom prst="rect">
             <a:avLst/>
@@ -27508,19 +27366,8 @@
               <a:rPr lang="en-US" sz="1961" dirty="0">
                 <a:cs typeface="Arial"/>
               </a:rPr>
-              <a:t>James</a:t>
-            </a:r>
-          </a:p>
-          <a:p>
-            <a:r>
-              <a:rPr lang="en-US" sz="1961" dirty="0" err="1">
-                <a:cs typeface="Arial"/>
-              </a:rPr>
-              <a:t>Montemagno</a:t>
-            </a:r>
-            <a:endParaRPr lang="en-US" sz="1961" dirty="0">
-              <a:cs typeface="Arial"/>
-            </a:endParaRPr>
+              <a:t>&lt;Name&gt;</a:t>
+            </a:r>
           </a:p>
           <a:p>
             <a:r>
@@ -27528,7 +27375,7 @@
                 <a:latin typeface="+mj-lt"/>
                 <a:cs typeface="Arial"/>
               </a:rPr>
-              <a:t>Principal Lead PM – Developer Community, Microsoft</a:t>
+              <a:t>&lt;Title&gt;</a:t>
             </a:r>
           </a:p>
         </p:txBody>
@@ -27541,7 +27388,7 @@
         </p:nvCxnSpPr>
         <p:spPr>
           <a:xfrm flipV="1">
-            <a:off x="1775731" y="5590692"/>
+            <a:off x="883365" y="5615628"/>
             <a:ext cx="9367329" cy="4668"/>
           </a:xfrm>
           <a:prstGeom prst="line">
@@ -27578,7 +27425,7 @@
         </p:nvGrpSpPr>
         <p:grpSpPr>
           <a:xfrm>
-            <a:off x="1701029" y="5819466"/>
+            <a:off x="808663" y="5844402"/>
             <a:ext cx="9541633" cy="761555"/>
             <a:chOff x="1735137" y="5935662"/>
             <a:chExt cx="9732963" cy="776826"/>
@@ -27616,7 +27463,7 @@
                   <a:latin typeface="+mj-lt"/>
                   <a:cs typeface="Arial"/>
                 </a:rPr>
-                <a:t>motz@microsoft.com</a:t>
+                <a:t>&lt;email&gt;</a:t>
               </a:r>
             </a:p>
           </p:txBody>
@@ -27653,7 +27500,7 @@
                   <a:latin typeface="+mj-lt"/>
                   <a:cs typeface="Arial"/>
                 </a:rPr>
-                <a:t>montemagno.com</a:t>
+                <a:t>&lt;website&gt;</a:t>
               </a:r>
             </a:p>
           </p:txBody>
@@ -27690,7 +27537,7 @@
                   <a:latin typeface="+mj-lt"/>
                   <a:cs typeface="Arial"/>
                 </a:rPr>
-                <a:t>@JamesMontemagno</a:t>
+                <a:t>@&lt;twitter&gt;</a:t>
               </a:r>
             </a:p>
             <a:p>
@@ -27704,154 +27551,12 @@
                   <a:latin typeface="+mj-lt"/>
                   <a:cs typeface="Arial"/>
                 </a:rPr>
-                <a:t>/</a:t>
+                <a:t>/&lt;YouTube&gt;</a:t>
               </a:r>
-              <a:r>
-                <a:rPr lang="en-US" sz="1765" dirty="0" err="1">
-                  <a:latin typeface="+mj-lt"/>
-                  <a:cs typeface="Arial"/>
-                </a:rPr>
-                <a:t>JamesMontemagno</a:t>
-              </a:r>
-              <a:endParaRPr lang="en-US" sz="1765" dirty="0">
-                <a:latin typeface="+mj-lt"/>
-                <a:cs typeface="Arial"/>
-              </a:endParaRPr>
             </a:p>
           </p:txBody>
         </p:sp>
       </p:grpSp>
-      <p:pic>
-        <p:nvPicPr>
-          <p:cNvPr id="13" name="Picture 12">
-            <a:extLst>
-              <a:ext uri="{FF2B5EF4-FFF2-40B4-BE49-F238E27FC236}">
-                <a16:creationId xmlns:a16="http://schemas.microsoft.com/office/drawing/2014/main" id="{9D574FF3-0A98-4A53-BD42-1250F2BAA987}"/>
-              </a:ext>
-            </a:extLst>
-          </p:cNvPr>
-          <p:cNvPicPr>
-            <a:picLocks noChangeAspect="1"/>
-          </p:cNvPicPr>
-          <p:nvPr/>
-        </p:nvPicPr>
-        <p:blipFill>
-          <a:blip r:embed="rId4">
-            <a:extLst>
-              <a:ext uri="{28A0092B-C50C-407E-A947-70E740481C1C}">
-                <a14:useLocalDpi xmlns:a14="http://schemas.microsoft.com/office/drawing/2010/main"/>
-              </a:ext>
-            </a:extLst>
-          </a:blip>
-          <a:stretch>
-            <a:fillRect/>
-          </a:stretch>
-        </p:blipFill>
-        <p:spPr>
-          <a:xfrm>
-            <a:off x="8680990" y="1860519"/>
-            <a:ext cx="1491986" cy="1491986"/>
-          </a:xfrm>
-          <a:prstGeom prst="rect">
-            <a:avLst/>
-          </a:prstGeom>
-        </p:spPr>
-      </p:pic>
-      <p:sp>
-        <p:nvSpPr>
-          <p:cNvPr id="16" name="TextBox 15">
-            <a:extLst>
-              <a:ext uri="{FF2B5EF4-FFF2-40B4-BE49-F238E27FC236}">
-                <a16:creationId xmlns:a16="http://schemas.microsoft.com/office/drawing/2014/main" id="{C0775226-AE89-4EB3-80AD-2BED47FD58CE}"/>
-              </a:ext>
-            </a:extLst>
-          </p:cNvPr>
-          <p:cNvSpPr txBox="1"/>
-          <p:nvPr/>
-        </p:nvSpPr>
-        <p:spPr>
-          <a:xfrm>
-            <a:off x="7528441" y="3390702"/>
-            <a:ext cx="3797085" cy="926407"/>
-          </a:xfrm>
-          <a:prstGeom prst="rect">
-            <a:avLst/>
-          </a:prstGeom>
-          <a:noFill/>
-        </p:spPr>
-        <p:txBody>
-          <a:bodyPr wrap="square" rtlCol="0">
-            <a:spAutoFit/>
-          </a:bodyPr>
-          <a:lstStyle/>
-          <a:p>
-            <a:pPr marL="0" marR="0" lvl="0" indent="0" algn="ctr" defTabSz="457080" rtl="0" eaLnBrk="1" fontAlgn="auto" latinLnBrk="0" hangingPunct="1">
-              <a:lnSpc>
-                <a:spcPct val="130000"/>
-              </a:lnSpc>
-              <a:spcBef>
-                <a:spcPts val="0"/>
-              </a:spcBef>
-              <a:spcAft>
-                <a:spcPts val="0"/>
-              </a:spcAft>
-              <a:buClrTx/>
-              <a:buSzTx/>
-              <a:buFontTx/>
-              <a:buNone/>
-              <a:tabLst/>
-              <a:defRPr/>
-            </a:pPr>
-            <a:r>
-              <a:rPr kumimoji="0" lang="en-US" sz="2200" b="0" i="0" u="none" strike="noStrike" kern="0" cap="none" spc="0" normalizeH="0" baseline="0" noProof="0" dirty="0">
-                <a:ln>
-                  <a:noFill/>
-                </a:ln>
-                <a:effectLst/>
-                <a:uLnTx/>
-                <a:uFillTx/>
-                <a:latin typeface="Segoe UI Light"/>
-                <a:ea typeface=""/>
-                <a:cs typeface="Arial"/>
-              </a:rPr>
-              <a:t>Weekly development podcast</a:t>
-            </a:r>
-          </a:p>
-          <a:p>
-            <a:pPr marL="0" marR="0" lvl="0" indent="0" algn="ctr" defTabSz="457080" rtl="0" eaLnBrk="1" fontAlgn="auto" latinLnBrk="0" hangingPunct="1">
-              <a:lnSpc>
-                <a:spcPct val="130000"/>
-              </a:lnSpc>
-              <a:spcBef>
-                <a:spcPts val="0"/>
-              </a:spcBef>
-              <a:spcAft>
-                <a:spcPts val="0"/>
-              </a:spcAft>
-              <a:buClrTx/>
-              <a:buSzTx/>
-              <a:buFontTx/>
-              <a:buNone/>
-              <a:tabLst/>
-              <a:defRPr/>
-            </a:pPr>
-            <a:r>
-              <a:rPr kumimoji="0" lang="en-US" sz="2200" b="0" i="0" u="none" strike="noStrike" kern="0" cap="none" spc="0" normalizeH="0" baseline="0" noProof="0" dirty="0">
-                <a:ln>
-                  <a:noFill/>
-                </a:ln>
-                <a:effectLst/>
-                <a:uLnTx/>
-                <a:uFillTx/>
-                <a:latin typeface="Segoe UI Light"/>
-                <a:ea typeface=""/>
-                <a:cs typeface="Arial"/>
-              </a:rPr>
-              <a:t>mergeconflict.fm</a:t>
-            </a:r>
-          </a:p>
-        </p:txBody>
-      </p:sp>
       <p:pic>
         <p:nvPicPr>
           <p:cNvPr id="1026" name="Picture 2" descr="See the source image">
@@ -27867,7 +27572,7 @@
           <p:nvPr/>
         </p:nvPicPr>
         <p:blipFill>
-          <a:blip r:embed="rId5">
+          <a:blip r:embed="rId3">
             <a:extLst>
               <a:ext uri="{28A0092B-C50C-407E-A947-70E740481C1C}">
                 <a14:useLocalDpi xmlns:a14="http://schemas.microsoft.com/office/drawing/2010/main" val="0"/>
@@ -27881,7 +27586,7 @@
         </p:blipFill>
         <p:spPr bwMode="auto">
           <a:xfrm>
-            <a:off x="8680990" y="5901403"/>
+            <a:off x="7788624" y="5926339"/>
             <a:ext cx="326511" cy="326511"/>
           </a:xfrm>
           <a:prstGeom prst="rect">
@@ -27914,7 +27619,7 @@
           <p:nvPr/>
         </p:nvPicPr>
         <p:blipFill>
-          <a:blip r:embed="rId6">
+          <a:blip r:embed="rId4">
             <a:extLst>
               <a:ext uri="{28A0092B-C50C-407E-A947-70E740481C1C}">
                 <a14:useLocalDpi xmlns:a14="http://schemas.microsoft.com/office/drawing/2010/main" val="0"/>
@@ -27928,7 +27633,7 @@
         </p:blipFill>
         <p:spPr bwMode="auto">
           <a:xfrm>
-            <a:off x="8628652" y="6208539"/>
+            <a:off x="7736286" y="6233475"/>
             <a:ext cx="431185" cy="431185"/>
           </a:xfrm>
           <a:prstGeom prst="rect">
@@ -27949,7 +27654,7 @@
     </p:spTree>
     <p:extLst>
       <p:ext uri="{BB962C8B-B14F-4D97-AF65-F5344CB8AC3E}">
-        <p14:creationId xmlns:p14="http://schemas.microsoft.com/office/powerpoint/2010/main" val="3088602710"/>
+        <p14:creationId xmlns:p14="http://schemas.microsoft.com/office/powerpoint/2010/main" val="1975960378"/>
       </p:ext>
     </p:extLst>
   </p:cSld>
